--- a/Presentation_918_JiayuChen.pptx
+++ b/Presentation_918_JiayuChen.pptx
@@ -5275,7 +5275,7 @@
         <p:spPr>
           <a:xfrm>
             <a:off x="2064544" y="2606266"/>
-            <a:ext cx="7681913" cy="1200329"/>
+            <a:ext cx="7681913" cy="923330"/>
           </a:xfrm>
           <a:prstGeom prst="rect">
             <a:avLst/>
@@ -5298,11 +5298,8 @@
             </a:r>
             <a:r>
               <a:rPr lang="zh-CN" altLang="en-US" dirty="0"/>
-              <a:t>方法，会在即使没有噪声的情况下，极大的影响峰的高度，从而影响精度。而核心的原因在于，横轴上的细微差距，导致峰没有被对齐</a:t>
-            </a:r>
-            <a:endParaRPr lang="en-US" altLang="zh-CN" dirty="0"/>
-          </a:p>
-          <a:p>
+              <a:t>方法，会在即使没有噪声的情况下，极大的影响峰的高度，从而影响精度。而核心的原因在于，横轴上的细微差距，导致峰没有被对齐。</a:t>
+            </a:r>
             <a:endParaRPr lang="en-US" altLang="zh-CN" dirty="0"/>
           </a:p>
         </p:txBody>
@@ -6469,7 +6466,7 @@
         <p:spPr>
           <a:xfrm>
             <a:off x="1725568" y="1582340"/>
-            <a:ext cx="9486929" cy="3693319"/>
+            <a:ext cx="9933032" cy="4801314"/>
           </a:xfrm>
           <a:prstGeom prst="rect">
             <a:avLst/>
@@ -6484,58 +6481,54 @@
           <a:p>
             <a:r>
               <a:rPr lang="en-US" altLang="zh-CN" dirty="0"/>
-              <a:t>Work_1: Tutorial Writing: </a:t>
-            </a:r>
-          </a:p>
-          <a:p>
+              <a:t>Work_1: </a:t>
+            </a:r>
+          </a:p>
+          <a:p>
+            <a:pPr lvl="1"/>
             <a:r>
               <a:rPr lang="en-US" altLang="zh-CN" dirty="0"/>
-              <a:t>	1. </a:t>
-            </a:r>
-            <a:r>
-              <a:rPr lang="zh-CN" altLang="en-US" dirty="0"/>
-              <a:t>重构了</a:t>
-            </a:r>
+              <a:t>Tutorial Writing: </a:t>
+            </a:r>
+          </a:p>
+          <a:p>
+            <a:pPr lvl="1"/>
             <a:r>
               <a:rPr lang="en-US" altLang="zh-CN" dirty="0"/>
-              <a:t>Generate Wave() and Filter()</a:t>
-            </a:r>
-            <a:r>
-              <a:rPr lang="zh-CN" altLang="en-US" dirty="0"/>
-              <a:t>的所有函数</a:t>
-            </a:r>
+              <a:t>1. Refactor all functions in Generate Wave Module and Filter Module</a:t>
+            </a:r>
+          </a:p>
+          <a:p>
+            <a:pPr lvl="1"/>
+            <a:r>
+              <a:rPr lang="en-US" altLang="zh-CN" dirty="0"/>
+              <a:t>2. Add new features to the framework of the main function</a:t>
+            </a:r>
+          </a:p>
+          <a:p>
+            <a:pPr lvl="1"/>
+            <a:r>
+              <a:rPr lang="en-US" altLang="zh-CN" dirty="0"/>
+              <a:t>3. Write some notes in </a:t>
+            </a:r>
+            <a:r>
+              <a:rPr lang="en-US" altLang="zh-CN" dirty="0" err="1"/>
+              <a:t>ipynb</a:t>
+            </a:r>
+            <a:r>
+              <a:rPr lang="en-US" altLang="zh-CN" dirty="0"/>
+              <a:t> file about algorithm details.</a:t>
+            </a:r>
+          </a:p>
+          <a:p>
+            <a:pPr lvl="1"/>
+            <a:r>
+              <a:rPr lang="en-US" altLang="zh-CN" dirty="0"/>
+              <a:t>4. Learn 2 new filters (Matched Filer and Notch Filter)</a:t>
+            </a:r>
+          </a:p>
+          <a:p>
             <a:endParaRPr lang="en-US" altLang="zh-CN" dirty="0"/>
-          </a:p>
-          <a:p>
-            <a:r>
-              <a:rPr lang="en-US" altLang="zh-CN" dirty="0"/>
-              <a:t>	2. Add new features to the framework of the main function</a:t>
-            </a:r>
-          </a:p>
-          <a:p>
-            <a:r>
-              <a:rPr lang="en-US" altLang="zh-CN" dirty="0"/>
-              <a:t>	2. </a:t>
-            </a:r>
-            <a:r>
-              <a:rPr lang="zh-CN" altLang="en-US" dirty="0"/>
-              <a:t>写了一些关于使用的细节的笔记</a:t>
-            </a:r>
-            <a:endParaRPr lang="en-US" altLang="zh-CN" dirty="0"/>
-          </a:p>
-          <a:p>
-            <a:r>
-              <a:rPr lang="en-US" altLang="zh-CN" dirty="0"/>
-              <a:t>	3. </a:t>
-            </a:r>
-            <a:r>
-              <a:rPr lang="zh-CN" altLang="en-US" dirty="0"/>
-              <a:t>最后，在算法上增加了两个新的</a:t>
-            </a:r>
-            <a:r>
-              <a:rPr lang="en-US" altLang="zh-CN" dirty="0"/>
-              <a:t>filter(Matched filer and Notched filter)</a:t>
-            </a:r>
           </a:p>
           <a:p>
             <a:endParaRPr lang="en-US" altLang="zh-CN" dirty="0"/>
@@ -6545,13 +6538,12 @@
               <a:rPr lang="en-US" altLang="zh-CN" dirty="0"/>
               <a:t>Work_2: </a:t>
             </a:r>
-            <a:r>
-              <a:rPr lang="zh-CN" altLang="en-US" dirty="0"/>
-              <a:t>在很重回声的情况下，对寻找准确的分割周期</a:t>
-            </a:r>
+          </a:p>
+          <a:p>
+            <a:pPr lvl="1"/>
             <a:r>
               <a:rPr lang="en-US" altLang="zh-CN" dirty="0"/>
-              <a:t>.</a:t>
+              <a:t>In situations with heavy echoes, find an potential segmentation method.</a:t>
             </a:r>
           </a:p>
           <a:p>
@@ -6563,32 +6555,15 @@
           <a:p>
             <a:r>
               <a:rPr lang="en-US" altLang="zh-CN" dirty="0"/>
-              <a:t>Work_3: About Get Template. </a:t>
-            </a:r>
-            <a:r>
-              <a:rPr lang="zh-CN" altLang="en-US" dirty="0"/>
-              <a:t>根据观察，尝试去定义什么是获得</a:t>
-            </a:r>
+              <a:t>Work_3: </a:t>
+            </a:r>
+          </a:p>
+          <a:p>
+            <a:pPr lvl="1"/>
             <a:r>
               <a:rPr lang="en-US" altLang="zh-CN" dirty="0"/>
-              <a:t>SCG</a:t>
-            </a:r>
-            <a:r>
-              <a:rPr lang="zh-CN" altLang="en-US" dirty="0"/>
-              <a:t>信号</a:t>
-            </a:r>
-            <a:r>
-              <a:rPr lang="en-US" altLang="zh-CN" dirty="0"/>
-              <a:t>Template</a:t>
-            </a:r>
-            <a:r>
-              <a:rPr lang="zh-CN" altLang="en-US" dirty="0"/>
-              <a:t>好的算法。他由三个特征组成。并对做出了一定的探索。</a:t>
-            </a:r>
-            <a:endParaRPr lang="en-US" altLang="zh-CN" dirty="0"/>
-          </a:p>
-          <a:p>
-            <a:endParaRPr lang="en-US" altLang="zh-CN" dirty="0"/>
+              <a:t>About Get Template. Based on observation, an attempt has been made to define what constitutes a good algorithm for obtaining an SCG signal template. It consists of three features, and some exploration has been carried out.</a:t>
+            </a:r>
           </a:p>
         </p:txBody>
       </p:sp>
@@ -6685,8 +6660,8 @@
         </p:nvSpPr>
         <p:spPr>
           <a:xfrm>
-            <a:off x="1434833" y="2921168"/>
-            <a:ext cx="9900823" cy="1231106"/>
+            <a:off x="1816364" y="1513850"/>
+            <a:ext cx="9635068" cy="3508653"/>
           </a:xfrm>
           <a:prstGeom prst="rect">
             <a:avLst/>
@@ -6708,23 +6683,34 @@
             </a:r>
           </a:p>
           <a:p>
+            <a:pPr>
+              <a:defRPr/>
+            </a:pPr>
+            <a:endParaRPr lang="en-US" altLang="zh-CN" sz="2000" dirty="0"/>
+          </a:p>
+          <a:p>
+            <a:pPr>
+              <a:defRPr/>
+            </a:pPr>
+            <a:endParaRPr lang="en-US" altLang="zh-CN" sz="2000" dirty="0"/>
+          </a:p>
+          <a:p>
             <a:pPr marL="228600" indent="-228600">
               <a:buFontTx/>
               <a:buAutoNum type="arabicPeriod"/>
               <a:defRPr/>
             </a:pPr>
             <a:r>
-              <a:rPr lang="zh-CN" altLang="en-US" dirty="0"/>
-              <a:t>对</a:t>
-            </a:r>
-            <a:r>
               <a:rPr lang="en-US" altLang="zh-CN" dirty="0"/>
-              <a:t>Generate Wave Module(7) and Filter Module(4)</a:t>
-            </a:r>
-            <a:r>
-              <a:rPr lang="zh-CN" altLang="en-US" dirty="0"/>
-              <a:t>进行了完全的代码重构</a:t>
-            </a:r>
+              <a:t>I refactored Generate Wave Module(7) and Filter Module(4), including interfaces, visualization, code comments and more.</a:t>
+            </a:r>
+          </a:p>
+          <a:p>
+            <a:pPr marL="228600" indent="-228600">
+              <a:buFontTx/>
+              <a:buAutoNum type="arabicPeriod"/>
+              <a:defRPr/>
+            </a:pPr>
             <a:endParaRPr lang="en-US" altLang="zh-CN" dirty="0"/>
           </a:p>
           <a:p>
@@ -6746,10 +6732,9 @@
               <a:defRPr/>
             </a:pPr>
             <a:r>
-              <a:rPr lang="zh-CN" altLang="en-US" dirty="0"/>
-              <a:t>能够使用自己创建的信号做为输入。</a:t>
-            </a:r>
-            <a:endParaRPr lang="en-US" altLang="zh-CN" dirty="0"/>
+              <a:rPr lang="en-US" altLang="zh-CN" dirty="0"/>
+              <a:t>I added new feature that people can use the signal created by themselves as the input rather than only SCG signals.</a:t>
+            </a:r>
           </a:p>
           <a:p>
             <a:pPr marL="228600" marR="0" lvl="0" indent="-228600" algn="l" defTabSz="914400" rtl="0" eaLnBrk="1" fontAlgn="auto" latinLnBrk="0" hangingPunct="1">
@@ -6769,44 +6754,47 @@
               <a:tabLst/>
               <a:defRPr/>
             </a:pPr>
-            <a:r>
-              <a:rPr lang="zh-CN" altLang="en-US" dirty="0"/>
-              <a:t>增加了保存的功能</a:t>
-            </a:r>
             <a:endParaRPr lang="en-US" altLang="zh-CN" dirty="0"/>
           </a:p>
-        </p:txBody>
-      </p:sp>
-      <p:sp>
-        <p:nvSpPr>
-          <p:cNvPr id="7" name="文本框 6">
-            <a:extLst>
-              <a:ext uri="{FF2B5EF4-FFF2-40B4-BE49-F238E27FC236}">
-                <a16:creationId xmlns:a16="http://schemas.microsoft.com/office/drawing/2014/main" id="{CAC36208-2F50-AA07-25B1-7A74E536E909}"/>
-              </a:ext>
-            </a:extLst>
-          </p:cNvPr>
-          <p:cNvSpPr txBox="1"/>
-          <p:nvPr/>
-        </p:nvSpPr>
-        <p:spPr>
-          <a:xfrm>
-            <a:off x="1434833" y="4573677"/>
-            <a:ext cx="7006308" cy="400110"/>
-          </a:xfrm>
-          <a:prstGeom prst="rect">
-            <a:avLst/>
-          </a:prstGeom>
-          <a:noFill/>
-        </p:spPr>
-        <p:txBody>
-          <a:bodyPr wrap="square">
-            <a:spAutoFit/>
-          </a:bodyPr>
-          <a:lstStyle/>
-          <a:p>
-            <a:r>
-              <a:rPr lang="en-US" altLang="zh-CN" sz="2000" b="1" dirty="0">
+          <a:p>
+            <a:pPr marL="228600" marR="0" lvl="0" indent="-228600" algn="l" defTabSz="914400" rtl="0" eaLnBrk="1" fontAlgn="auto" latinLnBrk="0" hangingPunct="1">
+              <a:lnSpc>
+                <a:spcPct val="100000"/>
+              </a:lnSpc>
+              <a:spcBef>
+                <a:spcPts val="0"/>
+              </a:spcBef>
+              <a:spcAft>
+                <a:spcPts val="0"/>
+              </a:spcAft>
+              <a:buClrTx/>
+              <a:buSzTx/>
+              <a:buFontTx/>
+              <a:buAutoNum type="arabicPeriod"/>
+              <a:tabLst/>
+              <a:defRPr/>
+            </a:pPr>
+            <a:r>
+              <a:rPr lang="en-US" altLang="zh-CN" dirty="0"/>
+              <a:t>We can save the result.</a:t>
+            </a:r>
+          </a:p>
+          <a:p>
+            <a:pPr>
+              <a:defRPr/>
+            </a:pPr>
+            <a:endParaRPr lang="en-US" altLang="zh-CN" sz="1800" b="1" dirty="0">
+              <a:highlight>
+                <a:srgbClr val="FFFF00"/>
+              </a:highlight>
+            </a:endParaRPr>
+          </a:p>
+          <a:p>
+            <a:pPr>
+              <a:defRPr/>
+            </a:pPr>
+            <a:r>
+              <a:rPr lang="en-US" altLang="zh-CN" sz="1800" b="1" dirty="0">
                 <a:highlight>
                   <a:srgbClr val="FFFF00"/>
                 </a:highlight>
@@ -6909,8 +6897,8 @@
         </p:nvSpPr>
         <p:spPr>
           <a:xfrm>
-            <a:off x="1434833" y="1334931"/>
-            <a:ext cx="9900823" cy="3785652"/>
+            <a:off x="977634" y="927737"/>
+            <a:ext cx="10080892" cy="5940088"/>
           </a:xfrm>
           <a:prstGeom prst="rect">
             <a:avLst/>
@@ -6927,35 +6915,35 @@
               <a:defRPr/>
             </a:pPr>
             <a:r>
-              <a:rPr lang="zh-CN" altLang="en-US" sz="2000" dirty="0"/>
-              <a:t>对于笔记模块：</a:t>
-            </a:r>
-            <a:endParaRPr lang="en-US" altLang="zh-CN" sz="2000" dirty="0"/>
+              <a:rPr lang="en-US" altLang="zh-CN" sz="2000" dirty="0"/>
+              <a:t>For Notes</a:t>
+            </a:r>
           </a:p>
           <a:p>
             <a:pPr>
               <a:defRPr/>
             </a:pPr>
-            <a:r>
-              <a:rPr lang="zh-CN" altLang="en-US" sz="2000" dirty="0"/>
-              <a:t>开始对</a:t>
-            </a:r>
+            <a:endParaRPr lang="en-US" altLang="zh-CN" sz="2000" dirty="0"/>
+          </a:p>
+          <a:p>
+            <a:pPr>
+              <a:defRPr/>
+            </a:pPr>
+            <a:endParaRPr lang="en-US" altLang="zh-CN" sz="2000" dirty="0"/>
+          </a:p>
+          <a:p>
+            <a:pPr>
+              <a:defRPr/>
+            </a:pPr>
             <a:r>
               <a:rPr lang="en-US" altLang="zh-CN" sz="2000" dirty="0"/>
-              <a:t>Tutorial</a:t>
-            </a:r>
-            <a:r>
-              <a:rPr lang="zh-CN" altLang="en-US" sz="2000" dirty="0"/>
-              <a:t>中的模块进行一个理论上的学习（这一部分，很可能以后被编入函数的</a:t>
-            </a:r>
-            <a:r>
-              <a:rPr lang="en-US" altLang="zh-CN" sz="2000" dirty="0"/>
-              <a:t>docstring</a:t>
-            </a:r>
-            <a:r>
-              <a:rPr lang="zh-CN" altLang="en-US" sz="2000" dirty="0"/>
-              <a:t>中）</a:t>
-            </a:r>
+              <a:t>Start studying and documenting theoretical aspects of the tutorial content (some parts may be included in the docstring of functions in the future). </a:t>
+            </a:r>
+          </a:p>
+          <a:p>
+            <a:pPr>
+              <a:defRPr/>
+            </a:pPr>
             <a:endParaRPr lang="en-US" altLang="zh-CN" sz="2000" dirty="0"/>
           </a:p>
           <a:p>
@@ -6964,98 +6952,9 @@
               <a:defRPr/>
             </a:pPr>
             <a:r>
-              <a:rPr lang="zh-CN" altLang="en-US" sz="2000" dirty="0"/>
-              <a:t>不同小波独特的性质，以及各自的形状</a:t>
-            </a:r>
-            <a:endParaRPr lang="en-US" altLang="zh-CN" sz="2000" dirty="0"/>
-          </a:p>
-          <a:p>
-            <a:pPr marL="457200" indent="-457200">
-              <a:buAutoNum type="arabicPeriod"/>
-              <a:defRPr/>
-            </a:pPr>
-            <a:r>
               <a:rPr lang="en-US" altLang="zh-CN" sz="2000" dirty="0"/>
-              <a:t>Notched Filter</a:t>
-            </a:r>
-            <a:r>
-              <a:rPr lang="zh-CN" altLang="en-US" sz="2000" dirty="0"/>
-              <a:t>和</a:t>
-            </a:r>
-            <a:r>
-              <a:rPr lang="en-US" altLang="zh-CN" sz="2000" dirty="0"/>
-              <a:t>Butterworth </a:t>
-            </a:r>
-            <a:r>
-              <a:rPr lang="en-US" altLang="zh-CN" sz="2000" dirty="0" err="1"/>
-              <a:t>Bandstop</a:t>
-            </a:r>
-            <a:r>
-              <a:rPr lang="en-US" altLang="zh-CN" sz="2000" dirty="0"/>
-              <a:t> Filter</a:t>
-            </a:r>
-            <a:r>
-              <a:rPr lang="zh-CN" altLang="en-US" sz="2000" dirty="0"/>
-              <a:t>的理论区别和实际对于</a:t>
-            </a:r>
-            <a:r>
-              <a:rPr lang="en-US" altLang="zh-CN" sz="2000" dirty="0" err="1"/>
-              <a:t>scg</a:t>
-            </a:r>
-            <a:r>
-              <a:rPr lang="zh-CN" altLang="en-US" sz="2000" dirty="0"/>
-              <a:t>信号的效果</a:t>
-            </a:r>
-            <a:endParaRPr lang="en-US" altLang="zh-CN" sz="2000" dirty="0"/>
-          </a:p>
-          <a:p>
-            <a:pPr>
-              <a:defRPr/>
-            </a:pPr>
-            <a:endParaRPr lang="en-US" altLang="zh-CN" sz="2000" dirty="0"/>
-          </a:p>
-          <a:p>
-            <a:pPr>
-              <a:defRPr/>
-            </a:pPr>
-            <a:r>
-              <a:rPr lang="zh-CN" altLang="en-US" sz="2000" dirty="0"/>
-              <a:t>同时，把自己对一些算法的尝试，做成了</a:t>
-            </a:r>
-            <a:r>
-              <a:rPr lang="en-US" altLang="zh-CN" sz="2000" dirty="0"/>
-              <a:t>playground:</a:t>
-            </a:r>
-          </a:p>
-          <a:p>
-            <a:pPr marL="457200" indent="-457200">
-              <a:buAutoNum type="arabicPeriod"/>
-              <a:defRPr/>
-            </a:pPr>
-            <a:r>
-              <a:rPr lang="zh-CN" altLang="en-US" sz="2000" dirty="0"/>
-              <a:t>不同小波对于</a:t>
-            </a:r>
-            <a:r>
-              <a:rPr lang="en-US" altLang="zh-CN" sz="2000" dirty="0"/>
-              <a:t>SCG</a:t>
-            </a:r>
-            <a:r>
-              <a:rPr lang="zh-CN" altLang="en-US" sz="2000" dirty="0"/>
-              <a:t>信号分解的结果的不同。</a:t>
-            </a:r>
-            <a:endParaRPr lang="en-US" altLang="zh-CN" sz="2000" dirty="0"/>
-          </a:p>
-          <a:p>
-            <a:pPr marL="457200" indent="-457200">
-              <a:buAutoNum type="arabicPeriod"/>
-              <a:defRPr/>
-            </a:pPr>
-            <a:r>
-              <a:rPr lang="zh-CN" altLang="en-US" sz="2000" dirty="0"/>
-              <a:t>小波分解与经验小波转换的区别</a:t>
-            </a:r>
-            <a:endParaRPr lang="en-US" altLang="zh-CN" sz="2000" dirty="0"/>
+              <a:t>Unique properties and shapes of Different wavelets</a:t>
+            </a:r>
           </a:p>
           <a:p>
             <a:pPr marL="457200" indent="-457200">
@@ -7065,41 +6964,50 @@
             <a:endParaRPr lang="en-US" altLang="zh-CN" sz="2000" dirty="0"/>
           </a:p>
           <a:p>
+            <a:pPr marL="457200" indent="-457200">
+              <a:buAutoNum type="arabicPeriod"/>
+              <a:defRPr/>
+            </a:pPr>
+            <a:r>
+              <a:rPr lang="en-US" altLang="zh-CN" sz="2000" dirty="0"/>
+              <a:t>The theoretical differences between Notched Filter and Butterworth </a:t>
+            </a:r>
+            <a:r>
+              <a:rPr lang="en-US" altLang="zh-CN" sz="2000" dirty="0" err="1"/>
+              <a:t>Bandstop</a:t>
+            </a:r>
+            <a:r>
+              <a:rPr lang="en-US" altLang="zh-CN" sz="2000" dirty="0"/>
+              <a:t> Filter, as well as their practical effects when applied to SCG signals.</a:t>
+            </a:r>
+          </a:p>
+          <a:p>
+            <a:pPr marL="457200" indent="-457200">
+              <a:buAutoNum type="arabicPeriod"/>
+              <a:defRPr/>
+            </a:pPr>
+            <a:endParaRPr lang="en-US" altLang="zh-CN" sz="2000" dirty="0"/>
+          </a:p>
+          <a:p>
+            <a:pPr marL="457200" indent="-457200">
+              <a:buAutoNum type="arabicPeriod"/>
+              <a:defRPr/>
+            </a:pPr>
+            <a:r>
+              <a:rPr lang="en-US" altLang="zh-CN" sz="2000" dirty="0"/>
+              <a:t>I turned my attempts with certain algorithms into a playground, such as differences in SCG signals using different wavelets and distinctions between discrete wavelet transform(DWT) and empirical wavelet transform(EWT).</a:t>
+            </a:r>
+          </a:p>
+          <a:p>
             <a:pPr>
               <a:defRPr/>
             </a:pPr>
-            <a:endParaRPr lang="en-US" altLang="zh-CN" sz="2000" i="1" dirty="0"/>
-          </a:p>
-        </p:txBody>
-      </p:sp>
-      <p:sp>
-        <p:nvSpPr>
-          <p:cNvPr id="7" name="文本框 6">
-            <a:extLst>
-              <a:ext uri="{FF2B5EF4-FFF2-40B4-BE49-F238E27FC236}">
-                <a16:creationId xmlns:a16="http://schemas.microsoft.com/office/drawing/2014/main" id="{CAC36208-2F50-AA07-25B1-7A74E536E909}"/>
-              </a:ext>
-            </a:extLst>
-          </p:cNvPr>
-          <p:cNvSpPr txBox="1"/>
-          <p:nvPr/>
-        </p:nvSpPr>
-        <p:spPr>
-          <a:xfrm>
-            <a:off x="1434833" y="5331323"/>
-            <a:ext cx="7006308" cy="400110"/>
-          </a:xfrm>
-          <a:prstGeom prst="rect">
-            <a:avLst/>
-          </a:prstGeom>
-          <a:noFill/>
-        </p:spPr>
-        <p:txBody>
-          <a:bodyPr wrap="square">
-            <a:spAutoFit/>
-          </a:bodyPr>
-          <a:lstStyle/>
-          <a:p>
+            <a:endParaRPr lang="en-US" altLang="zh-CN" sz="2000" dirty="0"/>
+          </a:p>
+          <a:p>
+            <a:pPr>
+              <a:defRPr/>
+            </a:pPr>
             <a:r>
               <a:rPr lang="en-US" altLang="zh-CN" sz="2000" b="1" dirty="0">
                 <a:highlight>
@@ -7204,8 +7112,8 @@
         </p:nvSpPr>
         <p:spPr>
           <a:xfrm>
-            <a:off x="1217119" y="1854905"/>
-            <a:ext cx="9900823" cy="1785104"/>
+            <a:off x="1145588" y="1854905"/>
+            <a:ext cx="9900823" cy="2616101"/>
           </a:xfrm>
           <a:prstGeom prst="rect">
             <a:avLst/>
@@ -7227,9 +7135,12 @@
             <a:endParaRPr lang="en-US" altLang="zh-CN" dirty="0"/>
           </a:p>
           <a:p>
+            <a:endParaRPr lang="en-US" altLang="zh-CN" dirty="0"/>
+          </a:p>
+          <a:p>
             <a:r>
               <a:rPr lang="en-US" altLang="zh-CN" dirty="0"/>
-              <a:t>Notched filter and Match filter have been tried in SCG Signals. </a:t>
+              <a:t>Matched Filter and Notch Filter have been tested on SCG signals. </a:t>
             </a:r>
           </a:p>
           <a:p>
@@ -7237,42 +7148,26 @@
           </a:p>
           <a:p>
             <a:r>
-              <a:rPr lang="zh-CN" altLang="en-US" dirty="0"/>
-              <a:t>他们不像上周的</a:t>
-            </a:r>
-            <a:r>
               <a:rPr lang="en-US" altLang="zh-CN" dirty="0"/>
-              <a:t>S </a:t>
-            </a:r>
-            <a:r>
-              <a:rPr lang="zh-CN" altLang="en-US" dirty="0"/>
-              <a:t>和 </a:t>
+              <a:t>Unlike last week's Wiener filter and </a:t>
             </a:r>
             <a:r>
               <a:rPr lang="en-US" altLang="zh-CN" dirty="0" err="1"/>
-              <a:t>Winener</a:t>
+              <a:t>Savitzky-Golay</a:t>
             </a:r>
             <a:r>
               <a:rPr lang="en-US" altLang="zh-CN" dirty="0"/>
-              <a:t> Filer</a:t>
-            </a:r>
-            <a:r>
-              <a:rPr lang="zh-CN" altLang="en-US" dirty="0"/>
-              <a:t>产生意外的好效果。似乎很难将其应用在</a:t>
-            </a:r>
+              <a:t> filter, they didn't produce unexpectedly good results. </a:t>
+            </a:r>
+          </a:p>
+          <a:p>
+            <a:endParaRPr lang="en-US" altLang="zh-CN" dirty="0"/>
+          </a:p>
+          <a:p>
             <a:r>
               <a:rPr lang="en-US" altLang="zh-CN" dirty="0"/>
-              <a:t>SCG </a:t>
-            </a:r>
-            <a:r>
-              <a:rPr lang="en-US" altLang="zh-CN" dirty="0" err="1"/>
-              <a:t>Sgina</a:t>
-            </a:r>
-            <a:r>
-              <a:rPr lang="zh-CN" altLang="en-US" dirty="0"/>
-              <a:t>的降噪上</a:t>
-            </a:r>
-            <a:endParaRPr lang="en-US" altLang="zh-CN" dirty="0"/>
+              <a:t>It seems challenging to apply them for noise reduction in SCG signals.</a:t>
+            </a:r>
           </a:p>
         </p:txBody>
       </p:sp>
@@ -7369,8 +7264,8 @@
         </p:nvSpPr>
         <p:spPr>
           <a:xfrm>
-            <a:off x="985838" y="1078706"/>
-            <a:ext cx="10072687" cy="1754326"/>
+            <a:off x="950119" y="914399"/>
+            <a:ext cx="10622756" cy="2862322"/>
           </a:xfrm>
           <a:prstGeom prst="rect">
             <a:avLst/>
@@ -7399,35 +7294,20 @@
           </a:p>
           <a:p>
             <a:r>
-              <a:rPr lang="zh-CN" altLang="en-US" dirty="0"/>
-              <a:t>有很强回声的数据，几乎没有办法通过去定位大峰来进行周期分割</a:t>
-            </a:r>
+              <a:rPr lang="en-US" altLang="zh-CN" dirty="0"/>
+              <a:t>In data with strong echoes, it's nearly impossible to perform cycle segmentation by locating large peaks.</a:t>
+            </a:r>
+          </a:p>
+          <a:p>
             <a:endParaRPr lang="en-US" altLang="zh-CN" dirty="0"/>
           </a:p>
           <a:p>
-            <a:r>
-              <a:rPr lang="zh-CN" altLang="en-US" dirty="0"/>
-              <a:t>同时，直接使用</a:t>
-            </a:r>
+            <a:endParaRPr lang="en-US" altLang="zh-CN" dirty="0"/>
+          </a:p>
+          <a:p>
             <a:r>
               <a:rPr lang="en-US" altLang="zh-CN" dirty="0"/>
-              <a:t>Heart Rate</a:t>
-            </a:r>
-            <a:r>
-              <a:rPr lang="zh-CN" altLang="en-US" dirty="0"/>
-              <a:t>进行分隔，会出现非常严重的</a:t>
-            </a:r>
-            <a:r>
-              <a:rPr lang="en-US" altLang="zh-CN" dirty="0"/>
-              <a:t>time shift(</a:t>
-            </a:r>
-            <a:r>
-              <a:rPr lang="zh-CN" altLang="en-US" dirty="0"/>
-              <a:t>下图展示</a:t>
-            </a:r>
-            <a:r>
-              <a:rPr lang="en-US" altLang="zh-CN" dirty="0"/>
-              <a:t>).</a:t>
+              <a:t>At the same time, directly using Heart Rate as the cycle length for segmentation results in a significant time shift (as shown in the figure below).</a:t>
             </a:r>
           </a:p>
         </p:txBody>
@@ -7525,8 +7405,8 @@
         </p:nvSpPr>
         <p:spPr>
           <a:xfrm>
-            <a:off x="2943831" y="1065491"/>
-            <a:ext cx="6097190" cy="1200329"/>
+            <a:off x="2081515" y="1586985"/>
+            <a:ext cx="8028970" cy="2585323"/>
           </a:xfrm>
           <a:prstGeom prst="rect">
             <a:avLst/>
@@ -7540,9 +7420,11 @@
           <a:lstStyle/>
           <a:p>
             <a:r>
-              <a:rPr lang="zh-CN" altLang="en-US" dirty="0"/>
-              <a:t>在一个相对短的时间内，噪声的产生不会有很大的区别</a:t>
-            </a:r>
+              <a:rPr lang="en-US" altLang="zh-CN" dirty="0"/>
+              <a:t>Within a relatively short timeframe, the patterns generated by echoes remain relatively consistent and don't exhibit significant variations.</a:t>
+            </a:r>
+          </a:p>
+          <a:p>
             <a:endParaRPr lang="en-US" altLang="zh-CN" dirty="0"/>
           </a:p>
           <a:p>
@@ -7550,10 +7432,18 @@
           </a:p>
           <a:p>
             <a:r>
-              <a:rPr lang="zh-CN" altLang="en-US" dirty="0"/>
-              <a:t>所以，使用自回归进行噪声分隔是个好的想法。下面展示两个例子：峰特别稀少，和峰特别多的情况。</a:t>
-            </a:r>
+              <a:rPr lang="en-US" altLang="zh-CN" dirty="0"/>
+              <a:t>So, using autocorrelation for separation is a good idea. </a:t>
+            </a:r>
+          </a:p>
+          <a:p>
             <a:endParaRPr lang="en-US" altLang="zh-CN" dirty="0"/>
+          </a:p>
+          <a:p>
+            <a:r>
+              <a:rPr lang="en-US" altLang="zh-CN" dirty="0"/>
+              <a:t>Below are two examples: one with very few peaks and another with a high number of peaks.</a:t>
+            </a:r>
           </a:p>
         </p:txBody>
       </p:sp>

--- a/Presentation_918_JiayuChen.pptx
+++ b/Presentation_918_JiayuChen.pptx
@@ -224,7 +224,7 @@
           <a:p>
             <a:fld id="{F724740E-8F52-4821-8A8D-03DDEC038A3B}" type="datetimeFigureOut">
               <a:rPr lang="zh-CN" altLang="en-US" smtClean="0"/>
-              <a:t>2023-09-17</a:t>
+              <a:t>2023-09-18</a:t>
             </a:fld>
             <a:endParaRPr lang="zh-CN" altLang="en-US"/>
           </a:p>
@@ -625,6 +625,36 @@
           <a:p>
             <a:endParaRPr lang="en-US" altLang="zh-CN" dirty="0"/>
           </a:p>
+          <a:p>
+            <a:r>
+              <a:rPr lang="en-US" altLang="zh-CN" dirty="0"/>
+              <a:t>For D Prediction:</a:t>
+            </a:r>
+          </a:p>
+          <a:p>
+            <a:r>
+              <a:rPr lang="en-US" altLang="zh-CN" dirty="0"/>
+              <a:t>The reason is peaks are not aligned properly. Both mean and median methods significantly affect height of small peaks, leading to a decrease in their accuracy.</a:t>
+            </a:r>
+          </a:p>
+          <a:p>
+            <a:endParaRPr lang="en-US" altLang="zh-CN" dirty="0"/>
+          </a:p>
+          <a:p>
+            <a:r>
+              <a:rPr lang="en-US" altLang="zh-CN" dirty="0"/>
+              <a:t>For S prediction:</a:t>
+            </a:r>
+          </a:p>
+          <a:p>
+            <a:r>
+              <a:rPr lang="en-US" altLang="zh-CN" dirty="0"/>
+              <a:t>Due to the limitation of the sampling rate, even with a perfect "Get Template" algorithm, the S prediction result is still not as good as that of the "No Template" algorithm.</a:t>
+            </a:r>
+          </a:p>
+          <a:p>
+            <a:endParaRPr lang="en-US" altLang="zh-CN" dirty="0"/>
+          </a:p>
         </p:txBody>
       </p:sp>
       <p:sp>
@@ -1995,7 +2025,7 @@
           <a:p>
             <a:fld id="{5647DC1B-4743-47FE-A400-A2B750CAD470}" type="datetimeFigureOut">
               <a:rPr lang="zh-CN" altLang="en-US" smtClean="0"/>
-              <a:t>2023-09-17</a:t>
+              <a:t>2023-09-18</a:t>
             </a:fld>
             <a:endParaRPr lang="zh-CN" altLang="en-US"/>
           </a:p>
@@ -2193,7 +2223,7 @@
           <a:p>
             <a:fld id="{5647DC1B-4743-47FE-A400-A2B750CAD470}" type="datetimeFigureOut">
               <a:rPr lang="zh-CN" altLang="en-US" smtClean="0"/>
-              <a:t>2023-09-17</a:t>
+              <a:t>2023-09-18</a:t>
             </a:fld>
             <a:endParaRPr lang="zh-CN" altLang="en-US"/>
           </a:p>
@@ -2401,7 +2431,7 @@
           <a:p>
             <a:fld id="{5647DC1B-4743-47FE-A400-A2B750CAD470}" type="datetimeFigureOut">
               <a:rPr lang="zh-CN" altLang="en-US" smtClean="0"/>
-              <a:t>2023-09-17</a:t>
+              <a:t>2023-09-18</a:t>
             </a:fld>
             <a:endParaRPr lang="zh-CN" altLang="en-US"/>
           </a:p>
@@ -2599,7 +2629,7 @@
           <a:p>
             <a:fld id="{5647DC1B-4743-47FE-A400-A2B750CAD470}" type="datetimeFigureOut">
               <a:rPr lang="zh-CN" altLang="en-US" smtClean="0"/>
-              <a:t>2023-09-17</a:t>
+              <a:t>2023-09-18</a:t>
             </a:fld>
             <a:endParaRPr lang="zh-CN" altLang="en-US"/>
           </a:p>
@@ -2874,7 +2904,7 @@
           <a:p>
             <a:fld id="{5647DC1B-4743-47FE-A400-A2B750CAD470}" type="datetimeFigureOut">
               <a:rPr lang="zh-CN" altLang="en-US" smtClean="0"/>
-              <a:t>2023-09-17</a:t>
+              <a:t>2023-09-18</a:t>
             </a:fld>
             <a:endParaRPr lang="zh-CN" altLang="en-US"/>
           </a:p>
@@ -3139,7 +3169,7 @@
           <a:p>
             <a:fld id="{5647DC1B-4743-47FE-A400-A2B750CAD470}" type="datetimeFigureOut">
               <a:rPr lang="zh-CN" altLang="en-US" smtClean="0"/>
-              <a:t>2023-09-17</a:t>
+              <a:t>2023-09-18</a:t>
             </a:fld>
             <a:endParaRPr lang="zh-CN" altLang="en-US"/>
           </a:p>
@@ -3551,7 +3581,7 @@
           <a:p>
             <a:fld id="{5647DC1B-4743-47FE-A400-A2B750CAD470}" type="datetimeFigureOut">
               <a:rPr lang="zh-CN" altLang="en-US" smtClean="0"/>
-              <a:t>2023-09-17</a:t>
+              <a:t>2023-09-18</a:t>
             </a:fld>
             <a:endParaRPr lang="zh-CN" altLang="en-US"/>
           </a:p>
@@ -3692,7 +3722,7 @@
           <a:p>
             <a:fld id="{5647DC1B-4743-47FE-A400-A2B750CAD470}" type="datetimeFigureOut">
               <a:rPr lang="zh-CN" altLang="en-US" smtClean="0"/>
-              <a:t>2023-09-17</a:t>
+              <a:t>2023-09-18</a:t>
             </a:fld>
             <a:endParaRPr lang="zh-CN" altLang="en-US"/>
           </a:p>
@@ -3805,7 +3835,7 @@
           <a:p>
             <a:fld id="{5647DC1B-4743-47FE-A400-A2B750CAD470}" type="datetimeFigureOut">
               <a:rPr lang="zh-CN" altLang="en-US" smtClean="0"/>
-              <a:t>2023-09-17</a:t>
+              <a:t>2023-09-18</a:t>
             </a:fld>
             <a:endParaRPr lang="zh-CN" altLang="en-US"/>
           </a:p>
@@ -4116,7 +4146,7 @@
           <a:p>
             <a:fld id="{5647DC1B-4743-47FE-A400-A2B750CAD470}" type="datetimeFigureOut">
               <a:rPr lang="zh-CN" altLang="en-US" smtClean="0"/>
-              <a:t>2023-09-17</a:t>
+              <a:t>2023-09-18</a:t>
             </a:fld>
             <a:endParaRPr lang="zh-CN" altLang="en-US"/>
           </a:p>
@@ -4404,7 +4434,7 @@
           <a:p>
             <a:fld id="{5647DC1B-4743-47FE-A400-A2B750CAD470}" type="datetimeFigureOut">
               <a:rPr lang="zh-CN" altLang="en-US" smtClean="0"/>
-              <a:t>2023-09-17</a:t>
+              <a:t>2023-09-18</a:t>
             </a:fld>
             <a:endParaRPr lang="zh-CN" altLang="en-US"/>
           </a:p>
@@ -4645,7 +4675,7 @@
           <a:p>
             <a:fld id="{5647DC1B-4743-47FE-A400-A2B750CAD470}" type="datetimeFigureOut">
               <a:rPr lang="zh-CN" altLang="en-US" smtClean="0"/>
-              <a:t>2023-09-17</a:t>
+              <a:t>2023-09-18</a:t>
             </a:fld>
             <a:endParaRPr lang="zh-CN" altLang="en-US"/>
           </a:p>
@@ -5260,2338 +5290,12 @@
           </a:p>
         </p:txBody>
       </p:sp>
-      <p:sp>
-        <p:nvSpPr>
-          <p:cNvPr id="6" name="文本框 5">
-            <a:extLst>
-              <a:ext uri="{FF2B5EF4-FFF2-40B4-BE49-F238E27FC236}">
-                <a16:creationId xmlns:a16="http://schemas.microsoft.com/office/drawing/2014/main" id="{CB57B3DA-EA77-30D0-42EE-7EE902C6E4E9}"/>
-              </a:ext>
-            </a:extLst>
-          </p:cNvPr>
-          <p:cNvSpPr txBox="1"/>
-          <p:nvPr/>
-        </p:nvSpPr>
-        <p:spPr>
-          <a:xfrm>
-            <a:off x="2064544" y="2606266"/>
-            <a:ext cx="7681913" cy="923330"/>
-          </a:xfrm>
-          <a:prstGeom prst="rect">
-            <a:avLst/>
-          </a:prstGeom>
-          <a:noFill/>
-        </p:spPr>
-        <p:txBody>
-          <a:bodyPr wrap="square" rtlCol="0">
-            <a:spAutoFit/>
-          </a:bodyPr>
-          <a:lstStyle/>
-          <a:p>
-            <a:r>
-              <a:rPr lang="zh-CN" altLang="en-US" dirty="0"/>
-              <a:t>普通的</a:t>
-            </a:r>
-            <a:r>
-              <a:rPr lang="en-US" altLang="zh-CN" dirty="0"/>
-              <a:t>stack </a:t>
-            </a:r>
-            <a:r>
-              <a:rPr lang="zh-CN" altLang="en-US" dirty="0"/>
-              <a:t>方法，会在即使没有噪声的情况下，极大的影响峰的高度，从而影响精度。而核心的原因在于，横轴上的细微差距，导致峰没有被对齐。</a:t>
-            </a:r>
-            <a:endParaRPr lang="en-US" altLang="zh-CN" dirty="0"/>
-          </a:p>
-        </p:txBody>
-      </p:sp>
-    </p:spTree>
-    <p:extLst>
-      <p:ext uri="{BB962C8B-B14F-4D97-AF65-F5344CB8AC3E}">
-        <p14:creationId xmlns:p14="http://schemas.microsoft.com/office/powerpoint/2010/main" val="1776599111"/>
-      </p:ext>
-    </p:extLst>
-  </p:cSld>
-  <p:clrMapOvr>
-    <a:masterClrMapping/>
-  </p:clrMapOvr>
-</p:sld>
-</file>
-
-<file path=ppt/slides/slide11.xml><?xml version="1.0" encoding="utf-8"?>
-<p:sld xmlns:a="http://schemas.openxmlformats.org/drawingml/2006/main" xmlns:r="http://schemas.openxmlformats.org/officeDocument/2006/relationships" xmlns:p="http://schemas.openxmlformats.org/presentationml/2006/main">
-  <p:cSld>
-    <p:spTree>
-      <p:nvGrpSpPr>
-        <p:cNvPr id="1" name=""/>
-        <p:cNvGrpSpPr/>
-        <p:nvPr/>
-      </p:nvGrpSpPr>
-      <p:grpSpPr>
-        <a:xfrm>
-          <a:off x="0" y="0"/>
-          <a:ext cx="0" cy="0"/>
-          <a:chOff x="0" y="0"/>
-          <a:chExt cx="0" cy="0"/>
-        </a:xfrm>
-      </p:grpSpPr>
-      <p:sp>
-        <p:nvSpPr>
-          <p:cNvPr id="55" name="文本框 54">
-            <a:extLst>
-              <a:ext uri="{FF2B5EF4-FFF2-40B4-BE49-F238E27FC236}">
-                <a16:creationId xmlns:a16="http://schemas.microsoft.com/office/drawing/2014/main" id="{32A2BE86-86A6-F1FC-83EE-91A826B532E5}"/>
-              </a:ext>
-            </a:extLst>
-          </p:cNvPr>
-          <p:cNvSpPr txBox="1"/>
-          <p:nvPr/>
-        </p:nvSpPr>
-        <p:spPr>
-          <a:xfrm>
-            <a:off x="609599" y="106251"/>
-            <a:ext cx="5382827" cy="461665"/>
-          </a:xfrm>
-          <a:prstGeom prst="rect">
-            <a:avLst/>
-          </a:prstGeom>
-          <a:noFill/>
-        </p:spPr>
-        <p:txBody>
-          <a:bodyPr wrap="square" rtlCol="0">
-            <a:spAutoFit/>
-          </a:bodyPr>
-          <a:lstStyle>
-            <a:defPPr>
-              <a:defRPr lang="zh-CN"/>
-            </a:defPPr>
-            <a:lvl1pPr>
-              <a:defRPr sz="2400">
-                <a:latin typeface="Consolas" panose="020B0609020204030204" pitchFamily="49" charset="0"/>
-                <a:cs typeface="Times New Roman" panose="02020603050405020304" pitchFamily="18" charset="0"/>
-              </a:defRPr>
-            </a:lvl1pPr>
-          </a:lstStyle>
-          <a:p>
-            <a:r>
-              <a:rPr lang="en-US" altLang="zh-CN" dirty="0"/>
-              <a:t>Work_3: </a:t>
-            </a:r>
-            <a:r>
-              <a:rPr lang="en-US" altLang="zh-CN" sz="1400" dirty="0"/>
-              <a:t>Remove</a:t>
-            </a:r>
-            <a:r>
-              <a:rPr lang="zh-CN" altLang="en-US" sz="1400" dirty="0"/>
-              <a:t> </a:t>
-            </a:r>
-            <a:r>
-              <a:rPr lang="en-US" altLang="zh-CN" sz="1400" dirty="0"/>
-              <a:t>Normal</a:t>
-            </a:r>
-            <a:r>
-              <a:rPr lang="zh-CN" altLang="en-US" sz="1400" dirty="0"/>
-              <a:t> </a:t>
-            </a:r>
-            <a:r>
-              <a:rPr lang="en-US" altLang="zh-CN" sz="1400" dirty="0"/>
-              <a:t>Nosie</a:t>
-            </a:r>
-            <a:r>
-              <a:rPr lang="zh-CN" altLang="en-US" sz="1400" dirty="0"/>
-              <a:t> </a:t>
-            </a:r>
-            <a:r>
-              <a:rPr lang="en-US" altLang="zh-CN" sz="1400" dirty="0"/>
-              <a:t>and respiratory</a:t>
-            </a:r>
-          </a:p>
-        </p:txBody>
-      </p:sp>
-      <p:sp>
-        <p:nvSpPr>
-          <p:cNvPr id="6" name="文本框 5">
-            <a:extLst>
-              <a:ext uri="{FF2B5EF4-FFF2-40B4-BE49-F238E27FC236}">
-                <a16:creationId xmlns:a16="http://schemas.microsoft.com/office/drawing/2014/main" id="{CB57B3DA-EA77-30D0-42EE-7EE902C6E4E9}"/>
-              </a:ext>
-            </a:extLst>
-          </p:cNvPr>
-          <p:cNvSpPr txBox="1"/>
-          <p:nvPr/>
-        </p:nvSpPr>
-        <p:spPr>
-          <a:xfrm>
-            <a:off x="2064544" y="2606266"/>
-            <a:ext cx="7681913" cy="1200329"/>
-          </a:xfrm>
-          <a:prstGeom prst="rect">
-            <a:avLst/>
-          </a:prstGeom>
-          <a:noFill/>
-        </p:spPr>
-        <p:txBody>
-          <a:bodyPr wrap="square" rtlCol="0">
-            <a:spAutoFit/>
-          </a:bodyPr>
-          <a:lstStyle/>
-          <a:p>
-            <a:r>
-              <a:rPr lang="en-US" altLang="zh-CN" dirty="0"/>
-              <a:t>K-shape</a:t>
-            </a:r>
-            <a:r>
-              <a:rPr lang="zh-CN" altLang="en-US" dirty="0"/>
-              <a:t>的效果不好，问题在</a:t>
-            </a:r>
-            <a:r>
-              <a:rPr lang="en-US" altLang="zh-CN" dirty="0"/>
-              <a:t>clustering</a:t>
-            </a:r>
-            <a:r>
-              <a:rPr lang="zh-CN" altLang="en-US" dirty="0"/>
-              <a:t>时，重新生成了一个信号。问题在于</a:t>
-            </a:r>
-            <a:r>
-              <a:rPr lang="en-US" altLang="zh-CN" dirty="0"/>
-              <a:t>clustering</a:t>
-            </a:r>
-            <a:r>
-              <a:rPr lang="zh-CN" altLang="en-US" dirty="0"/>
-              <a:t>而不是背后</a:t>
-            </a:r>
-            <a:r>
-              <a:rPr lang="en-US" altLang="zh-CN" dirty="0"/>
-              <a:t>Time-Warping</a:t>
-            </a:r>
-            <a:r>
-              <a:rPr lang="zh-CN" altLang="en-US" dirty="0"/>
-              <a:t>的思路。</a:t>
-            </a:r>
-            <a:endParaRPr lang="en-US" altLang="zh-CN" dirty="0"/>
-          </a:p>
-          <a:p>
-            <a:endParaRPr lang="en-US" altLang="zh-CN" dirty="0"/>
-          </a:p>
-          <a:p>
-            <a:r>
-              <a:rPr lang="zh-CN" altLang="en-US" dirty="0"/>
-              <a:t>我们应该丢掉</a:t>
-            </a:r>
-            <a:r>
-              <a:rPr lang="en-US" altLang="zh-CN" dirty="0"/>
-              <a:t>Clustering</a:t>
-            </a:r>
-            <a:r>
-              <a:rPr lang="zh-CN" altLang="en-US" dirty="0"/>
-              <a:t>而对于如何应用</a:t>
-            </a:r>
-            <a:r>
-              <a:rPr lang="en-US" altLang="zh-CN" dirty="0"/>
-              <a:t>Time-Warping</a:t>
-            </a:r>
-            <a:r>
-              <a:rPr lang="zh-CN" altLang="en-US" dirty="0"/>
-              <a:t>进行研究。</a:t>
-            </a:r>
-            <a:endParaRPr lang="en-US" altLang="zh-CN" dirty="0"/>
-          </a:p>
-        </p:txBody>
-      </p:sp>
-    </p:spTree>
-    <p:extLst>
-      <p:ext uri="{BB962C8B-B14F-4D97-AF65-F5344CB8AC3E}">
-        <p14:creationId xmlns:p14="http://schemas.microsoft.com/office/powerpoint/2010/main" val="4131804544"/>
-      </p:ext>
-    </p:extLst>
-  </p:cSld>
-  <p:clrMapOvr>
-    <a:masterClrMapping/>
-  </p:clrMapOvr>
-</p:sld>
-</file>
-
-<file path=ppt/slides/slide12.xml><?xml version="1.0" encoding="utf-8"?>
-<p:sld xmlns:a="http://schemas.openxmlformats.org/drawingml/2006/main" xmlns:r="http://schemas.openxmlformats.org/officeDocument/2006/relationships" xmlns:p="http://schemas.openxmlformats.org/presentationml/2006/main">
-  <p:cSld>
-    <p:spTree>
-      <p:nvGrpSpPr>
-        <p:cNvPr id="1" name=""/>
-        <p:cNvGrpSpPr/>
-        <p:nvPr/>
-      </p:nvGrpSpPr>
-      <p:grpSpPr>
-        <a:xfrm>
-          <a:off x="0" y="0"/>
-          <a:ext cx="0" cy="0"/>
-          <a:chOff x="0" y="0"/>
-          <a:chExt cx="0" cy="0"/>
-        </a:xfrm>
-      </p:grpSpPr>
-      <p:sp>
-        <p:nvSpPr>
-          <p:cNvPr id="55" name="文本框 54">
-            <a:extLst>
-              <a:ext uri="{FF2B5EF4-FFF2-40B4-BE49-F238E27FC236}">
-                <a16:creationId xmlns:a16="http://schemas.microsoft.com/office/drawing/2014/main" id="{32A2BE86-86A6-F1FC-83EE-91A826B532E5}"/>
-              </a:ext>
-            </a:extLst>
-          </p:cNvPr>
-          <p:cNvSpPr txBox="1"/>
-          <p:nvPr/>
-        </p:nvSpPr>
-        <p:spPr>
-          <a:xfrm>
-            <a:off x="609599" y="106251"/>
-            <a:ext cx="5382827" cy="461665"/>
-          </a:xfrm>
-          <a:prstGeom prst="rect">
-            <a:avLst/>
-          </a:prstGeom>
-          <a:noFill/>
-        </p:spPr>
-        <p:txBody>
-          <a:bodyPr wrap="square" rtlCol="0">
-            <a:spAutoFit/>
-          </a:bodyPr>
-          <a:lstStyle>
-            <a:defPPr>
-              <a:defRPr lang="zh-CN"/>
-            </a:defPPr>
-            <a:lvl1pPr>
-              <a:defRPr sz="2400">
-                <a:latin typeface="Consolas" panose="020B0609020204030204" pitchFamily="49" charset="0"/>
-                <a:cs typeface="Times New Roman" panose="02020603050405020304" pitchFamily="18" charset="0"/>
-              </a:defRPr>
-            </a:lvl1pPr>
-          </a:lstStyle>
-          <a:p>
-            <a:r>
-              <a:rPr lang="en-US" altLang="zh-CN" dirty="0"/>
-              <a:t>Work_3: </a:t>
-            </a:r>
-            <a:r>
-              <a:rPr lang="en-US" altLang="zh-CN" sz="1400" dirty="0"/>
-              <a:t>Remove</a:t>
-            </a:r>
-            <a:r>
-              <a:rPr lang="zh-CN" altLang="en-US" sz="1400" dirty="0"/>
-              <a:t> </a:t>
-            </a:r>
-            <a:r>
-              <a:rPr lang="en-US" altLang="zh-CN" sz="1400" dirty="0"/>
-              <a:t>Normal</a:t>
-            </a:r>
-            <a:r>
-              <a:rPr lang="zh-CN" altLang="en-US" sz="1400" dirty="0"/>
-              <a:t> </a:t>
-            </a:r>
-            <a:r>
-              <a:rPr lang="en-US" altLang="zh-CN" sz="1400" dirty="0"/>
-              <a:t>Nosie</a:t>
-            </a:r>
-            <a:r>
-              <a:rPr lang="zh-CN" altLang="en-US" sz="1400" dirty="0"/>
-              <a:t> </a:t>
-            </a:r>
-            <a:r>
-              <a:rPr lang="en-US" altLang="zh-CN" sz="1400" dirty="0"/>
-              <a:t>and respiratory</a:t>
-            </a:r>
-          </a:p>
-        </p:txBody>
-      </p:sp>
-      <p:sp>
-        <p:nvSpPr>
-          <p:cNvPr id="6" name="文本框 5">
-            <a:extLst>
-              <a:ext uri="{FF2B5EF4-FFF2-40B4-BE49-F238E27FC236}">
-                <a16:creationId xmlns:a16="http://schemas.microsoft.com/office/drawing/2014/main" id="{CB57B3DA-EA77-30D0-42EE-7EE902C6E4E9}"/>
-              </a:ext>
-            </a:extLst>
-          </p:cNvPr>
-          <p:cNvSpPr txBox="1"/>
-          <p:nvPr/>
-        </p:nvSpPr>
-        <p:spPr>
-          <a:xfrm>
-            <a:off x="4419600" y="1664493"/>
-            <a:ext cx="7681913" cy="2308324"/>
-          </a:xfrm>
-          <a:prstGeom prst="rect">
-            <a:avLst/>
-          </a:prstGeom>
-          <a:noFill/>
-        </p:spPr>
-        <p:txBody>
-          <a:bodyPr wrap="square" rtlCol="0">
-            <a:spAutoFit/>
-          </a:bodyPr>
-          <a:lstStyle/>
-          <a:p>
-            <a:r>
-              <a:rPr lang="zh-CN" altLang="en-US" dirty="0"/>
-              <a:t>特征</a:t>
-            </a:r>
-            <a:r>
-              <a:rPr lang="en-US" altLang="zh-CN" dirty="0"/>
-              <a:t>1:</a:t>
-            </a:r>
-            <a:r>
-              <a:rPr lang="zh-CN" altLang="en-US" dirty="0"/>
-              <a:t> 每个</a:t>
-            </a:r>
-            <a:r>
-              <a:rPr lang="en-US" altLang="zh-CN" dirty="0"/>
-              <a:t>piece</a:t>
-            </a:r>
-            <a:r>
-              <a:rPr lang="zh-CN" altLang="en-US" dirty="0"/>
-              <a:t>的大峰和小峰的最高点，经过算法，应该能够一一重合</a:t>
-            </a:r>
-            <a:endParaRPr lang="en-US" altLang="zh-CN" dirty="0"/>
-          </a:p>
-          <a:p>
-            <a:endParaRPr lang="en-US" altLang="zh-CN" dirty="0"/>
-          </a:p>
-          <a:p>
-            <a:r>
-              <a:rPr lang="zh-CN" altLang="en-US" dirty="0"/>
-              <a:t>特征</a:t>
-            </a:r>
-            <a:r>
-              <a:rPr lang="en-US" altLang="zh-CN" dirty="0"/>
-              <a:t>2: </a:t>
-            </a:r>
-            <a:r>
-              <a:rPr lang="zh-CN" altLang="en-US" dirty="0"/>
-              <a:t>标准</a:t>
-            </a:r>
-            <a:r>
-              <a:rPr lang="en-US" altLang="zh-CN" dirty="0"/>
-              <a:t>template</a:t>
-            </a:r>
-            <a:r>
-              <a:rPr lang="zh-CN" altLang="en-US" dirty="0"/>
-              <a:t>的两峰距离，应该是所有</a:t>
-            </a:r>
-            <a:r>
-              <a:rPr lang="en-US" altLang="zh-CN" dirty="0"/>
-              <a:t>piece</a:t>
-            </a:r>
-            <a:r>
-              <a:rPr lang="zh-CN" altLang="en-US" dirty="0"/>
-              <a:t>两峰距离的均值</a:t>
-            </a:r>
-            <a:endParaRPr lang="en-US" altLang="zh-CN" dirty="0"/>
-          </a:p>
-          <a:p>
-            <a:endParaRPr lang="en-US" altLang="zh-CN" dirty="0"/>
-          </a:p>
-          <a:p>
-            <a:r>
-              <a:rPr lang="zh-CN" altLang="en-US" dirty="0"/>
-              <a:t>特征</a:t>
-            </a:r>
-            <a:r>
-              <a:rPr lang="en-US" altLang="zh-CN" dirty="0"/>
-              <a:t>3</a:t>
-            </a:r>
-            <a:r>
-              <a:rPr lang="zh-CN" altLang="en-US" dirty="0"/>
-              <a:t>：能够应对</a:t>
-            </a:r>
-            <a:r>
-              <a:rPr lang="en-US" altLang="zh-CN" dirty="0"/>
-              <a:t>time shift</a:t>
-            </a:r>
-          </a:p>
-          <a:p>
-            <a:endParaRPr lang="en-US" altLang="zh-CN" dirty="0"/>
-          </a:p>
-          <a:p>
-            <a:endParaRPr lang="en-US" altLang="zh-CN" dirty="0"/>
-          </a:p>
-          <a:p>
-            <a:r>
-              <a:rPr lang="zh-CN" altLang="en-US" dirty="0"/>
-              <a:t>我的想法：应该将研究重点放在</a:t>
-            </a:r>
-            <a:r>
-              <a:rPr lang="en-US" altLang="zh-CN" dirty="0"/>
-              <a:t>Time Warping</a:t>
-            </a:r>
-            <a:r>
-              <a:rPr lang="zh-CN" altLang="en-US" dirty="0"/>
-              <a:t>上</a:t>
-            </a:r>
-            <a:endParaRPr lang="en-US" altLang="zh-CN" dirty="0"/>
-          </a:p>
-        </p:txBody>
-      </p:sp>
-    </p:spTree>
-    <p:extLst>
-      <p:ext uri="{BB962C8B-B14F-4D97-AF65-F5344CB8AC3E}">
-        <p14:creationId xmlns:p14="http://schemas.microsoft.com/office/powerpoint/2010/main" val="2796366815"/>
-      </p:ext>
-    </p:extLst>
-  </p:cSld>
-  <p:clrMapOvr>
-    <a:masterClrMapping/>
-  </p:clrMapOvr>
-</p:sld>
-</file>
-
-<file path=ppt/slides/slide13.xml><?xml version="1.0" encoding="utf-8"?>
-<p:sld xmlns:a="http://schemas.openxmlformats.org/drawingml/2006/main" xmlns:r="http://schemas.openxmlformats.org/officeDocument/2006/relationships" xmlns:p="http://schemas.openxmlformats.org/presentationml/2006/main">
-  <p:cSld>
-    <p:spTree>
-      <p:nvGrpSpPr>
-        <p:cNvPr id="1" name=""/>
-        <p:cNvGrpSpPr/>
-        <p:nvPr/>
-      </p:nvGrpSpPr>
-      <p:grpSpPr>
-        <a:xfrm>
-          <a:off x="0" y="0"/>
-          <a:ext cx="0" cy="0"/>
-          <a:chOff x="0" y="0"/>
-          <a:chExt cx="0" cy="0"/>
-        </a:xfrm>
-      </p:grpSpPr>
-      <p:sp>
-        <p:nvSpPr>
-          <p:cNvPr id="55" name="文本框 54">
-            <a:extLst>
-              <a:ext uri="{FF2B5EF4-FFF2-40B4-BE49-F238E27FC236}">
-                <a16:creationId xmlns:a16="http://schemas.microsoft.com/office/drawing/2014/main" id="{32A2BE86-86A6-F1FC-83EE-91A826B532E5}"/>
-              </a:ext>
-            </a:extLst>
-          </p:cNvPr>
-          <p:cNvSpPr txBox="1"/>
-          <p:nvPr/>
-        </p:nvSpPr>
-        <p:spPr>
-          <a:xfrm>
-            <a:off x="609599" y="106251"/>
-            <a:ext cx="5382827" cy="461665"/>
-          </a:xfrm>
-          <a:prstGeom prst="rect">
-            <a:avLst/>
-          </a:prstGeom>
-          <a:noFill/>
-        </p:spPr>
-        <p:txBody>
-          <a:bodyPr wrap="square" rtlCol="0">
-            <a:spAutoFit/>
-          </a:bodyPr>
-          <a:lstStyle>
-            <a:defPPr>
-              <a:defRPr lang="zh-CN"/>
-            </a:defPPr>
-            <a:lvl1pPr>
-              <a:defRPr sz="2400">
-                <a:latin typeface="Consolas" panose="020B0609020204030204" pitchFamily="49" charset="0"/>
-                <a:cs typeface="Times New Roman" panose="02020603050405020304" pitchFamily="18" charset="0"/>
-              </a:defRPr>
-            </a:lvl1pPr>
-          </a:lstStyle>
-          <a:p>
-            <a:r>
-              <a:rPr lang="en-US" altLang="zh-CN" dirty="0"/>
-              <a:t>Work_3: </a:t>
-            </a:r>
-            <a:r>
-              <a:rPr lang="en-US" altLang="zh-CN" sz="1400" dirty="0"/>
-              <a:t>Remove</a:t>
-            </a:r>
-            <a:r>
-              <a:rPr lang="zh-CN" altLang="en-US" sz="1400" dirty="0"/>
-              <a:t> </a:t>
-            </a:r>
-            <a:r>
-              <a:rPr lang="en-US" altLang="zh-CN" sz="1400" dirty="0"/>
-              <a:t>Normal</a:t>
-            </a:r>
-            <a:r>
-              <a:rPr lang="zh-CN" altLang="en-US" sz="1400" dirty="0"/>
-              <a:t> </a:t>
-            </a:r>
-            <a:r>
-              <a:rPr lang="en-US" altLang="zh-CN" sz="1400" dirty="0"/>
-              <a:t>Nosie</a:t>
-            </a:r>
-            <a:r>
-              <a:rPr lang="zh-CN" altLang="en-US" sz="1400" dirty="0"/>
-              <a:t> </a:t>
-            </a:r>
-            <a:r>
-              <a:rPr lang="en-US" altLang="zh-CN" sz="1400" dirty="0"/>
-              <a:t>and respiratory</a:t>
-            </a:r>
-          </a:p>
-        </p:txBody>
-      </p:sp>
-      <p:sp>
-        <p:nvSpPr>
-          <p:cNvPr id="6" name="文本框 5">
-            <a:extLst>
-              <a:ext uri="{FF2B5EF4-FFF2-40B4-BE49-F238E27FC236}">
-                <a16:creationId xmlns:a16="http://schemas.microsoft.com/office/drawing/2014/main" id="{CB57B3DA-EA77-30D0-42EE-7EE902C6E4E9}"/>
-              </a:ext>
-            </a:extLst>
-          </p:cNvPr>
-          <p:cNvSpPr txBox="1"/>
-          <p:nvPr/>
-        </p:nvSpPr>
-        <p:spPr>
-          <a:xfrm>
-            <a:off x="2047875" y="1645443"/>
-            <a:ext cx="7681913" cy="646331"/>
-          </a:xfrm>
-          <a:prstGeom prst="rect">
-            <a:avLst/>
-          </a:prstGeom>
-          <a:noFill/>
-        </p:spPr>
-        <p:txBody>
-          <a:bodyPr wrap="square" rtlCol="0">
-            <a:spAutoFit/>
-          </a:bodyPr>
-          <a:lstStyle/>
-          <a:p>
-            <a:r>
-              <a:rPr lang="zh-CN" altLang="en-US" dirty="0"/>
-              <a:t>这周，我其实花了整整两天，去看懂一篇统计学论文</a:t>
-            </a:r>
-            <a:r>
-              <a:rPr lang="en-US" altLang="zh-CN" dirty="0"/>
-              <a:t>[]</a:t>
-            </a:r>
-            <a:r>
-              <a:rPr lang="zh-CN" altLang="en-US" dirty="0"/>
-              <a:t>，并尝试复现的，效果并不好。我会给出效果，并且进行简单的原因分析。</a:t>
-            </a:r>
-            <a:endParaRPr lang="en-US" altLang="zh-CN" dirty="0"/>
-          </a:p>
-        </p:txBody>
-      </p:sp>
-      <p:sp>
-        <p:nvSpPr>
-          <p:cNvPr id="2" name="文本框 1">
-            <a:extLst>
-              <a:ext uri="{FF2B5EF4-FFF2-40B4-BE49-F238E27FC236}">
-                <a16:creationId xmlns:a16="http://schemas.microsoft.com/office/drawing/2014/main" id="{00FD35C0-999D-F248-582E-14127578101B}"/>
-              </a:ext>
-            </a:extLst>
-          </p:cNvPr>
-          <p:cNvSpPr txBox="1"/>
-          <p:nvPr/>
-        </p:nvSpPr>
-        <p:spPr>
-          <a:xfrm>
-            <a:off x="1943100" y="3369301"/>
-            <a:ext cx="7681913" cy="1477328"/>
-          </a:xfrm>
-          <a:prstGeom prst="rect">
-            <a:avLst/>
-          </a:prstGeom>
-          <a:noFill/>
-        </p:spPr>
-        <p:txBody>
-          <a:bodyPr wrap="square" rtlCol="0">
-            <a:spAutoFit/>
-          </a:bodyPr>
-          <a:lstStyle/>
-          <a:p>
-            <a:r>
-              <a:rPr lang="zh-CN" altLang="en-US" dirty="0"/>
-              <a:t>给出一种能够衡量</a:t>
-            </a:r>
-            <a:r>
-              <a:rPr lang="en-US" altLang="zh-CN" dirty="0"/>
-              <a:t>xx</a:t>
-            </a:r>
-            <a:r>
-              <a:rPr lang="zh-CN" altLang="en-US" dirty="0"/>
-              <a:t>的距离。</a:t>
-            </a:r>
-            <a:endParaRPr lang="en-US" altLang="zh-CN" dirty="0"/>
-          </a:p>
-          <a:p>
-            <a:endParaRPr lang="en-US" altLang="zh-CN" dirty="0"/>
-          </a:p>
-          <a:p>
-            <a:r>
-              <a:rPr lang="zh-CN" altLang="en-US" dirty="0"/>
-              <a:t>将原始信号转化到和导数的空间里，以便方便的计算</a:t>
-            </a:r>
-            <a:r>
-              <a:rPr lang="en-US" altLang="zh-CN" dirty="0"/>
-              <a:t>xx</a:t>
-            </a:r>
-            <a:r>
-              <a:rPr lang="zh-CN" altLang="en-US" dirty="0"/>
-              <a:t>距离</a:t>
-            </a:r>
-            <a:endParaRPr lang="en-US" altLang="zh-CN" dirty="0"/>
-          </a:p>
-          <a:p>
-            <a:endParaRPr lang="en-US" altLang="zh-CN" dirty="0"/>
-          </a:p>
-          <a:p>
-            <a:r>
-              <a:rPr lang="zh-CN" altLang="en-US" dirty="0"/>
-              <a:t>将问题转化为优化问题。求解如何对信号的横轴进行拉伸与收缩。</a:t>
-            </a:r>
-            <a:endParaRPr lang="en-US" altLang="zh-CN" dirty="0"/>
-          </a:p>
-        </p:txBody>
-      </p:sp>
-    </p:spTree>
-    <p:extLst>
-      <p:ext uri="{BB962C8B-B14F-4D97-AF65-F5344CB8AC3E}">
-        <p14:creationId xmlns:p14="http://schemas.microsoft.com/office/powerpoint/2010/main" val="1512982219"/>
-      </p:ext>
-    </p:extLst>
-  </p:cSld>
-  <p:clrMapOvr>
-    <a:masterClrMapping/>
-  </p:clrMapOvr>
-</p:sld>
-</file>
-
-<file path=ppt/slides/slide14.xml><?xml version="1.0" encoding="utf-8"?>
-<p:sld xmlns:a="http://schemas.openxmlformats.org/drawingml/2006/main" xmlns:r="http://schemas.openxmlformats.org/officeDocument/2006/relationships" xmlns:p="http://schemas.openxmlformats.org/presentationml/2006/main">
-  <p:cSld>
-    <p:spTree>
-      <p:nvGrpSpPr>
-        <p:cNvPr id="1" name=""/>
-        <p:cNvGrpSpPr/>
-        <p:nvPr/>
-      </p:nvGrpSpPr>
-      <p:grpSpPr>
-        <a:xfrm>
-          <a:off x="0" y="0"/>
-          <a:ext cx="0" cy="0"/>
-          <a:chOff x="0" y="0"/>
-          <a:chExt cx="0" cy="0"/>
-        </a:xfrm>
-      </p:grpSpPr>
-      <p:sp>
-        <p:nvSpPr>
-          <p:cNvPr id="55" name="文本框 54">
-            <a:extLst>
-              <a:ext uri="{FF2B5EF4-FFF2-40B4-BE49-F238E27FC236}">
-                <a16:creationId xmlns:a16="http://schemas.microsoft.com/office/drawing/2014/main" id="{32A2BE86-86A6-F1FC-83EE-91A826B532E5}"/>
-              </a:ext>
-            </a:extLst>
-          </p:cNvPr>
-          <p:cNvSpPr txBox="1"/>
-          <p:nvPr/>
-        </p:nvSpPr>
-        <p:spPr>
-          <a:xfrm>
-            <a:off x="609599" y="106251"/>
-            <a:ext cx="5382827" cy="461665"/>
-          </a:xfrm>
-          <a:prstGeom prst="rect">
-            <a:avLst/>
-          </a:prstGeom>
-          <a:noFill/>
-        </p:spPr>
-        <p:txBody>
-          <a:bodyPr wrap="square" rtlCol="0">
-            <a:spAutoFit/>
-          </a:bodyPr>
-          <a:lstStyle>
-            <a:defPPr>
-              <a:defRPr lang="zh-CN"/>
-            </a:defPPr>
-            <a:lvl1pPr>
-              <a:defRPr sz="2400">
-                <a:latin typeface="Consolas" panose="020B0609020204030204" pitchFamily="49" charset="0"/>
-                <a:cs typeface="Times New Roman" panose="02020603050405020304" pitchFamily="18" charset="0"/>
-              </a:defRPr>
-            </a:lvl1pPr>
-          </a:lstStyle>
-          <a:p>
-            <a:r>
-              <a:rPr lang="en-US" altLang="zh-CN" dirty="0"/>
-              <a:t>Work_3: </a:t>
-            </a:r>
-            <a:r>
-              <a:rPr lang="en-US" altLang="zh-CN" sz="1400" dirty="0"/>
-              <a:t>Remove</a:t>
-            </a:r>
-            <a:r>
-              <a:rPr lang="zh-CN" altLang="en-US" sz="1400" dirty="0"/>
-              <a:t> </a:t>
-            </a:r>
-            <a:r>
-              <a:rPr lang="en-US" altLang="zh-CN" sz="1400" dirty="0"/>
-              <a:t>Normal</a:t>
-            </a:r>
-            <a:r>
-              <a:rPr lang="zh-CN" altLang="en-US" sz="1400" dirty="0"/>
-              <a:t> </a:t>
-            </a:r>
-            <a:r>
-              <a:rPr lang="en-US" altLang="zh-CN" sz="1400" dirty="0"/>
-              <a:t>Nosie</a:t>
-            </a:r>
-            <a:r>
-              <a:rPr lang="zh-CN" altLang="en-US" sz="1400" dirty="0"/>
-              <a:t> </a:t>
-            </a:r>
-            <a:r>
-              <a:rPr lang="en-US" altLang="zh-CN" sz="1400" dirty="0"/>
-              <a:t>and respiratory</a:t>
-            </a:r>
-          </a:p>
-        </p:txBody>
-      </p:sp>
-      <p:sp>
-        <p:nvSpPr>
-          <p:cNvPr id="6" name="文本框 5">
-            <a:extLst>
-              <a:ext uri="{FF2B5EF4-FFF2-40B4-BE49-F238E27FC236}">
-                <a16:creationId xmlns:a16="http://schemas.microsoft.com/office/drawing/2014/main" id="{CB57B3DA-EA77-30D0-42EE-7EE902C6E4E9}"/>
-              </a:ext>
-            </a:extLst>
-          </p:cNvPr>
-          <p:cNvSpPr txBox="1"/>
-          <p:nvPr/>
-        </p:nvSpPr>
-        <p:spPr>
-          <a:xfrm>
-            <a:off x="2047875" y="1645443"/>
-            <a:ext cx="7681913" cy="1754326"/>
-          </a:xfrm>
-          <a:prstGeom prst="rect">
-            <a:avLst/>
-          </a:prstGeom>
-          <a:noFill/>
-        </p:spPr>
-        <p:txBody>
-          <a:bodyPr wrap="square" rtlCol="0">
-            <a:spAutoFit/>
-          </a:bodyPr>
-          <a:lstStyle/>
-          <a:p>
-            <a:r>
-              <a:rPr lang="zh-CN" altLang="en-US" dirty="0"/>
-              <a:t>他们给出的效果</a:t>
-            </a:r>
-            <a:endParaRPr lang="en-US" altLang="zh-CN" dirty="0"/>
-          </a:p>
-          <a:p>
-            <a:endParaRPr lang="en-US" altLang="zh-CN" dirty="0"/>
-          </a:p>
-          <a:p>
-            <a:endParaRPr lang="en-US" altLang="zh-CN" dirty="0"/>
-          </a:p>
-          <a:p>
-            <a:endParaRPr lang="en-US" altLang="zh-CN" dirty="0"/>
-          </a:p>
-          <a:p>
-            <a:endParaRPr lang="en-US" altLang="zh-CN" dirty="0"/>
-          </a:p>
-          <a:p>
-            <a:r>
-              <a:rPr lang="zh-CN" altLang="en-US" dirty="0"/>
-              <a:t>我做出来的关于 </a:t>
-            </a:r>
-            <a:r>
-              <a:rPr lang="en-US" altLang="zh-CN" dirty="0"/>
-              <a:t>SCG Template</a:t>
-            </a:r>
-            <a:r>
-              <a:rPr lang="zh-CN" altLang="en-US" dirty="0"/>
-              <a:t>的效果。</a:t>
-            </a:r>
-            <a:endParaRPr lang="en-US" altLang="zh-CN" dirty="0"/>
-          </a:p>
-        </p:txBody>
-      </p:sp>
-      <p:sp>
-        <p:nvSpPr>
-          <p:cNvPr id="3" name="文本框 2">
-            <a:extLst>
-              <a:ext uri="{FF2B5EF4-FFF2-40B4-BE49-F238E27FC236}">
-                <a16:creationId xmlns:a16="http://schemas.microsoft.com/office/drawing/2014/main" id="{7594C75F-27C4-EF9D-5EEB-9601FFE5AA0A}"/>
-              </a:ext>
-            </a:extLst>
-          </p:cNvPr>
-          <p:cNvSpPr txBox="1"/>
-          <p:nvPr/>
-        </p:nvSpPr>
-        <p:spPr>
-          <a:xfrm>
-            <a:off x="2047874" y="4702968"/>
-            <a:ext cx="7681913" cy="1754326"/>
-          </a:xfrm>
-          <a:prstGeom prst="rect">
-            <a:avLst/>
-          </a:prstGeom>
-          <a:noFill/>
-        </p:spPr>
-        <p:txBody>
-          <a:bodyPr wrap="square" rtlCol="0">
-            <a:spAutoFit/>
-          </a:bodyPr>
-          <a:lstStyle/>
-          <a:p>
-            <a:r>
-              <a:rPr lang="zh-CN" altLang="en-US" dirty="0"/>
-              <a:t>原因</a:t>
-            </a:r>
-            <a:r>
-              <a:rPr lang="en-US" altLang="zh-CN" dirty="0"/>
-              <a:t>1. </a:t>
-            </a:r>
-            <a:r>
-              <a:rPr lang="zh-CN" altLang="en-US" dirty="0"/>
-              <a:t>该论文提出的方法有大量的导数。而</a:t>
-            </a:r>
-            <a:r>
-              <a:rPr lang="en-US" altLang="zh-CN" dirty="0"/>
-              <a:t>ECG</a:t>
-            </a:r>
-            <a:r>
-              <a:rPr lang="zh-CN" altLang="en-US" dirty="0"/>
-              <a:t>信号相对比较的平滑。而</a:t>
-            </a:r>
-            <a:r>
-              <a:rPr lang="en-US" altLang="zh-CN" dirty="0"/>
-              <a:t>SCG</a:t>
-            </a:r>
-            <a:r>
-              <a:rPr lang="zh-CN" altLang="en-US" dirty="0"/>
-              <a:t>信号比较的尖锐。</a:t>
-            </a:r>
-            <a:endParaRPr lang="en-US" altLang="zh-CN" dirty="0"/>
-          </a:p>
-          <a:p>
-            <a:endParaRPr lang="en-US" altLang="zh-CN" dirty="0"/>
-          </a:p>
-          <a:p>
-            <a:r>
-              <a:rPr lang="zh-CN" altLang="en-US" dirty="0"/>
-              <a:t>原因</a:t>
-            </a:r>
-            <a:r>
-              <a:rPr lang="en-US" altLang="zh-CN" dirty="0"/>
-              <a:t>2. </a:t>
-            </a:r>
-            <a:r>
-              <a:rPr lang="zh-CN" altLang="en-US" dirty="0"/>
-              <a:t>论文中对时间轴进行拉伸后，缺失的部分需要插值。论文中给出的</a:t>
-            </a:r>
-            <a:r>
-              <a:rPr lang="en-US" altLang="zh-CN" dirty="0"/>
-              <a:t>ECG</a:t>
-            </a:r>
-            <a:r>
-              <a:rPr lang="zh-CN" altLang="en-US" dirty="0"/>
-              <a:t>信号采样率为</a:t>
-            </a:r>
-            <a:r>
-              <a:rPr lang="en-US" altLang="zh-CN" dirty="0"/>
-              <a:t>1KHz,</a:t>
-            </a:r>
-            <a:r>
-              <a:rPr lang="zh-CN" altLang="en-US" dirty="0"/>
-              <a:t>而我们的信号的采样率仅仅为</a:t>
-            </a:r>
-            <a:r>
-              <a:rPr lang="en-US" altLang="zh-CN" dirty="0"/>
-              <a:t>100Hz</a:t>
-            </a:r>
-            <a:r>
-              <a:rPr lang="zh-CN" altLang="en-US" dirty="0"/>
-              <a:t>，我们一个</a:t>
-            </a:r>
-            <a:r>
-              <a:rPr lang="en-US" altLang="zh-CN" dirty="0"/>
-              <a:t>template</a:t>
-            </a:r>
-            <a:r>
-              <a:rPr lang="zh-CN" altLang="en-US" dirty="0"/>
-              <a:t>的长度往往为</a:t>
-            </a:r>
-            <a:r>
-              <a:rPr lang="en-US" altLang="zh-CN" dirty="0"/>
-              <a:t>40-80</a:t>
-            </a:r>
-            <a:r>
-              <a:rPr lang="zh-CN" altLang="en-US" dirty="0"/>
-              <a:t>。插值会造成巨大的误差</a:t>
-            </a:r>
-            <a:endParaRPr lang="en-US" altLang="zh-CN" dirty="0"/>
-          </a:p>
-        </p:txBody>
-      </p:sp>
-    </p:spTree>
-    <p:extLst>
-      <p:ext uri="{BB962C8B-B14F-4D97-AF65-F5344CB8AC3E}">
-        <p14:creationId xmlns:p14="http://schemas.microsoft.com/office/powerpoint/2010/main" val="1004711516"/>
-      </p:ext>
-    </p:extLst>
-  </p:cSld>
-  <p:clrMapOvr>
-    <a:masterClrMapping/>
-  </p:clrMapOvr>
-</p:sld>
-</file>
-
-<file path=ppt/slides/slide15.xml><?xml version="1.0" encoding="utf-8"?>
-<p:sld xmlns:a="http://schemas.openxmlformats.org/drawingml/2006/main" xmlns:r="http://schemas.openxmlformats.org/officeDocument/2006/relationships" xmlns:p="http://schemas.openxmlformats.org/presentationml/2006/main">
-  <p:cSld>
-    <p:spTree>
-      <p:nvGrpSpPr>
-        <p:cNvPr id="1" name=""/>
-        <p:cNvGrpSpPr/>
-        <p:nvPr/>
-      </p:nvGrpSpPr>
-      <p:grpSpPr>
-        <a:xfrm>
-          <a:off x="0" y="0"/>
-          <a:ext cx="0" cy="0"/>
-          <a:chOff x="0" y="0"/>
-          <a:chExt cx="0" cy="0"/>
-        </a:xfrm>
-      </p:grpSpPr>
-      <p:sp>
-        <p:nvSpPr>
-          <p:cNvPr id="2" name="文本框 1">
-            <a:extLst>
-              <a:ext uri="{FF2B5EF4-FFF2-40B4-BE49-F238E27FC236}">
-                <a16:creationId xmlns:a16="http://schemas.microsoft.com/office/drawing/2014/main" id="{4301BE2B-0820-0143-B72A-D9CEA12265BD}"/>
-              </a:ext>
-            </a:extLst>
-          </p:cNvPr>
-          <p:cNvSpPr txBox="1"/>
-          <p:nvPr/>
-        </p:nvSpPr>
-        <p:spPr>
-          <a:xfrm>
-            <a:off x="1122219" y="423950"/>
-            <a:ext cx="5931724" cy="461665"/>
-          </a:xfrm>
-          <a:prstGeom prst="rect">
-            <a:avLst/>
-          </a:prstGeom>
-          <a:noFill/>
-        </p:spPr>
-        <p:txBody>
-          <a:bodyPr wrap="square" rtlCol="0">
-            <a:spAutoFit/>
-          </a:bodyPr>
-          <a:lstStyle>
-            <a:defPPr>
-              <a:defRPr lang="zh-CN"/>
-            </a:defPPr>
-            <a:lvl1pPr>
-              <a:defRPr sz="2400">
-                <a:latin typeface="Consolas" panose="020B0609020204030204" pitchFamily="49" charset="0"/>
-                <a:cs typeface="Times New Roman" panose="02020603050405020304" pitchFamily="18" charset="0"/>
-              </a:defRPr>
-            </a:lvl1pPr>
-          </a:lstStyle>
-          <a:p>
-            <a:r>
-              <a:rPr lang="en-US" altLang="zh-CN" dirty="0"/>
-              <a:t>Questions</a:t>
-            </a:r>
-            <a:endParaRPr lang="en-US" altLang="zh-CN" sz="1400" dirty="0"/>
-          </a:p>
-        </p:txBody>
-      </p:sp>
-    </p:spTree>
-    <p:extLst>
-      <p:ext uri="{BB962C8B-B14F-4D97-AF65-F5344CB8AC3E}">
-        <p14:creationId xmlns:p14="http://schemas.microsoft.com/office/powerpoint/2010/main" val="324862336"/>
-      </p:ext>
-    </p:extLst>
-  </p:cSld>
-  <p:clrMapOvr>
-    <a:masterClrMapping/>
-  </p:clrMapOvr>
-</p:sld>
-</file>
-
-<file path=ppt/slides/slide16.xml><?xml version="1.0" encoding="utf-8"?>
-<p:sld xmlns:a="http://schemas.openxmlformats.org/drawingml/2006/main" xmlns:r="http://schemas.openxmlformats.org/officeDocument/2006/relationships" xmlns:p="http://schemas.openxmlformats.org/presentationml/2006/main">
-  <p:cSld>
-    <p:spTree>
-      <p:nvGrpSpPr>
-        <p:cNvPr id="1" name=""/>
-        <p:cNvGrpSpPr/>
-        <p:nvPr/>
-      </p:nvGrpSpPr>
-      <p:grpSpPr>
-        <a:xfrm>
-          <a:off x="0" y="0"/>
-          <a:ext cx="0" cy="0"/>
-          <a:chOff x="0" y="0"/>
-          <a:chExt cx="0" cy="0"/>
-        </a:xfrm>
-      </p:grpSpPr>
-      <p:sp>
-        <p:nvSpPr>
-          <p:cNvPr id="2" name="文本框 1">
-            <a:extLst>
-              <a:ext uri="{FF2B5EF4-FFF2-40B4-BE49-F238E27FC236}">
-                <a16:creationId xmlns:a16="http://schemas.microsoft.com/office/drawing/2014/main" id="{4301BE2B-0820-0143-B72A-D9CEA12265BD}"/>
-              </a:ext>
-            </a:extLst>
-          </p:cNvPr>
-          <p:cNvSpPr txBox="1"/>
-          <p:nvPr/>
-        </p:nvSpPr>
-        <p:spPr>
-          <a:xfrm>
-            <a:off x="5219007" y="3105834"/>
-            <a:ext cx="1753985" cy="646331"/>
-          </a:xfrm>
-          <a:prstGeom prst="rect">
-            <a:avLst/>
-          </a:prstGeom>
-          <a:noFill/>
-        </p:spPr>
-        <p:txBody>
-          <a:bodyPr wrap="square" rtlCol="0">
-            <a:spAutoFit/>
-          </a:bodyPr>
-          <a:lstStyle>
-            <a:defPPr>
-              <a:defRPr lang="zh-CN"/>
-            </a:defPPr>
-            <a:lvl1pPr algn="ctr">
-              <a:defRPr sz="3600">
-                <a:latin typeface="Consolas" panose="020B0609020204030204" pitchFamily="49" charset="0"/>
-                <a:cs typeface="Times New Roman" panose="02020603050405020304" pitchFamily="18" charset="0"/>
-              </a:defRPr>
-            </a:lvl1pPr>
-          </a:lstStyle>
-          <a:p>
-            <a:r>
-              <a:rPr lang="en-US" altLang="zh-CN" dirty="0"/>
-              <a:t>Thanks!</a:t>
-            </a:r>
-          </a:p>
-        </p:txBody>
-      </p:sp>
-    </p:spTree>
-    <p:extLst>
-      <p:ext uri="{BB962C8B-B14F-4D97-AF65-F5344CB8AC3E}">
-        <p14:creationId xmlns:p14="http://schemas.microsoft.com/office/powerpoint/2010/main" val="3015943919"/>
-      </p:ext>
-    </p:extLst>
-  </p:cSld>
-  <p:clrMapOvr>
-    <a:masterClrMapping/>
-  </p:clrMapOvr>
-</p:sld>
-</file>
-
-<file path=ppt/slides/slide2.xml><?xml version="1.0" encoding="utf-8"?>
-<p:sld xmlns:a="http://schemas.openxmlformats.org/drawingml/2006/main" xmlns:r="http://schemas.openxmlformats.org/officeDocument/2006/relationships" xmlns:p="http://schemas.openxmlformats.org/presentationml/2006/main">
-  <p:cSld>
-    <p:spTree>
-      <p:nvGrpSpPr>
-        <p:cNvPr id="1" name=""/>
-        <p:cNvGrpSpPr/>
-        <p:nvPr/>
-      </p:nvGrpSpPr>
-      <p:grpSpPr>
-        <a:xfrm>
-          <a:off x="0" y="0"/>
-          <a:ext cx="0" cy="0"/>
-          <a:chOff x="0" y="0"/>
-          <a:chExt cx="0" cy="0"/>
-        </a:xfrm>
-      </p:grpSpPr>
-      <p:sp>
-        <p:nvSpPr>
-          <p:cNvPr id="2" name="文本框 1">
-            <a:extLst>
-              <a:ext uri="{FF2B5EF4-FFF2-40B4-BE49-F238E27FC236}">
-                <a16:creationId xmlns:a16="http://schemas.microsoft.com/office/drawing/2014/main" id="{4301BE2B-0820-0143-B72A-D9CEA12265BD}"/>
-              </a:ext>
-            </a:extLst>
-          </p:cNvPr>
-          <p:cNvSpPr txBox="1"/>
-          <p:nvPr/>
-        </p:nvSpPr>
-        <p:spPr>
-          <a:xfrm>
-            <a:off x="1725568" y="771425"/>
-            <a:ext cx="9042074" cy="461665"/>
-          </a:xfrm>
-          <a:prstGeom prst="rect">
-            <a:avLst/>
-          </a:prstGeom>
-          <a:noFill/>
-        </p:spPr>
-        <p:txBody>
-          <a:bodyPr wrap="square" rtlCol="0">
-            <a:spAutoFit/>
-          </a:bodyPr>
-          <a:lstStyle/>
-          <a:p>
-            <a:pPr algn="ctr"/>
-            <a:r>
-              <a:rPr lang="en-US" altLang="zh-CN" sz="2400" dirty="0">
-                <a:latin typeface="Consolas" panose="020B0609020204030204" pitchFamily="49" charset="0"/>
-                <a:cs typeface="Times New Roman" panose="02020603050405020304" pitchFamily="18" charset="0"/>
-              </a:rPr>
-              <a:t>Work Description</a:t>
-            </a:r>
-          </a:p>
-        </p:txBody>
-      </p:sp>
-      <p:sp>
-        <p:nvSpPr>
-          <p:cNvPr id="3" name="文本框 2">
-            <a:extLst>
-              <a:ext uri="{FF2B5EF4-FFF2-40B4-BE49-F238E27FC236}">
-                <a16:creationId xmlns:a16="http://schemas.microsoft.com/office/drawing/2014/main" id="{59F62255-7A4A-1C35-FF69-9A58CEC1EDD3}"/>
-              </a:ext>
-            </a:extLst>
-          </p:cNvPr>
-          <p:cNvSpPr txBox="1"/>
-          <p:nvPr/>
-        </p:nvSpPr>
-        <p:spPr>
-          <a:xfrm>
-            <a:off x="1725568" y="1582340"/>
-            <a:ext cx="9933032" cy="4801314"/>
-          </a:xfrm>
-          <a:prstGeom prst="rect">
-            <a:avLst/>
-          </a:prstGeom>
-          <a:noFill/>
-        </p:spPr>
-        <p:txBody>
-          <a:bodyPr wrap="square" rtlCol="0">
-            <a:spAutoFit/>
-          </a:bodyPr>
-          <a:lstStyle/>
-          <a:p>
-            <a:r>
-              <a:rPr lang="en-US" altLang="zh-CN" dirty="0"/>
-              <a:t>Work_1: </a:t>
-            </a:r>
-          </a:p>
-          <a:p>
-            <a:pPr lvl="1"/>
-            <a:r>
-              <a:rPr lang="en-US" altLang="zh-CN" dirty="0"/>
-              <a:t>Tutorial Writing: </a:t>
-            </a:r>
-          </a:p>
-          <a:p>
-            <a:pPr lvl="1"/>
-            <a:r>
-              <a:rPr lang="en-US" altLang="zh-CN" dirty="0"/>
-              <a:t>1. Refactor all functions in Generate Wave Module and Filter Module</a:t>
-            </a:r>
-          </a:p>
-          <a:p>
-            <a:pPr lvl="1"/>
-            <a:r>
-              <a:rPr lang="en-US" altLang="zh-CN" dirty="0"/>
-              <a:t>2. Add new features to the framework of the main function</a:t>
-            </a:r>
-          </a:p>
-          <a:p>
-            <a:pPr lvl="1"/>
-            <a:r>
-              <a:rPr lang="en-US" altLang="zh-CN" dirty="0"/>
-              <a:t>3. Write some notes in </a:t>
-            </a:r>
-            <a:r>
-              <a:rPr lang="en-US" altLang="zh-CN" dirty="0" err="1"/>
-              <a:t>ipynb</a:t>
-            </a:r>
-            <a:r>
-              <a:rPr lang="en-US" altLang="zh-CN" dirty="0"/>
-              <a:t> file about algorithm details.</a:t>
-            </a:r>
-          </a:p>
-          <a:p>
-            <a:pPr lvl="1"/>
-            <a:r>
-              <a:rPr lang="en-US" altLang="zh-CN" dirty="0"/>
-              <a:t>4. Learn 2 new filters (Matched Filer and Notch Filter)</a:t>
-            </a:r>
-          </a:p>
-          <a:p>
-            <a:endParaRPr lang="en-US" altLang="zh-CN" dirty="0"/>
-          </a:p>
-          <a:p>
-            <a:endParaRPr lang="en-US" altLang="zh-CN" dirty="0"/>
-          </a:p>
-          <a:p>
-            <a:r>
-              <a:rPr lang="en-US" altLang="zh-CN" dirty="0"/>
-              <a:t>Work_2: </a:t>
-            </a:r>
-          </a:p>
-          <a:p>
-            <a:pPr lvl="1"/>
-            <a:r>
-              <a:rPr lang="en-US" altLang="zh-CN" dirty="0"/>
-              <a:t>In situations with heavy echoes, find an potential segmentation method.</a:t>
-            </a:r>
-          </a:p>
-          <a:p>
-            <a:endParaRPr lang="en-US" altLang="zh-CN" dirty="0"/>
-          </a:p>
-          <a:p>
-            <a:endParaRPr lang="en-US" altLang="zh-CN" dirty="0"/>
-          </a:p>
-          <a:p>
-            <a:r>
-              <a:rPr lang="en-US" altLang="zh-CN" dirty="0"/>
-              <a:t>Work_3: </a:t>
-            </a:r>
-          </a:p>
-          <a:p>
-            <a:pPr lvl="1"/>
-            <a:r>
-              <a:rPr lang="en-US" altLang="zh-CN" dirty="0"/>
-              <a:t>About Get Template. Based on observation, an attempt has been made to define what constitutes a good algorithm for obtaining an SCG signal template. It consists of three features, and some exploration has been carried out.</a:t>
-            </a:r>
-          </a:p>
-        </p:txBody>
-      </p:sp>
-    </p:spTree>
-    <p:extLst>
-      <p:ext uri="{BB962C8B-B14F-4D97-AF65-F5344CB8AC3E}">
-        <p14:creationId xmlns:p14="http://schemas.microsoft.com/office/powerpoint/2010/main" val="3563862824"/>
-      </p:ext>
-    </p:extLst>
-  </p:cSld>
-  <p:clrMapOvr>
-    <a:masterClrMapping/>
-  </p:clrMapOvr>
-</p:sld>
-</file>
-
-<file path=ppt/slides/slide3.xml><?xml version="1.0" encoding="utf-8"?>
-<p:sld xmlns:a="http://schemas.openxmlformats.org/drawingml/2006/main" xmlns:r="http://schemas.openxmlformats.org/officeDocument/2006/relationships" xmlns:p="http://schemas.openxmlformats.org/presentationml/2006/main">
-  <p:cSld>
-    <p:spTree>
-      <p:nvGrpSpPr>
-        <p:cNvPr id="1" name=""/>
-        <p:cNvGrpSpPr/>
-        <p:nvPr/>
-      </p:nvGrpSpPr>
-      <p:grpSpPr>
-        <a:xfrm>
-          <a:off x="0" y="0"/>
-          <a:ext cx="0" cy="0"/>
-          <a:chOff x="0" y="0"/>
-          <a:chExt cx="0" cy="0"/>
-        </a:xfrm>
-      </p:grpSpPr>
-      <p:sp>
-        <p:nvSpPr>
-          <p:cNvPr id="55" name="文本框 54">
-            <a:extLst>
-              <a:ext uri="{FF2B5EF4-FFF2-40B4-BE49-F238E27FC236}">
-                <a16:creationId xmlns:a16="http://schemas.microsoft.com/office/drawing/2014/main" id="{32A2BE86-86A6-F1FC-83EE-91A826B532E5}"/>
-              </a:ext>
-            </a:extLst>
-          </p:cNvPr>
-          <p:cNvSpPr txBox="1"/>
-          <p:nvPr/>
-        </p:nvSpPr>
-        <p:spPr>
-          <a:xfrm>
-            <a:off x="609600" y="106251"/>
-            <a:ext cx="4584920" cy="461665"/>
-          </a:xfrm>
-          <a:prstGeom prst="rect">
-            <a:avLst/>
-          </a:prstGeom>
-          <a:noFill/>
-        </p:spPr>
-        <p:txBody>
-          <a:bodyPr wrap="square" rtlCol="0">
-            <a:spAutoFit/>
-          </a:bodyPr>
-          <a:lstStyle>
-            <a:defPPr>
-              <a:defRPr lang="zh-CN"/>
-            </a:defPPr>
-            <a:lvl1pPr>
-              <a:defRPr sz="2400">
-                <a:latin typeface="Consolas" panose="020B0609020204030204" pitchFamily="49" charset="0"/>
-                <a:cs typeface="Times New Roman" panose="02020603050405020304" pitchFamily="18" charset="0"/>
-              </a:defRPr>
-            </a:lvl1pPr>
-          </a:lstStyle>
-          <a:p>
-            <a:r>
-              <a:rPr lang="en-US" altLang="zh-CN" dirty="0"/>
-              <a:t>Work_1: </a:t>
-            </a:r>
-            <a:r>
-              <a:rPr lang="en-US" altLang="zh-CN" sz="1400" dirty="0"/>
-              <a:t>Tutorial</a:t>
-            </a:r>
-          </a:p>
-        </p:txBody>
-      </p:sp>
-      <p:sp>
-        <p:nvSpPr>
-          <p:cNvPr id="3" name="文本框 2">
-            <a:extLst>
-              <a:ext uri="{FF2B5EF4-FFF2-40B4-BE49-F238E27FC236}">
-                <a16:creationId xmlns:a16="http://schemas.microsoft.com/office/drawing/2014/main" id="{B7AA6D17-0F2B-B329-8B82-CCD6255FC0BD}"/>
-              </a:ext>
-            </a:extLst>
-          </p:cNvPr>
-          <p:cNvSpPr txBox="1"/>
-          <p:nvPr/>
-        </p:nvSpPr>
-        <p:spPr>
-          <a:xfrm>
-            <a:off x="1816364" y="1513850"/>
-            <a:ext cx="9635068" cy="3508653"/>
-          </a:xfrm>
-          <a:prstGeom prst="rect">
-            <a:avLst/>
-          </a:prstGeom>
-          <a:noFill/>
-        </p:spPr>
-        <p:txBody>
-          <a:bodyPr wrap="square">
-            <a:spAutoFit/>
-          </a:bodyPr>
-          <a:lstStyle/>
-          <a:p>
-            <a:pPr>
-              <a:defRPr/>
-            </a:pPr>
-            <a:r>
-              <a:rPr lang="en-US" altLang="zh-CN" sz="2000" dirty="0"/>
-              <a:t>For Main Function</a:t>
-            </a:r>
-          </a:p>
-          <a:p>
-            <a:pPr>
-              <a:defRPr/>
-            </a:pPr>
-            <a:endParaRPr lang="en-US" altLang="zh-CN" sz="2000" dirty="0"/>
-          </a:p>
-          <a:p>
-            <a:pPr>
-              <a:defRPr/>
-            </a:pPr>
-            <a:endParaRPr lang="en-US" altLang="zh-CN" sz="2000" dirty="0"/>
-          </a:p>
-          <a:p>
-            <a:pPr marL="228600" indent="-228600">
-              <a:buFontTx/>
-              <a:buAutoNum type="arabicPeriod"/>
-              <a:defRPr/>
-            </a:pPr>
-            <a:r>
-              <a:rPr lang="en-US" altLang="zh-CN" dirty="0"/>
-              <a:t>I refactored Generate Wave Module(7) and Filter Module(4), including interfaces, visualization, code comments and more.</a:t>
-            </a:r>
-          </a:p>
-          <a:p>
-            <a:pPr marL="228600" indent="-228600">
-              <a:buFontTx/>
-              <a:buAutoNum type="arabicPeriod"/>
-              <a:defRPr/>
-            </a:pPr>
-            <a:endParaRPr lang="en-US" altLang="zh-CN" dirty="0"/>
-          </a:p>
-          <a:p>
-            <a:pPr marL="228600" marR="0" lvl="0" indent="-228600" algn="l" defTabSz="914400" rtl="0" eaLnBrk="1" fontAlgn="auto" latinLnBrk="0" hangingPunct="1">
-              <a:lnSpc>
-                <a:spcPct val="100000"/>
-              </a:lnSpc>
-              <a:spcBef>
-                <a:spcPts val="0"/>
-              </a:spcBef>
-              <a:spcAft>
-                <a:spcPts val="0"/>
-              </a:spcAft>
-              <a:buClrTx/>
-              <a:buSzTx/>
-              <a:buFontTx/>
-              <a:buAutoNum type="arabicPeriod"/>
-              <a:tabLst/>
-              <a:defRPr/>
-            </a:pPr>
-            <a:r>
-              <a:rPr lang="en-US" altLang="zh-CN" dirty="0"/>
-              <a:t>I added new feature that people can use the signal created by themselves as the input rather than only SCG signals.</a:t>
-            </a:r>
-          </a:p>
-          <a:p>
-            <a:pPr marL="228600" marR="0" lvl="0" indent="-228600" algn="l" defTabSz="914400" rtl="0" eaLnBrk="1" fontAlgn="auto" latinLnBrk="0" hangingPunct="1">
-              <a:lnSpc>
-                <a:spcPct val="100000"/>
-              </a:lnSpc>
-              <a:spcBef>
-                <a:spcPts val="0"/>
-              </a:spcBef>
-              <a:spcAft>
-                <a:spcPts val="0"/>
-              </a:spcAft>
-              <a:buClrTx/>
-              <a:buSzTx/>
-              <a:buFontTx/>
-              <a:buAutoNum type="arabicPeriod"/>
-              <a:tabLst/>
-              <a:defRPr/>
-            </a:pPr>
-            <a:endParaRPr lang="en-US" altLang="zh-CN" dirty="0"/>
-          </a:p>
-          <a:p>
-            <a:pPr marL="228600" marR="0" lvl="0" indent="-228600" algn="l" defTabSz="914400" rtl="0" eaLnBrk="1" fontAlgn="auto" latinLnBrk="0" hangingPunct="1">
-              <a:lnSpc>
-                <a:spcPct val="100000"/>
-              </a:lnSpc>
-              <a:spcBef>
-                <a:spcPts val="0"/>
-              </a:spcBef>
-              <a:spcAft>
-                <a:spcPts val="0"/>
-              </a:spcAft>
-              <a:buClrTx/>
-              <a:buSzTx/>
-              <a:buFontTx/>
-              <a:buAutoNum type="arabicPeriod"/>
-              <a:tabLst/>
-              <a:defRPr/>
-            </a:pPr>
-            <a:r>
-              <a:rPr lang="en-US" altLang="zh-CN" dirty="0"/>
-              <a:t>We can save the result.</a:t>
-            </a:r>
-          </a:p>
-          <a:p>
-            <a:pPr>
-              <a:defRPr/>
-            </a:pPr>
-            <a:endParaRPr lang="en-US" altLang="zh-CN" sz="1800" b="1" dirty="0">
-              <a:highlight>
-                <a:srgbClr val="FFFF00"/>
-              </a:highlight>
-            </a:endParaRPr>
-          </a:p>
-          <a:p>
-            <a:pPr>
-              <a:defRPr/>
-            </a:pPr>
-            <a:r>
-              <a:rPr lang="en-US" altLang="zh-CN" sz="1800" b="1" dirty="0">
-                <a:highlight>
-                  <a:srgbClr val="FFFF00"/>
-                </a:highlight>
-              </a:rPr>
-              <a:t>Use 5 core commands to show you the demo.</a:t>
-            </a:r>
-          </a:p>
-        </p:txBody>
-      </p:sp>
-    </p:spTree>
-    <p:extLst>
-      <p:ext uri="{BB962C8B-B14F-4D97-AF65-F5344CB8AC3E}">
-        <p14:creationId xmlns:p14="http://schemas.microsoft.com/office/powerpoint/2010/main" val="1137058698"/>
-      </p:ext>
-    </p:extLst>
-  </p:cSld>
-  <p:clrMapOvr>
-    <a:masterClrMapping/>
-  </p:clrMapOvr>
-</p:sld>
-</file>
-
-<file path=ppt/slides/slide4.xml><?xml version="1.0" encoding="utf-8"?>
-<p:sld xmlns:a="http://schemas.openxmlformats.org/drawingml/2006/main" xmlns:r="http://schemas.openxmlformats.org/officeDocument/2006/relationships" xmlns:p="http://schemas.openxmlformats.org/presentationml/2006/main">
-  <p:cSld>
-    <p:spTree>
-      <p:nvGrpSpPr>
-        <p:cNvPr id="1" name=""/>
-        <p:cNvGrpSpPr/>
-        <p:nvPr/>
-      </p:nvGrpSpPr>
-      <p:grpSpPr>
-        <a:xfrm>
-          <a:off x="0" y="0"/>
-          <a:ext cx="0" cy="0"/>
-          <a:chOff x="0" y="0"/>
-          <a:chExt cx="0" cy="0"/>
-        </a:xfrm>
-      </p:grpSpPr>
-      <p:sp>
-        <p:nvSpPr>
-          <p:cNvPr id="55" name="文本框 54">
-            <a:extLst>
-              <a:ext uri="{FF2B5EF4-FFF2-40B4-BE49-F238E27FC236}">
-                <a16:creationId xmlns:a16="http://schemas.microsoft.com/office/drawing/2014/main" id="{32A2BE86-86A6-F1FC-83EE-91A826B532E5}"/>
-              </a:ext>
-            </a:extLst>
-          </p:cNvPr>
-          <p:cNvSpPr txBox="1"/>
-          <p:nvPr/>
-        </p:nvSpPr>
-        <p:spPr>
-          <a:xfrm>
-            <a:off x="609600" y="106251"/>
-            <a:ext cx="4584920" cy="461665"/>
-          </a:xfrm>
-          <a:prstGeom prst="rect">
-            <a:avLst/>
-          </a:prstGeom>
-          <a:noFill/>
-        </p:spPr>
-        <p:txBody>
-          <a:bodyPr wrap="square" rtlCol="0">
-            <a:spAutoFit/>
-          </a:bodyPr>
-          <a:lstStyle>
-            <a:defPPr>
-              <a:defRPr lang="zh-CN"/>
-            </a:defPPr>
-            <a:lvl1pPr>
-              <a:defRPr sz="2400">
-                <a:latin typeface="Consolas" panose="020B0609020204030204" pitchFamily="49" charset="0"/>
-                <a:cs typeface="Times New Roman" panose="02020603050405020304" pitchFamily="18" charset="0"/>
-              </a:defRPr>
-            </a:lvl1pPr>
-          </a:lstStyle>
-          <a:p>
-            <a:r>
-              <a:rPr lang="en-US" altLang="zh-CN" dirty="0"/>
-              <a:t>Work_1: </a:t>
-            </a:r>
-            <a:r>
-              <a:rPr lang="en-US" altLang="zh-CN" sz="1400" dirty="0"/>
-              <a:t>Tutorial</a:t>
-            </a:r>
-          </a:p>
-        </p:txBody>
-      </p:sp>
-      <p:sp>
-        <p:nvSpPr>
-          <p:cNvPr id="3" name="文本框 2">
-            <a:extLst>
-              <a:ext uri="{FF2B5EF4-FFF2-40B4-BE49-F238E27FC236}">
-                <a16:creationId xmlns:a16="http://schemas.microsoft.com/office/drawing/2014/main" id="{B7AA6D17-0F2B-B329-8B82-CCD6255FC0BD}"/>
-              </a:ext>
-            </a:extLst>
-          </p:cNvPr>
-          <p:cNvSpPr txBox="1"/>
-          <p:nvPr/>
-        </p:nvSpPr>
-        <p:spPr>
-          <a:xfrm>
-            <a:off x="977634" y="927737"/>
-            <a:ext cx="10080892" cy="5940088"/>
-          </a:xfrm>
-          <a:prstGeom prst="rect">
-            <a:avLst/>
-          </a:prstGeom>
-          <a:noFill/>
-        </p:spPr>
-        <p:txBody>
-          <a:bodyPr wrap="square">
-            <a:spAutoFit/>
-          </a:bodyPr>
-          <a:lstStyle/>
-          <a:p>
-            <a:pPr>
-              <a:defRPr/>
-            </a:pPr>
-            <a:r>
-              <a:rPr lang="en-US" altLang="zh-CN" sz="2000" dirty="0"/>
-              <a:t>For Notes</a:t>
-            </a:r>
-          </a:p>
-          <a:p>
-            <a:pPr>
-              <a:defRPr/>
-            </a:pPr>
-            <a:endParaRPr lang="en-US" altLang="zh-CN" sz="2000" dirty="0"/>
-          </a:p>
-          <a:p>
-            <a:pPr>
-              <a:defRPr/>
-            </a:pPr>
-            <a:endParaRPr lang="en-US" altLang="zh-CN" sz="2000" dirty="0"/>
-          </a:p>
-          <a:p>
-            <a:pPr>
-              <a:defRPr/>
-            </a:pPr>
-            <a:r>
-              <a:rPr lang="en-US" altLang="zh-CN" sz="2000" dirty="0"/>
-              <a:t>Start studying and documenting theoretical aspects of the tutorial content (some parts may be included in the docstring of functions in the future). </a:t>
-            </a:r>
-          </a:p>
-          <a:p>
-            <a:pPr>
-              <a:defRPr/>
-            </a:pPr>
-            <a:endParaRPr lang="en-US" altLang="zh-CN" sz="2000" dirty="0"/>
-          </a:p>
-          <a:p>
-            <a:pPr marL="457200" indent="-457200">
-              <a:buAutoNum type="arabicPeriod"/>
-              <a:defRPr/>
-            </a:pPr>
-            <a:r>
-              <a:rPr lang="en-US" altLang="zh-CN" sz="2000" dirty="0"/>
-              <a:t>Unique properties and shapes of Different wavelets</a:t>
-            </a:r>
-          </a:p>
-          <a:p>
-            <a:pPr marL="457200" indent="-457200">
-              <a:buAutoNum type="arabicPeriod"/>
-              <a:defRPr/>
-            </a:pPr>
-            <a:endParaRPr lang="en-US" altLang="zh-CN" sz="2000" dirty="0"/>
-          </a:p>
-          <a:p>
-            <a:pPr marL="457200" indent="-457200">
-              <a:buAutoNum type="arabicPeriod"/>
-              <a:defRPr/>
-            </a:pPr>
-            <a:r>
-              <a:rPr lang="en-US" altLang="zh-CN" sz="2000" dirty="0"/>
-              <a:t>The theoretical differences between Notched Filter and Butterworth </a:t>
-            </a:r>
-            <a:r>
-              <a:rPr lang="en-US" altLang="zh-CN" sz="2000" dirty="0" err="1"/>
-              <a:t>Bandstop</a:t>
-            </a:r>
-            <a:r>
-              <a:rPr lang="en-US" altLang="zh-CN" sz="2000" dirty="0"/>
-              <a:t> Filter, as well as their practical effects when applied to SCG signals.</a:t>
-            </a:r>
-          </a:p>
-          <a:p>
-            <a:pPr marL="457200" indent="-457200">
-              <a:buAutoNum type="arabicPeriod"/>
-              <a:defRPr/>
-            </a:pPr>
-            <a:endParaRPr lang="en-US" altLang="zh-CN" sz="2000" dirty="0"/>
-          </a:p>
-          <a:p>
-            <a:pPr marL="457200" indent="-457200">
-              <a:buAutoNum type="arabicPeriod"/>
-              <a:defRPr/>
-            </a:pPr>
-            <a:r>
-              <a:rPr lang="en-US" altLang="zh-CN" sz="2000" dirty="0"/>
-              <a:t>I turned my attempts with certain algorithms into a playground, such as differences in SCG signals using different wavelets and distinctions between discrete wavelet transform(DWT) and empirical wavelet transform(EWT).</a:t>
-            </a:r>
-          </a:p>
-          <a:p>
-            <a:pPr>
-              <a:defRPr/>
-            </a:pPr>
-            <a:endParaRPr lang="en-US" altLang="zh-CN" sz="2000" dirty="0"/>
-          </a:p>
-          <a:p>
-            <a:pPr>
-              <a:defRPr/>
-            </a:pPr>
-            <a:r>
-              <a:rPr lang="en-US" altLang="zh-CN" sz="2000" b="1" dirty="0">
-                <a:highlight>
-                  <a:srgbClr val="FFFF00"/>
-                </a:highlight>
-              </a:rPr>
-              <a:t>Show the Notes.</a:t>
-            </a:r>
-          </a:p>
-        </p:txBody>
-      </p:sp>
-    </p:spTree>
-    <p:extLst>
-      <p:ext uri="{BB962C8B-B14F-4D97-AF65-F5344CB8AC3E}">
-        <p14:creationId xmlns:p14="http://schemas.microsoft.com/office/powerpoint/2010/main" val="4256841388"/>
-      </p:ext>
-    </p:extLst>
-  </p:cSld>
-  <p:clrMapOvr>
-    <a:masterClrMapping/>
-  </p:clrMapOvr>
-</p:sld>
-</file>
-
-<file path=ppt/slides/slide5.xml><?xml version="1.0" encoding="utf-8"?>
-<p:sld xmlns:a="http://schemas.openxmlformats.org/drawingml/2006/main" xmlns:r="http://schemas.openxmlformats.org/officeDocument/2006/relationships" xmlns:p="http://schemas.openxmlformats.org/presentationml/2006/main">
-  <p:cSld>
-    <p:spTree>
-      <p:nvGrpSpPr>
-        <p:cNvPr id="1" name=""/>
-        <p:cNvGrpSpPr/>
-        <p:nvPr/>
-      </p:nvGrpSpPr>
-      <p:grpSpPr>
-        <a:xfrm>
-          <a:off x="0" y="0"/>
-          <a:ext cx="0" cy="0"/>
-          <a:chOff x="0" y="0"/>
-          <a:chExt cx="0" cy="0"/>
-        </a:xfrm>
-      </p:grpSpPr>
-      <p:sp>
-        <p:nvSpPr>
-          <p:cNvPr id="55" name="文本框 54">
-            <a:extLst>
-              <a:ext uri="{FF2B5EF4-FFF2-40B4-BE49-F238E27FC236}">
-                <a16:creationId xmlns:a16="http://schemas.microsoft.com/office/drawing/2014/main" id="{32A2BE86-86A6-F1FC-83EE-91A826B532E5}"/>
-              </a:ext>
-            </a:extLst>
-          </p:cNvPr>
-          <p:cNvSpPr txBox="1"/>
-          <p:nvPr/>
-        </p:nvSpPr>
-        <p:spPr>
-          <a:xfrm>
-            <a:off x="609600" y="106251"/>
-            <a:ext cx="4584920" cy="461665"/>
-          </a:xfrm>
-          <a:prstGeom prst="rect">
-            <a:avLst/>
-          </a:prstGeom>
-          <a:noFill/>
-        </p:spPr>
-        <p:txBody>
-          <a:bodyPr wrap="square" rtlCol="0">
-            <a:spAutoFit/>
-          </a:bodyPr>
-          <a:lstStyle>
-            <a:defPPr>
-              <a:defRPr lang="zh-CN"/>
-            </a:defPPr>
-            <a:lvl1pPr>
-              <a:defRPr sz="2400">
-                <a:latin typeface="Consolas" panose="020B0609020204030204" pitchFamily="49" charset="0"/>
-                <a:cs typeface="Times New Roman" panose="02020603050405020304" pitchFamily="18" charset="0"/>
-              </a:defRPr>
-            </a:lvl1pPr>
-          </a:lstStyle>
-          <a:p>
-            <a:r>
-              <a:rPr lang="en-US" altLang="zh-CN" dirty="0"/>
-              <a:t>Work_1: </a:t>
-            </a:r>
-            <a:r>
-              <a:rPr lang="en-US" altLang="zh-CN" sz="1400" dirty="0"/>
-              <a:t>Tutorial</a:t>
-            </a:r>
-          </a:p>
-        </p:txBody>
-      </p:sp>
-      <p:sp>
-        <p:nvSpPr>
-          <p:cNvPr id="2" name="文本框 1">
-            <a:extLst>
-              <a:ext uri="{FF2B5EF4-FFF2-40B4-BE49-F238E27FC236}">
-                <a16:creationId xmlns:a16="http://schemas.microsoft.com/office/drawing/2014/main" id="{88CF5AD0-BD8D-D90B-99FB-81031E032071}"/>
-              </a:ext>
-            </a:extLst>
-          </p:cNvPr>
-          <p:cNvSpPr txBox="1"/>
-          <p:nvPr/>
-        </p:nvSpPr>
-        <p:spPr>
-          <a:xfrm>
-            <a:off x="1145588" y="1854905"/>
-            <a:ext cx="9900823" cy="2616101"/>
-          </a:xfrm>
-          <a:prstGeom prst="rect">
-            <a:avLst/>
-          </a:prstGeom>
-          <a:noFill/>
-        </p:spPr>
-        <p:txBody>
-          <a:bodyPr wrap="square">
-            <a:spAutoFit/>
-          </a:bodyPr>
-          <a:lstStyle/>
-          <a:p>
-            <a:r>
-              <a:rPr lang="en-US" altLang="zh-CN" sz="2000" dirty="0"/>
-              <a:t>For Algorithm</a:t>
-            </a:r>
-          </a:p>
-          <a:p>
-            <a:endParaRPr lang="en-US" altLang="zh-CN" dirty="0"/>
-          </a:p>
-          <a:p>
-            <a:endParaRPr lang="en-US" altLang="zh-CN" dirty="0"/>
-          </a:p>
-          <a:p>
-            <a:r>
-              <a:rPr lang="en-US" altLang="zh-CN" dirty="0"/>
-              <a:t>Matched Filter and Notch Filter have been tested on SCG signals. </a:t>
-            </a:r>
-          </a:p>
-          <a:p>
-            <a:endParaRPr lang="en-US" altLang="zh-CN" dirty="0"/>
-          </a:p>
-          <a:p>
-            <a:r>
-              <a:rPr lang="en-US" altLang="zh-CN" dirty="0"/>
-              <a:t>Unlike last week's Wiener filter and </a:t>
-            </a:r>
-            <a:r>
-              <a:rPr lang="en-US" altLang="zh-CN" dirty="0" err="1"/>
-              <a:t>Savitzky-Golay</a:t>
-            </a:r>
-            <a:r>
-              <a:rPr lang="en-US" altLang="zh-CN" dirty="0"/>
-              <a:t> filter, they didn't produce unexpectedly good results. </a:t>
-            </a:r>
-          </a:p>
-          <a:p>
-            <a:endParaRPr lang="en-US" altLang="zh-CN" dirty="0"/>
-          </a:p>
-          <a:p>
-            <a:r>
-              <a:rPr lang="en-US" altLang="zh-CN" dirty="0"/>
-              <a:t>It seems challenging to apply them for noise reduction in SCG signals.</a:t>
-            </a:r>
-          </a:p>
-        </p:txBody>
-      </p:sp>
-    </p:spTree>
-    <p:extLst>
-      <p:ext uri="{BB962C8B-B14F-4D97-AF65-F5344CB8AC3E}">
-        <p14:creationId xmlns:p14="http://schemas.microsoft.com/office/powerpoint/2010/main" val="939389368"/>
-      </p:ext>
-    </p:extLst>
-  </p:cSld>
-  <p:clrMapOvr>
-    <a:masterClrMapping/>
-  </p:clrMapOvr>
-</p:sld>
-</file>
-
-<file path=ppt/slides/slide6.xml><?xml version="1.0" encoding="utf-8"?>
-<p:sld xmlns:a="http://schemas.openxmlformats.org/drawingml/2006/main" xmlns:r="http://schemas.openxmlformats.org/officeDocument/2006/relationships" xmlns:p="http://schemas.openxmlformats.org/presentationml/2006/main">
-  <p:cSld>
-    <p:spTree>
-      <p:nvGrpSpPr>
-        <p:cNvPr id="1" name=""/>
-        <p:cNvGrpSpPr/>
-        <p:nvPr/>
-      </p:nvGrpSpPr>
-      <p:grpSpPr>
-        <a:xfrm>
-          <a:off x="0" y="0"/>
-          <a:ext cx="0" cy="0"/>
-          <a:chOff x="0" y="0"/>
-          <a:chExt cx="0" cy="0"/>
-        </a:xfrm>
-      </p:grpSpPr>
-      <p:sp>
-        <p:nvSpPr>
-          <p:cNvPr id="55" name="文本框 54">
-            <a:extLst>
-              <a:ext uri="{FF2B5EF4-FFF2-40B4-BE49-F238E27FC236}">
-                <a16:creationId xmlns:a16="http://schemas.microsoft.com/office/drawing/2014/main" id="{32A2BE86-86A6-F1FC-83EE-91A826B532E5}"/>
-              </a:ext>
-            </a:extLst>
-          </p:cNvPr>
-          <p:cNvSpPr txBox="1"/>
-          <p:nvPr/>
-        </p:nvSpPr>
-        <p:spPr>
-          <a:xfrm>
-            <a:off x="609600" y="106251"/>
-            <a:ext cx="6164062" cy="461665"/>
-          </a:xfrm>
-          <a:prstGeom prst="rect">
-            <a:avLst/>
-          </a:prstGeom>
-          <a:noFill/>
-        </p:spPr>
-        <p:txBody>
-          <a:bodyPr wrap="square" rtlCol="0">
-            <a:spAutoFit/>
-          </a:bodyPr>
-          <a:lstStyle>
-            <a:defPPr>
-              <a:defRPr lang="zh-CN"/>
-            </a:defPPr>
-            <a:lvl1pPr>
-              <a:defRPr sz="2400">
-                <a:latin typeface="Consolas" panose="020B0609020204030204" pitchFamily="49" charset="0"/>
-                <a:cs typeface="Times New Roman" panose="02020603050405020304" pitchFamily="18" charset="0"/>
-              </a:defRPr>
-            </a:lvl1pPr>
-          </a:lstStyle>
-          <a:p>
-            <a:r>
-              <a:rPr lang="en-US" altLang="zh-CN" dirty="0"/>
-              <a:t>Work_2: </a:t>
-            </a:r>
-            <a:r>
-              <a:rPr lang="en-US" altLang="zh-CN" sz="1400" dirty="0"/>
-              <a:t>Remove</a:t>
-            </a:r>
-          </a:p>
-        </p:txBody>
-      </p:sp>
-      <p:sp>
-        <p:nvSpPr>
-          <p:cNvPr id="2" name="文本框 1">
-            <a:extLst>
-              <a:ext uri="{FF2B5EF4-FFF2-40B4-BE49-F238E27FC236}">
-                <a16:creationId xmlns:a16="http://schemas.microsoft.com/office/drawing/2014/main" id="{863E4C32-5FB1-0127-EAF3-DE047AAB40FD}"/>
-              </a:ext>
-            </a:extLst>
-          </p:cNvPr>
-          <p:cNvSpPr txBox="1"/>
-          <p:nvPr/>
-        </p:nvSpPr>
-        <p:spPr>
-          <a:xfrm>
-            <a:off x="950119" y="914399"/>
-            <a:ext cx="10622756" cy="2862322"/>
-          </a:xfrm>
-          <a:prstGeom prst="rect">
-            <a:avLst/>
-          </a:prstGeom>
-          <a:noFill/>
-        </p:spPr>
-        <p:txBody>
-          <a:bodyPr wrap="square" rtlCol="0">
-            <a:spAutoFit/>
-          </a:bodyPr>
-          <a:lstStyle/>
-          <a:p>
-            <a:r>
-              <a:rPr lang="en-US" altLang="zh-CN" dirty="0"/>
-              <a:t>Noisy signal = Clean signal + </a:t>
-            </a:r>
-          </a:p>
-          <a:p>
-            <a:endParaRPr lang="en-US" altLang="zh-CN" dirty="0"/>
-          </a:p>
-          <a:p>
-            <a:endParaRPr lang="en-US" altLang="zh-CN" dirty="0"/>
-          </a:p>
-          <a:p>
-            <a:endParaRPr lang="en-US" altLang="zh-CN" dirty="0"/>
-          </a:p>
-          <a:p>
-            <a:r>
-              <a:rPr lang="en-US" altLang="zh-CN" dirty="0"/>
-              <a:t>In data with strong echoes, it's nearly impossible to perform cycle segmentation by locating large peaks.</a:t>
-            </a:r>
-          </a:p>
-          <a:p>
-            <a:endParaRPr lang="en-US" altLang="zh-CN" dirty="0"/>
-          </a:p>
-          <a:p>
-            <a:endParaRPr lang="en-US" altLang="zh-CN" dirty="0"/>
-          </a:p>
-          <a:p>
-            <a:r>
-              <a:rPr lang="en-US" altLang="zh-CN" dirty="0"/>
-              <a:t>At the same time, directly using Heart Rate as the cycle length for segmentation results in a significant time shift (as shown in the figure below).</a:t>
-            </a:r>
-          </a:p>
-        </p:txBody>
-      </p:sp>
-    </p:spTree>
-    <p:extLst>
-      <p:ext uri="{BB962C8B-B14F-4D97-AF65-F5344CB8AC3E}">
-        <p14:creationId xmlns:p14="http://schemas.microsoft.com/office/powerpoint/2010/main" val="407941097"/>
-      </p:ext>
-    </p:extLst>
-  </p:cSld>
-  <p:clrMapOvr>
-    <a:masterClrMapping/>
-  </p:clrMapOvr>
-</p:sld>
-</file>
-
-<file path=ppt/slides/slide7.xml><?xml version="1.0" encoding="utf-8"?>
-<p:sld xmlns:a="http://schemas.openxmlformats.org/drawingml/2006/main" xmlns:r="http://schemas.openxmlformats.org/officeDocument/2006/relationships" xmlns:p="http://schemas.openxmlformats.org/presentationml/2006/main">
-  <p:cSld>
-    <p:spTree>
-      <p:nvGrpSpPr>
-        <p:cNvPr id="1" name=""/>
-        <p:cNvGrpSpPr/>
-        <p:nvPr/>
-      </p:nvGrpSpPr>
-      <p:grpSpPr>
-        <a:xfrm>
-          <a:off x="0" y="0"/>
-          <a:ext cx="0" cy="0"/>
-          <a:chOff x="0" y="0"/>
-          <a:chExt cx="0" cy="0"/>
-        </a:xfrm>
-      </p:grpSpPr>
-      <p:sp>
-        <p:nvSpPr>
-          <p:cNvPr id="55" name="文本框 54">
-            <a:extLst>
-              <a:ext uri="{FF2B5EF4-FFF2-40B4-BE49-F238E27FC236}">
-                <a16:creationId xmlns:a16="http://schemas.microsoft.com/office/drawing/2014/main" id="{32A2BE86-86A6-F1FC-83EE-91A826B532E5}"/>
-              </a:ext>
-            </a:extLst>
-          </p:cNvPr>
-          <p:cNvSpPr txBox="1"/>
-          <p:nvPr/>
-        </p:nvSpPr>
-        <p:spPr>
-          <a:xfrm>
-            <a:off x="609600" y="106251"/>
-            <a:ext cx="6164062" cy="461665"/>
-          </a:xfrm>
-          <a:prstGeom prst="rect">
-            <a:avLst/>
-          </a:prstGeom>
-          <a:noFill/>
-        </p:spPr>
-        <p:txBody>
-          <a:bodyPr wrap="square" rtlCol="0">
-            <a:spAutoFit/>
-          </a:bodyPr>
-          <a:lstStyle>
-            <a:defPPr>
-              <a:defRPr lang="zh-CN"/>
-            </a:defPPr>
-            <a:lvl1pPr>
-              <a:defRPr sz="2400">
-                <a:latin typeface="Consolas" panose="020B0609020204030204" pitchFamily="49" charset="0"/>
-                <a:cs typeface="Times New Roman" panose="02020603050405020304" pitchFamily="18" charset="0"/>
-              </a:defRPr>
-            </a:lvl1pPr>
-          </a:lstStyle>
-          <a:p>
-            <a:r>
-              <a:rPr lang="en-US" altLang="zh-CN" dirty="0"/>
-              <a:t>Work_2: </a:t>
-            </a:r>
-            <a:r>
-              <a:rPr lang="en-US" altLang="zh-CN" sz="1400" dirty="0"/>
-              <a:t>Remove</a:t>
-            </a:r>
-          </a:p>
-        </p:txBody>
-      </p:sp>
-      <p:sp>
-        <p:nvSpPr>
-          <p:cNvPr id="3" name="文本框 2">
-            <a:extLst>
-              <a:ext uri="{FF2B5EF4-FFF2-40B4-BE49-F238E27FC236}">
-                <a16:creationId xmlns:a16="http://schemas.microsoft.com/office/drawing/2014/main" id="{2E1C64E3-933D-9360-E103-13AAFAE5702E}"/>
-              </a:ext>
-            </a:extLst>
-          </p:cNvPr>
-          <p:cNvSpPr txBox="1"/>
-          <p:nvPr/>
-        </p:nvSpPr>
-        <p:spPr>
-          <a:xfrm>
-            <a:off x="2081515" y="1586985"/>
-            <a:ext cx="8028970" cy="2585323"/>
-          </a:xfrm>
-          <a:prstGeom prst="rect">
-            <a:avLst/>
-          </a:prstGeom>
-          <a:noFill/>
-        </p:spPr>
-        <p:txBody>
-          <a:bodyPr wrap="square">
-            <a:spAutoFit/>
-          </a:bodyPr>
-          <a:lstStyle/>
-          <a:p>
-            <a:r>
-              <a:rPr lang="en-US" altLang="zh-CN" dirty="0"/>
-              <a:t>Within a relatively short timeframe, the patterns generated by echoes remain relatively consistent and don't exhibit significant variations.</a:t>
-            </a:r>
-          </a:p>
-          <a:p>
-            <a:endParaRPr lang="en-US" altLang="zh-CN" dirty="0"/>
-          </a:p>
-          <a:p>
-            <a:endParaRPr lang="en-US" altLang="zh-CN" dirty="0"/>
-          </a:p>
-          <a:p>
-            <a:r>
-              <a:rPr lang="en-US" altLang="zh-CN" dirty="0"/>
-              <a:t>So, using autocorrelation for separation is a good idea. </a:t>
-            </a:r>
-          </a:p>
-          <a:p>
-            <a:endParaRPr lang="en-US" altLang="zh-CN" dirty="0"/>
-          </a:p>
-          <a:p>
-            <a:r>
-              <a:rPr lang="en-US" altLang="zh-CN" dirty="0"/>
-              <a:t>Below are two examples: one with very few peaks and another with a high number of peaks.</a:t>
-            </a:r>
-          </a:p>
-        </p:txBody>
-      </p:sp>
-    </p:spTree>
-    <p:extLst>
-      <p:ext uri="{BB962C8B-B14F-4D97-AF65-F5344CB8AC3E}">
-        <p14:creationId xmlns:p14="http://schemas.microsoft.com/office/powerpoint/2010/main" val="3614351961"/>
-      </p:ext>
-    </p:extLst>
-  </p:cSld>
-  <p:clrMapOvr>
-    <a:masterClrMapping/>
-  </p:clrMapOvr>
-</p:sld>
-</file>
-
-<file path=ppt/slides/slide8.xml><?xml version="1.0" encoding="utf-8"?>
-<p:sld xmlns:a="http://schemas.openxmlformats.org/drawingml/2006/main" xmlns:r="http://schemas.openxmlformats.org/officeDocument/2006/relationships" xmlns:p="http://schemas.openxmlformats.org/presentationml/2006/main">
-  <p:cSld>
-    <p:spTree>
-      <p:nvGrpSpPr>
-        <p:cNvPr id="1" name=""/>
-        <p:cNvGrpSpPr/>
-        <p:nvPr/>
-      </p:nvGrpSpPr>
-      <p:grpSpPr>
-        <a:xfrm>
-          <a:off x="0" y="0"/>
-          <a:ext cx="0" cy="0"/>
-          <a:chOff x="0" y="0"/>
-          <a:chExt cx="0" cy="0"/>
-        </a:xfrm>
-      </p:grpSpPr>
-      <p:sp>
-        <p:nvSpPr>
-          <p:cNvPr id="55" name="文本框 54">
-            <a:extLst>
-              <a:ext uri="{FF2B5EF4-FFF2-40B4-BE49-F238E27FC236}">
-                <a16:creationId xmlns:a16="http://schemas.microsoft.com/office/drawing/2014/main" id="{32A2BE86-86A6-F1FC-83EE-91A826B532E5}"/>
-              </a:ext>
-            </a:extLst>
-          </p:cNvPr>
-          <p:cNvSpPr txBox="1"/>
-          <p:nvPr/>
-        </p:nvSpPr>
-        <p:spPr>
-          <a:xfrm>
-            <a:off x="609599" y="106251"/>
-            <a:ext cx="5382827" cy="461665"/>
-          </a:xfrm>
-          <a:prstGeom prst="rect">
-            <a:avLst/>
-          </a:prstGeom>
-          <a:noFill/>
-        </p:spPr>
-        <p:txBody>
-          <a:bodyPr wrap="square" rtlCol="0">
-            <a:spAutoFit/>
-          </a:bodyPr>
-          <a:lstStyle>
-            <a:defPPr>
-              <a:defRPr lang="zh-CN"/>
-            </a:defPPr>
-            <a:lvl1pPr>
-              <a:defRPr sz="2400">
-                <a:latin typeface="Consolas" panose="020B0609020204030204" pitchFamily="49" charset="0"/>
-                <a:cs typeface="Times New Roman" panose="02020603050405020304" pitchFamily="18" charset="0"/>
-              </a:defRPr>
-            </a:lvl1pPr>
-          </a:lstStyle>
-          <a:p>
-            <a:r>
-              <a:rPr lang="en-US" altLang="zh-CN" dirty="0"/>
-              <a:t>Work_3: </a:t>
-            </a:r>
-            <a:r>
-              <a:rPr lang="en-US" altLang="zh-CN" sz="1400" dirty="0"/>
-              <a:t>Remove</a:t>
-            </a:r>
-            <a:r>
-              <a:rPr lang="zh-CN" altLang="en-US" sz="1400" dirty="0"/>
-              <a:t> </a:t>
-            </a:r>
-            <a:r>
-              <a:rPr lang="en-US" altLang="zh-CN" sz="1400" dirty="0"/>
-              <a:t>Normal</a:t>
-            </a:r>
-            <a:r>
-              <a:rPr lang="zh-CN" altLang="en-US" sz="1400" dirty="0"/>
-              <a:t> </a:t>
-            </a:r>
-            <a:r>
-              <a:rPr lang="en-US" altLang="zh-CN" sz="1400" dirty="0"/>
-              <a:t>Nosie</a:t>
-            </a:r>
-            <a:r>
-              <a:rPr lang="zh-CN" altLang="en-US" sz="1400" dirty="0"/>
-              <a:t> </a:t>
-            </a:r>
-            <a:r>
-              <a:rPr lang="en-US" altLang="zh-CN" sz="1400" dirty="0"/>
-              <a:t>and respiratory</a:t>
-            </a:r>
-          </a:p>
-        </p:txBody>
-      </p:sp>
-      <p:sp>
-        <p:nvSpPr>
-          <p:cNvPr id="6" name="文本框 5">
-            <a:extLst>
-              <a:ext uri="{FF2B5EF4-FFF2-40B4-BE49-F238E27FC236}">
-                <a16:creationId xmlns:a16="http://schemas.microsoft.com/office/drawing/2014/main" id="{CB57B3DA-EA77-30D0-42EE-7EE902C6E4E9}"/>
-              </a:ext>
-            </a:extLst>
-          </p:cNvPr>
-          <p:cNvSpPr txBox="1"/>
-          <p:nvPr/>
-        </p:nvSpPr>
-        <p:spPr>
-          <a:xfrm>
-            <a:off x="2969419" y="567916"/>
-            <a:ext cx="7681913" cy="369332"/>
-          </a:xfrm>
-          <a:prstGeom prst="rect">
-            <a:avLst/>
-          </a:prstGeom>
-          <a:noFill/>
-        </p:spPr>
-        <p:txBody>
-          <a:bodyPr wrap="square" rtlCol="0">
-            <a:spAutoFit/>
-          </a:bodyPr>
-          <a:lstStyle/>
-          <a:p>
-            <a:r>
-              <a:rPr lang="zh-CN" altLang="en-US" dirty="0"/>
-              <a:t>看一下目前尝试的一些算法的效果。</a:t>
-            </a:r>
-            <a:endParaRPr lang="en-US" altLang="zh-CN" dirty="0"/>
-          </a:p>
-        </p:txBody>
-      </p:sp>
       <p:graphicFrame>
         <p:nvGraphicFramePr>
-          <p:cNvPr id="3" name="表格 3">
-            <a:extLst>
-              <a:ext uri="{FF2B5EF4-FFF2-40B4-BE49-F238E27FC236}">
-                <a16:creationId xmlns:a16="http://schemas.microsoft.com/office/drawing/2014/main" id="{553BDD7C-46C9-BDFE-EA8F-C4F7F31A592A}"/>
+          <p:cNvPr id="2" name="表格 3">
+            <a:extLst>
+              <a:ext uri="{FF2B5EF4-FFF2-40B4-BE49-F238E27FC236}">
+                <a16:creationId xmlns:a16="http://schemas.microsoft.com/office/drawing/2014/main" id="{BA87E177-7C8A-25BD-2C7A-DC873E9DC626}"/>
               </a:ext>
             </a:extLst>
           </p:cNvPr>
@@ -7601,14 +5305,14 @@
           <p:nvPr>
             <p:extLst>
               <p:ext uri="{D42A27DB-BD31-4B8C-83A1-F6EECF244321}">
-                <p14:modId xmlns:p14="http://schemas.microsoft.com/office/powerpoint/2010/main" val="3096221819"/>
+                <p14:modId xmlns:p14="http://schemas.microsoft.com/office/powerpoint/2010/main" val="1289552611"/>
               </p:ext>
             </p:extLst>
           </p:nvPr>
         </p:nvGraphicFramePr>
         <p:xfrm>
-          <a:off x="1928426" y="932412"/>
-          <a:ext cx="8127999" cy="2595880"/>
+          <a:off x="99606" y="640653"/>
+          <a:ext cx="8127999" cy="1854200"/>
         </p:xfrm>
         <a:graphic>
           <a:graphicData uri="http://schemas.openxmlformats.org/drawingml/2006/table">
@@ -7624,14 +5328,14 @@
                     </a:ext>
                   </a:extLst>
                 </a:gridCol>
-                <a:gridCol w="2709333">
+                <a:gridCol w="2551408">
                   <a:extLst>
                     <a:ext uri="{9D8B030D-6E8A-4147-A177-3AD203B41FA5}">
                       <a16:colId xmlns:a16="http://schemas.microsoft.com/office/drawing/2014/main" val="518921487"/>
                     </a:ext>
                   </a:extLst>
                 </a:gridCol>
-                <a:gridCol w="2709333">
+                <a:gridCol w="2867258">
                   <a:extLst>
                     <a:ext uri="{9D8B030D-6E8A-4147-A177-3AD203B41FA5}">
                       <a16:colId xmlns:a16="http://schemas.microsoft.com/office/drawing/2014/main" val="843961580"/>
@@ -7771,10 +5475,10 @@
                     <a:p>
                       <a:pPr algn="ctr"/>
                       <a:r>
-                        <a:rPr lang="en-US" altLang="zh-CN" dirty="0"/>
+                        <a:rPr lang="en-US" altLang="zh-CN" b="1" i="0" u="sng" dirty="0"/>
                         <a:t>1.79</a:t>
                       </a:r>
-                      <a:endParaRPr lang="zh-CN" altLang="en-US" dirty="0"/>
+                      <a:endParaRPr lang="zh-CN" altLang="en-US" b="1" i="0" u="sng" dirty="0"/>
                     </a:p>
                   </a:txBody>
                   <a:tcPr/>
@@ -7823,10 +5527,10 @@
                     <a:p>
                       <a:pPr algn="ctr"/>
                       <a:r>
-                        <a:rPr lang="en-US" altLang="zh-CN" dirty="0"/>
+                        <a:rPr lang="en-US" altLang="zh-CN" b="1" i="0" u="sng" dirty="0"/>
                         <a:t>4.07</a:t>
                       </a:r>
-                      <a:endParaRPr lang="zh-CN" altLang="en-US" dirty="0"/>
+                      <a:endParaRPr lang="zh-CN" altLang="en-US" b="1" i="0" u="sng" dirty="0"/>
                     </a:p>
                   </a:txBody>
                   <a:tcPr/>
@@ -7875,10 +5579,10 @@
                     <a:p>
                       <a:pPr algn="ctr"/>
                       <a:r>
-                        <a:rPr lang="en-US" altLang="zh-CN" dirty="0"/>
+                        <a:rPr lang="en-US" altLang="zh-CN" b="1" i="0" u="sng" dirty="0"/>
                         <a:t>4.53</a:t>
                       </a:r>
-                      <a:endParaRPr lang="zh-CN" altLang="en-US" dirty="0"/>
+                      <a:endParaRPr lang="zh-CN" altLang="en-US" b="1" i="0" u="sng" dirty="0"/>
                     </a:p>
                   </a:txBody>
                   <a:tcPr/>
@@ -7889,120 +5593,320 @@
                   </a:ext>
                 </a:extLst>
               </a:tr>
-              <a:tr h="370840">
-                <a:tc>
-                  <a:txBody>
-                    <a:bodyPr/>
-                    <a:lstStyle/>
-                    <a:p>
-                      <a:pPr algn="ctr"/>
-                      <a:r>
-                        <a:rPr lang="en-US" altLang="zh-CN" dirty="0"/>
-                        <a:t>K-shape</a:t>
-                      </a:r>
-                      <a:endParaRPr lang="zh-CN" altLang="en-US" dirty="0"/>
-                    </a:p>
-                  </a:txBody>
-                  <a:tcPr/>
-                </a:tc>
-                <a:tc>
-                  <a:txBody>
-                    <a:bodyPr/>
-                    <a:lstStyle/>
-                    <a:p>
-                      <a:pPr algn="ctr"/>
-                      <a:r>
-                        <a:rPr lang="en-US" altLang="zh-CN" dirty="0"/>
-                        <a:t>2.2</a:t>
-                      </a:r>
-                      <a:endParaRPr lang="zh-CN" altLang="en-US" dirty="0"/>
-                    </a:p>
-                  </a:txBody>
-                  <a:tcPr/>
-                </a:tc>
-                <a:tc>
-                  <a:txBody>
-                    <a:bodyPr/>
-                    <a:lstStyle/>
-                    <a:p>
-                      <a:pPr algn="ctr"/>
-                      <a:r>
-                        <a:rPr lang="en-US" altLang="zh-CN" dirty="0"/>
-                        <a:t>4.85</a:t>
-                      </a:r>
-                      <a:endParaRPr lang="zh-CN" altLang="en-US" dirty="0"/>
-                    </a:p>
-                  </a:txBody>
-                  <a:tcPr/>
-                </a:tc>
-                <a:extLst>
-                  <a:ext uri="{0D108BD9-81ED-4DB2-BD59-A6C34878D82A}">
-                    <a16:rowId xmlns:a16="http://schemas.microsoft.com/office/drawing/2014/main" val="1685611913"/>
-                  </a:ext>
-                </a:extLst>
-              </a:tr>
-              <a:tr h="370840">
-                <a:tc>
-                  <a:txBody>
-                    <a:bodyPr/>
-                    <a:lstStyle/>
-                    <a:p>
-                      <a:pPr algn="ctr"/>
-                      <a:r>
-                        <a:rPr lang="en-US" altLang="zh-CN" dirty="0"/>
-                        <a:t>PCA-based</a:t>
-                      </a:r>
-                      <a:endParaRPr lang="zh-CN" altLang="en-US" dirty="0"/>
-                    </a:p>
-                  </a:txBody>
-                  <a:tcPr/>
-                </a:tc>
-                <a:tc>
-                  <a:txBody>
-                    <a:bodyPr/>
-                    <a:lstStyle/>
-                    <a:p>
-                      <a:pPr algn="ctr"/>
-                      <a:r>
-                        <a:rPr lang="en-US" altLang="zh-CN" dirty="0"/>
-                        <a:t>-</a:t>
-                      </a:r>
-                      <a:endParaRPr lang="zh-CN" altLang="en-US" dirty="0"/>
-                    </a:p>
-                  </a:txBody>
-                  <a:tcPr/>
-                </a:tc>
-                <a:tc>
-                  <a:txBody>
-                    <a:bodyPr/>
-                    <a:lstStyle/>
-                    <a:p>
-                      <a:pPr algn="ctr"/>
-                      <a:r>
-                        <a:rPr lang="en-US" altLang="zh-CN" dirty="0"/>
-                        <a:t>-</a:t>
-                      </a:r>
-                      <a:endParaRPr lang="zh-CN" altLang="en-US" dirty="0"/>
-                    </a:p>
-                  </a:txBody>
-                  <a:tcPr/>
-                </a:tc>
-                <a:extLst>
-                  <a:ext uri="{0D108BD9-81ED-4DB2-BD59-A6C34878D82A}">
-                    <a16:rowId xmlns:a16="http://schemas.microsoft.com/office/drawing/2014/main" val="2690356915"/>
-                  </a:ext>
-                </a:extLst>
-              </a:tr>
             </a:tbl>
           </a:graphicData>
         </a:graphic>
       </p:graphicFrame>
+      <p:pic>
+        <p:nvPicPr>
+          <p:cNvPr id="7" name="图片 6">
+            <a:extLst>
+              <a:ext uri="{FF2B5EF4-FFF2-40B4-BE49-F238E27FC236}">
+                <a16:creationId xmlns:a16="http://schemas.microsoft.com/office/drawing/2014/main" id="{4BB75359-18BE-D824-6D7A-3F0ED49A93A1}"/>
+              </a:ext>
+            </a:extLst>
+          </p:cNvPr>
+          <p:cNvPicPr>
+            <a:picLocks noChangeAspect="1"/>
+          </p:cNvPicPr>
+          <p:nvPr/>
+        </p:nvPicPr>
+        <p:blipFill rotWithShape="1">
+          <a:blip r:embed="rId3">
+            <a:extLst>
+              <a:ext uri="{28A0092B-C50C-407E-A947-70E740481C1C}">
+                <a14:useLocalDpi xmlns:a14="http://schemas.microsoft.com/office/drawing/2010/main" val="0"/>
+              </a:ext>
+            </a:extLst>
+          </a:blip>
+          <a:srcRect l="8069" t="3365" r="9380"/>
+          <a:stretch/>
+        </p:blipFill>
+        <p:spPr>
+          <a:xfrm>
+            <a:off x="0" y="3029180"/>
+            <a:ext cx="6236494" cy="3650226"/>
+          </a:xfrm>
+          <a:prstGeom prst="rect">
+            <a:avLst/>
+          </a:prstGeom>
+        </p:spPr>
+      </p:pic>
+      <p:sp>
+        <p:nvSpPr>
+          <p:cNvPr id="10" name="文本框 9">
+            <a:extLst>
+              <a:ext uri="{FF2B5EF4-FFF2-40B4-BE49-F238E27FC236}">
+                <a16:creationId xmlns:a16="http://schemas.microsoft.com/office/drawing/2014/main" id="{B4310260-81A8-8496-0281-6F4800D680CE}"/>
+              </a:ext>
+            </a:extLst>
+          </p:cNvPr>
+          <p:cNvSpPr txBox="1"/>
+          <p:nvPr/>
+        </p:nvSpPr>
+        <p:spPr>
+          <a:xfrm>
+            <a:off x="6172584" y="2610683"/>
+            <a:ext cx="6019416" cy="4247317"/>
+          </a:xfrm>
+          <a:prstGeom prst="rect">
+            <a:avLst/>
+          </a:prstGeom>
+          <a:noFill/>
+        </p:spPr>
+        <p:txBody>
+          <a:bodyPr wrap="square" rtlCol="0">
+            <a:spAutoFit/>
+          </a:bodyPr>
+          <a:lstStyle/>
+          <a:p>
+            <a:r>
+              <a:rPr lang="en-US" altLang="zh-CN" dirty="0"/>
+              <a:t>For D Prediction:</a:t>
+            </a:r>
+          </a:p>
+          <a:p>
+            <a:r>
+              <a:rPr lang="en-US" altLang="zh-CN" dirty="0"/>
+              <a:t>Small peaks are not aligned properly. Both mean and median methods significantly affect height of small peaks, leading to a decrease in accuracy.</a:t>
+            </a:r>
+          </a:p>
+          <a:p>
+            <a:endParaRPr lang="en-US" altLang="zh-CN" dirty="0"/>
+          </a:p>
+          <a:p>
+            <a:r>
+              <a:rPr lang="en-US" altLang="zh-CN" dirty="0"/>
+              <a:t>For S prediction:</a:t>
+            </a:r>
+          </a:p>
+          <a:p>
+            <a:r>
+              <a:rPr lang="en-US" altLang="zh-CN" dirty="0"/>
+              <a:t>Due to the limitation of the </a:t>
+            </a:r>
+            <a:r>
+              <a:rPr lang="en-US" altLang="zh-CN" b="1" dirty="0"/>
+              <a:t>sampling rate</a:t>
+            </a:r>
+            <a:r>
+              <a:rPr lang="en-US" altLang="zh-CN" dirty="0"/>
+              <a:t>, even with a perfect "Get Template" algorithm, the S prediction result is still not as good as that of the "No Template" algorithm.</a:t>
+            </a:r>
+          </a:p>
+          <a:p>
+            <a:endParaRPr lang="en-US" altLang="zh-CN" dirty="0"/>
+          </a:p>
+          <a:p>
+            <a:r>
+              <a:rPr lang="en-US" altLang="zh-CN" dirty="0"/>
+              <a:t>e.g.</a:t>
+            </a:r>
+          </a:p>
+          <a:p>
+            <a:r>
+              <a:rPr lang="en-US" altLang="zh-CN" dirty="0"/>
+              <a:t>No Template Method: dis12 = 12.5</a:t>
+            </a:r>
+          </a:p>
+          <a:p>
+            <a:r>
+              <a:rPr lang="en-US" altLang="zh-CN" dirty="0"/>
+              <a:t>Template Method: dis12 = 12 / 13(less accurate)</a:t>
+            </a:r>
+          </a:p>
+        </p:txBody>
+      </p:sp>
+      <p:sp>
+        <p:nvSpPr>
+          <p:cNvPr id="11" name="矩形 10">
+            <a:extLst>
+              <a:ext uri="{FF2B5EF4-FFF2-40B4-BE49-F238E27FC236}">
+                <a16:creationId xmlns:a16="http://schemas.microsoft.com/office/drawing/2014/main" id="{B85EE123-7AB0-1A33-EF12-34A69A59F3F3}"/>
+              </a:ext>
+            </a:extLst>
+          </p:cNvPr>
+          <p:cNvSpPr/>
+          <p:nvPr/>
+        </p:nvSpPr>
+        <p:spPr>
+          <a:xfrm>
+            <a:off x="3464719" y="5472113"/>
+            <a:ext cx="1071562" cy="635793"/>
+          </a:xfrm>
+          <a:prstGeom prst="rect">
+            <a:avLst/>
+          </a:prstGeom>
+        </p:spPr>
+        <p:style>
+          <a:lnRef idx="2">
+            <a:schemeClr val="accent1">
+              <a:shade val="15000"/>
+            </a:schemeClr>
+          </a:lnRef>
+          <a:fillRef idx="1">
+            <a:schemeClr val="accent1"/>
+          </a:fillRef>
+          <a:effectRef idx="0">
+            <a:schemeClr val="accent1"/>
+          </a:effectRef>
+          <a:fontRef idx="minor">
+            <a:schemeClr val="lt1"/>
+          </a:fontRef>
+        </p:style>
+        <p:txBody>
+          <a:bodyPr rtlCol="0" anchor="ctr"/>
+          <a:lstStyle/>
+          <a:p>
+            <a:pPr algn="ctr"/>
+            <a:endParaRPr lang="zh-CN" altLang="en-US"/>
+          </a:p>
+        </p:txBody>
+      </p:sp>
+      <p:sp>
+        <p:nvSpPr>
+          <p:cNvPr id="13" name="文本框 12">
+            <a:extLst>
+              <a:ext uri="{FF2B5EF4-FFF2-40B4-BE49-F238E27FC236}">
+                <a16:creationId xmlns:a16="http://schemas.microsoft.com/office/drawing/2014/main" id="{DF9D33C4-A4FE-2EE5-FAC1-FE7160D1A940}"/>
+              </a:ext>
+            </a:extLst>
+          </p:cNvPr>
+          <p:cNvSpPr txBox="1"/>
+          <p:nvPr/>
+        </p:nvSpPr>
+        <p:spPr>
+          <a:xfrm>
+            <a:off x="8375649" y="1017525"/>
+            <a:ext cx="3816351" cy="1477328"/>
+          </a:xfrm>
+          <a:prstGeom prst="rect">
+            <a:avLst/>
+          </a:prstGeom>
+          <a:noFill/>
+        </p:spPr>
+        <p:txBody>
+          <a:bodyPr wrap="square">
+            <a:spAutoFit/>
+          </a:bodyPr>
+          <a:lstStyle/>
+          <a:p>
+            <a:r>
+              <a:rPr lang="en-US" altLang="zh-CN" dirty="0"/>
+              <a:t>Why does common methods of obtaining the template result in poor performance for S and D prediction, even in noise-free signals?</a:t>
+            </a:r>
+          </a:p>
+        </p:txBody>
+      </p:sp>
+    </p:spTree>
+    <p:extLst>
+      <p:ext uri="{BB962C8B-B14F-4D97-AF65-F5344CB8AC3E}">
+        <p14:creationId xmlns:p14="http://schemas.microsoft.com/office/powerpoint/2010/main" val="1776599111"/>
+      </p:ext>
+    </p:extLst>
+  </p:cSld>
+  <p:clrMapOvr>
+    <a:masterClrMapping/>
+  </p:clrMapOvr>
+</p:sld>
+</file>
+
+<file path=ppt/slides/slide11.xml><?xml version="1.0" encoding="utf-8"?>
+<p:sld xmlns:a="http://schemas.openxmlformats.org/drawingml/2006/main" xmlns:r="http://schemas.openxmlformats.org/officeDocument/2006/relationships" xmlns:p="http://schemas.openxmlformats.org/presentationml/2006/main">
+  <p:cSld>
+    <p:spTree>
+      <p:nvGrpSpPr>
+        <p:cNvPr id="1" name=""/>
+        <p:cNvGrpSpPr/>
+        <p:nvPr/>
+      </p:nvGrpSpPr>
+      <p:grpSpPr>
+        <a:xfrm>
+          <a:off x="0" y="0"/>
+          <a:ext cx="0" cy="0"/>
+          <a:chOff x="0" y="0"/>
+          <a:chExt cx="0" cy="0"/>
+        </a:xfrm>
+      </p:grpSpPr>
+      <p:sp>
+        <p:nvSpPr>
+          <p:cNvPr id="55" name="文本框 54">
+            <a:extLst>
+              <a:ext uri="{FF2B5EF4-FFF2-40B4-BE49-F238E27FC236}">
+                <a16:creationId xmlns:a16="http://schemas.microsoft.com/office/drawing/2014/main" id="{32A2BE86-86A6-F1FC-83EE-91A826B532E5}"/>
+              </a:ext>
+            </a:extLst>
+          </p:cNvPr>
+          <p:cNvSpPr txBox="1"/>
+          <p:nvPr/>
+        </p:nvSpPr>
+        <p:spPr>
+          <a:xfrm>
+            <a:off x="609599" y="106251"/>
+            <a:ext cx="5382827" cy="461665"/>
+          </a:xfrm>
+          <a:prstGeom prst="rect">
+            <a:avLst/>
+          </a:prstGeom>
+          <a:noFill/>
+        </p:spPr>
+        <p:txBody>
+          <a:bodyPr wrap="square" rtlCol="0">
+            <a:spAutoFit/>
+          </a:bodyPr>
+          <a:lstStyle>
+            <a:defPPr>
+              <a:defRPr lang="zh-CN"/>
+            </a:defPPr>
+            <a:lvl1pPr>
+              <a:defRPr sz="2400">
+                <a:latin typeface="Consolas" panose="020B0609020204030204" pitchFamily="49" charset="0"/>
+                <a:cs typeface="Times New Roman" panose="02020603050405020304" pitchFamily="18" charset="0"/>
+              </a:defRPr>
+            </a:lvl1pPr>
+          </a:lstStyle>
+          <a:p>
+            <a:r>
+              <a:rPr lang="en-US" altLang="zh-CN" dirty="0"/>
+              <a:t>Work_3: </a:t>
+            </a:r>
+            <a:r>
+              <a:rPr lang="en-US" altLang="zh-CN" sz="1400" dirty="0"/>
+              <a:t>Remove</a:t>
+            </a:r>
+            <a:r>
+              <a:rPr lang="zh-CN" altLang="en-US" sz="1400" dirty="0"/>
+              <a:t> </a:t>
+            </a:r>
+            <a:r>
+              <a:rPr lang="en-US" altLang="zh-CN" sz="1400" dirty="0"/>
+              <a:t>Normal</a:t>
+            </a:r>
+            <a:r>
+              <a:rPr lang="zh-CN" altLang="en-US" sz="1400" dirty="0"/>
+              <a:t> </a:t>
+            </a:r>
+            <a:r>
+              <a:rPr lang="en-US" altLang="zh-CN" sz="1400" dirty="0"/>
+              <a:t>Nosie</a:t>
+            </a:r>
+            <a:r>
+              <a:rPr lang="zh-CN" altLang="en-US" sz="1400" dirty="0"/>
+              <a:t> </a:t>
+            </a:r>
+            <a:r>
+              <a:rPr lang="en-US" altLang="zh-CN" sz="1400" dirty="0"/>
+              <a:t>and respiratory</a:t>
+            </a:r>
+          </a:p>
+        </p:txBody>
+      </p:sp>
       <p:graphicFrame>
         <p:nvGraphicFramePr>
-          <p:cNvPr id="4" name="表格 3">
-            <a:extLst>
-              <a:ext uri="{FF2B5EF4-FFF2-40B4-BE49-F238E27FC236}">
-                <a16:creationId xmlns:a16="http://schemas.microsoft.com/office/drawing/2014/main" id="{B473C8FB-A137-ECB3-D8E3-619585F9D985}"/>
+          <p:cNvPr id="2" name="表格 3">
+            <a:extLst>
+              <a:ext uri="{FF2B5EF4-FFF2-40B4-BE49-F238E27FC236}">
+                <a16:creationId xmlns:a16="http://schemas.microsoft.com/office/drawing/2014/main" id="{B24DB881-6F3A-7407-1861-8BF681DAB37C}"/>
               </a:ext>
             </a:extLst>
           </p:cNvPr>
@@ -8012,14 +5916,14 @@
           <p:nvPr>
             <p:extLst>
               <p:ext uri="{D42A27DB-BD31-4B8C-83A1-F6EECF244321}">
-                <p14:modId xmlns:p14="http://schemas.microsoft.com/office/powerpoint/2010/main" val="3660315425"/>
+                <p14:modId xmlns:p14="http://schemas.microsoft.com/office/powerpoint/2010/main" val="2360273833"/>
               </p:ext>
             </p:extLst>
           </p:nvPr>
         </p:nvGraphicFramePr>
         <p:xfrm>
-          <a:off x="1928426" y="3969224"/>
-          <a:ext cx="8127999" cy="2595880"/>
+          <a:off x="1858964" y="614347"/>
+          <a:ext cx="8127999" cy="1849120"/>
         </p:xfrm>
         <a:graphic>
           <a:graphicData uri="http://schemas.openxmlformats.org/drawingml/2006/table">
@@ -8050,16 +5954,32 @@
                   </a:extLst>
                 </a:gridCol>
               </a:tblGrid>
-              <a:tr h="370840">
+              <a:tr h="336709">
                 <a:tc gridSpan="3">
                   <a:txBody>
                     <a:bodyPr/>
                     <a:lstStyle/>
                     <a:p>
-                      <a:pPr algn="ctr"/>
+                      <a:pPr marL="0" marR="0" lvl="0" indent="0" algn="ctr" defTabSz="914400" rtl="0" eaLnBrk="1" fontAlgn="auto" latinLnBrk="0" hangingPunct="1">
+                        <a:lnSpc>
+                          <a:spcPct val="100000"/>
+                        </a:lnSpc>
+                        <a:spcBef>
+                          <a:spcPts val="0"/>
+                        </a:spcBef>
+                        <a:spcAft>
+                          <a:spcPts val="0"/>
+                        </a:spcAft>
+                        <a:buClrTx/>
+                        <a:buSzTx/>
+                        <a:buFontTx/>
+                        <a:buNone/>
+                        <a:tabLst/>
+                        <a:defRPr/>
+                      </a:pPr>
                       <a:r>
                         <a:rPr lang="en-US" altLang="zh-CN" dirty="0"/>
-                        <a:t>Noise Level of 0.1</a:t>
+                        <a:t>No Noise / Noise Level of 0.1</a:t>
                       </a:r>
                       <a:endParaRPr lang="zh-CN" altLang="en-US" dirty="0"/>
                     </a:p>
@@ -8165,10 +6085,26 @@
                     <a:bodyPr/>
                     <a:lstStyle/>
                     <a:p>
-                      <a:pPr algn="ctr"/>
+                      <a:pPr marL="0" marR="0" lvl="0" indent="0" algn="ctr" defTabSz="914400" rtl="0" eaLnBrk="1" fontAlgn="auto" latinLnBrk="0" hangingPunct="1">
+                        <a:lnSpc>
+                          <a:spcPct val="100000"/>
+                        </a:lnSpc>
+                        <a:spcBef>
+                          <a:spcPts val="0"/>
+                        </a:spcBef>
+                        <a:spcAft>
+                          <a:spcPts val="0"/>
+                        </a:spcAft>
+                        <a:buClrTx/>
+                        <a:buSzTx/>
+                        <a:buFontTx/>
+                        <a:buNone/>
+                        <a:tabLst/>
+                        <a:defRPr/>
+                      </a:pPr>
                       <a:r>
                         <a:rPr lang="en-US" altLang="zh-CN" dirty="0"/>
-                        <a:t>1.64</a:t>
+                        <a:t>0.79 / 1.64</a:t>
                       </a:r>
                       <a:endParaRPr lang="zh-CN" altLang="en-US" dirty="0"/>
                     </a:p>
@@ -8180,10 +6116,26 @@
                     <a:bodyPr/>
                     <a:lstStyle/>
                     <a:p>
-                      <a:pPr algn="ctr"/>
+                      <a:pPr marL="0" marR="0" lvl="0" indent="0" algn="ctr" defTabSz="914400" rtl="0" eaLnBrk="1" fontAlgn="auto" latinLnBrk="0" hangingPunct="1">
+                        <a:lnSpc>
+                          <a:spcPct val="100000"/>
+                        </a:lnSpc>
+                        <a:spcBef>
+                          <a:spcPts val="0"/>
+                        </a:spcBef>
+                        <a:spcAft>
+                          <a:spcPts val="0"/>
+                        </a:spcAft>
+                        <a:buClrTx/>
+                        <a:buSzTx/>
+                        <a:buFontTx/>
+                        <a:buNone/>
+                        <a:tabLst/>
+                        <a:defRPr/>
+                      </a:pPr>
                       <a:r>
                         <a:rPr lang="en-US" altLang="zh-CN" dirty="0"/>
-                        <a:t>4.31</a:t>
+                        <a:t>1.79 / 4.31</a:t>
                       </a:r>
                       <a:endParaRPr lang="zh-CN" altLang="en-US" dirty="0"/>
                     </a:p>
@@ -8217,10 +6169,3287 @@
                     <a:bodyPr/>
                     <a:lstStyle/>
                     <a:p>
+                      <a:pPr marL="0" marR="0" lvl="0" indent="0" algn="ctr" defTabSz="914400" rtl="0" eaLnBrk="1" fontAlgn="auto" latinLnBrk="0" hangingPunct="1">
+                        <a:lnSpc>
+                          <a:spcPct val="100000"/>
+                        </a:lnSpc>
+                        <a:spcBef>
+                          <a:spcPts val="0"/>
+                        </a:spcBef>
+                        <a:spcAft>
+                          <a:spcPts val="0"/>
+                        </a:spcAft>
+                        <a:buClrTx/>
+                        <a:buSzTx/>
+                        <a:buFontTx/>
+                        <a:buNone/>
+                        <a:tabLst/>
+                        <a:defRPr/>
+                      </a:pPr>
+                      <a:r>
+                        <a:rPr lang="en-US" altLang="zh-CN" dirty="0"/>
+                        <a:t>1.42 / 1.45</a:t>
+                      </a:r>
+                      <a:endParaRPr lang="zh-CN" altLang="en-US" dirty="0"/>
+                    </a:p>
+                  </a:txBody>
+                  <a:tcPr/>
+                </a:tc>
+                <a:tc>
+                  <a:txBody>
+                    <a:bodyPr/>
+                    <a:lstStyle/>
+                    <a:p>
+                      <a:pPr marL="0" marR="0" lvl="0" indent="0" algn="ctr" defTabSz="914400" rtl="0" eaLnBrk="1" fontAlgn="auto" latinLnBrk="0" hangingPunct="1">
+                        <a:lnSpc>
+                          <a:spcPct val="100000"/>
+                        </a:lnSpc>
+                        <a:spcBef>
+                          <a:spcPts val="0"/>
+                        </a:spcBef>
+                        <a:spcAft>
+                          <a:spcPts val="0"/>
+                        </a:spcAft>
+                        <a:buClrTx/>
+                        <a:buSzTx/>
+                        <a:buFontTx/>
+                        <a:buNone/>
+                        <a:tabLst/>
+                        <a:defRPr/>
+                      </a:pPr>
+                      <a:r>
+                        <a:rPr lang="en-US" altLang="zh-CN" dirty="0"/>
+                        <a:t>4.07 / 4.49</a:t>
+                      </a:r>
+                      <a:endParaRPr lang="zh-CN" altLang="en-US" dirty="0"/>
+                    </a:p>
+                  </a:txBody>
+                  <a:tcPr/>
+                </a:tc>
+                <a:extLst>
+                  <a:ext uri="{0D108BD9-81ED-4DB2-BD59-A6C34878D82A}">
+                    <a16:rowId xmlns:a16="http://schemas.microsoft.com/office/drawing/2014/main" val="2570239062"/>
+                  </a:ext>
+                </a:extLst>
+              </a:tr>
+              <a:tr h="370840">
+                <a:tc>
+                  <a:txBody>
+                    <a:bodyPr/>
+                    <a:lstStyle/>
+                    <a:p>
+                      <a:pPr algn="ctr"/>
+                      <a:r>
+                        <a:rPr lang="en-US" altLang="zh-CN" b="1" i="0" u="sng" dirty="0"/>
+                        <a:t>K-shape</a:t>
+                      </a:r>
+                      <a:endParaRPr lang="zh-CN" altLang="en-US" b="1" i="0" u="sng" dirty="0"/>
+                    </a:p>
+                  </a:txBody>
+                  <a:tcPr/>
+                </a:tc>
+                <a:tc>
+                  <a:txBody>
+                    <a:bodyPr/>
+                    <a:lstStyle/>
+                    <a:p>
+                      <a:pPr marL="0" marR="0" lvl="0" indent="0" algn="ctr" defTabSz="914400" rtl="0" eaLnBrk="1" fontAlgn="auto" latinLnBrk="0" hangingPunct="1">
+                        <a:lnSpc>
+                          <a:spcPct val="100000"/>
+                        </a:lnSpc>
+                        <a:spcBef>
+                          <a:spcPts val="0"/>
+                        </a:spcBef>
+                        <a:spcAft>
+                          <a:spcPts val="0"/>
+                        </a:spcAft>
+                        <a:buClrTx/>
+                        <a:buSzTx/>
+                        <a:buFontTx/>
+                        <a:buNone/>
+                        <a:tabLst/>
+                        <a:defRPr/>
+                      </a:pPr>
+                      <a:r>
+                        <a:rPr lang="en-US" altLang="zh-CN" b="1" i="0" u="sng" dirty="0"/>
+                        <a:t>2.20 / 2.74</a:t>
+                      </a:r>
+                      <a:endParaRPr lang="zh-CN" altLang="en-US" b="1" i="0" u="sng" dirty="0"/>
+                    </a:p>
+                  </a:txBody>
+                  <a:tcPr/>
+                </a:tc>
+                <a:tc>
+                  <a:txBody>
+                    <a:bodyPr/>
+                    <a:lstStyle/>
+                    <a:p>
+                      <a:pPr marL="0" marR="0" lvl="0" indent="0" algn="ctr" defTabSz="914400" rtl="0" eaLnBrk="1" fontAlgn="auto" latinLnBrk="0" hangingPunct="1">
+                        <a:lnSpc>
+                          <a:spcPct val="100000"/>
+                        </a:lnSpc>
+                        <a:spcBef>
+                          <a:spcPts val="0"/>
+                        </a:spcBef>
+                        <a:spcAft>
+                          <a:spcPts val="0"/>
+                        </a:spcAft>
+                        <a:buClrTx/>
+                        <a:buSzTx/>
+                        <a:buFontTx/>
+                        <a:buNone/>
+                        <a:tabLst/>
+                        <a:defRPr/>
+                      </a:pPr>
+                      <a:r>
+                        <a:rPr lang="en-US" altLang="zh-CN" b="1" i="0" u="sng" dirty="0"/>
+                        <a:t>4.85 / 5.88</a:t>
+                      </a:r>
+                      <a:endParaRPr lang="zh-CN" altLang="en-US" b="1" i="0" u="sng" dirty="0"/>
+                    </a:p>
+                  </a:txBody>
+                  <a:tcPr/>
+                </a:tc>
+                <a:extLst>
+                  <a:ext uri="{0D108BD9-81ED-4DB2-BD59-A6C34878D82A}">
+                    <a16:rowId xmlns:a16="http://schemas.microsoft.com/office/drawing/2014/main" val="1685611913"/>
+                  </a:ext>
+                </a:extLst>
+              </a:tr>
+            </a:tbl>
+          </a:graphicData>
+        </a:graphic>
+      </p:graphicFrame>
+      <p:sp>
+        <p:nvSpPr>
+          <p:cNvPr id="5" name="文本框 4">
+            <a:extLst>
+              <a:ext uri="{FF2B5EF4-FFF2-40B4-BE49-F238E27FC236}">
+                <a16:creationId xmlns:a16="http://schemas.microsoft.com/office/drawing/2014/main" id="{CCD5C708-541E-7A6C-2981-64F38493D00B}"/>
+              </a:ext>
+            </a:extLst>
+          </p:cNvPr>
+          <p:cNvSpPr txBox="1"/>
+          <p:nvPr/>
+        </p:nvSpPr>
+        <p:spPr>
+          <a:xfrm>
+            <a:off x="2305050" y="3429000"/>
+            <a:ext cx="7681913" cy="2308324"/>
+          </a:xfrm>
+          <a:prstGeom prst="rect">
+            <a:avLst/>
+          </a:prstGeom>
+          <a:noFill/>
+        </p:spPr>
+        <p:txBody>
+          <a:bodyPr wrap="square" rtlCol="0">
+            <a:spAutoFit/>
+          </a:bodyPr>
+          <a:lstStyle/>
+          <a:p>
+            <a:r>
+              <a:rPr lang="en-US" altLang="zh-CN" dirty="0"/>
+              <a:t>Why the performance of K-shape is not satisfactory? </a:t>
+            </a:r>
+          </a:p>
+          <a:p>
+            <a:endParaRPr lang="en-US" altLang="zh-CN" dirty="0"/>
+          </a:p>
+          <a:p>
+            <a:r>
+              <a:rPr lang="en-US" altLang="zh-CN" dirty="0"/>
+              <a:t>The K-shape algorithm generates a new signal during clustering. The issue lies in the clustering process rather than the underlying Time-Warping concept. </a:t>
+            </a:r>
+          </a:p>
+          <a:p>
+            <a:endParaRPr lang="en-US" altLang="zh-CN" dirty="0"/>
+          </a:p>
+          <a:p>
+            <a:r>
+              <a:rPr lang="en-US" altLang="zh-CN" dirty="0"/>
+              <a:t>We should consider discarding clustering and focus on researching how to apply Time-Warping effectively.</a:t>
+            </a:r>
+          </a:p>
+        </p:txBody>
+      </p:sp>
+    </p:spTree>
+    <p:extLst>
+      <p:ext uri="{BB962C8B-B14F-4D97-AF65-F5344CB8AC3E}">
+        <p14:creationId xmlns:p14="http://schemas.microsoft.com/office/powerpoint/2010/main" val="4131804544"/>
+      </p:ext>
+    </p:extLst>
+  </p:cSld>
+  <p:clrMapOvr>
+    <a:masterClrMapping/>
+  </p:clrMapOvr>
+</p:sld>
+</file>
+
+<file path=ppt/slides/slide12.xml><?xml version="1.0" encoding="utf-8"?>
+<p:sld xmlns:a="http://schemas.openxmlformats.org/drawingml/2006/main" xmlns:r="http://schemas.openxmlformats.org/officeDocument/2006/relationships" xmlns:p="http://schemas.openxmlformats.org/presentationml/2006/main">
+  <p:cSld>
+    <p:spTree>
+      <p:nvGrpSpPr>
+        <p:cNvPr id="1" name=""/>
+        <p:cNvGrpSpPr/>
+        <p:nvPr/>
+      </p:nvGrpSpPr>
+      <p:grpSpPr>
+        <a:xfrm>
+          <a:off x="0" y="0"/>
+          <a:ext cx="0" cy="0"/>
+          <a:chOff x="0" y="0"/>
+          <a:chExt cx="0" cy="0"/>
+        </a:xfrm>
+      </p:grpSpPr>
+      <p:sp>
+        <p:nvSpPr>
+          <p:cNvPr id="55" name="文本框 54">
+            <a:extLst>
+              <a:ext uri="{FF2B5EF4-FFF2-40B4-BE49-F238E27FC236}">
+                <a16:creationId xmlns:a16="http://schemas.microsoft.com/office/drawing/2014/main" id="{32A2BE86-86A6-F1FC-83EE-91A826B532E5}"/>
+              </a:ext>
+            </a:extLst>
+          </p:cNvPr>
+          <p:cNvSpPr txBox="1"/>
+          <p:nvPr/>
+        </p:nvSpPr>
+        <p:spPr>
+          <a:xfrm>
+            <a:off x="609599" y="106251"/>
+            <a:ext cx="5382827" cy="461665"/>
+          </a:xfrm>
+          <a:prstGeom prst="rect">
+            <a:avLst/>
+          </a:prstGeom>
+          <a:noFill/>
+        </p:spPr>
+        <p:txBody>
+          <a:bodyPr wrap="square" rtlCol="0">
+            <a:spAutoFit/>
+          </a:bodyPr>
+          <a:lstStyle>
+            <a:defPPr>
+              <a:defRPr lang="zh-CN"/>
+            </a:defPPr>
+            <a:lvl1pPr>
+              <a:defRPr sz="2400">
+                <a:latin typeface="Consolas" panose="020B0609020204030204" pitchFamily="49" charset="0"/>
+                <a:cs typeface="Times New Roman" panose="02020603050405020304" pitchFamily="18" charset="0"/>
+              </a:defRPr>
+            </a:lvl1pPr>
+          </a:lstStyle>
+          <a:p>
+            <a:r>
+              <a:rPr lang="en-US" altLang="zh-CN" dirty="0"/>
+              <a:t>Work_3: </a:t>
+            </a:r>
+            <a:r>
+              <a:rPr lang="en-US" altLang="zh-CN" sz="1400" dirty="0"/>
+              <a:t>Remove</a:t>
+            </a:r>
+            <a:r>
+              <a:rPr lang="zh-CN" altLang="en-US" sz="1400" dirty="0"/>
+              <a:t> </a:t>
+            </a:r>
+            <a:r>
+              <a:rPr lang="en-US" altLang="zh-CN" sz="1400" dirty="0"/>
+              <a:t>Normal</a:t>
+            </a:r>
+            <a:r>
+              <a:rPr lang="zh-CN" altLang="en-US" sz="1400" dirty="0"/>
+              <a:t> </a:t>
+            </a:r>
+            <a:r>
+              <a:rPr lang="en-US" altLang="zh-CN" sz="1400" dirty="0"/>
+              <a:t>Nosie</a:t>
+            </a:r>
+            <a:r>
+              <a:rPr lang="zh-CN" altLang="en-US" sz="1400" dirty="0"/>
+              <a:t> </a:t>
+            </a:r>
+            <a:r>
+              <a:rPr lang="en-US" altLang="zh-CN" sz="1400" dirty="0"/>
+              <a:t>and respiratory</a:t>
+            </a:r>
+          </a:p>
+        </p:txBody>
+      </p:sp>
+      <p:sp>
+        <p:nvSpPr>
+          <p:cNvPr id="6" name="文本框 5">
+            <a:extLst>
+              <a:ext uri="{FF2B5EF4-FFF2-40B4-BE49-F238E27FC236}">
+                <a16:creationId xmlns:a16="http://schemas.microsoft.com/office/drawing/2014/main" id="{CB57B3DA-EA77-30D0-42EE-7EE902C6E4E9}"/>
+              </a:ext>
+            </a:extLst>
+          </p:cNvPr>
+          <p:cNvSpPr txBox="1"/>
+          <p:nvPr/>
+        </p:nvSpPr>
+        <p:spPr>
+          <a:xfrm>
+            <a:off x="6410326" y="1657348"/>
+            <a:ext cx="5391150" cy="4801314"/>
+          </a:xfrm>
+          <a:prstGeom prst="rect">
+            <a:avLst/>
+          </a:prstGeom>
+          <a:noFill/>
+        </p:spPr>
+        <p:txBody>
+          <a:bodyPr wrap="square" rtlCol="0">
+            <a:spAutoFit/>
+          </a:bodyPr>
+          <a:lstStyle/>
+          <a:p>
+            <a:r>
+              <a:rPr lang="en-US" altLang="zh-CN" dirty="0"/>
+              <a:t>Feature 1: The highest points of both the major and minor peaks for each piece should align after applying the algorithm.</a:t>
+            </a:r>
+          </a:p>
+          <a:p>
+            <a:endParaRPr lang="en-US" altLang="zh-CN" dirty="0"/>
+          </a:p>
+          <a:p>
+            <a:r>
+              <a:rPr lang="en-US" altLang="zh-CN" dirty="0"/>
+              <a:t>Feature 2: The distance between the two peaks of the standard template should be the rounded average of the distances between the two peaks for all pieces.</a:t>
+            </a:r>
+          </a:p>
+          <a:p>
+            <a:endParaRPr lang="en-US" altLang="zh-CN" dirty="0"/>
+          </a:p>
+          <a:p>
+            <a:r>
+              <a:rPr lang="en-US" altLang="zh-CN" dirty="0"/>
+              <a:t>Feature</a:t>
+            </a:r>
+            <a:r>
+              <a:rPr lang="zh-CN" altLang="en-US" dirty="0"/>
+              <a:t> </a:t>
+            </a:r>
+            <a:r>
+              <a:rPr lang="en-US" altLang="zh-CN" dirty="0"/>
+              <a:t>3: The ability to handle time shifts (possibly essential in real data but less critical in simulated signals).</a:t>
+            </a:r>
+          </a:p>
+          <a:p>
+            <a:endParaRPr lang="en-US" altLang="zh-CN" dirty="0"/>
+          </a:p>
+          <a:p>
+            <a:r>
+              <a:rPr lang="en-US" altLang="zh-CN" dirty="0"/>
+              <a:t>Your idea seems to suggest that the primary focus of research should indeed be on Time Warping to achieve these features successfully.</a:t>
+            </a:r>
+          </a:p>
+        </p:txBody>
+      </p:sp>
+      <p:pic>
+        <p:nvPicPr>
+          <p:cNvPr id="2" name="图片 1">
+            <a:extLst>
+              <a:ext uri="{FF2B5EF4-FFF2-40B4-BE49-F238E27FC236}">
+                <a16:creationId xmlns:a16="http://schemas.microsoft.com/office/drawing/2014/main" id="{0A4D642C-9BAB-C695-348A-3425F89A7A3F}"/>
+              </a:ext>
+            </a:extLst>
+          </p:cNvPr>
+          <p:cNvPicPr>
+            <a:picLocks noChangeAspect="1"/>
+          </p:cNvPicPr>
+          <p:nvPr/>
+        </p:nvPicPr>
+        <p:blipFill rotWithShape="1">
+          <a:blip r:embed="rId3">
+            <a:extLst>
+              <a:ext uri="{28A0092B-C50C-407E-A947-70E740481C1C}">
+                <a14:useLocalDpi xmlns:a14="http://schemas.microsoft.com/office/drawing/2010/main" val="0"/>
+              </a:ext>
+            </a:extLst>
+          </a:blip>
+          <a:srcRect l="8366" t="1824" r="8366"/>
+          <a:stretch/>
+        </p:blipFill>
+        <p:spPr>
+          <a:xfrm>
+            <a:off x="-1" y="3515631"/>
+            <a:ext cx="5700713" cy="2693193"/>
+          </a:xfrm>
+          <a:prstGeom prst="rect">
+            <a:avLst/>
+          </a:prstGeom>
+        </p:spPr>
+      </p:pic>
+      <p:pic>
+        <p:nvPicPr>
+          <p:cNvPr id="3" name="图片 2">
+            <a:extLst>
+              <a:ext uri="{FF2B5EF4-FFF2-40B4-BE49-F238E27FC236}">
+                <a16:creationId xmlns:a16="http://schemas.microsoft.com/office/drawing/2014/main" id="{385B2939-9B1A-831C-56E0-4FB6DE1A9143}"/>
+              </a:ext>
+            </a:extLst>
+          </p:cNvPr>
+          <p:cNvPicPr>
+            <a:picLocks noChangeAspect="1"/>
+          </p:cNvPicPr>
+          <p:nvPr/>
+        </p:nvPicPr>
+        <p:blipFill rotWithShape="1">
+          <a:blip r:embed="rId4">
+            <a:extLst>
+              <a:ext uri="{28A0092B-C50C-407E-A947-70E740481C1C}">
+                <a14:useLocalDpi xmlns:a14="http://schemas.microsoft.com/office/drawing/2010/main" val="0"/>
+              </a:ext>
+            </a:extLst>
+          </a:blip>
+          <a:srcRect l="8069" t="52719" r="8150" b="5674"/>
+          <a:stretch/>
+        </p:blipFill>
+        <p:spPr>
+          <a:xfrm>
+            <a:off x="0" y="914400"/>
+            <a:ext cx="5700713" cy="2427969"/>
+          </a:xfrm>
+          <a:prstGeom prst="rect">
+            <a:avLst/>
+          </a:prstGeom>
+        </p:spPr>
+      </p:pic>
+    </p:spTree>
+    <p:extLst>
+      <p:ext uri="{BB962C8B-B14F-4D97-AF65-F5344CB8AC3E}">
+        <p14:creationId xmlns:p14="http://schemas.microsoft.com/office/powerpoint/2010/main" val="2796366815"/>
+      </p:ext>
+    </p:extLst>
+  </p:cSld>
+  <p:clrMapOvr>
+    <a:masterClrMapping/>
+  </p:clrMapOvr>
+</p:sld>
+</file>
+
+<file path=ppt/slides/slide13.xml><?xml version="1.0" encoding="utf-8"?>
+<p:sld xmlns:a="http://schemas.openxmlformats.org/drawingml/2006/main" xmlns:r="http://schemas.openxmlformats.org/officeDocument/2006/relationships" xmlns:p="http://schemas.openxmlformats.org/presentationml/2006/main">
+  <p:cSld>
+    <p:spTree>
+      <p:nvGrpSpPr>
+        <p:cNvPr id="1" name=""/>
+        <p:cNvGrpSpPr/>
+        <p:nvPr/>
+      </p:nvGrpSpPr>
+      <p:grpSpPr>
+        <a:xfrm>
+          <a:off x="0" y="0"/>
+          <a:ext cx="0" cy="0"/>
+          <a:chOff x="0" y="0"/>
+          <a:chExt cx="0" cy="0"/>
+        </a:xfrm>
+      </p:grpSpPr>
+      <p:sp>
+        <p:nvSpPr>
+          <p:cNvPr id="55" name="文本框 54">
+            <a:extLst>
+              <a:ext uri="{FF2B5EF4-FFF2-40B4-BE49-F238E27FC236}">
+                <a16:creationId xmlns:a16="http://schemas.microsoft.com/office/drawing/2014/main" id="{32A2BE86-86A6-F1FC-83EE-91A826B532E5}"/>
+              </a:ext>
+            </a:extLst>
+          </p:cNvPr>
+          <p:cNvSpPr txBox="1"/>
+          <p:nvPr/>
+        </p:nvSpPr>
+        <p:spPr>
+          <a:xfrm>
+            <a:off x="609599" y="106251"/>
+            <a:ext cx="5382827" cy="461665"/>
+          </a:xfrm>
+          <a:prstGeom prst="rect">
+            <a:avLst/>
+          </a:prstGeom>
+          <a:noFill/>
+        </p:spPr>
+        <p:txBody>
+          <a:bodyPr wrap="square" rtlCol="0">
+            <a:spAutoFit/>
+          </a:bodyPr>
+          <a:lstStyle>
+            <a:defPPr>
+              <a:defRPr lang="zh-CN"/>
+            </a:defPPr>
+            <a:lvl1pPr>
+              <a:defRPr sz="2400">
+                <a:latin typeface="Consolas" panose="020B0609020204030204" pitchFamily="49" charset="0"/>
+                <a:cs typeface="Times New Roman" panose="02020603050405020304" pitchFamily="18" charset="0"/>
+              </a:defRPr>
+            </a:lvl1pPr>
+          </a:lstStyle>
+          <a:p>
+            <a:r>
+              <a:rPr lang="en-US" altLang="zh-CN" dirty="0"/>
+              <a:t>Work_3: </a:t>
+            </a:r>
+            <a:r>
+              <a:rPr lang="en-US" altLang="zh-CN" sz="1400" dirty="0"/>
+              <a:t>Remove</a:t>
+            </a:r>
+            <a:r>
+              <a:rPr lang="zh-CN" altLang="en-US" sz="1400" dirty="0"/>
+              <a:t> </a:t>
+            </a:r>
+            <a:r>
+              <a:rPr lang="en-US" altLang="zh-CN" sz="1400" dirty="0"/>
+              <a:t>Normal</a:t>
+            </a:r>
+            <a:r>
+              <a:rPr lang="zh-CN" altLang="en-US" sz="1400" dirty="0"/>
+              <a:t> </a:t>
+            </a:r>
+            <a:r>
+              <a:rPr lang="en-US" altLang="zh-CN" sz="1400" dirty="0"/>
+              <a:t>Nosie</a:t>
+            </a:r>
+            <a:r>
+              <a:rPr lang="zh-CN" altLang="en-US" sz="1400" dirty="0"/>
+              <a:t> </a:t>
+            </a:r>
+            <a:r>
+              <a:rPr lang="en-US" altLang="zh-CN" sz="1400" dirty="0"/>
+              <a:t>and respiratory</a:t>
+            </a:r>
+          </a:p>
+        </p:txBody>
+      </p:sp>
+      <p:sp>
+        <p:nvSpPr>
+          <p:cNvPr id="6" name="文本框 5">
+            <a:extLst>
+              <a:ext uri="{FF2B5EF4-FFF2-40B4-BE49-F238E27FC236}">
+                <a16:creationId xmlns:a16="http://schemas.microsoft.com/office/drawing/2014/main" id="{CB57B3DA-EA77-30D0-42EE-7EE902C6E4E9}"/>
+              </a:ext>
+            </a:extLst>
+          </p:cNvPr>
+          <p:cNvSpPr txBox="1"/>
+          <p:nvPr/>
+        </p:nvSpPr>
+        <p:spPr>
+          <a:xfrm>
+            <a:off x="1092994" y="567916"/>
+            <a:ext cx="10858500" cy="923330"/>
+          </a:xfrm>
+          <a:prstGeom prst="rect">
+            <a:avLst/>
+          </a:prstGeom>
+          <a:noFill/>
+        </p:spPr>
+        <p:txBody>
+          <a:bodyPr wrap="square" rtlCol="0">
+            <a:spAutoFit/>
+          </a:bodyPr>
+          <a:lstStyle/>
+          <a:p>
+            <a:r>
+              <a:rPr lang="zh-CN" altLang="en-US" dirty="0"/>
+              <a:t>这周，我花了整整两天，去看懂一篇统计学论文</a:t>
+            </a:r>
+            <a:r>
+              <a:rPr lang="en-US" altLang="zh-CN" dirty="0"/>
+              <a:t>[Segmentation, alignment and statistical analysis of </a:t>
+            </a:r>
+            <a:r>
+              <a:rPr lang="en-US" altLang="zh-CN" dirty="0" err="1"/>
+              <a:t>biosignals</a:t>
+            </a:r>
+            <a:r>
+              <a:rPr lang="en-US" altLang="zh-CN" dirty="0"/>
+              <a:t> with application to disease classification]</a:t>
+            </a:r>
+            <a:r>
+              <a:rPr lang="zh-CN" altLang="en-US" dirty="0"/>
+              <a:t>，并尝试复现的，效果并不好。我会给出效果，并且进行简单的原因分析。</a:t>
+            </a:r>
+            <a:endParaRPr lang="en-US" altLang="zh-CN" dirty="0"/>
+          </a:p>
+        </p:txBody>
+      </p:sp>
+      <p:sp>
+        <p:nvSpPr>
+          <p:cNvPr id="2" name="文本框 1">
+            <a:extLst>
+              <a:ext uri="{FF2B5EF4-FFF2-40B4-BE49-F238E27FC236}">
+                <a16:creationId xmlns:a16="http://schemas.microsoft.com/office/drawing/2014/main" id="{00FD35C0-999D-F248-582E-14127578101B}"/>
+              </a:ext>
+            </a:extLst>
+          </p:cNvPr>
+          <p:cNvSpPr txBox="1"/>
+          <p:nvPr/>
+        </p:nvSpPr>
+        <p:spPr>
+          <a:xfrm>
+            <a:off x="1021557" y="1997701"/>
+            <a:ext cx="6831807" cy="646331"/>
+          </a:xfrm>
+          <a:prstGeom prst="rect">
+            <a:avLst/>
+          </a:prstGeom>
+          <a:noFill/>
+        </p:spPr>
+        <p:txBody>
+          <a:bodyPr wrap="square" rtlCol="0">
+            <a:spAutoFit/>
+          </a:bodyPr>
+          <a:lstStyle/>
+          <a:p>
+            <a:endParaRPr lang="en-US" altLang="zh-CN" dirty="0"/>
+          </a:p>
+          <a:p>
+            <a:endParaRPr lang="en-US" altLang="zh-CN" dirty="0"/>
+          </a:p>
+        </p:txBody>
+      </p:sp>
+      <p:sp>
+        <p:nvSpPr>
+          <p:cNvPr id="3" name="矩形 2">
+            <a:extLst>
+              <a:ext uri="{FF2B5EF4-FFF2-40B4-BE49-F238E27FC236}">
+                <a16:creationId xmlns:a16="http://schemas.microsoft.com/office/drawing/2014/main" id="{F17BDD58-09AA-A7ED-235F-DC5F98250E29}"/>
+              </a:ext>
+            </a:extLst>
+          </p:cNvPr>
+          <p:cNvSpPr/>
+          <p:nvPr/>
+        </p:nvSpPr>
+        <p:spPr>
+          <a:xfrm>
+            <a:off x="476129" y="2771230"/>
+            <a:ext cx="3441682" cy="994124"/>
+          </a:xfrm>
+          <a:prstGeom prst="rect">
+            <a:avLst/>
+          </a:prstGeom>
+          <a:solidFill>
+            <a:schemeClr val="bg1"/>
+          </a:solidFill>
+        </p:spPr>
+        <p:style>
+          <a:lnRef idx="2">
+            <a:schemeClr val="accent1">
+              <a:shade val="15000"/>
+            </a:schemeClr>
+          </a:lnRef>
+          <a:fillRef idx="1">
+            <a:schemeClr val="accent1"/>
+          </a:fillRef>
+          <a:effectRef idx="0">
+            <a:schemeClr val="accent1"/>
+          </a:effectRef>
+          <a:fontRef idx="minor">
+            <a:schemeClr val="lt1"/>
+          </a:fontRef>
+        </p:style>
+        <p:txBody>
+          <a:bodyPr rtlCol="0" anchor="ctr"/>
+          <a:lstStyle/>
+          <a:p>
+            <a:r>
+              <a:rPr lang="zh-CN" altLang="en-US" dirty="0">
+                <a:solidFill>
+                  <a:schemeClr val="tx1"/>
+                </a:solidFill>
+              </a:rPr>
+              <a:t>给出一种能够衡量</a:t>
+            </a:r>
+            <a:r>
+              <a:rPr lang="en-US" altLang="zh-CN" dirty="0">
+                <a:solidFill>
+                  <a:schemeClr val="tx1"/>
+                </a:solidFill>
+              </a:rPr>
+              <a:t>xx</a:t>
+            </a:r>
+            <a:r>
+              <a:rPr lang="zh-CN" altLang="en-US" dirty="0">
+                <a:solidFill>
+                  <a:schemeClr val="tx1"/>
+                </a:solidFill>
+              </a:rPr>
+              <a:t>的距离。</a:t>
+            </a:r>
+            <a:endParaRPr lang="en-US" altLang="zh-CN" dirty="0">
+              <a:solidFill>
+                <a:schemeClr val="tx1"/>
+              </a:solidFill>
+            </a:endParaRPr>
+          </a:p>
+        </p:txBody>
+      </p:sp>
+      <p:sp>
+        <p:nvSpPr>
+          <p:cNvPr id="4" name="矩形 3">
+            <a:extLst>
+              <a:ext uri="{FF2B5EF4-FFF2-40B4-BE49-F238E27FC236}">
+                <a16:creationId xmlns:a16="http://schemas.microsoft.com/office/drawing/2014/main" id="{DDA9BDB8-C3D4-E057-76BF-D3EA1C2C7316}"/>
+              </a:ext>
+            </a:extLst>
+          </p:cNvPr>
+          <p:cNvSpPr/>
+          <p:nvPr/>
+        </p:nvSpPr>
+        <p:spPr>
+          <a:xfrm>
+            <a:off x="476129" y="4082289"/>
+            <a:ext cx="3441682" cy="503433"/>
+          </a:xfrm>
+          <a:prstGeom prst="rect">
+            <a:avLst/>
+          </a:prstGeom>
+          <a:solidFill>
+            <a:schemeClr val="bg1"/>
+          </a:solidFill>
+        </p:spPr>
+        <p:style>
+          <a:lnRef idx="2">
+            <a:schemeClr val="accent1">
+              <a:shade val="15000"/>
+            </a:schemeClr>
+          </a:lnRef>
+          <a:fillRef idx="1">
+            <a:schemeClr val="accent1"/>
+          </a:fillRef>
+          <a:effectRef idx="0">
+            <a:schemeClr val="accent1"/>
+          </a:effectRef>
+          <a:fontRef idx="minor">
+            <a:schemeClr val="lt1"/>
+          </a:fontRef>
+        </p:style>
+        <p:txBody>
+          <a:bodyPr rtlCol="0" anchor="ctr"/>
+          <a:lstStyle/>
+          <a:p>
+            <a:r>
+              <a:rPr lang="zh-CN" altLang="en-US" dirty="0">
+                <a:solidFill>
+                  <a:schemeClr val="tx1"/>
+                </a:solidFill>
+              </a:rPr>
+              <a:t>将原始信号转化到和导数的空间里，以便方便的计算</a:t>
+            </a:r>
+            <a:r>
+              <a:rPr lang="en-US" altLang="zh-CN" dirty="0">
+                <a:solidFill>
+                  <a:schemeClr val="tx1"/>
+                </a:solidFill>
+              </a:rPr>
+              <a:t>xx</a:t>
+            </a:r>
+            <a:r>
+              <a:rPr lang="zh-CN" altLang="en-US" dirty="0">
+                <a:solidFill>
+                  <a:schemeClr val="tx1"/>
+                </a:solidFill>
+              </a:rPr>
+              <a:t>距离</a:t>
+            </a:r>
+            <a:endParaRPr lang="en-US" altLang="zh-CN" dirty="0">
+              <a:solidFill>
+                <a:schemeClr val="tx1"/>
+              </a:solidFill>
+            </a:endParaRPr>
+          </a:p>
+        </p:txBody>
+      </p:sp>
+      <p:sp>
+        <p:nvSpPr>
+          <p:cNvPr id="5" name="矩形 4">
+            <a:extLst>
+              <a:ext uri="{FF2B5EF4-FFF2-40B4-BE49-F238E27FC236}">
+                <a16:creationId xmlns:a16="http://schemas.microsoft.com/office/drawing/2014/main" id="{1DE73EFE-F9FE-76C5-C017-48098E962417}"/>
+              </a:ext>
+            </a:extLst>
+          </p:cNvPr>
+          <p:cNvSpPr/>
+          <p:nvPr/>
+        </p:nvSpPr>
+        <p:spPr>
+          <a:xfrm>
+            <a:off x="467022" y="5694352"/>
+            <a:ext cx="3443388" cy="457495"/>
+          </a:xfrm>
+          <a:prstGeom prst="rect">
+            <a:avLst/>
+          </a:prstGeom>
+          <a:solidFill>
+            <a:schemeClr val="bg1"/>
+          </a:solidFill>
+        </p:spPr>
+        <p:style>
+          <a:lnRef idx="2">
+            <a:schemeClr val="accent1">
+              <a:shade val="15000"/>
+            </a:schemeClr>
+          </a:lnRef>
+          <a:fillRef idx="1">
+            <a:schemeClr val="accent1"/>
+          </a:fillRef>
+          <a:effectRef idx="0">
+            <a:schemeClr val="accent1"/>
+          </a:effectRef>
+          <a:fontRef idx="minor">
+            <a:schemeClr val="lt1"/>
+          </a:fontRef>
+        </p:style>
+        <p:txBody>
+          <a:bodyPr rtlCol="0" anchor="ctr"/>
+          <a:lstStyle/>
+          <a:p>
+            <a:pPr algn="ctr"/>
+            <a:r>
+              <a:rPr lang="en-US" altLang="zh-CN" dirty="0">
+                <a:solidFill>
+                  <a:schemeClr val="tx1"/>
+                </a:solidFill>
+                <a:latin typeface="Consolas" panose="020B0609020204030204" pitchFamily="49" charset="0"/>
+                <a:cs typeface="Times New Roman" panose="02020603050405020304" pitchFamily="18" charset="0"/>
+              </a:rPr>
+              <a:t>Apply FFT Denoising</a:t>
+            </a:r>
+            <a:endParaRPr lang="zh-CN" altLang="en-US" dirty="0">
+              <a:solidFill>
+                <a:schemeClr val="tx1"/>
+              </a:solidFill>
+              <a:latin typeface="Consolas" panose="020B0609020204030204" pitchFamily="49" charset="0"/>
+              <a:cs typeface="Times New Roman" panose="02020603050405020304" pitchFamily="18" charset="0"/>
+            </a:endParaRPr>
+          </a:p>
+        </p:txBody>
+      </p:sp>
+      <p:cxnSp>
+        <p:nvCxnSpPr>
+          <p:cNvPr id="8" name="直接箭头连接符 7">
+            <a:extLst>
+              <a:ext uri="{FF2B5EF4-FFF2-40B4-BE49-F238E27FC236}">
+                <a16:creationId xmlns:a16="http://schemas.microsoft.com/office/drawing/2014/main" id="{571E5B69-24C2-205D-A8F5-4EBC51D107BA}"/>
+              </a:ext>
+            </a:extLst>
+          </p:cNvPr>
+          <p:cNvCxnSpPr>
+            <a:cxnSpLocks/>
+            <a:stCxn id="3" idx="2"/>
+            <a:endCxn id="4" idx="0"/>
+          </p:cNvCxnSpPr>
+          <p:nvPr/>
+        </p:nvCxnSpPr>
+        <p:spPr>
+          <a:xfrm>
+            <a:off x="2196970" y="3765354"/>
+            <a:ext cx="0" cy="316935"/>
+          </a:xfrm>
+          <a:prstGeom prst="straightConnector1">
+            <a:avLst/>
+          </a:prstGeom>
+          <a:ln w="19050">
+            <a:solidFill>
+              <a:schemeClr val="tx1"/>
+            </a:solidFill>
+            <a:tailEnd type="triangle"/>
+          </a:ln>
+        </p:spPr>
+        <p:style>
+          <a:lnRef idx="1">
+            <a:schemeClr val="accent1"/>
+          </a:lnRef>
+          <a:fillRef idx="0">
+            <a:schemeClr val="accent1"/>
+          </a:fillRef>
+          <a:effectRef idx="0">
+            <a:schemeClr val="accent1"/>
+          </a:effectRef>
+          <a:fontRef idx="minor">
+            <a:schemeClr val="tx1"/>
+          </a:fontRef>
+        </p:style>
+      </p:cxnSp>
+      <p:cxnSp>
+        <p:nvCxnSpPr>
+          <p:cNvPr id="10" name="直接箭头连接符 9">
+            <a:extLst>
+              <a:ext uri="{FF2B5EF4-FFF2-40B4-BE49-F238E27FC236}">
+                <a16:creationId xmlns:a16="http://schemas.microsoft.com/office/drawing/2014/main" id="{A04BBC73-4002-CBB8-CAD8-8F4DCE3472B2}"/>
+              </a:ext>
+            </a:extLst>
+          </p:cNvPr>
+          <p:cNvCxnSpPr>
+            <a:cxnSpLocks/>
+            <a:stCxn id="12" idx="2"/>
+            <a:endCxn id="3" idx="0"/>
+          </p:cNvCxnSpPr>
+          <p:nvPr/>
+        </p:nvCxnSpPr>
+        <p:spPr>
+          <a:xfrm>
+            <a:off x="2191183" y="2220788"/>
+            <a:ext cx="5787" cy="550442"/>
+          </a:xfrm>
+          <a:prstGeom prst="straightConnector1">
+            <a:avLst/>
+          </a:prstGeom>
+          <a:ln w="19050">
+            <a:solidFill>
+              <a:schemeClr val="tx1"/>
+            </a:solidFill>
+            <a:tailEnd type="triangle"/>
+          </a:ln>
+        </p:spPr>
+        <p:style>
+          <a:lnRef idx="1">
+            <a:schemeClr val="accent1"/>
+          </a:lnRef>
+          <a:fillRef idx="0">
+            <a:schemeClr val="accent1"/>
+          </a:fillRef>
+          <a:effectRef idx="0">
+            <a:schemeClr val="accent1"/>
+          </a:effectRef>
+          <a:fontRef idx="minor">
+            <a:schemeClr val="tx1"/>
+          </a:fontRef>
+        </p:style>
+      </p:cxnSp>
+      <p:cxnSp>
+        <p:nvCxnSpPr>
+          <p:cNvPr id="11" name="直接箭头连接符 10">
+            <a:extLst>
+              <a:ext uri="{FF2B5EF4-FFF2-40B4-BE49-F238E27FC236}">
+                <a16:creationId xmlns:a16="http://schemas.microsoft.com/office/drawing/2014/main" id="{3D5FA807-9BB2-B97D-357F-3E5253D46712}"/>
+              </a:ext>
+            </a:extLst>
+          </p:cNvPr>
+          <p:cNvCxnSpPr>
+            <a:cxnSpLocks/>
+            <a:stCxn id="13" idx="2"/>
+            <a:endCxn id="5" idx="0"/>
+          </p:cNvCxnSpPr>
+          <p:nvPr/>
+        </p:nvCxnSpPr>
+        <p:spPr>
+          <a:xfrm flipH="1">
+            <a:off x="2188716" y="5331053"/>
+            <a:ext cx="3320" cy="363299"/>
+          </a:xfrm>
+          <a:prstGeom prst="straightConnector1">
+            <a:avLst/>
+          </a:prstGeom>
+          <a:ln w="19050">
+            <a:solidFill>
+              <a:schemeClr val="tx1"/>
+            </a:solidFill>
+            <a:tailEnd type="triangle"/>
+          </a:ln>
+        </p:spPr>
+        <p:style>
+          <a:lnRef idx="1">
+            <a:schemeClr val="accent1"/>
+          </a:lnRef>
+          <a:fillRef idx="0">
+            <a:schemeClr val="accent1"/>
+          </a:fillRef>
+          <a:effectRef idx="0">
+            <a:schemeClr val="accent1"/>
+          </a:effectRef>
+          <a:fontRef idx="minor">
+            <a:schemeClr val="tx1"/>
+          </a:fontRef>
+        </p:style>
+      </p:cxnSp>
+      <p:sp>
+        <p:nvSpPr>
+          <p:cNvPr id="12" name="文本框 11">
+            <a:extLst>
+              <a:ext uri="{FF2B5EF4-FFF2-40B4-BE49-F238E27FC236}">
+                <a16:creationId xmlns:a16="http://schemas.microsoft.com/office/drawing/2014/main" id="{D2430EC9-90F7-BC94-998E-55E3F24DC0C2}"/>
+              </a:ext>
+            </a:extLst>
+          </p:cNvPr>
+          <p:cNvSpPr txBox="1"/>
+          <p:nvPr/>
+        </p:nvSpPr>
+        <p:spPr>
+          <a:xfrm>
+            <a:off x="896185" y="1820678"/>
+            <a:ext cx="2589995" cy="400110"/>
+          </a:xfrm>
+          <a:prstGeom prst="rect">
+            <a:avLst/>
+          </a:prstGeom>
+          <a:noFill/>
+        </p:spPr>
+        <p:txBody>
+          <a:bodyPr wrap="square">
+            <a:spAutoFit/>
+          </a:bodyPr>
+          <a:lstStyle/>
+          <a:p>
+            <a:pPr algn="ctr"/>
+            <a:r>
+              <a:rPr lang="en-US" altLang="zh-CN" sz="2000" dirty="0">
+                <a:latin typeface="Consolas" panose="020B0609020204030204" pitchFamily="49" charset="0"/>
+                <a:cs typeface="Times New Roman" panose="02020603050405020304" pitchFamily="18" charset="0"/>
+              </a:rPr>
+              <a:t>Noisy Signals</a:t>
+            </a:r>
+            <a:endParaRPr lang="zh-CN" altLang="en-US" sz="2000" dirty="0">
+              <a:solidFill>
+                <a:schemeClr val="tx1"/>
+              </a:solidFill>
+              <a:latin typeface="Consolas" panose="020B0609020204030204" pitchFamily="49" charset="0"/>
+              <a:cs typeface="Times New Roman" panose="02020603050405020304" pitchFamily="18" charset="0"/>
+            </a:endParaRPr>
+          </a:p>
+        </p:txBody>
+      </p:sp>
+      <p:sp>
+        <p:nvSpPr>
+          <p:cNvPr id="13" name="矩形 12">
+            <a:extLst>
+              <a:ext uri="{FF2B5EF4-FFF2-40B4-BE49-F238E27FC236}">
+                <a16:creationId xmlns:a16="http://schemas.microsoft.com/office/drawing/2014/main" id="{1DC67D20-77B0-B67A-1D18-D82A26F0FBC7}"/>
+              </a:ext>
+            </a:extLst>
+          </p:cNvPr>
+          <p:cNvSpPr/>
+          <p:nvPr/>
+        </p:nvSpPr>
+        <p:spPr>
+          <a:xfrm>
+            <a:off x="471195" y="4827621"/>
+            <a:ext cx="3441682" cy="503432"/>
+          </a:xfrm>
+          <a:prstGeom prst="rect">
+            <a:avLst/>
+          </a:prstGeom>
+          <a:solidFill>
+            <a:schemeClr val="bg1"/>
+          </a:solidFill>
+        </p:spPr>
+        <p:style>
+          <a:lnRef idx="2">
+            <a:schemeClr val="accent1">
+              <a:shade val="15000"/>
+            </a:schemeClr>
+          </a:lnRef>
+          <a:fillRef idx="1">
+            <a:schemeClr val="accent1"/>
+          </a:fillRef>
+          <a:effectRef idx="0">
+            <a:schemeClr val="accent1"/>
+          </a:effectRef>
+          <a:fontRef idx="minor">
+            <a:schemeClr val="lt1"/>
+          </a:fontRef>
+        </p:style>
+        <p:txBody>
+          <a:bodyPr rtlCol="0" anchor="ctr"/>
+          <a:lstStyle/>
+          <a:p>
+            <a:r>
+              <a:rPr lang="zh-CN" altLang="en-US" dirty="0">
+                <a:solidFill>
+                  <a:schemeClr val="tx1"/>
+                </a:solidFill>
+              </a:rPr>
+              <a:t>将问题转化为优化问题。求解如何对信号的横轴进行拉伸与收缩。</a:t>
+            </a:r>
+            <a:endParaRPr lang="en-US" altLang="zh-CN" dirty="0">
+              <a:solidFill>
+                <a:schemeClr val="tx1"/>
+              </a:solidFill>
+            </a:endParaRPr>
+          </a:p>
+        </p:txBody>
+      </p:sp>
+      <p:cxnSp>
+        <p:nvCxnSpPr>
+          <p:cNvPr id="14" name="直接箭头连接符 13">
+            <a:extLst>
+              <a:ext uri="{FF2B5EF4-FFF2-40B4-BE49-F238E27FC236}">
+                <a16:creationId xmlns:a16="http://schemas.microsoft.com/office/drawing/2014/main" id="{DCA278DD-FB04-F5E8-8CD2-2550F6C2D579}"/>
+              </a:ext>
+            </a:extLst>
+          </p:cNvPr>
+          <p:cNvCxnSpPr>
+            <a:cxnSpLocks/>
+            <a:stCxn id="4" idx="2"/>
+            <a:endCxn id="13" idx="0"/>
+          </p:cNvCxnSpPr>
+          <p:nvPr/>
+        </p:nvCxnSpPr>
+        <p:spPr>
+          <a:xfrm flipH="1">
+            <a:off x="2192036" y="4585722"/>
+            <a:ext cx="4934" cy="241899"/>
+          </a:xfrm>
+          <a:prstGeom prst="straightConnector1">
+            <a:avLst/>
+          </a:prstGeom>
+          <a:ln w="19050">
+            <a:solidFill>
+              <a:schemeClr val="tx1"/>
+            </a:solidFill>
+            <a:tailEnd type="triangle"/>
+          </a:ln>
+        </p:spPr>
+        <p:style>
+          <a:lnRef idx="1">
+            <a:schemeClr val="accent1"/>
+          </a:lnRef>
+          <a:fillRef idx="0">
+            <a:schemeClr val="accent1"/>
+          </a:fillRef>
+          <a:effectRef idx="0">
+            <a:schemeClr val="accent1"/>
+          </a:effectRef>
+          <a:fontRef idx="minor">
+            <a:schemeClr val="tx1"/>
+          </a:fontRef>
+        </p:style>
+      </p:cxnSp>
+      <p:sp>
+        <p:nvSpPr>
+          <p:cNvPr id="19" name="文本框 18">
+            <a:extLst>
+              <a:ext uri="{FF2B5EF4-FFF2-40B4-BE49-F238E27FC236}">
+                <a16:creationId xmlns:a16="http://schemas.microsoft.com/office/drawing/2014/main" id="{8639A6A8-87FF-8EFF-848D-6519F920CC60}"/>
+              </a:ext>
+            </a:extLst>
+          </p:cNvPr>
+          <p:cNvSpPr txBox="1"/>
+          <p:nvPr/>
+        </p:nvSpPr>
+        <p:spPr>
+          <a:xfrm>
+            <a:off x="5417343" y="1791548"/>
+            <a:ext cx="6534151" cy="369332"/>
+          </a:xfrm>
+          <a:prstGeom prst="rect">
+            <a:avLst/>
+          </a:prstGeom>
+          <a:noFill/>
+        </p:spPr>
+        <p:txBody>
+          <a:bodyPr wrap="square" rtlCol="0">
+            <a:spAutoFit/>
+          </a:bodyPr>
+          <a:lstStyle/>
+          <a:p>
+            <a:r>
+              <a:rPr lang="en-US" altLang="zh-CN" dirty="0"/>
+              <a:t>The results presented in the paper are as follows:</a:t>
+            </a:r>
+          </a:p>
+        </p:txBody>
+      </p:sp>
+      <p:pic>
+        <p:nvPicPr>
+          <p:cNvPr id="20" name="图片 19">
+            <a:extLst>
+              <a:ext uri="{FF2B5EF4-FFF2-40B4-BE49-F238E27FC236}">
+                <a16:creationId xmlns:a16="http://schemas.microsoft.com/office/drawing/2014/main" id="{333A4C5C-B3D7-F227-CCEA-1CEB795FE27E}"/>
+              </a:ext>
+            </a:extLst>
+          </p:cNvPr>
+          <p:cNvPicPr>
+            <a:picLocks noChangeAspect="1"/>
+          </p:cNvPicPr>
+          <p:nvPr/>
+        </p:nvPicPr>
+        <p:blipFill rotWithShape="1">
+          <a:blip r:embed="rId3"/>
+          <a:srcRect l="50000" t="13817" r="24270" b="13946"/>
+          <a:stretch/>
+        </p:blipFill>
+        <p:spPr>
+          <a:xfrm>
+            <a:off x="8454637" y="2220222"/>
+            <a:ext cx="2005013" cy="1472651"/>
+          </a:xfrm>
+          <a:prstGeom prst="rect">
+            <a:avLst/>
+          </a:prstGeom>
+        </p:spPr>
+      </p:pic>
+      <p:pic>
+        <p:nvPicPr>
+          <p:cNvPr id="21" name="图片 20">
+            <a:extLst>
+              <a:ext uri="{FF2B5EF4-FFF2-40B4-BE49-F238E27FC236}">
+                <a16:creationId xmlns:a16="http://schemas.microsoft.com/office/drawing/2014/main" id="{5DEDEC32-F865-F6C6-13E4-702029CD1944}"/>
+              </a:ext>
+            </a:extLst>
+          </p:cNvPr>
+          <p:cNvPicPr>
+            <a:picLocks noChangeAspect="1"/>
+          </p:cNvPicPr>
+          <p:nvPr/>
+        </p:nvPicPr>
+        <p:blipFill rotWithShape="1">
+          <a:blip r:embed="rId3"/>
+          <a:srcRect t="13946" r="75638" b="10954"/>
+          <a:stretch/>
+        </p:blipFill>
+        <p:spPr>
+          <a:xfrm>
+            <a:off x="6064499" y="2220788"/>
+            <a:ext cx="1898401" cy="1531007"/>
+          </a:xfrm>
+          <a:prstGeom prst="rect">
+            <a:avLst/>
+          </a:prstGeom>
+        </p:spPr>
+      </p:pic>
+      <p:pic>
+        <p:nvPicPr>
+          <p:cNvPr id="22" name="图片 21">
+            <a:extLst>
+              <a:ext uri="{FF2B5EF4-FFF2-40B4-BE49-F238E27FC236}">
+                <a16:creationId xmlns:a16="http://schemas.microsoft.com/office/drawing/2014/main" id="{CF1E1670-B738-C9DF-9480-101B64543147}"/>
+              </a:ext>
+            </a:extLst>
+          </p:cNvPr>
+          <p:cNvPicPr>
+            <a:picLocks noChangeAspect="1"/>
+          </p:cNvPicPr>
+          <p:nvPr/>
+        </p:nvPicPr>
+        <p:blipFill>
+          <a:blip r:embed="rId4">
+            <a:extLst>
+              <a:ext uri="{28A0092B-C50C-407E-A947-70E740481C1C}">
+                <a14:useLocalDpi xmlns:a14="http://schemas.microsoft.com/office/drawing/2010/main" val="0"/>
+              </a:ext>
+            </a:extLst>
+          </a:blip>
+          <a:stretch>
+            <a:fillRect/>
+          </a:stretch>
+        </p:blipFill>
+        <p:spPr>
+          <a:xfrm>
+            <a:off x="7098322" y="4446003"/>
+            <a:ext cx="4717645" cy="2358823"/>
+          </a:xfrm>
+          <a:prstGeom prst="rect">
+            <a:avLst/>
+          </a:prstGeom>
+        </p:spPr>
+      </p:pic>
+      <p:sp>
+        <p:nvSpPr>
+          <p:cNvPr id="23" name="文本框 22">
+            <a:extLst>
+              <a:ext uri="{FF2B5EF4-FFF2-40B4-BE49-F238E27FC236}">
+                <a16:creationId xmlns:a16="http://schemas.microsoft.com/office/drawing/2014/main" id="{92260DDE-4056-95C2-ADF0-C5A57729CAE7}"/>
+              </a:ext>
+            </a:extLst>
+          </p:cNvPr>
+          <p:cNvSpPr txBox="1"/>
+          <p:nvPr/>
+        </p:nvSpPr>
+        <p:spPr>
+          <a:xfrm>
+            <a:off x="5475490" y="3811558"/>
+            <a:ext cx="6940347" cy="646331"/>
+          </a:xfrm>
+          <a:prstGeom prst="rect">
+            <a:avLst/>
+          </a:prstGeom>
+          <a:noFill/>
+        </p:spPr>
+        <p:txBody>
+          <a:bodyPr wrap="square">
+            <a:spAutoFit/>
+          </a:bodyPr>
+          <a:lstStyle/>
+          <a:p>
+            <a:r>
+              <a:rPr lang="en-US" altLang="zh-CN" dirty="0"/>
+              <a:t>The results I have obtained regarding SCG signal are as follows:</a:t>
+            </a:r>
+            <a:endParaRPr lang="zh-CN" altLang="en-US" dirty="0"/>
+          </a:p>
+        </p:txBody>
+      </p:sp>
+    </p:spTree>
+    <p:extLst>
+      <p:ext uri="{BB962C8B-B14F-4D97-AF65-F5344CB8AC3E}">
+        <p14:creationId xmlns:p14="http://schemas.microsoft.com/office/powerpoint/2010/main" val="1512982219"/>
+      </p:ext>
+    </p:extLst>
+  </p:cSld>
+  <p:clrMapOvr>
+    <a:masterClrMapping/>
+  </p:clrMapOvr>
+</p:sld>
+</file>
+
+<file path=ppt/slides/slide14.xml><?xml version="1.0" encoding="utf-8"?>
+<p:sld xmlns:a="http://schemas.openxmlformats.org/drawingml/2006/main" xmlns:r="http://schemas.openxmlformats.org/officeDocument/2006/relationships" xmlns:p="http://schemas.openxmlformats.org/presentationml/2006/main">
+  <p:cSld>
+    <p:spTree>
+      <p:nvGrpSpPr>
+        <p:cNvPr id="1" name=""/>
+        <p:cNvGrpSpPr/>
+        <p:nvPr/>
+      </p:nvGrpSpPr>
+      <p:grpSpPr>
+        <a:xfrm>
+          <a:off x="0" y="0"/>
+          <a:ext cx="0" cy="0"/>
+          <a:chOff x="0" y="0"/>
+          <a:chExt cx="0" cy="0"/>
+        </a:xfrm>
+      </p:grpSpPr>
+      <p:sp>
+        <p:nvSpPr>
+          <p:cNvPr id="55" name="文本框 54">
+            <a:extLst>
+              <a:ext uri="{FF2B5EF4-FFF2-40B4-BE49-F238E27FC236}">
+                <a16:creationId xmlns:a16="http://schemas.microsoft.com/office/drawing/2014/main" id="{32A2BE86-86A6-F1FC-83EE-91A826B532E5}"/>
+              </a:ext>
+            </a:extLst>
+          </p:cNvPr>
+          <p:cNvSpPr txBox="1"/>
+          <p:nvPr/>
+        </p:nvSpPr>
+        <p:spPr>
+          <a:xfrm>
+            <a:off x="609599" y="106251"/>
+            <a:ext cx="5382827" cy="461665"/>
+          </a:xfrm>
+          <a:prstGeom prst="rect">
+            <a:avLst/>
+          </a:prstGeom>
+          <a:noFill/>
+        </p:spPr>
+        <p:txBody>
+          <a:bodyPr wrap="square" rtlCol="0">
+            <a:spAutoFit/>
+          </a:bodyPr>
+          <a:lstStyle>
+            <a:defPPr>
+              <a:defRPr lang="zh-CN"/>
+            </a:defPPr>
+            <a:lvl1pPr>
+              <a:defRPr sz="2400">
+                <a:latin typeface="Consolas" panose="020B0609020204030204" pitchFamily="49" charset="0"/>
+                <a:cs typeface="Times New Roman" panose="02020603050405020304" pitchFamily="18" charset="0"/>
+              </a:defRPr>
+            </a:lvl1pPr>
+          </a:lstStyle>
+          <a:p>
+            <a:r>
+              <a:rPr lang="en-US" altLang="zh-CN" dirty="0"/>
+              <a:t>Work_3: </a:t>
+            </a:r>
+            <a:r>
+              <a:rPr lang="en-US" altLang="zh-CN" sz="1400" dirty="0"/>
+              <a:t>Remove</a:t>
+            </a:r>
+            <a:r>
+              <a:rPr lang="zh-CN" altLang="en-US" sz="1400" dirty="0"/>
+              <a:t> </a:t>
+            </a:r>
+            <a:r>
+              <a:rPr lang="en-US" altLang="zh-CN" sz="1400" dirty="0"/>
+              <a:t>Normal</a:t>
+            </a:r>
+            <a:r>
+              <a:rPr lang="zh-CN" altLang="en-US" sz="1400" dirty="0"/>
+              <a:t> </a:t>
+            </a:r>
+            <a:r>
+              <a:rPr lang="en-US" altLang="zh-CN" sz="1400" dirty="0"/>
+              <a:t>Nosie</a:t>
+            </a:r>
+            <a:r>
+              <a:rPr lang="zh-CN" altLang="en-US" sz="1400" dirty="0"/>
+              <a:t> </a:t>
+            </a:r>
+            <a:r>
+              <a:rPr lang="en-US" altLang="zh-CN" sz="1400" dirty="0"/>
+              <a:t>and respiratory</a:t>
+            </a:r>
+          </a:p>
+        </p:txBody>
+      </p:sp>
+      <p:sp>
+        <p:nvSpPr>
+          <p:cNvPr id="6" name="文本框 5">
+            <a:extLst>
+              <a:ext uri="{FF2B5EF4-FFF2-40B4-BE49-F238E27FC236}">
+                <a16:creationId xmlns:a16="http://schemas.microsoft.com/office/drawing/2014/main" id="{CB57B3DA-EA77-30D0-42EE-7EE902C6E4E9}"/>
+              </a:ext>
+            </a:extLst>
+          </p:cNvPr>
+          <p:cNvSpPr txBox="1"/>
+          <p:nvPr/>
+        </p:nvSpPr>
+        <p:spPr>
+          <a:xfrm>
+            <a:off x="2047874" y="628245"/>
+            <a:ext cx="7681913" cy="369332"/>
+          </a:xfrm>
+          <a:prstGeom prst="rect">
+            <a:avLst/>
+          </a:prstGeom>
+          <a:noFill/>
+        </p:spPr>
+        <p:txBody>
+          <a:bodyPr wrap="square" rtlCol="0">
+            <a:spAutoFit/>
+          </a:bodyPr>
+          <a:lstStyle/>
+          <a:p>
+            <a:r>
+              <a:rPr lang="en-US" altLang="zh-CN" dirty="0"/>
+              <a:t>The results presented in the paper are as follows:</a:t>
+            </a:r>
+          </a:p>
+        </p:txBody>
+      </p:sp>
+      <p:pic>
+        <p:nvPicPr>
+          <p:cNvPr id="2" name="图片 1">
+            <a:extLst>
+              <a:ext uri="{FF2B5EF4-FFF2-40B4-BE49-F238E27FC236}">
+                <a16:creationId xmlns:a16="http://schemas.microsoft.com/office/drawing/2014/main" id="{D741EF86-FB50-A5CE-DE0C-867C763EA9F1}"/>
+              </a:ext>
+            </a:extLst>
+          </p:cNvPr>
+          <p:cNvPicPr>
+            <a:picLocks noChangeAspect="1"/>
+          </p:cNvPicPr>
+          <p:nvPr/>
+        </p:nvPicPr>
+        <p:blipFill>
+          <a:blip r:embed="rId3">
+            <a:extLst>
+              <a:ext uri="{28A0092B-C50C-407E-A947-70E740481C1C}">
+                <a14:useLocalDpi xmlns:a14="http://schemas.microsoft.com/office/drawing/2010/main" val="0"/>
+              </a:ext>
+            </a:extLst>
+          </a:blip>
+          <a:stretch>
+            <a:fillRect/>
+          </a:stretch>
+        </p:blipFill>
+        <p:spPr>
+          <a:xfrm>
+            <a:off x="3362323" y="3057227"/>
+            <a:ext cx="4717645" cy="2358823"/>
+          </a:xfrm>
+          <a:prstGeom prst="rect">
+            <a:avLst/>
+          </a:prstGeom>
+        </p:spPr>
+      </p:pic>
+      <p:pic>
+        <p:nvPicPr>
+          <p:cNvPr id="5" name="图片 4">
+            <a:extLst>
+              <a:ext uri="{FF2B5EF4-FFF2-40B4-BE49-F238E27FC236}">
+                <a16:creationId xmlns:a16="http://schemas.microsoft.com/office/drawing/2014/main" id="{3831E2E0-17E3-028B-71E5-BCEF501545BC}"/>
+              </a:ext>
+            </a:extLst>
+          </p:cNvPr>
+          <p:cNvPicPr>
+            <a:picLocks noChangeAspect="1"/>
+          </p:cNvPicPr>
+          <p:nvPr/>
+        </p:nvPicPr>
+        <p:blipFill rotWithShape="1">
+          <a:blip r:embed="rId4"/>
+          <a:srcRect l="50000" t="13817" r="24270" b="13946"/>
+          <a:stretch/>
+        </p:blipFill>
+        <p:spPr>
+          <a:xfrm>
+            <a:off x="5992426" y="1057906"/>
+            <a:ext cx="2005013" cy="1472651"/>
+          </a:xfrm>
+          <a:prstGeom prst="rect">
+            <a:avLst/>
+          </a:prstGeom>
+        </p:spPr>
+      </p:pic>
+      <p:pic>
+        <p:nvPicPr>
+          <p:cNvPr id="7" name="图片 6">
+            <a:extLst>
+              <a:ext uri="{FF2B5EF4-FFF2-40B4-BE49-F238E27FC236}">
+                <a16:creationId xmlns:a16="http://schemas.microsoft.com/office/drawing/2014/main" id="{9C8BEB16-FB5F-99F7-3036-B003F878ADAB}"/>
+              </a:ext>
+            </a:extLst>
+          </p:cNvPr>
+          <p:cNvPicPr>
+            <a:picLocks noChangeAspect="1"/>
+          </p:cNvPicPr>
+          <p:nvPr/>
+        </p:nvPicPr>
+        <p:blipFill rotWithShape="1">
+          <a:blip r:embed="rId4"/>
+          <a:srcRect t="13946" r="75638" b="10954"/>
+          <a:stretch/>
+        </p:blipFill>
+        <p:spPr>
+          <a:xfrm>
+            <a:off x="3602286" y="1057906"/>
+            <a:ext cx="1898401" cy="1531007"/>
+          </a:xfrm>
+          <a:prstGeom prst="rect">
+            <a:avLst/>
+          </a:prstGeom>
+        </p:spPr>
+      </p:pic>
+      <p:sp>
+        <p:nvSpPr>
+          <p:cNvPr id="9" name="文本框 8">
+            <a:extLst>
+              <a:ext uri="{FF2B5EF4-FFF2-40B4-BE49-F238E27FC236}">
+                <a16:creationId xmlns:a16="http://schemas.microsoft.com/office/drawing/2014/main" id="{263C334F-51ED-70E6-E258-A6D9D793E646}"/>
+              </a:ext>
+            </a:extLst>
+          </p:cNvPr>
+          <p:cNvSpPr txBox="1"/>
+          <p:nvPr/>
+        </p:nvSpPr>
+        <p:spPr>
+          <a:xfrm>
+            <a:off x="2047874" y="2616414"/>
+            <a:ext cx="9360099" cy="369332"/>
+          </a:xfrm>
+          <a:prstGeom prst="rect">
+            <a:avLst/>
+          </a:prstGeom>
+          <a:noFill/>
+        </p:spPr>
+        <p:txBody>
+          <a:bodyPr wrap="square">
+            <a:spAutoFit/>
+          </a:bodyPr>
+          <a:lstStyle/>
+          <a:p>
+            <a:r>
+              <a:rPr lang="en-US" altLang="zh-CN" dirty="0"/>
+              <a:t>The results I have obtained regarding SCG signal are as follows:</a:t>
+            </a:r>
+            <a:endParaRPr lang="zh-CN" altLang="en-US" dirty="0"/>
+          </a:p>
+        </p:txBody>
+      </p:sp>
+      <p:sp>
+        <p:nvSpPr>
+          <p:cNvPr id="10" name="文本框 9">
+            <a:extLst>
+              <a:ext uri="{FF2B5EF4-FFF2-40B4-BE49-F238E27FC236}">
+                <a16:creationId xmlns:a16="http://schemas.microsoft.com/office/drawing/2014/main" id="{52C60012-ACEC-D9D4-5300-F08CA1424642}"/>
+              </a:ext>
+            </a:extLst>
+          </p:cNvPr>
+          <p:cNvSpPr txBox="1"/>
+          <p:nvPr/>
+        </p:nvSpPr>
+        <p:spPr>
+          <a:xfrm>
+            <a:off x="2047874" y="4702968"/>
+            <a:ext cx="7681913" cy="1754326"/>
+          </a:xfrm>
+          <a:prstGeom prst="rect">
+            <a:avLst/>
+          </a:prstGeom>
+          <a:noFill/>
+        </p:spPr>
+        <p:txBody>
+          <a:bodyPr wrap="square" rtlCol="0">
+            <a:spAutoFit/>
+          </a:bodyPr>
+          <a:lstStyle/>
+          <a:p>
+            <a:r>
+              <a:rPr lang="zh-CN" altLang="en-US" dirty="0"/>
+              <a:t>原因</a:t>
+            </a:r>
+            <a:r>
+              <a:rPr lang="en-US" altLang="zh-CN" dirty="0"/>
+              <a:t>1. </a:t>
+            </a:r>
+            <a:r>
+              <a:rPr lang="zh-CN" altLang="en-US" dirty="0"/>
+              <a:t>该论文提出的方法有大量的导数。而</a:t>
+            </a:r>
+            <a:r>
+              <a:rPr lang="en-US" altLang="zh-CN" dirty="0"/>
+              <a:t>ECG</a:t>
+            </a:r>
+            <a:r>
+              <a:rPr lang="zh-CN" altLang="en-US" dirty="0"/>
+              <a:t>信号相对比较的平滑。而</a:t>
+            </a:r>
+            <a:r>
+              <a:rPr lang="en-US" altLang="zh-CN" dirty="0"/>
+              <a:t>SCG</a:t>
+            </a:r>
+            <a:r>
+              <a:rPr lang="zh-CN" altLang="en-US" dirty="0"/>
+              <a:t>信号比较的尖锐。</a:t>
+            </a:r>
+            <a:endParaRPr lang="en-US" altLang="zh-CN" dirty="0"/>
+          </a:p>
+          <a:p>
+            <a:endParaRPr lang="en-US" altLang="zh-CN" dirty="0"/>
+          </a:p>
+          <a:p>
+            <a:r>
+              <a:rPr lang="zh-CN" altLang="en-US" dirty="0"/>
+              <a:t>原因</a:t>
+            </a:r>
+            <a:r>
+              <a:rPr lang="en-US" altLang="zh-CN" dirty="0"/>
+              <a:t>2. </a:t>
+            </a:r>
+            <a:r>
+              <a:rPr lang="zh-CN" altLang="en-US" dirty="0"/>
+              <a:t>论文中对时间轴进行拉伸后，缺失的部分需要插值。论文中给出的</a:t>
+            </a:r>
+            <a:r>
+              <a:rPr lang="en-US" altLang="zh-CN" dirty="0"/>
+              <a:t>ECG</a:t>
+            </a:r>
+            <a:r>
+              <a:rPr lang="zh-CN" altLang="en-US" dirty="0"/>
+              <a:t>信号采样率为</a:t>
+            </a:r>
+            <a:r>
+              <a:rPr lang="en-US" altLang="zh-CN" dirty="0"/>
+              <a:t>1KHz,</a:t>
+            </a:r>
+            <a:r>
+              <a:rPr lang="zh-CN" altLang="en-US" dirty="0"/>
+              <a:t>而我们的信号的采样率仅仅为</a:t>
+            </a:r>
+            <a:r>
+              <a:rPr lang="en-US" altLang="zh-CN" dirty="0"/>
+              <a:t>100Hz</a:t>
+            </a:r>
+            <a:r>
+              <a:rPr lang="zh-CN" altLang="en-US" dirty="0"/>
+              <a:t>，我们一个</a:t>
+            </a:r>
+            <a:r>
+              <a:rPr lang="en-US" altLang="zh-CN" dirty="0"/>
+              <a:t>template</a:t>
+            </a:r>
+            <a:r>
+              <a:rPr lang="zh-CN" altLang="en-US" dirty="0"/>
+              <a:t>的长度往往为</a:t>
+            </a:r>
+            <a:r>
+              <a:rPr lang="en-US" altLang="zh-CN" dirty="0"/>
+              <a:t>40-80</a:t>
+            </a:r>
+            <a:r>
+              <a:rPr lang="zh-CN" altLang="en-US" dirty="0"/>
+              <a:t>。插值会造成巨大的误差</a:t>
+            </a:r>
+            <a:endParaRPr lang="en-US" altLang="zh-CN" dirty="0"/>
+          </a:p>
+        </p:txBody>
+      </p:sp>
+    </p:spTree>
+    <p:extLst>
+      <p:ext uri="{BB962C8B-B14F-4D97-AF65-F5344CB8AC3E}">
+        <p14:creationId xmlns:p14="http://schemas.microsoft.com/office/powerpoint/2010/main" val="1004711516"/>
+      </p:ext>
+    </p:extLst>
+  </p:cSld>
+  <p:clrMapOvr>
+    <a:masterClrMapping/>
+  </p:clrMapOvr>
+</p:sld>
+</file>
+
+<file path=ppt/slides/slide15.xml><?xml version="1.0" encoding="utf-8"?>
+<p:sld xmlns:a="http://schemas.openxmlformats.org/drawingml/2006/main" xmlns:r="http://schemas.openxmlformats.org/officeDocument/2006/relationships" xmlns:p="http://schemas.openxmlformats.org/presentationml/2006/main">
+  <p:cSld>
+    <p:spTree>
+      <p:nvGrpSpPr>
+        <p:cNvPr id="1" name=""/>
+        <p:cNvGrpSpPr/>
+        <p:nvPr/>
+      </p:nvGrpSpPr>
+      <p:grpSpPr>
+        <a:xfrm>
+          <a:off x="0" y="0"/>
+          <a:ext cx="0" cy="0"/>
+          <a:chOff x="0" y="0"/>
+          <a:chExt cx="0" cy="0"/>
+        </a:xfrm>
+      </p:grpSpPr>
+      <p:sp>
+        <p:nvSpPr>
+          <p:cNvPr id="2" name="文本框 1">
+            <a:extLst>
+              <a:ext uri="{FF2B5EF4-FFF2-40B4-BE49-F238E27FC236}">
+                <a16:creationId xmlns:a16="http://schemas.microsoft.com/office/drawing/2014/main" id="{4301BE2B-0820-0143-B72A-D9CEA12265BD}"/>
+              </a:ext>
+            </a:extLst>
+          </p:cNvPr>
+          <p:cNvSpPr txBox="1"/>
+          <p:nvPr/>
+        </p:nvSpPr>
+        <p:spPr>
+          <a:xfrm>
+            <a:off x="1122219" y="423950"/>
+            <a:ext cx="5931724" cy="461665"/>
+          </a:xfrm>
+          <a:prstGeom prst="rect">
+            <a:avLst/>
+          </a:prstGeom>
+          <a:noFill/>
+        </p:spPr>
+        <p:txBody>
+          <a:bodyPr wrap="square" rtlCol="0">
+            <a:spAutoFit/>
+          </a:bodyPr>
+          <a:lstStyle>
+            <a:defPPr>
+              <a:defRPr lang="zh-CN"/>
+            </a:defPPr>
+            <a:lvl1pPr>
+              <a:defRPr sz="2400">
+                <a:latin typeface="Consolas" panose="020B0609020204030204" pitchFamily="49" charset="0"/>
+                <a:cs typeface="Times New Roman" panose="02020603050405020304" pitchFamily="18" charset="0"/>
+              </a:defRPr>
+            </a:lvl1pPr>
+          </a:lstStyle>
+          <a:p>
+            <a:r>
+              <a:rPr lang="en-US" altLang="zh-CN" dirty="0"/>
+              <a:t>Questions</a:t>
+            </a:r>
+            <a:endParaRPr lang="en-US" altLang="zh-CN" sz="1400" dirty="0"/>
+          </a:p>
+        </p:txBody>
+      </p:sp>
+    </p:spTree>
+    <p:extLst>
+      <p:ext uri="{BB962C8B-B14F-4D97-AF65-F5344CB8AC3E}">
+        <p14:creationId xmlns:p14="http://schemas.microsoft.com/office/powerpoint/2010/main" val="324862336"/>
+      </p:ext>
+    </p:extLst>
+  </p:cSld>
+  <p:clrMapOvr>
+    <a:masterClrMapping/>
+  </p:clrMapOvr>
+</p:sld>
+</file>
+
+<file path=ppt/slides/slide16.xml><?xml version="1.0" encoding="utf-8"?>
+<p:sld xmlns:a="http://schemas.openxmlformats.org/drawingml/2006/main" xmlns:r="http://schemas.openxmlformats.org/officeDocument/2006/relationships" xmlns:p="http://schemas.openxmlformats.org/presentationml/2006/main">
+  <p:cSld>
+    <p:spTree>
+      <p:nvGrpSpPr>
+        <p:cNvPr id="1" name=""/>
+        <p:cNvGrpSpPr/>
+        <p:nvPr/>
+      </p:nvGrpSpPr>
+      <p:grpSpPr>
+        <a:xfrm>
+          <a:off x="0" y="0"/>
+          <a:ext cx="0" cy="0"/>
+          <a:chOff x="0" y="0"/>
+          <a:chExt cx="0" cy="0"/>
+        </a:xfrm>
+      </p:grpSpPr>
+      <p:sp>
+        <p:nvSpPr>
+          <p:cNvPr id="2" name="文本框 1">
+            <a:extLst>
+              <a:ext uri="{FF2B5EF4-FFF2-40B4-BE49-F238E27FC236}">
+                <a16:creationId xmlns:a16="http://schemas.microsoft.com/office/drawing/2014/main" id="{4301BE2B-0820-0143-B72A-D9CEA12265BD}"/>
+              </a:ext>
+            </a:extLst>
+          </p:cNvPr>
+          <p:cNvSpPr txBox="1"/>
+          <p:nvPr/>
+        </p:nvSpPr>
+        <p:spPr>
+          <a:xfrm>
+            <a:off x="5219007" y="3105834"/>
+            <a:ext cx="1753985" cy="646331"/>
+          </a:xfrm>
+          <a:prstGeom prst="rect">
+            <a:avLst/>
+          </a:prstGeom>
+          <a:noFill/>
+        </p:spPr>
+        <p:txBody>
+          <a:bodyPr wrap="square" rtlCol="0">
+            <a:spAutoFit/>
+          </a:bodyPr>
+          <a:lstStyle>
+            <a:defPPr>
+              <a:defRPr lang="zh-CN"/>
+            </a:defPPr>
+            <a:lvl1pPr algn="ctr">
+              <a:defRPr sz="3600">
+                <a:latin typeface="Consolas" panose="020B0609020204030204" pitchFamily="49" charset="0"/>
+                <a:cs typeface="Times New Roman" panose="02020603050405020304" pitchFamily="18" charset="0"/>
+              </a:defRPr>
+            </a:lvl1pPr>
+          </a:lstStyle>
+          <a:p>
+            <a:r>
+              <a:rPr lang="en-US" altLang="zh-CN" dirty="0"/>
+              <a:t>Thanks!</a:t>
+            </a:r>
+          </a:p>
+        </p:txBody>
+      </p:sp>
+    </p:spTree>
+    <p:extLst>
+      <p:ext uri="{BB962C8B-B14F-4D97-AF65-F5344CB8AC3E}">
+        <p14:creationId xmlns:p14="http://schemas.microsoft.com/office/powerpoint/2010/main" val="3015943919"/>
+      </p:ext>
+    </p:extLst>
+  </p:cSld>
+  <p:clrMapOvr>
+    <a:masterClrMapping/>
+  </p:clrMapOvr>
+</p:sld>
+</file>
+
+<file path=ppt/slides/slide2.xml><?xml version="1.0" encoding="utf-8"?>
+<p:sld xmlns:a="http://schemas.openxmlformats.org/drawingml/2006/main" xmlns:r="http://schemas.openxmlformats.org/officeDocument/2006/relationships" xmlns:p="http://schemas.openxmlformats.org/presentationml/2006/main">
+  <p:cSld>
+    <p:spTree>
+      <p:nvGrpSpPr>
+        <p:cNvPr id="1" name=""/>
+        <p:cNvGrpSpPr/>
+        <p:nvPr/>
+      </p:nvGrpSpPr>
+      <p:grpSpPr>
+        <a:xfrm>
+          <a:off x="0" y="0"/>
+          <a:ext cx="0" cy="0"/>
+          <a:chOff x="0" y="0"/>
+          <a:chExt cx="0" cy="0"/>
+        </a:xfrm>
+      </p:grpSpPr>
+      <p:sp>
+        <p:nvSpPr>
+          <p:cNvPr id="2" name="文本框 1">
+            <a:extLst>
+              <a:ext uri="{FF2B5EF4-FFF2-40B4-BE49-F238E27FC236}">
+                <a16:creationId xmlns:a16="http://schemas.microsoft.com/office/drawing/2014/main" id="{4301BE2B-0820-0143-B72A-D9CEA12265BD}"/>
+              </a:ext>
+            </a:extLst>
+          </p:cNvPr>
+          <p:cNvSpPr txBox="1"/>
+          <p:nvPr/>
+        </p:nvSpPr>
+        <p:spPr>
+          <a:xfrm>
+            <a:off x="1725568" y="771425"/>
+            <a:ext cx="9042074" cy="461665"/>
+          </a:xfrm>
+          <a:prstGeom prst="rect">
+            <a:avLst/>
+          </a:prstGeom>
+          <a:noFill/>
+        </p:spPr>
+        <p:txBody>
+          <a:bodyPr wrap="square" rtlCol="0">
+            <a:spAutoFit/>
+          </a:bodyPr>
+          <a:lstStyle/>
+          <a:p>
+            <a:pPr algn="ctr"/>
+            <a:r>
+              <a:rPr lang="en-US" altLang="zh-CN" sz="2400" dirty="0">
+                <a:latin typeface="Consolas" panose="020B0609020204030204" pitchFamily="49" charset="0"/>
+                <a:cs typeface="Times New Roman" panose="02020603050405020304" pitchFamily="18" charset="0"/>
+              </a:rPr>
+              <a:t>Work Description</a:t>
+            </a:r>
+          </a:p>
+        </p:txBody>
+      </p:sp>
+      <p:sp>
+        <p:nvSpPr>
+          <p:cNvPr id="3" name="文本框 2">
+            <a:extLst>
+              <a:ext uri="{FF2B5EF4-FFF2-40B4-BE49-F238E27FC236}">
+                <a16:creationId xmlns:a16="http://schemas.microsoft.com/office/drawing/2014/main" id="{59F62255-7A4A-1C35-FF69-9A58CEC1EDD3}"/>
+              </a:ext>
+            </a:extLst>
+          </p:cNvPr>
+          <p:cNvSpPr txBox="1"/>
+          <p:nvPr/>
+        </p:nvSpPr>
+        <p:spPr>
+          <a:xfrm>
+            <a:off x="1725568" y="1582340"/>
+            <a:ext cx="9933032" cy="4801314"/>
+          </a:xfrm>
+          <a:prstGeom prst="rect">
+            <a:avLst/>
+          </a:prstGeom>
+          <a:noFill/>
+        </p:spPr>
+        <p:txBody>
+          <a:bodyPr wrap="square" rtlCol="0">
+            <a:spAutoFit/>
+          </a:bodyPr>
+          <a:lstStyle/>
+          <a:p>
+            <a:r>
+              <a:rPr lang="en-US" altLang="zh-CN" dirty="0"/>
+              <a:t>Work_1: </a:t>
+            </a:r>
+          </a:p>
+          <a:p>
+            <a:pPr lvl="1"/>
+            <a:r>
+              <a:rPr lang="en-US" altLang="zh-CN" dirty="0"/>
+              <a:t>Tutorial Writing: </a:t>
+            </a:r>
+          </a:p>
+          <a:p>
+            <a:pPr lvl="1"/>
+            <a:r>
+              <a:rPr lang="en-US" altLang="zh-CN" dirty="0"/>
+              <a:t>1. Refactor all functions in Generate Wave Module and Filter Module</a:t>
+            </a:r>
+          </a:p>
+          <a:p>
+            <a:pPr lvl="1"/>
+            <a:r>
+              <a:rPr lang="en-US" altLang="zh-CN" dirty="0"/>
+              <a:t>2. Add new features to the framework of the main function</a:t>
+            </a:r>
+          </a:p>
+          <a:p>
+            <a:pPr lvl="1"/>
+            <a:r>
+              <a:rPr lang="en-US" altLang="zh-CN" dirty="0"/>
+              <a:t>3. Write some notes in </a:t>
+            </a:r>
+            <a:r>
+              <a:rPr lang="en-US" altLang="zh-CN" dirty="0" err="1"/>
+              <a:t>ipynb</a:t>
+            </a:r>
+            <a:r>
+              <a:rPr lang="en-US" altLang="zh-CN" dirty="0"/>
+              <a:t> file about algorithm details.</a:t>
+            </a:r>
+          </a:p>
+          <a:p>
+            <a:pPr lvl="1"/>
+            <a:r>
+              <a:rPr lang="en-US" altLang="zh-CN" dirty="0"/>
+              <a:t>4. Learn 2 new filters (Matched Filer and Notch Filter)</a:t>
+            </a:r>
+          </a:p>
+          <a:p>
+            <a:endParaRPr lang="en-US" altLang="zh-CN" dirty="0"/>
+          </a:p>
+          <a:p>
+            <a:endParaRPr lang="en-US" altLang="zh-CN" dirty="0"/>
+          </a:p>
+          <a:p>
+            <a:r>
+              <a:rPr lang="en-US" altLang="zh-CN" dirty="0"/>
+              <a:t>Work_2: </a:t>
+            </a:r>
+          </a:p>
+          <a:p>
+            <a:pPr lvl="1"/>
+            <a:r>
+              <a:rPr lang="en-US" altLang="zh-CN" dirty="0"/>
+              <a:t>In situations with heavy echoes, find an potential segmentation method.</a:t>
+            </a:r>
+          </a:p>
+          <a:p>
+            <a:endParaRPr lang="en-US" altLang="zh-CN" dirty="0"/>
+          </a:p>
+          <a:p>
+            <a:endParaRPr lang="en-US" altLang="zh-CN" dirty="0"/>
+          </a:p>
+          <a:p>
+            <a:r>
+              <a:rPr lang="en-US" altLang="zh-CN" dirty="0"/>
+              <a:t>Work_3: </a:t>
+            </a:r>
+          </a:p>
+          <a:p>
+            <a:pPr lvl="1"/>
+            <a:r>
+              <a:rPr lang="en-US" altLang="zh-CN" dirty="0"/>
+              <a:t>About Get Template. Based on observation, an attempt has been made to define what constitutes a good algorithm for obtaining an SCG signal template. It consists of three features, and some exploration has been carried out.</a:t>
+            </a:r>
+          </a:p>
+        </p:txBody>
+      </p:sp>
+    </p:spTree>
+    <p:extLst>
+      <p:ext uri="{BB962C8B-B14F-4D97-AF65-F5344CB8AC3E}">
+        <p14:creationId xmlns:p14="http://schemas.microsoft.com/office/powerpoint/2010/main" val="3563862824"/>
+      </p:ext>
+    </p:extLst>
+  </p:cSld>
+  <p:clrMapOvr>
+    <a:masterClrMapping/>
+  </p:clrMapOvr>
+</p:sld>
+</file>
+
+<file path=ppt/slides/slide3.xml><?xml version="1.0" encoding="utf-8"?>
+<p:sld xmlns:a="http://schemas.openxmlformats.org/drawingml/2006/main" xmlns:r="http://schemas.openxmlformats.org/officeDocument/2006/relationships" xmlns:p="http://schemas.openxmlformats.org/presentationml/2006/main">
+  <p:cSld>
+    <p:spTree>
+      <p:nvGrpSpPr>
+        <p:cNvPr id="1" name=""/>
+        <p:cNvGrpSpPr/>
+        <p:nvPr/>
+      </p:nvGrpSpPr>
+      <p:grpSpPr>
+        <a:xfrm>
+          <a:off x="0" y="0"/>
+          <a:ext cx="0" cy="0"/>
+          <a:chOff x="0" y="0"/>
+          <a:chExt cx="0" cy="0"/>
+        </a:xfrm>
+      </p:grpSpPr>
+      <p:sp>
+        <p:nvSpPr>
+          <p:cNvPr id="55" name="文本框 54">
+            <a:extLst>
+              <a:ext uri="{FF2B5EF4-FFF2-40B4-BE49-F238E27FC236}">
+                <a16:creationId xmlns:a16="http://schemas.microsoft.com/office/drawing/2014/main" id="{32A2BE86-86A6-F1FC-83EE-91A826B532E5}"/>
+              </a:ext>
+            </a:extLst>
+          </p:cNvPr>
+          <p:cNvSpPr txBox="1"/>
+          <p:nvPr/>
+        </p:nvSpPr>
+        <p:spPr>
+          <a:xfrm>
+            <a:off x="609600" y="106251"/>
+            <a:ext cx="4584920" cy="461665"/>
+          </a:xfrm>
+          <a:prstGeom prst="rect">
+            <a:avLst/>
+          </a:prstGeom>
+          <a:noFill/>
+        </p:spPr>
+        <p:txBody>
+          <a:bodyPr wrap="square" rtlCol="0">
+            <a:spAutoFit/>
+          </a:bodyPr>
+          <a:lstStyle>
+            <a:defPPr>
+              <a:defRPr lang="zh-CN"/>
+            </a:defPPr>
+            <a:lvl1pPr>
+              <a:defRPr sz="2400">
+                <a:latin typeface="Consolas" panose="020B0609020204030204" pitchFamily="49" charset="0"/>
+                <a:cs typeface="Times New Roman" panose="02020603050405020304" pitchFamily="18" charset="0"/>
+              </a:defRPr>
+            </a:lvl1pPr>
+          </a:lstStyle>
+          <a:p>
+            <a:r>
+              <a:rPr lang="en-US" altLang="zh-CN" dirty="0"/>
+              <a:t>Work_1: </a:t>
+            </a:r>
+            <a:r>
+              <a:rPr lang="en-US" altLang="zh-CN" sz="1400" dirty="0"/>
+              <a:t>Tutorial</a:t>
+            </a:r>
+          </a:p>
+        </p:txBody>
+      </p:sp>
+      <p:sp>
+        <p:nvSpPr>
+          <p:cNvPr id="3" name="文本框 2">
+            <a:extLst>
+              <a:ext uri="{FF2B5EF4-FFF2-40B4-BE49-F238E27FC236}">
+                <a16:creationId xmlns:a16="http://schemas.microsoft.com/office/drawing/2014/main" id="{B7AA6D17-0F2B-B329-8B82-CCD6255FC0BD}"/>
+              </a:ext>
+            </a:extLst>
+          </p:cNvPr>
+          <p:cNvSpPr txBox="1"/>
+          <p:nvPr/>
+        </p:nvSpPr>
+        <p:spPr>
+          <a:xfrm>
+            <a:off x="1816364" y="1513850"/>
+            <a:ext cx="9635068" cy="3508653"/>
+          </a:xfrm>
+          <a:prstGeom prst="rect">
+            <a:avLst/>
+          </a:prstGeom>
+          <a:noFill/>
+        </p:spPr>
+        <p:txBody>
+          <a:bodyPr wrap="square">
+            <a:spAutoFit/>
+          </a:bodyPr>
+          <a:lstStyle/>
+          <a:p>
+            <a:pPr>
+              <a:defRPr/>
+            </a:pPr>
+            <a:r>
+              <a:rPr lang="en-US" altLang="zh-CN" sz="2000" dirty="0"/>
+              <a:t>For Main Function</a:t>
+            </a:r>
+          </a:p>
+          <a:p>
+            <a:pPr>
+              <a:defRPr/>
+            </a:pPr>
+            <a:endParaRPr lang="en-US" altLang="zh-CN" sz="2000" dirty="0"/>
+          </a:p>
+          <a:p>
+            <a:pPr>
+              <a:defRPr/>
+            </a:pPr>
+            <a:endParaRPr lang="en-US" altLang="zh-CN" sz="2000" dirty="0"/>
+          </a:p>
+          <a:p>
+            <a:pPr marL="228600" indent="-228600">
+              <a:buFontTx/>
+              <a:buAutoNum type="arabicPeriod"/>
+              <a:defRPr/>
+            </a:pPr>
+            <a:r>
+              <a:rPr lang="en-US" altLang="zh-CN" dirty="0"/>
+              <a:t>I refactored Generate Wave Module(7) and Filter Module(4), including interfaces, visualization, code comments and more.</a:t>
+            </a:r>
+          </a:p>
+          <a:p>
+            <a:pPr marL="228600" indent="-228600">
+              <a:buFontTx/>
+              <a:buAutoNum type="arabicPeriod"/>
+              <a:defRPr/>
+            </a:pPr>
+            <a:endParaRPr lang="en-US" altLang="zh-CN" dirty="0"/>
+          </a:p>
+          <a:p>
+            <a:pPr marL="228600" marR="0" lvl="0" indent="-228600" algn="l" defTabSz="914400" rtl="0" eaLnBrk="1" fontAlgn="auto" latinLnBrk="0" hangingPunct="1">
+              <a:lnSpc>
+                <a:spcPct val="100000"/>
+              </a:lnSpc>
+              <a:spcBef>
+                <a:spcPts val="0"/>
+              </a:spcBef>
+              <a:spcAft>
+                <a:spcPts val="0"/>
+              </a:spcAft>
+              <a:buClrTx/>
+              <a:buSzTx/>
+              <a:buFontTx/>
+              <a:buAutoNum type="arabicPeriod"/>
+              <a:tabLst/>
+              <a:defRPr/>
+            </a:pPr>
+            <a:r>
+              <a:rPr lang="en-US" altLang="zh-CN" dirty="0"/>
+              <a:t>I added new feature that people can use the signal created by themselves as the input rather than only SCG signals.</a:t>
+            </a:r>
+          </a:p>
+          <a:p>
+            <a:pPr marL="228600" marR="0" lvl="0" indent="-228600" algn="l" defTabSz="914400" rtl="0" eaLnBrk="1" fontAlgn="auto" latinLnBrk="0" hangingPunct="1">
+              <a:lnSpc>
+                <a:spcPct val="100000"/>
+              </a:lnSpc>
+              <a:spcBef>
+                <a:spcPts val="0"/>
+              </a:spcBef>
+              <a:spcAft>
+                <a:spcPts val="0"/>
+              </a:spcAft>
+              <a:buClrTx/>
+              <a:buSzTx/>
+              <a:buFontTx/>
+              <a:buAutoNum type="arabicPeriod"/>
+              <a:tabLst/>
+              <a:defRPr/>
+            </a:pPr>
+            <a:endParaRPr lang="en-US" altLang="zh-CN" dirty="0"/>
+          </a:p>
+          <a:p>
+            <a:pPr marL="228600" marR="0" lvl="0" indent="-228600" algn="l" defTabSz="914400" rtl="0" eaLnBrk="1" fontAlgn="auto" latinLnBrk="0" hangingPunct="1">
+              <a:lnSpc>
+                <a:spcPct val="100000"/>
+              </a:lnSpc>
+              <a:spcBef>
+                <a:spcPts val="0"/>
+              </a:spcBef>
+              <a:spcAft>
+                <a:spcPts val="0"/>
+              </a:spcAft>
+              <a:buClrTx/>
+              <a:buSzTx/>
+              <a:buFontTx/>
+              <a:buAutoNum type="arabicPeriod"/>
+              <a:tabLst/>
+              <a:defRPr/>
+            </a:pPr>
+            <a:r>
+              <a:rPr lang="en-US" altLang="zh-CN" dirty="0"/>
+              <a:t>We can save the result.</a:t>
+            </a:r>
+          </a:p>
+          <a:p>
+            <a:pPr>
+              <a:defRPr/>
+            </a:pPr>
+            <a:endParaRPr lang="en-US" altLang="zh-CN" sz="1800" b="1" dirty="0">
+              <a:highlight>
+                <a:srgbClr val="FFFF00"/>
+              </a:highlight>
+            </a:endParaRPr>
+          </a:p>
+          <a:p>
+            <a:pPr>
+              <a:defRPr/>
+            </a:pPr>
+            <a:r>
+              <a:rPr lang="en-US" altLang="zh-CN" sz="1800" b="1" dirty="0">
+                <a:highlight>
+                  <a:srgbClr val="FFFF00"/>
+                </a:highlight>
+              </a:rPr>
+              <a:t>Use 5 core commands to show you the demo.</a:t>
+            </a:r>
+          </a:p>
+        </p:txBody>
+      </p:sp>
+    </p:spTree>
+    <p:extLst>
+      <p:ext uri="{BB962C8B-B14F-4D97-AF65-F5344CB8AC3E}">
+        <p14:creationId xmlns:p14="http://schemas.microsoft.com/office/powerpoint/2010/main" val="1137058698"/>
+      </p:ext>
+    </p:extLst>
+  </p:cSld>
+  <p:clrMapOvr>
+    <a:masterClrMapping/>
+  </p:clrMapOvr>
+</p:sld>
+</file>
+
+<file path=ppt/slides/slide4.xml><?xml version="1.0" encoding="utf-8"?>
+<p:sld xmlns:a="http://schemas.openxmlformats.org/drawingml/2006/main" xmlns:r="http://schemas.openxmlformats.org/officeDocument/2006/relationships" xmlns:p="http://schemas.openxmlformats.org/presentationml/2006/main">
+  <p:cSld>
+    <p:spTree>
+      <p:nvGrpSpPr>
+        <p:cNvPr id="1" name=""/>
+        <p:cNvGrpSpPr/>
+        <p:nvPr/>
+      </p:nvGrpSpPr>
+      <p:grpSpPr>
+        <a:xfrm>
+          <a:off x="0" y="0"/>
+          <a:ext cx="0" cy="0"/>
+          <a:chOff x="0" y="0"/>
+          <a:chExt cx="0" cy="0"/>
+        </a:xfrm>
+      </p:grpSpPr>
+      <p:sp>
+        <p:nvSpPr>
+          <p:cNvPr id="55" name="文本框 54">
+            <a:extLst>
+              <a:ext uri="{FF2B5EF4-FFF2-40B4-BE49-F238E27FC236}">
+                <a16:creationId xmlns:a16="http://schemas.microsoft.com/office/drawing/2014/main" id="{32A2BE86-86A6-F1FC-83EE-91A826B532E5}"/>
+              </a:ext>
+            </a:extLst>
+          </p:cNvPr>
+          <p:cNvSpPr txBox="1"/>
+          <p:nvPr/>
+        </p:nvSpPr>
+        <p:spPr>
+          <a:xfrm>
+            <a:off x="609600" y="106251"/>
+            <a:ext cx="4584920" cy="461665"/>
+          </a:xfrm>
+          <a:prstGeom prst="rect">
+            <a:avLst/>
+          </a:prstGeom>
+          <a:noFill/>
+        </p:spPr>
+        <p:txBody>
+          <a:bodyPr wrap="square" rtlCol="0">
+            <a:spAutoFit/>
+          </a:bodyPr>
+          <a:lstStyle>
+            <a:defPPr>
+              <a:defRPr lang="zh-CN"/>
+            </a:defPPr>
+            <a:lvl1pPr>
+              <a:defRPr sz="2400">
+                <a:latin typeface="Consolas" panose="020B0609020204030204" pitchFamily="49" charset="0"/>
+                <a:cs typeface="Times New Roman" panose="02020603050405020304" pitchFamily="18" charset="0"/>
+              </a:defRPr>
+            </a:lvl1pPr>
+          </a:lstStyle>
+          <a:p>
+            <a:r>
+              <a:rPr lang="en-US" altLang="zh-CN" dirty="0"/>
+              <a:t>Work_1: </a:t>
+            </a:r>
+            <a:r>
+              <a:rPr lang="en-US" altLang="zh-CN" sz="1400" dirty="0"/>
+              <a:t>Tutorial</a:t>
+            </a:r>
+          </a:p>
+        </p:txBody>
+      </p:sp>
+      <p:sp>
+        <p:nvSpPr>
+          <p:cNvPr id="3" name="文本框 2">
+            <a:extLst>
+              <a:ext uri="{FF2B5EF4-FFF2-40B4-BE49-F238E27FC236}">
+                <a16:creationId xmlns:a16="http://schemas.microsoft.com/office/drawing/2014/main" id="{B7AA6D17-0F2B-B329-8B82-CCD6255FC0BD}"/>
+              </a:ext>
+            </a:extLst>
+          </p:cNvPr>
+          <p:cNvSpPr txBox="1"/>
+          <p:nvPr/>
+        </p:nvSpPr>
+        <p:spPr>
+          <a:xfrm>
+            <a:off x="977634" y="927737"/>
+            <a:ext cx="10080892" cy="5940088"/>
+          </a:xfrm>
+          <a:prstGeom prst="rect">
+            <a:avLst/>
+          </a:prstGeom>
+          <a:noFill/>
+        </p:spPr>
+        <p:txBody>
+          <a:bodyPr wrap="square">
+            <a:spAutoFit/>
+          </a:bodyPr>
+          <a:lstStyle/>
+          <a:p>
+            <a:pPr>
+              <a:defRPr/>
+            </a:pPr>
+            <a:r>
+              <a:rPr lang="en-US" altLang="zh-CN" sz="2000" dirty="0"/>
+              <a:t>For Notes</a:t>
+            </a:r>
+          </a:p>
+          <a:p>
+            <a:pPr>
+              <a:defRPr/>
+            </a:pPr>
+            <a:endParaRPr lang="en-US" altLang="zh-CN" sz="2000" dirty="0"/>
+          </a:p>
+          <a:p>
+            <a:pPr>
+              <a:defRPr/>
+            </a:pPr>
+            <a:endParaRPr lang="en-US" altLang="zh-CN" sz="2000" dirty="0"/>
+          </a:p>
+          <a:p>
+            <a:pPr>
+              <a:defRPr/>
+            </a:pPr>
+            <a:r>
+              <a:rPr lang="en-US" altLang="zh-CN" sz="2000" dirty="0"/>
+              <a:t>Start studying and documenting theoretical aspects of the tutorial content (some parts may be included in the docstring of functions in the future). </a:t>
+            </a:r>
+          </a:p>
+          <a:p>
+            <a:pPr>
+              <a:defRPr/>
+            </a:pPr>
+            <a:endParaRPr lang="en-US" altLang="zh-CN" sz="2000" dirty="0"/>
+          </a:p>
+          <a:p>
+            <a:pPr marL="457200" indent="-457200">
+              <a:buAutoNum type="arabicPeriod"/>
+              <a:defRPr/>
+            </a:pPr>
+            <a:r>
+              <a:rPr lang="en-US" altLang="zh-CN" sz="2000" dirty="0"/>
+              <a:t>Unique properties and shapes of Different wavelets</a:t>
+            </a:r>
+          </a:p>
+          <a:p>
+            <a:pPr marL="457200" indent="-457200">
+              <a:buAutoNum type="arabicPeriod"/>
+              <a:defRPr/>
+            </a:pPr>
+            <a:endParaRPr lang="en-US" altLang="zh-CN" sz="2000" dirty="0"/>
+          </a:p>
+          <a:p>
+            <a:pPr marL="457200" indent="-457200">
+              <a:buAutoNum type="arabicPeriod"/>
+              <a:defRPr/>
+            </a:pPr>
+            <a:r>
+              <a:rPr lang="en-US" altLang="zh-CN" sz="2000" dirty="0"/>
+              <a:t>The theoretical differences between Notched Filter and Butterworth </a:t>
+            </a:r>
+            <a:r>
+              <a:rPr lang="en-US" altLang="zh-CN" sz="2000" dirty="0" err="1"/>
+              <a:t>Bandstop</a:t>
+            </a:r>
+            <a:r>
+              <a:rPr lang="en-US" altLang="zh-CN" sz="2000" dirty="0"/>
+              <a:t> Filter, as well as their practical effects when applied to SCG signals.</a:t>
+            </a:r>
+          </a:p>
+          <a:p>
+            <a:pPr marL="457200" indent="-457200">
+              <a:buAutoNum type="arabicPeriod"/>
+              <a:defRPr/>
+            </a:pPr>
+            <a:endParaRPr lang="en-US" altLang="zh-CN" sz="2000" dirty="0"/>
+          </a:p>
+          <a:p>
+            <a:pPr marL="457200" indent="-457200">
+              <a:buAutoNum type="arabicPeriod"/>
+              <a:defRPr/>
+            </a:pPr>
+            <a:r>
+              <a:rPr lang="en-US" altLang="zh-CN" sz="2000" dirty="0"/>
+              <a:t>I turned my attempts with certain algorithms into a playground, such as differences in SCG signals using different wavelets and distinctions between discrete wavelet transform(DWT) and empirical wavelet transform(EWT).</a:t>
+            </a:r>
+          </a:p>
+          <a:p>
+            <a:pPr>
+              <a:defRPr/>
+            </a:pPr>
+            <a:endParaRPr lang="en-US" altLang="zh-CN" sz="2000" dirty="0"/>
+          </a:p>
+          <a:p>
+            <a:pPr>
+              <a:defRPr/>
+            </a:pPr>
+            <a:r>
+              <a:rPr lang="en-US" altLang="zh-CN" sz="2000" b="1" dirty="0">
+                <a:highlight>
+                  <a:srgbClr val="FFFF00"/>
+                </a:highlight>
+              </a:rPr>
+              <a:t>Show the Notes.</a:t>
+            </a:r>
+          </a:p>
+        </p:txBody>
+      </p:sp>
+    </p:spTree>
+    <p:extLst>
+      <p:ext uri="{BB962C8B-B14F-4D97-AF65-F5344CB8AC3E}">
+        <p14:creationId xmlns:p14="http://schemas.microsoft.com/office/powerpoint/2010/main" val="4256841388"/>
+      </p:ext>
+    </p:extLst>
+  </p:cSld>
+  <p:clrMapOvr>
+    <a:masterClrMapping/>
+  </p:clrMapOvr>
+</p:sld>
+</file>
+
+<file path=ppt/slides/slide5.xml><?xml version="1.0" encoding="utf-8"?>
+<p:sld xmlns:a="http://schemas.openxmlformats.org/drawingml/2006/main" xmlns:r="http://schemas.openxmlformats.org/officeDocument/2006/relationships" xmlns:p="http://schemas.openxmlformats.org/presentationml/2006/main">
+  <p:cSld>
+    <p:spTree>
+      <p:nvGrpSpPr>
+        <p:cNvPr id="1" name=""/>
+        <p:cNvGrpSpPr/>
+        <p:nvPr/>
+      </p:nvGrpSpPr>
+      <p:grpSpPr>
+        <a:xfrm>
+          <a:off x="0" y="0"/>
+          <a:ext cx="0" cy="0"/>
+          <a:chOff x="0" y="0"/>
+          <a:chExt cx="0" cy="0"/>
+        </a:xfrm>
+      </p:grpSpPr>
+      <p:sp>
+        <p:nvSpPr>
+          <p:cNvPr id="55" name="文本框 54">
+            <a:extLst>
+              <a:ext uri="{FF2B5EF4-FFF2-40B4-BE49-F238E27FC236}">
+                <a16:creationId xmlns:a16="http://schemas.microsoft.com/office/drawing/2014/main" id="{32A2BE86-86A6-F1FC-83EE-91A826B532E5}"/>
+              </a:ext>
+            </a:extLst>
+          </p:cNvPr>
+          <p:cNvSpPr txBox="1"/>
+          <p:nvPr/>
+        </p:nvSpPr>
+        <p:spPr>
+          <a:xfrm>
+            <a:off x="609600" y="106251"/>
+            <a:ext cx="4584920" cy="461665"/>
+          </a:xfrm>
+          <a:prstGeom prst="rect">
+            <a:avLst/>
+          </a:prstGeom>
+          <a:noFill/>
+        </p:spPr>
+        <p:txBody>
+          <a:bodyPr wrap="square" rtlCol="0">
+            <a:spAutoFit/>
+          </a:bodyPr>
+          <a:lstStyle>
+            <a:defPPr>
+              <a:defRPr lang="zh-CN"/>
+            </a:defPPr>
+            <a:lvl1pPr>
+              <a:defRPr sz="2400">
+                <a:latin typeface="Consolas" panose="020B0609020204030204" pitchFamily="49" charset="0"/>
+                <a:cs typeface="Times New Roman" panose="02020603050405020304" pitchFamily="18" charset="0"/>
+              </a:defRPr>
+            </a:lvl1pPr>
+          </a:lstStyle>
+          <a:p>
+            <a:r>
+              <a:rPr lang="en-US" altLang="zh-CN" dirty="0"/>
+              <a:t>Work_1: </a:t>
+            </a:r>
+            <a:r>
+              <a:rPr lang="en-US" altLang="zh-CN" sz="1400" dirty="0"/>
+              <a:t>Tutorial</a:t>
+            </a:r>
+          </a:p>
+        </p:txBody>
+      </p:sp>
+      <p:sp>
+        <p:nvSpPr>
+          <p:cNvPr id="2" name="文本框 1">
+            <a:extLst>
+              <a:ext uri="{FF2B5EF4-FFF2-40B4-BE49-F238E27FC236}">
+                <a16:creationId xmlns:a16="http://schemas.microsoft.com/office/drawing/2014/main" id="{88CF5AD0-BD8D-D90B-99FB-81031E032071}"/>
+              </a:ext>
+            </a:extLst>
+          </p:cNvPr>
+          <p:cNvSpPr txBox="1"/>
+          <p:nvPr/>
+        </p:nvSpPr>
+        <p:spPr>
+          <a:xfrm>
+            <a:off x="1145588" y="1854905"/>
+            <a:ext cx="9900823" cy="2616101"/>
+          </a:xfrm>
+          <a:prstGeom prst="rect">
+            <a:avLst/>
+          </a:prstGeom>
+          <a:noFill/>
+        </p:spPr>
+        <p:txBody>
+          <a:bodyPr wrap="square">
+            <a:spAutoFit/>
+          </a:bodyPr>
+          <a:lstStyle/>
+          <a:p>
+            <a:r>
+              <a:rPr lang="en-US" altLang="zh-CN" sz="2000" dirty="0"/>
+              <a:t>For Algorithm</a:t>
+            </a:r>
+          </a:p>
+          <a:p>
+            <a:endParaRPr lang="en-US" altLang="zh-CN" dirty="0"/>
+          </a:p>
+          <a:p>
+            <a:endParaRPr lang="en-US" altLang="zh-CN" dirty="0"/>
+          </a:p>
+          <a:p>
+            <a:r>
+              <a:rPr lang="en-US" altLang="zh-CN" dirty="0"/>
+              <a:t>Matched Filter and Notch Filter have been tested on SCG signals. </a:t>
+            </a:r>
+          </a:p>
+          <a:p>
+            <a:endParaRPr lang="en-US" altLang="zh-CN" dirty="0"/>
+          </a:p>
+          <a:p>
+            <a:r>
+              <a:rPr lang="en-US" altLang="zh-CN" dirty="0"/>
+              <a:t>Unlike last week's Wiener filter and </a:t>
+            </a:r>
+            <a:r>
+              <a:rPr lang="en-US" altLang="zh-CN" dirty="0" err="1"/>
+              <a:t>Savitzky-Golay</a:t>
+            </a:r>
+            <a:r>
+              <a:rPr lang="en-US" altLang="zh-CN" dirty="0"/>
+              <a:t> filter, they didn't produce unexpectedly good results. </a:t>
+            </a:r>
+          </a:p>
+          <a:p>
+            <a:endParaRPr lang="en-US" altLang="zh-CN" dirty="0"/>
+          </a:p>
+          <a:p>
+            <a:r>
+              <a:rPr lang="en-US" altLang="zh-CN" dirty="0"/>
+              <a:t>It seems challenging to apply them for noise reduction in SCG signals.</a:t>
+            </a:r>
+          </a:p>
+        </p:txBody>
+      </p:sp>
+    </p:spTree>
+    <p:extLst>
+      <p:ext uri="{BB962C8B-B14F-4D97-AF65-F5344CB8AC3E}">
+        <p14:creationId xmlns:p14="http://schemas.microsoft.com/office/powerpoint/2010/main" val="939389368"/>
+      </p:ext>
+    </p:extLst>
+  </p:cSld>
+  <p:clrMapOvr>
+    <a:masterClrMapping/>
+  </p:clrMapOvr>
+</p:sld>
+</file>
+
+<file path=ppt/slides/slide6.xml><?xml version="1.0" encoding="utf-8"?>
+<p:sld xmlns:a="http://schemas.openxmlformats.org/drawingml/2006/main" xmlns:r="http://schemas.openxmlformats.org/officeDocument/2006/relationships" xmlns:p="http://schemas.openxmlformats.org/presentationml/2006/main">
+  <p:cSld>
+    <p:spTree>
+      <p:nvGrpSpPr>
+        <p:cNvPr id="1" name=""/>
+        <p:cNvGrpSpPr/>
+        <p:nvPr/>
+      </p:nvGrpSpPr>
+      <p:grpSpPr>
+        <a:xfrm>
+          <a:off x="0" y="0"/>
+          <a:ext cx="0" cy="0"/>
+          <a:chOff x="0" y="0"/>
+          <a:chExt cx="0" cy="0"/>
+        </a:xfrm>
+      </p:grpSpPr>
+      <p:sp>
+        <p:nvSpPr>
+          <p:cNvPr id="55" name="文本框 54">
+            <a:extLst>
+              <a:ext uri="{FF2B5EF4-FFF2-40B4-BE49-F238E27FC236}">
+                <a16:creationId xmlns:a16="http://schemas.microsoft.com/office/drawing/2014/main" id="{32A2BE86-86A6-F1FC-83EE-91A826B532E5}"/>
+              </a:ext>
+            </a:extLst>
+          </p:cNvPr>
+          <p:cNvSpPr txBox="1"/>
+          <p:nvPr/>
+        </p:nvSpPr>
+        <p:spPr>
+          <a:xfrm>
+            <a:off x="609600" y="106251"/>
+            <a:ext cx="6164062" cy="461665"/>
+          </a:xfrm>
+          <a:prstGeom prst="rect">
+            <a:avLst/>
+          </a:prstGeom>
+          <a:noFill/>
+        </p:spPr>
+        <p:txBody>
+          <a:bodyPr wrap="square" rtlCol="0">
+            <a:spAutoFit/>
+          </a:bodyPr>
+          <a:lstStyle>
+            <a:defPPr>
+              <a:defRPr lang="zh-CN"/>
+            </a:defPPr>
+            <a:lvl1pPr>
+              <a:defRPr sz="2400">
+                <a:latin typeface="Consolas" panose="020B0609020204030204" pitchFamily="49" charset="0"/>
+                <a:cs typeface="Times New Roman" panose="02020603050405020304" pitchFamily="18" charset="0"/>
+              </a:defRPr>
+            </a:lvl1pPr>
+          </a:lstStyle>
+          <a:p>
+            <a:r>
+              <a:rPr lang="en-US" altLang="zh-CN" dirty="0"/>
+              <a:t>Work_2: </a:t>
+            </a:r>
+            <a:r>
+              <a:rPr lang="en-US" altLang="zh-CN" sz="1400" dirty="0"/>
+              <a:t>Remove</a:t>
+            </a:r>
+          </a:p>
+        </p:txBody>
+      </p:sp>
+      <p:sp>
+        <p:nvSpPr>
+          <p:cNvPr id="2" name="文本框 1">
+            <a:extLst>
+              <a:ext uri="{FF2B5EF4-FFF2-40B4-BE49-F238E27FC236}">
+                <a16:creationId xmlns:a16="http://schemas.microsoft.com/office/drawing/2014/main" id="{863E4C32-5FB1-0127-EAF3-DE047AAB40FD}"/>
+              </a:ext>
+            </a:extLst>
+          </p:cNvPr>
+          <p:cNvSpPr txBox="1"/>
+          <p:nvPr/>
+        </p:nvSpPr>
+        <p:spPr>
+          <a:xfrm>
+            <a:off x="964407" y="757236"/>
+            <a:ext cx="10622756" cy="3139321"/>
+          </a:xfrm>
+          <a:prstGeom prst="rect">
+            <a:avLst/>
+          </a:prstGeom>
+          <a:noFill/>
+        </p:spPr>
+        <p:txBody>
+          <a:bodyPr wrap="square" rtlCol="0">
+            <a:spAutoFit/>
+          </a:bodyPr>
+          <a:lstStyle/>
+          <a:p>
+            <a:r>
+              <a:rPr lang="en-US" altLang="zh-CN" dirty="0"/>
+              <a:t>Noisy signal with strong echoes. I added 5 echoes to the clean signal, and the attenuation coefficients for these echoes are [0.9, 0.8, 0.7, 0.6, 0.5], with delays of [5, 10, 15, 20, 25] time points, respectively.</a:t>
+            </a:r>
+          </a:p>
+          <a:p>
+            <a:endParaRPr lang="en-US" altLang="zh-CN" dirty="0"/>
+          </a:p>
+          <a:p>
+            <a:endParaRPr lang="en-US" altLang="zh-CN" dirty="0"/>
+          </a:p>
+          <a:p>
+            <a:r>
+              <a:rPr lang="en-US" altLang="zh-CN" dirty="0"/>
+              <a:t>In data with strong echoes, it's nearly impossible to perform cycle segmentation by locating large peaks.</a:t>
+            </a:r>
+          </a:p>
+          <a:p>
+            <a:endParaRPr lang="en-US" altLang="zh-CN" dirty="0"/>
+          </a:p>
+          <a:p>
+            <a:endParaRPr lang="en-US" altLang="zh-CN" dirty="0"/>
+          </a:p>
+          <a:p>
+            <a:r>
+              <a:rPr lang="en-US" altLang="zh-CN" dirty="0"/>
+              <a:t>At the same time, directly using Heart Rate as the cycle length for segmentation results in a significant time shift (as shown in the figure below).</a:t>
+            </a:r>
+          </a:p>
+        </p:txBody>
+      </p:sp>
+      <p:pic>
+        <p:nvPicPr>
+          <p:cNvPr id="4" name="图片 3">
+            <a:extLst>
+              <a:ext uri="{FF2B5EF4-FFF2-40B4-BE49-F238E27FC236}">
+                <a16:creationId xmlns:a16="http://schemas.microsoft.com/office/drawing/2014/main" id="{7993BA3C-F46D-4309-6E7E-2EEB6D7CD157}"/>
+              </a:ext>
+            </a:extLst>
+          </p:cNvPr>
+          <p:cNvPicPr>
+            <a:picLocks noChangeAspect="1"/>
+          </p:cNvPicPr>
+          <p:nvPr/>
+        </p:nvPicPr>
+        <p:blipFill>
+          <a:blip r:embed="rId3">
+            <a:extLst>
+              <a:ext uri="{28A0092B-C50C-407E-A947-70E740481C1C}">
+                <a14:useLocalDpi xmlns:a14="http://schemas.microsoft.com/office/drawing/2010/main" val="0"/>
+              </a:ext>
+            </a:extLst>
+          </a:blip>
+          <a:stretch>
+            <a:fillRect/>
+          </a:stretch>
+        </p:blipFill>
+        <p:spPr>
+          <a:xfrm>
+            <a:off x="2338387" y="4008549"/>
+            <a:ext cx="7315200" cy="2743200"/>
+          </a:xfrm>
+          <a:prstGeom prst="rect">
+            <a:avLst/>
+          </a:prstGeom>
+        </p:spPr>
+      </p:pic>
+    </p:spTree>
+    <p:extLst>
+      <p:ext uri="{BB962C8B-B14F-4D97-AF65-F5344CB8AC3E}">
+        <p14:creationId xmlns:p14="http://schemas.microsoft.com/office/powerpoint/2010/main" val="407941097"/>
+      </p:ext>
+    </p:extLst>
+  </p:cSld>
+  <p:clrMapOvr>
+    <a:masterClrMapping/>
+  </p:clrMapOvr>
+</p:sld>
+</file>
+
+<file path=ppt/slides/slide7.xml><?xml version="1.0" encoding="utf-8"?>
+<p:sld xmlns:a="http://schemas.openxmlformats.org/drawingml/2006/main" xmlns:r="http://schemas.openxmlformats.org/officeDocument/2006/relationships" xmlns:p="http://schemas.openxmlformats.org/presentationml/2006/main">
+  <p:cSld>
+    <p:spTree>
+      <p:nvGrpSpPr>
+        <p:cNvPr id="1" name=""/>
+        <p:cNvGrpSpPr/>
+        <p:nvPr/>
+      </p:nvGrpSpPr>
+      <p:grpSpPr>
+        <a:xfrm>
+          <a:off x="0" y="0"/>
+          <a:ext cx="0" cy="0"/>
+          <a:chOff x="0" y="0"/>
+          <a:chExt cx="0" cy="0"/>
+        </a:xfrm>
+      </p:grpSpPr>
+      <p:sp>
+        <p:nvSpPr>
+          <p:cNvPr id="55" name="文本框 54">
+            <a:extLst>
+              <a:ext uri="{FF2B5EF4-FFF2-40B4-BE49-F238E27FC236}">
+                <a16:creationId xmlns:a16="http://schemas.microsoft.com/office/drawing/2014/main" id="{32A2BE86-86A6-F1FC-83EE-91A826B532E5}"/>
+              </a:ext>
+            </a:extLst>
+          </p:cNvPr>
+          <p:cNvSpPr txBox="1"/>
+          <p:nvPr/>
+        </p:nvSpPr>
+        <p:spPr>
+          <a:xfrm>
+            <a:off x="609600" y="106251"/>
+            <a:ext cx="6164062" cy="461665"/>
+          </a:xfrm>
+          <a:prstGeom prst="rect">
+            <a:avLst/>
+          </a:prstGeom>
+          <a:noFill/>
+        </p:spPr>
+        <p:txBody>
+          <a:bodyPr wrap="square" rtlCol="0">
+            <a:spAutoFit/>
+          </a:bodyPr>
+          <a:lstStyle>
+            <a:defPPr>
+              <a:defRPr lang="zh-CN"/>
+            </a:defPPr>
+            <a:lvl1pPr>
+              <a:defRPr sz="2400">
+                <a:latin typeface="Consolas" panose="020B0609020204030204" pitchFamily="49" charset="0"/>
+                <a:cs typeface="Times New Roman" panose="02020603050405020304" pitchFamily="18" charset="0"/>
+              </a:defRPr>
+            </a:lvl1pPr>
+          </a:lstStyle>
+          <a:p>
+            <a:r>
+              <a:rPr lang="en-US" altLang="zh-CN" dirty="0"/>
+              <a:t>Work_2: </a:t>
+            </a:r>
+            <a:r>
+              <a:rPr lang="en-US" altLang="zh-CN" sz="1400" dirty="0"/>
+              <a:t>Remove</a:t>
+            </a:r>
+          </a:p>
+        </p:txBody>
+      </p:sp>
+      <p:sp>
+        <p:nvSpPr>
+          <p:cNvPr id="3" name="文本框 2">
+            <a:extLst>
+              <a:ext uri="{FF2B5EF4-FFF2-40B4-BE49-F238E27FC236}">
+                <a16:creationId xmlns:a16="http://schemas.microsoft.com/office/drawing/2014/main" id="{2E1C64E3-933D-9360-E103-13AAFAE5702E}"/>
+              </a:ext>
+            </a:extLst>
+          </p:cNvPr>
+          <p:cNvSpPr txBox="1"/>
+          <p:nvPr/>
+        </p:nvSpPr>
+        <p:spPr>
+          <a:xfrm>
+            <a:off x="1617171" y="567916"/>
+            <a:ext cx="9648524" cy="2031325"/>
+          </a:xfrm>
+          <a:prstGeom prst="rect">
+            <a:avLst/>
+          </a:prstGeom>
+          <a:noFill/>
+        </p:spPr>
+        <p:txBody>
+          <a:bodyPr wrap="square">
+            <a:spAutoFit/>
+          </a:bodyPr>
+          <a:lstStyle/>
+          <a:p>
+            <a:r>
+              <a:rPr lang="en-US" altLang="zh-CN" dirty="0"/>
+              <a:t>Within a relatively short timeframe, the patterns generated by echoes remain relatively consistent and don't exhibit significant variations.</a:t>
+            </a:r>
+          </a:p>
+          <a:p>
+            <a:endParaRPr lang="en-US" altLang="zh-CN" dirty="0"/>
+          </a:p>
+          <a:p>
+            <a:r>
+              <a:rPr lang="en-US" altLang="zh-CN" dirty="0"/>
+              <a:t>So, using autocorrelation for separation is a good idea. </a:t>
+            </a:r>
+          </a:p>
+          <a:p>
+            <a:endParaRPr lang="en-US" altLang="zh-CN" dirty="0"/>
+          </a:p>
+          <a:p>
+            <a:r>
+              <a:rPr lang="en-US" altLang="zh-CN" dirty="0"/>
+              <a:t>Below are two examples: one with very few peaks and another with a high number of peaks.</a:t>
+            </a:r>
+          </a:p>
+        </p:txBody>
+      </p:sp>
+      <p:pic>
+        <p:nvPicPr>
+          <p:cNvPr id="4" name="图片 3">
+            <a:extLst>
+              <a:ext uri="{FF2B5EF4-FFF2-40B4-BE49-F238E27FC236}">
+                <a16:creationId xmlns:a16="http://schemas.microsoft.com/office/drawing/2014/main" id="{4BD927F5-BAD3-8D7C-25F5-B12A52CC9E94}"/>
+              </a:ext>
+            </a:extLst>
+          </p:cNvPr>
+          <p:cNvPicPr>
+            <a:picLocks noChangeAspect="1"/>
+          </p:cNvPicPr>
+          <p:nvPr/>
+        </p:nvPicPr>
+        <p:blipFill>
+          <a:blip r:embed="rId3">
+            <a:extLst>
+              <a:ext uri="{28A0092B-C50C-407E-A947-70E740481C1C}">
+                <a14:useLocalDpi xmlns:a14="http://schemas.microsoft.com/office/drawing/2010/main" val="0"/>
+              </a:ext>
+            </a:extLst>
+          </a:blip>
+          <a:stretch>
+            <a:fillRect/>
+          </a:stretch>
+        </p:blipFill>
+        <p:spPr>
+          <a:xfrm>
+            <a:off x="654843" y="2730700"/>
+            <a:ext cx="5491163" cy="4118372"/>
+          </a:xfrm>
+          <a:prstGeom prst="rect">
+            <a:avLst/>
+          </a:prstGeom>
+        </p:spPr>
+      </p:pic>
+      <p:pic>
+        <p:nvPicPr>
+          <p:cNvPr id="6" name="图片 5">
+            <a:extLst>
+              <a:ext uri="{FF2B5EF4-FFF2-40B4-BE49-F238E27FC236}">
+                <a16:creationId xmlns:a16="http://schemas.microsoft.com/office/drawing/2014/main" id="{4B7C6FBA-755F-065A-198F-E0E8298EDE17}"/>
+              </a:ext>
+            </a:extLst>
+          </p:cNvPr>
+          <p:cNvPicPr>
+            <a:picLocks noChangeAspect="1"/>
+          </p:cNvPicPr>
+          <p:nvPr/>
+        </p:nvPicPr>
+        <p:blipFill>
+          <a:blip r:embed="rId4">
+            <a:extLst>
+              <a:ext uri="{28A0092B-C50C-407E-A947-70E740481C1C}">
+                <a14:useLocalDpi xmlns:a14="http://schemas.microsoft.com/office/drawing/2010/main" val="0"/>
+              </a:ext>
+            </a:extLst>
+          </a:blip>
+          <a:stretch>
+            <a:fillRect/>
+          </a:stretch>
+        </p:blipFill>
+        <p:spPr>
+          <a:xfrm>
+            <a:off x="6146006" y="2769990"/>
+            <a:ext cx="5441156" cy="4080867"/>
+          </a:xfrm>
+          <a:prstGeom prst="rect">
+            <a:avLst/>
+          </a:prstGeom>
+        </p:spPr>
+      </p:pic>
+    </p:spTree>
+    <p:extLst>
+      <p:ext uri="{BB962C8B-B14F-4D97-AF65-F5344CB8AC3E}">
+        <p14:creationId xmlns:p14="http://schemas.microsoft.com/office/powerpoint/2010/main" val="3614351961"/>
+      </p:ext>
+    </p:extLst>
+  </p:cSld>
+  <p:clrMapOvr>
+    <a:masterClrMapping/>
+  </p:clrMapOvr>
+</p:sld>
+</file>
+
+<file path=ppt/slides/slide8.xml><?xml version="1.0" encoding="utf-8"?>
+<p:sld xmlns:a="http://schemas.openxmlformats.org/drawingml/2006/main" xmlns:r="http://schemas.openxmlformats.org/officeDocument/2006/relationships" xmlns:p="http://schemas.openxmlformats.org/presentationml/2006/main">
+  <p:cSld>
+    <p:spTree>
+      <p:nvGrpSpPr>
+        <p:cNvPr id="1" name=""/>
+        <p:cNvGrpSpPr/>
+        <p:nvPr/>
+      </p:nvGrpSpPr>
+      <p:grpSpPr>
+        <a:xfrm>
+          <a:off x="0" y="0"/>
+          <a:ext cx="0" cy="0"/>
+          <a:chOff x="0" y="0"/>
+          <a:chExt cx="0" cy="0"/>
+        </a:xfrm>
+      </p:grpSpPr>
+      <p:sp>
+        <p:nvSpPr>
+          <p:cNvPr id="55" name="文本框 54">
+            <a:extLst>
+              <a:ext uri="{FF2B5EF4-FFF2-40B4-BE49-F238E27FC236}">
+                <a16:creationId xmlns:a16="http://schemas.microsoft.com/office/drawing/2014/main" id="{32A2BE86-86A6-F1FC-83EE-91A826B532E5}"/>
+              </a:ext>
+            </a:extLst>
+          </p:cNvPr>
+          <p:cNvSpPr txBox="1"/>
+          <p:nvPr/>
+        </p:nvSpPr>
+        <p:spPr>
+          <a:xfrm>
+            <a:off x="609599" y="106251"/>
+            <a:ext cx="5382827" cy="461665"/>
+          </a:xfrm>
+          <a:prstGeom prst="rect">
+            <a:avLst/>
+          </a:prstGeom>
+          <a:noFill/>
+        </p:spPr>
+        <p:txBody>
+          <a:bodyPr wrap="square" rtlCol="0">
+            <a:spAutoFit/>
+          </a:bodyPr>
+          <a:lstStyle>
+            <a:defPPr>
+              <a:defRPr lang="zh-CN"/>
+            </a:defPPr>
+            <a:lvl1pPr>
+              <a:defRPr sz="2400">
+                <a:latin typeface="Consolas" panose="020B0609020204030204" pitchFamily="49" charset="0"/>
+                <a:cs typeface="Times New Roman" panose="02020603050405020304" pitchFamily="18" charset="0"/>
+              </a:defRPr>
+            </a:lvl1pPr>
+          </a:lstStyle>
+          <a:p>
+            <a:r>
+              <a:rPr lang="en-US" altLang="zh-CN" dirty="0"/>
+              <a:t>Work_3: </a:t>
+            </a:r>
+            <a:r>
+              <a:rPr lang="en-US" altLang="zh-CN" sz="1400" dirty="0"/>
+              <a:t>Remove</a:t>
+            </a:r>
+            <a:r>
+              <a:rPr lang="zh-CN" altLang="en-US" sz="1400" dirty="0"/>
+              <a:t> </a:t>
+            </a:r>
+            <a:r>
+              <a:rPr lang="en-US" altLang="zh-CN" sz="1400" dirty="0"/>
+              <a:t>Normal</a:t>
+            </a:r>
+            <a:r>
+              <a:rPr lang="zh-CN" altLang="en-US" sz="1400" dirty="0"/>
+              <a:t> </a:t>
+            </a:r>
+            <a:r>
+              <a:rPr lang="en-US" altLang="zh-CN" sz="1400" dirty="0"/>
+              <a:t>Nosie</a:t>
+            </a:r>
+            <a:r>
+              <a:rPr lang="zh-CN" altLang="en-US" sz="1400" dirty="0"/>
+              <a:t> </a:t>
+            </a:r>
+            <a:r>
+              <a:rPr lang="en-US" altLang="zh-CN" sz="1400" dirty="0"/>
+              <a:t>and respiratory</a:t>
+            </a:r>
+          </a:p>
+        </p:txBody>
+      </p:sp>
+      <p:sp>
+        <p:nvSpPr>
+          <p:cNvPr id="6" name="文本框 5">
+            <a:extLst>
+              <a:ext uri="{FF2B5EF4-FFF2-40B4-BE49-F238E27FC236}">
+                <a16:creationId xmlns:a16="http://schemas.microsoft.com/office/drawing/2014/main" id="{CB57B3DA-EA77-30D0-42EE-7EE902C6E4E9}"/>
+              </a:ext>
+            </a:extLst>
+          </p:cNvPr>
+          <p:cNvSpPr txBox="1"/>
+          <p:nvPr/>
+        </p:nvSpPr>
+        <p:spPr>
+          <a:xfrm>
+            <a:off x="1800225" y="743671"/>
+            <a:ext cx="8591550" cy="1754326"/>
+          </a:xfrm>
+          <a:prstGeom prst="rect">
+            <a:avLst/>
+          </a:prstGeom>
+          <a:noFill/>
+        </p:spPr>
+        <p:txBody>
+          <a:bodyPr wrap="square" rtlCol="0">
+            <a:spAutoFit/>
+          </a:bodyPr>
+          <a:lstStyle/>
+          <a:p>
+            <a:r>
+              <a:rPr lang="en-US" altLang="zh-CN" dirty="0"/>
+              <a:t>In Work 3, an attempt has been made to define what constitutes a good algorithm for obtaining an SCG signal template. </a:t>
+            </a:r>
+          </a:p>
+          <a:p>
+            <a:endParaRPr lang="en-US" altLang="zh-CN" dirty="0"/>
+          </a:p>
+          <a:p>
+            <a:r>
+              <a:rPr lang="en-US" altLang="zh-CN" dirty="0"/>
+              <a:t>I did a simple comparison of algorithms that can recover a single-cycle signal, evaluating their performance on both noise-free and slightly noisy data.</a:t>
+            </a:r>
+          </a:p>
+        </p:txBody>
+      </p:sp>
+      <p:graphicFrame>
+        <p:nvGraphicFramePr>
+          <p:cNvPr id="3" name="表格 3">
+            <a:extLst>
+              <a:ext uri="{FF2B5EF4-FFF2-40B4-BE49-F238E27FC236}">
+                <a16:creationId xmlns:a16="http://schemas.microsoft.com/office/drawing/2014/main" id="{553BDD7C-46C9-BDFE-EA8F-C4F7F31A592A}"/>
+              </a:ext>
+            </a:extLst>
+          </p:cNvPr>
+          <p:cNvGraphicFramePr>
+            <a:graphicFrameLocks noGrp="1"/>
+          </p:cNvGraphicFramePr>
+          <p:nvPr>
+            <p:extLst>
+              <p:ext uri="{D42A27DB-BD31-4B8C-83A1-F6EECF244321}">
+                <p14:modId xmlns:p14="http://schemas.microsoft.com/office/powerpoint/2010/main" val="1288863973"/>
+              </p:ext>
+            </p:extLst>
+          </p:nvPr>
+        </p:nvGraphicFramePr>
+        <p:xfrm>
+          <a:off x="2032000" y="2846937"/>
+          <a:ext cx="8127999" cy="2595880"/>
+        </p:xfrm>
+        <a:graphic>
+          <a:graphicData uri="http://schemas.openxmlformats.org/drawingml/2006/table">
+            <a:tbl>
+              <a:tblPr firstRow="1" bandRow="1">
+                <a:tableStyleId>{5C22544A-7EE6-4342-B048-85BDC9FD1C3A}</a:tableStyleId>
+              </a:tblPr>
+              <a:tblGrid>
+                <a:gridCol w="2709333">
+                  <a:extLst>
+                    <a:ext uri="{9D8B030D-6E8A-4147-A177-3AD203B41FA5}">
+                      <a16:colId xmlns:a16="http://schemas.microsoft.com/office/drawing/2014/main" val="2621986043"/>
+                    </a:ext>
+                  </a:extLst>
+                </a:gridCol>
+                <a:gridCol w="2709333">
+                  <a:extLst>
+                    <a:ext uri="{9D8B030D-6E8A-4147-A177-3AD203B41FA5}">
+                      <a16:colId xmlns:a16="http://schemas.microsoft.com/office/drawing/2014/main" val="518921487"/>
+                    </a:ext>
+                  </a:extLst>
+                </a:gridCol>
+                <a:gridCol w="2709333">
+                  <a:extLst>
+                    <a:ext uri="{9D8B030D-6E8A-4147-A177-3AD203B41FA5}">
+                      <a16:colId xmlns:a16="http://schemas.microsoft.com/office/drawing/2014/main" val="843961580"/>
+                    </a:ext>
+                  </a:extLst>
+                </a:gridCol>
+              </a:tblGrid>
+              <a:tr h="370840">
+                <a:tc gridSpan="3">
+                  <a:txBody>
+                    <a:bodyPr/>
+                    <a:lstStyle/>
+                    <a:p>
+                      <a:pPr marL="0" marR="0" lvl="0" indent="0" algn="ctr" defTabSz="914400" rtl="0" eaLnBrk="1" fontAlgn="auto" latinLnBrk="0" hangingPunct="1">
+                        <a:lnSpc>
+                          <a:spcPct val="100000"/>
+                        </a:lnSpc>
+                        <a:spcBef>
+                          <a:spcPts val="0"/>
+                        </a:spcBef>
+                        <a:spcAft>
+                          <a:spcPts val="0"/>
+                        </a:spcAft>
+                        <a:buClrTx/>
+                        <a:buSzTx/>
+                        <a:buFontTx/>
+                        <a:buNone/>
+                        <a:tabLst/>
+                        <a:defRPr/>
+                      </a:pPr>
+                      <a:r>
+                        <a:rPr lang="en-US" altLang="zh-CN" dirty="0"/>
+                        <a:t>No Noise / Noise Level of 0.1</a:t>
+                      </a:r>
+                      <a:endParaRPr lang="zh-CN" altLang="en-US" dirty="0"/>
+                    </a:p>
+                  </a:txBody>
+                  <a:tcPr/>
+                </a:tc>
+                <a:tc hMerge="1">
+                  <a:txBody>
+                    <a:bodyPr/>
+                    <a:lstStyle/>
+                    <a:p>
+                      <a:endParaRPr lang="zh-CN" altLang="en-US" dirty="0"/>
+                    </a:p>
+                  </a:txBody>
+                  <a:tcPr/>
+                </a:tc>
+                <a:tc hMerge="1">
+                  <a:txBody>
+                    <a:bodyPr/>
+                    <a:lstStyle/>
+                    <a:p>
+                      <a:endParaRPr lang="zh-CN" altLang="en-US" dirty="0"/>
+                    </a:p>
+                  </a:txBody>
+                  <a:tcPr/>
+                </a:tc>
+                <a:extLst>
+                  <a:ext uri="{0D108BD9-81ED-4DB2-BD59-A6C34878D82A}">
+                    <a16:rowId xmlns:a16="http://schemas.microsoft.com/office/drawing/2014/main" val="3909774708"/>
+                  </a:ext>
+                </a:extLst>
+              </a:tr>
+              <a:tr h="370840">
+                <a:tc>
+                  <a:txBody>
+                    <a:bodyPr/>
+                    <a:lstStyle/>
+                    <a:p>
                       <a:pPr algn="ctr"/>
                       <a:r>
                         <a:rPr lang="en-US" altLang="zh-CN" dirty="0"/>
-                        <a:t>1.45</a:t>
+                        <a:t>Method</a:t>
                       </a:r>
                       <a:endParaRPr lang="zh-CN" altLang="en-US" dirty="0"/>
                     </a:p>
@@ -8235,7 +9464,190 @@
                       <a:pPr algn="ctr"/>
                       <a:r>
                         <a:rPr lang="en-US" altLang="zh-CN" dirty="0"/>
-                        <a:t>4.49</a:t>
+                        <a:t>S Prediction </a:t>
+                      </a:r>
+                      <a:endParaRPr lang="zh-CN" altLang="en-US" dirty="0"/>
+                    </a:p>
+                  </a:txBody>
+                  <a:tcPr/>
+                </a:tc>
+                <a:tc>
+                  <a:txBody>
+                    <a:bodyPr/>
+                    <a:lstStyle/>
+                    <a:p>
+                      <a:pPr algn="ctr"/>
+                      <a:r>
+                        <a:rPr lang="en-US" altLang="zh-CN" dirty="0"/>
+                        <a:t>D Prediction</a:t>
+                      </a:r>
+                      <a:endParaRPr lang="zh-CN" altLang="en-US" dirty="0"/>
+                    </a:p>
+                  </a:txBody>
+                  <a:tcPr/>
+                </a:tc>
+                <a:extLst>
+                  <a:ext uri="{0D108BD9-81ED-4DB2-BD59-A6C34878D82A}">
+                    <a16:rowId xmlns:a16="http://schemas.microsoft.com/office/drawing/2014/main" val="201775595"/>
+                  </a:ext>
+                </a:extLst>
+              </a:tr>
+              <a:tr h="370840">
+                <a:tc>
+                  <a:txBody>
+                    <a:bodyPr/>
+                    <a:lstStyle/>
+                    <a:p>
+                      <a:pPr algn="ctr"/>
+                      <a:r>
+                        <a:rPr lang="en-US" altLang="zh-CN" dirty="0"/>
+                        <a:t>No Template</a:t>
+                      </a:r>
+                      <a:endParaRPr lang="zh-CN" altLang="en-US" dirty="0"/>
+                    </a:p>
+                  </a:txBody>
+                  <a:tcPr/>
+                </a:tc>
+                <a:tc>
+                  <a:txBody>
+                    <a:bodyPr/>
+                    <a:lstStyle/>
+                    <a:p>
+                      <a:pPr marL="0" marR="0" lvl="0" indent="0" algn="ctr" defTabSz="914400" rtl="0" eaLnBrk="1" fontAlgn="auto" latinLnBrk="0" hangingPunct="1">
+                        <a:lnSpc>
+                          <a:spcPct val="100000"/>
+                        </a:lnSpc>
+                        <a:spcBef>
+                          <a:spcPts val="0"/>
+                        </a:spcBef>
+                        <a:spcAft>
+                          <a:spcPts val="0"/>
+                        </a:spcAft>
+                        <a:buClrTx/>
+                        <a:buSzTx/>
+                        <a:buFontTx/>
+                        <a:buNone/>
+                        <a:tabLst/>
+                        <a:defRPr/>
+                      </a:pPr>
+                      <a:r>
+                        <a:rPr lang="en-US" altLang="zh-CN" dirty="0"/>
+                        <a:t>0.79 / 1.64</a:t>
+                      </a:r>
+                      <a:endParaRPr lang="zh-CN" altLang="en-US" dirty="0"/>
+                    </a:p>
+                  </a:txBody>
+                  <a:tcPr/>
+                </a:tc>
+                <a:tc>
+                  <a:txBody>
+                    <a:bodyPr/>
+                    <a:lstStyle/>
+                    <a:p>
+                      <a:pPr marL="0" marR="0" lvl="0" indent="0" algn="ctr" defTabSz="914400" rtl="0" eaLnBrk="1" fontAlgn="auto" latinLnBrk="0" hangingPunct="1">
+                        <a:lnSpc>
+                          <a:spcPct val="100000"/>
+                        </a:lnSpc>
+                        <a:spcBef>
+                          <a:spcPts val="0"/>
+                        </a:spcBef>
+                        <a:spcAft>
+                          <a:spcPts val="0"/>
+                        </a:spcAft>
+                        <a:buClrTx/>
+                        <a:buSzTx/>
+                        <a:buFontTx/>
+                        <a:buNone/>
+                        <a:tabLst/>
+                        <a:defRPr/>
+                      </a:pPr>
+                      <a:r>
+                        <a:rPr lang="en-US" altLang="zh-CN" dirty="0"/>
+                        <a:t>1.79 4.31</a:t>
+                      </a:r>
+                      <a:endParaRPr lang="zh-CN" altLang="en-US" dirty="0"/>
+                    </a:p>
+                  </a:txBody>
+                  <a:tcPr/>
+                </a:tc>
+                <a:extLst>
+                  <a:ext uri="{0D108BD9-81ED-4DB2-BD59-A6C34878D82A}">
+                    <a16:rowId xmlns:a16="http://schemas.microsoft.com/office/drawing/2014/main" val="3388028633"/>
+                  </a:ext>
+                </a:extLst>
+              </a:tr>
+              <a:tr h="370840">
+                <a:tc>
+                  <a:txBody>
+                    <a:bodyPr/>
+                    <a:lstStyle/>
+                    <a:p>
+                      <a:pPr algn="ctr"/>
+                      <a:r>
+                        <a:rPr lang="en-US" altLang="zh-CN" dirty="0"/>
+                        <a:t>Median</a:t>
+                      </a:r>
+                      <a:endParaRPr lang="zh-CN" altLang="en-US" dirty="0"/>
+                    </a:p>
+                  </a:txBody>
+                  <a:tcPr/>
+                </a:tc>
+                <a:tc>
+                  <a:txBody>
+                    <a:bodyPr/>
+                    <a:lstStyle/>
+                    <a:p>
+                      <a:pPr marL="0" marR="0" lvl="0" indent="0" algn="ctr" defTabSz="914400" rtl="0" eaLnBrk="1" fontAlgn="auto" latinLnBrk="0" hangingPunct="1">
+                        <a:lnSpc>
+                          <a:spcPct val="100000"/>
+                        </a:lnSpc>
+                        <a:spcBef>
+                          <a:spcPts val="0"/>
+                        </a:spcBef>
+                        <a:spcAft>
+                          <a:spcPts val="0"/>
+                        </a:spcAft>
+                        <a:buClrTx/>
+                        <a:buSzTx/>
+                        <a:buFontTx/>
+                        <a:buNone/>
+                        <a:tabLst/>
+                        <a:defRPr/>
+                      </a:pPr>
+                      <a:r>
+                        <a:rPr lang="en-US" altLang="zh-CN" dirty="0"/>
+                        <a:t>1.42 1.45</a:t>
+                      </a:r>
+                      <a:endParaRPr lang="zh-CN" altLang="en-US" dirty="0"/>
+                    </a:p>
+                  </a:txBody>
+                  <a:tcPr/>
+                </a:tc>
+                <a:tc>
+                  <a:txBody>
+                    <a:bodyPr/>
+                    <a:lstStyle/>
+                    <a:p>
+                      <a:pPr marL="0" marR="0" lvl="0" indent="0" algn="ctr" defTabSz="914400" rtl="0" eaLnBrk="1" fontAlgn="auto" latinLnBrk="0" hangingPunct="1">
+                        <a:lnSpc>
+                          <a:spcPct val="100000"/>
+                        </a:lnSpc>
+                        <a:spcBef>
+                          <a:spcPts val="0"/>
+                        </a:spcBef>
+                        <a:spcAft>
+                          <a:spcPts val="0"/>
+                        </a:spcAft>
+                        <a:buClrTx/>
+                        <a:buSzTx/>
+                        <a:buFontTx/>
+                        <a:buNone/>
+                        <a:tabLst/>
+                        <a:defRPr/>
+                      </a:pPr>
+                      <a:r>
+                        <a:rPr lang="en-US" altLang="zh-CN" dirty="0"/>
+                        <a:t>4.07 4.49</a:t>
                       </a:r>
                       <a:endParaRPr lang="zh-CN" altLang="en-US" dirty="0"/>
                     </a:p>
@@ -8269,10 +9681,26 @@
                     <a:bodyPr/>
                     <a:lstStyle/>
                     <a:p>
-                      <a:pPr algn="ctr"/>
+                      <a:pPr marL="0" marR="0" lvl="0" indent="0" algn="ctr" defTabSz="914400" rtl="0" eaLnBrk="1" fontAlgn="auto" latinLnBrk="0" hangingPunct="1">
+                        <a:lnSpc>
+                          <a:spcPct val="100000"/>
+                        </a:lnSpc>
+                        <a:spcBef>
+                          <a:spcPts val="0"/>
+                        </a:spcBef>
+                        <a:spcAft>
+                          <a:spcPts val="0"/>
+                        </a:spcAft>
+                        <a:buClrTx/>
+                        <a:buSzTx/>
+                        <a:buFontTx/>
+                        <a:buNone/>
+                        <a:tabLst/>
+                        <a:defRPr/>
+                      </a:pPr>
                       <a:r>
                         <a:rPr lang="en-US" altLang="zh-CN" dirty="0"/>
-                        <a:t>1.38</a:t>
+                        <a:t>1.35 1.38</a:t>
                       </a:r>
                       <a:endParaRPr lang="zh-CN" altLang="en-US" dirty="0"/>
                     </a:p>
@@ -8284,10 +9712,26 @@
                     <a:bodyPr/>
                     <a:lstStyle/>
                     <a:p>
-                      <a:pPr algn="ctr"/>
+                      <a:pPr marL="0" marR="0" lvl="0" indent="0" algn="ctr" defTabSz="914400" rtl="0" eaLnBrk="1" fontAlgn="auto" latinLnBrk="0" hangingPunct="1">
+                        <a:lnSpc>
+                          <a:spcPct val="100000"/>
+                        </a:lnSpc>
+                        <a:spcBef>
+                          <a:spcPts val="0"/>
+                        </a:spcBef>
+                        <a:spcAft>
+                          <a:spcPts val="0"/>
+                        </a:spcAft>
+                        <a:buClrTx/>
+                        <a:buSzTx/>
+                        <a:buFontTx/>
+                        <a:buNone/>
+                        <a:tabLst/>
+                        <a:defRPr/>
+                      </a:pPr>
                       <a:r>
                         <a:rPr lang="en-US" altLang="zh-CN" dirty="0"/>
-                        <a:t>4.44</a:t>
+                        <a:t>4.53 4.44</a:t>
                       </a:r>
                       <a:endParaRPr lang="zh-CN" altLang="en-US" dirty="0"/>
                     </a:p>
@@ -8324,7 +9768,7 @@
                       <a:pPr algn="ctr"/>
                       <a:r>
                         <a:rPr lang="en-US" altLang="zh-CN" dirty="0"/>
-                        <a:t>2.74</a:t>
+                        <a:t>2.20 2.74</a:t>
                       </a:r>
                       <a:endParaRPr lang="zh-CN" altLang="en-US" dirty="0"/>
                     </a:p>
@@ -8339,7 +9783,7 @@
                       <a:pPr algn="ctr"/>
                       <a:r>
                         <a:rPr lang="en-US" altLang="zh-CN" dirty="0"/>
-                        <a:t>5.88</a:t>
+                        <a:t>4.85 5.88</a:t>
                       </a:r>
                       <a:endParaRPr lang="zh-CN" altLang="en-US" dirty="0"/>
                     </a:p>
@@ -8376,7 +9820,7 @@
                       <a:pPr algn="ctr"/>
                       <a:r>
                         <a:rPr lang="en-US" altLang="zh-CN" dirty="0"/>
-                        <a:t>-</a:t>
+                        <a:t>--</a:t>
                       </a:r>
                       <a:endParaRPr lang="zh-CN" altLang="en-US" dirty="0"/>
                     </a:p>
@@ -8391,7 +9835,7 @@
                       <a:pPr algn="ctr"/>
                       <a:r>
                         <a:rPr lang="en-US" altLang="zh-CN" dirty="0"/>
-                        <a:t>-</a:t>
+                        <a:t>--</a:t>
                       </a:r>
                       <a:endParaRPr lang="zh-CN" altLang="en-US" dirty="0"/>
                     </a:p>
@@ -8525,8 +9969,8 @@
         </p:nvSpPr>
         <p:spPr>
           <a:xfrm>
-            <a:off x="2064544" y="2606266"/>
-            <a:ext cx="7681913" cy="1754326"/>
+            <a:off x="2135574" y="480861"/>
+            <a:ext cx="7681913" cy="2031325"/>
           </a:xfrm>
           <a:prstGeom prst="rect">
             <a:avLst/>
@@ -8565,10 +10009,487 @@
             <a:endParaRPr lang="en-US" altLang="zh-CN" dirty="0"/>
           </a:p>
           <a:p>
+            <a:r>
+              <a:rPr lang="zh-CN" altLang="en-US" dirty="0"/>
+              <a:t>直接定位而不使用</a:t>
+            </a:r>
+            <a:r>
+              <a:rPr lang="en-US" altLang="zh-CN" dirty="0"/>
+              <a:t>xxx</a:t>
+            </a:r>
+            <a:r>
+              <a:rPr lang="zh-CN" altLang="en-US" dirty="0"/>
+              <a:t>的方法，并不稳健，随着噪声的轻微提升，准确率会大幅度下降</a:t>
+            </a:r>
             <a:endParaRPr lang="en-US" altLang="zh-CN" dirty="0"/>
           </a:p>
           <a:p>
             <a:endParaRPr lang="en-US" altLang="zh-CN" dirty="0"/>
+          </a:p>
+        </p:txBody>
+      </p:sp>
+      <p:graphicFrame>
+        <p:nvGraphicFramePr>
+          <p:cNvPr id="2" name="表格 3">
+            <a:extLst>
+              <a:ext uri="{FF2B5EF4-FFF2-40B4-BE49-F238E27FC236}">
+                <a16:creationId xmlns:a16="http://schemas.microsoft.com/office/drawing/2014/main" id="{FF5A2F4E-179C-87FA-89F5-A96C23526E02}"/>
+              </a:ext>
+            </a:extLst>
+          </p:cNvPr>
+          <p:cNvGraphicFramePr>
+            <a:graphicFrameLocks noGrp="1"/>
+          </p:cNvGraphicFramePr>
+          <p:nvPr>
+            <p:extLst>
+              <p:ext uri="{D42A27DB-BD31-4B8C-83A1-F6EECF244321}">
+                <p14:modId xmlns:p14="http://schemas.microsoft.com/office/powerpoint/2010/main" val="4048597987"/>
+              </p:ext>
+            </p:extLst>
+          </p:nvPr>
+        </p:nvGraphicFramePr>
+        <p:xfrm>
+          <a:off x="1826807" y="2811454"/>
+          <a:ext cx="8127999" cy="1854200"/>
+        </p:xfrm>
+        <a:graphic>
+          <a:graphicData uri="http://schemas.openxmlformats.org/drawingml/2006/table">
+            <a:tbl>
+              <a:tblPr firstRow="1" bandRow="1">
+                <a:tableStyleId>{5C22544A-7EE6-4342-B048-85BDC9FD1C3A}</a:tableStyleId>
+              </a:tblPr>
+              <a:tblGrid>
+                <a:gridCol w="2709333">
+                  <a:extLst>
+                    <a:ext uri="{9D8B030D-6E8A-4147-A177-3AD203B41FA5}">
+                      <a16:colId xmlns:a16="http://schemas.microsoft.com/office/drawing/2014/main" val="2621986043"/>
+                    </a:ext>
+                  </a:extLst>
+                </a:gridCol>
+                <a:gridCol w="2709333">
+                  <a:extLst>
+                    <a:ext uri="{9D8B030D-6E8A-4147-A177-3AD203B41FA5}">
+                      <a16:colId xmlns:a16="http://schemas.microsoft.com/office/drawing/2014/main" val="518921487"/>
+                    </a:ext>
+                  </a:extLst>
+                </a:gridCol>
+                <a:gridCol w="2709333">
+                  <a:extLst>
+                    <a:ext uri="{9D8B030D-6E8A-4147-A177-3AD203B41FA5}">
+                      <a16:colId xmlns:a16="http://schemas.microsoft.com/office/drawing/2014/main" val="843961580"/>
+                    </a:ext>
+                  </a:extLst>
+                </a:gridCol>
+              </a:tblGrid>
+              <a:tr h="370840">
+                <a:tc gridSpan="3">
+                  <a:txBody>
+                    <a:bodyPr/>
+                    <a:lstStyle/>
+                    <a:p>
+                      <a:pPr marL="0" marR="0" lvl="0" indent="0" algn="ctr" defTabSz="914400" rtl="0" eaLnBrk="1" fontAlgn="auto" latinLnBrk="0" hangingPunct="1">
+                        <a:lnSpc>
+                          <a:spcPct val="100000"/>
+                        </a:lnSpc>
+                        <a:spcBef>
+                          <a:spcPts val="0"/>
+                        </a:spcBef>
+                        <a:spcAft>
+                          <a:spcPts val="0"/>
+                        </a:spcAft>
+                        <a:buClrTx/>
+                        <a:buSzTx/>
+                        <a:buFontTx/>
+                        <a:buNone/>
+                        <a:tabLst/>
+                        <a:defRPr/>
+                      </a:pPr>
+                      <a:r>
+                        <a:rPr lang="en-US" altLang="zh-CN" dirty="0"/>
+                        <a:t>No Noise / Noise Level of 0.1</a:t>
+                      </a:r>
+                      <a:endParaRPr lang="zh-CN" altLang="en-US" dirty="0"/>
+                    </a:p>
+                  </a:txBody>
+                  <a:tcPr/>
+                </a:tc>
+                <a:tc hMerge="1">
+                  <a:txBody>
+                    <a:bodyPr/>
+                    <a:lstStyle/>
+                    <a:p>
+                      <a:endParaRPr lang="zh-CN" altLang="en-US" dirty="0"/>
+                    </a:p>
+                  </a:txBody>
+                  <a:tcPr/>
+                </a:tc>
+                <a:tc hMerge="1">
+                  <a:txBody>
+                    <a:bodyPr/>
+                    <a:lstStyle/>
+                    <a:p>
+                      <a:endParaRPr lang="zh-CN" altLang="en-US" dirty="0"/>
+                    </a:p>
+                  </a:txBody>
+                  <a:tcPr/>
+                </a:tc>
+                <a:extLst>
+                  <a:ext uri="{0D108BD9-81ED-4DB2-BD59-A6C34878D82A}">
+                    <a16:rowId xmlns:a16="http://schemas.microsoft.com/office/drawing/2014/main" val="3909774708"/>
+                  </a:ext>
+                </a:extLst>
+              </a:tr>
+              <a:tr h="370840">
+                <a:tc>
+                  <a:txBody>
+                    <a:bodyPr/>
+                    <a:lstStyle/>
+                    <a:p>
+                      <a:pPr algn="ctr"/>
+                      <a:r>
+                        <a:rPr lang="en-US" altLang="zh-CN" dirty="0"/>
+                        <a:t>Method</a:t>
+                      </a:r>
+                      <a:endParaRPr lang="zh-CN" altLang="en-US" dirty="0"/>
+                    </a:p>
+                  </a:txBody>
+                  <a:tcPr/>
+                </a:tc>
+                <a:tc>
+                  <a:txBody>
+                    <a:bodyPr/>
+                    <a:lstStyle/>
+                    <a:p>
+                      <a:pPr algn="ctr"/>
+                      <a:r>
+                        <a:rPr lang="en-US" altLang="zh-CN" dirty="0"/>
+                        <a:t>S Prediction </a:t>
+                      </a:r>
+                      <a:endParaRPr lang="zh-CN" altLang="en-US" dirty="0"/>
+                    </a:p>
+                  </a:txBody>
+                  <a:tcPr/>
+                </a:tc>
+                <a:tc>
+                  <a:txBody>
+                    <a:bodyPr/>
+                    <a:lstStyle/>
+                    <a:p>
+                      <a:pPr algn="ctr"/>
+                      <a:r>
+                        <a:rPr lang="en-US" altLang="zh-CN" dirty="0"/>
+                        <a:t>D Prediction</a:t>
+                      </a:r>
+                      <a:endParaRPr lang="zh-CN" altLang="en-US" dirty="0"/>
+                    </a:p>
+                  </a:txBody>
+                  <a:tcPr/>
+                </a:tc>
+                <a:extLst>
+                  <a:ext uri="{0D108BD9-81ED-4DB2-BD59-A6C34878D82A}">
+                    <a16:rowId xmlns:a16="http://schemas.microsoft.com/office/drawing/2014/main" val="201775595"/>
+                  </a:ext>
+                </a:extLst>
+              </a:tr>
+              <a:tr h="370840">
+                <a:tc>
+                  <a:txBody>
+                    <a:bodyPr/>
+                    <a:lstStyle/>
+                    <a:p>
+                      <a:pPr algn="ctr"/>
+                      <a:r>
+                        <a:rPr lang="en-US" altLang="zh-CN" dirty="0"/>
+                        <a:t>No Template</a:t>
+                      </a:r>
+                      <a:endParaRPr lang="zh-CN" altLang="en-US" dirty="0"/>
+                    </a:p>
+                  </a:txBody>
+                  <a:tcPr/>
+                </a:tc>
+                <a:tc>
+                  <a:txBody>
+                    <a:bodyPr/>
+                    <a:lstStyle/>
+                    <a:p>
+                      <a:pPr marL="0" marR="0" lvl="0" indent="0" algn="ctr" defTabSz="914400" rtl="0" eaLnBrk="1" fontAlgn="auto" latinLnBrk="0" hangingPunct="1">
+                        <a:lnSpc>
+                          <a:spcPct val="100000"/>
+                        </a:lnSpc>
+                        <a:spcBef>
+                          <a:spcPts val="0"/>
+                        </a:spcBef>
+                        <a:spcAft>
+                          <a:spcPts val="0"/>
+                        </a:spcAft>
+                        <a:buClrTx/>
+                        <a:buSzTx/>
+                        <a:buFontTx/>
+                        <a:buNone/>
+                        <a:tabLst/>
+                        <a:defRPr/>
+                      </a:pPr>
+                      <a:r>
+                        <a:rPr lang="en-US" altLang="zh-CN" dirty="0"/>
+                        <a:t>0.79 / 1.64</a:t>
+                      </a:r>
+                      <a:endParaRPr lang="zh-CN" altLang="en-US" dirty="0"/>
+                    </a:p>
+                  </a:txBody>
+                  <a:tcPr/>
+                </a:tc>
+                <a:tc>
+                  <a:txBody>
+                    <a:bodyPr/>
+                    <a:lstStyle/>
+                    <a:p>
+                      <a:pPr marL="0" marR="0" lvl="0" indent="0" algn="ctr" defTabSz="914400" rtl="0" eaLnBrk="1" fontAlgn="auto" latinLnBrk="0" hangingPunct="1">
+                        <a:lnSpc>
+                          <a:spcPct val="100000"/>
+                        </a:lnSpc>
+                        <a:spcBef>
+                          <a:spcPts val="0"/>
+                        </a:spcBef>
+                        <a:spcAft>
+                          <a:spcPts val="0"/>
+                        </a:spcAft>
+                        <a:buClrTx/>
+                        <a:buSzTx/>
+                        <a:buFontTx/>
+                        <a:buNone/>
+                        <a:tabLst/>
+                        <a:defRPr/>
+                      </a:pPr>
+                      <a:r>
+                        <a:rPr lang="en-US" altLang="zh-CN" dirty="0"/>
+                        <a:t>1.79 /4.31</a:t>
+                      </a:r>
+                      <a:endParaRPr lang="zh-CN" altLang="en-US" dirty="0"/>
+                    </a:p>
+                  </a:txBody>
+                  <a:tcPr/>
+                </a:tc>
+                <a:extLst>
+                  <a:ext uri="{0D108BD9-81ED-4DB2-BD59-A6C34878D82A}">
+                    <a16:rowId xmlns:a16="http://schemas.microsoft.com/office/drawing/2014/main" val="3388028633"/>
+                  </a:ext>
+                </a:extLst>
+              </a:tr>
+              <a:tr h="370840">
+                <a:tc>
+                  <a:txBody>
+                    <a:bodyPr/>
+                    <a:lstStyle/>
+                    <a:p>
+                      <a:pPr algn="ctr"/>
+                      <a:r>
+                        <a:rPr lang="en-US" altLang="zh-CN" dirty="0"/>
+                        <a:t>Median</a:t>
+                      </a:r>
+                      <a:endParaRPr lang="zh-CN" altLang="en-US" dirty="0"/>
+                    </a:p>
+                  </a:txBody>
+                  <a:tcPr/>
+                </a:tc>
+                <a:tc>
+                  <a:txBody>
+                    <a:bodyPr/>
+                    <a:lstStyle/>
+                    <a:p>
+                      <a:pPr marL="0" marR="0" lvl="0" indent="0" algn="ctr" defTabSz="914400" rtl="0" eaLnBrk="1" fontAlgn="auto" latinLnBrk="0" hangingPunct="1">
+                        <a:lnSpc>
+                          <a:spcPct val="100000"/>
+                        </a:lnSpc>
+                        <a:spcBef>
+                          <a:spcPts val="0"/>
+                        </a:spcBef>
+                        <a:spcAft>
+                          <a:spcPts val="0"/>
+                        </a:spcAft>
+                        <a:buClrTx/>
+                        <a:buSzTx/>
+                        <a:buFontTx/>
+                        <a:buNone/>
+                        <a:tabLst/>
+                        <a:defRPr/>
+                      </a:pPr>
+                      <a:r>
+                        <a:rPr lang="en-US" altLang="zh-CN" dirty="0"/>
+                        <a:t>1.42 / 1.45</a:t>
+                      </a:r>
+                    </a:p>
+                  </a:txBody>
+                  <a:tcPr/>
+                </a:tc>
+                <a:tc>
+                  <a:txBody>
+                    <a:bodyPr/>
+                    <a:lstStyle/>
+                    <a:p>
+                      <a:pPr marL="0" marR="0" lvl="0" indent="0" algn="ctr" defTabSz="914400" rtl="0" eaLnBrk="1" fontAlgn="auto" latinLnBrk="0" hangingPunct="1">
+                        <a:lnSpc>
+                          <a:spcPct val="100000"/>
+                        </a:lnSpc>
+                        <a:spcBef>
+                          <a:spcPts val="0"/>
+                        </a:spcBef>
+                        <a:spcAft>
+                          <a:spcPts val="0"/>
+                        </a:spcAft>
+                        <a:buClrTx/>
+                        <a:buSzTx/>
+                        <a:buFontTx/>
+                        <a:buNone/>
+                        <a:tabLst/>
+                        <a:defRPr/>
+                      </a:pPr>
+                      <a:r>
+                        <a:rPr lang="en-US" altLang="zh-CN" dirty="0"/>
+                        <a:t>4.07 /4.49</a:t>
+                      </a:r>
+                      <a:endParaRPr lang="zh-CN" altLang="en-US" dirty="0"/>
+                    </a:p>
+                  </a:txBody>
+                  <a:tcPr/>
+                </a:tc>
+                <a:extLst>
+                  <a:ext uri="{0D108BD9-81ED-4DB2-BD59-A6C34878D82A}">
+                    <a16:rowId xmlns:a16="http://schemas.microsoft.com/office/drawing/2014/main" val="2570239062"/>
+                  </a:ext>
+                </a:extLst>
+              </a:tr>
+              <a:tr h="370840">
+                <a:tc>
+                  <a:txBody>
+                    <a:bodyPr/>
+                    <a:lstStyle/>
+                    <a:p>
+                      <a:pPr algn="ctr"/>
+                      <a:r>
+                        <a:rPr lang="en-US" altLang="zh-CN" dirty="0"/>
+                        <a:t>Mean</a:t>
+                      </a:r>
+                      <a:endParaRPr lang="zh-CN" altLang="en-US" dirty="0"/>
+                    </a:p>
+                  </a:txBody>
+                  <a:tcPr/>
+                </a:tc>
+                <a:tc>
+                  <a:txBody>
+                    <a:bodyPr/>
+                    <a:lstStyle/>
+                    <a:p>
+                      <a:pPr marL="0" marR="0" lvl="0" indent="0" algn="ctr" defTabSz="914400" rtl="0" eaLnBrk="1" fontAlgn="auto" latinLnBrk="0" hangingPunct="1">
+                        <a:lnSpc>
+                          <a:spcPct val="100000"/>
+                        </a:lnSpc>
+                        <a:spcBef>
+                          <a:spcPts val="0"/>
+                        </a:spcBef>
+                        <a:spcAft>
+                          <a:spcPts val="0"/>
+                        </a:spcAft>
+                        <a:buClrTx/>
+                        <a:buSzTx/>
+                        <a:buFontTx/>
+                        <a:buNone/>
+                        <a:tabLst/>
+                        <a:defRPr/>
+                      </a:pPr>
+                      <a:r>
+                        <a:rPr lang="en-US" altLang="zh-CN" dirty="0"/>
+                        <a:t>1.35 / 1.38</a:t>
+                      </a:r>
+                      <a:endParaRPr lang="zh-CN" altLang="en-US" dirty="0"/>
+                    </a:p>
+                  </a:txBody>
+                  <a:tcPr/>
+                </a:tc>
+                <a:tc>
+                  <a:txBody>
+                    <a:bodyPr/>
+                    <a:lstStyle/>
+                    <a:p>
+                      <a:pPr marL="0" marR="0" lvl="0" indent="0" algn="ctr" defTabSz="914400" rtl="0" eaLnBrk="1" fontAlgn="auto" latinLnBrk="0" hangingPunct="1">
+                        <a:lnSpc>
+                          <a:spcPct val="100000"/>
+                        </a:lnSpc>
+                        <a:spcBef>
+                          <a:spcPts val="0"/>
+                        </a:spcBef>
+                        <a:spcAft>
+                          <a:spcPts val="0"/>
+                        </a:spcAft>
+                        <a:buClrTx/>
+                        <a:buSzTx/>
+                        <a:buFontTx/>
+                        <a:buNone/>
+                        <a:tabLst/>
+                        <a:defRPr/>
+                      </a:pPr>
+                      <a:r>
+                        <a:rPr lang="en-US" altLang="zh-CN" dirty="0"/>
+                        <a:t>4.53 /4.44</a:t>
+                      </a:r>
+                      <a:endParaRPr lang="zh-CN" altLang="en-US" dirty="0"/>
+                    </a:p>
+                  </a:txBody>
+                  <a:tcPr/>
+                </a:tc>
+                <a:extLst>
+                  <a:ext uri="{0D108BD9-81ED-4DB2-BD59-A6C34878D82A}">
+                    <a16:rowId xmlns:a16="http://schemas.microsoft.com/office/drawing/2014/main" val="2808206082"/>
+                  </a:ext>
+                </a:extLst>
+              </a:tr>
+            </a:tbl>
+          </a:graphicData>
+        </a:graphic>
+      </p:graphicFrame>
+      <p:sp>
+        <p:nvSpPr>
+          <p:cNvPr id="4" name="文本框 3">
+            <a:extLst>
+              <a:ext uri="{FF2B5EF4-FFF2-40B4-BE49-F238E27FC236}">
+                <a16:creationId xmlns:a16="http://schemas.microsoft.com/office/drawing/2014/main" id="{4FC52FFE-002C-B1B8-8CD5-A83E5767F67F}"/>
+              </a:ext>
+            </a:extLst>
+          </p:cNvPr>
+          <p:cNvSpPr txBox="1"/>
+          <p:nvPr/>
+        </p:nvSpPr>
+        <p:spPr>
+          <a:xfrm>
+            <a:off x="2359412" y="5033811"/>
+            <a:ext cx="7681913" cy="369332"/>
+          </a:xfrm>
+          <a:prstGeom prst="rect">
+            <a:avLst/>
+          </a:prstGeom>
+          <a:noFill/>
+        </p:spPr>
+        <p:txBody>
+          <a:bodyPr wrap="square" rtlCol="0">
+            <a:spAutoFit/>
+          </a:bodyPr>
+          <a:lstStyle/>
+          <a:p>
+            <a:r>
+              <a:rPr lang="zh-CN" altLang="en-US" dirty="0"/>
+              <a:t>当</a:t>
+            </a:r>
+            <a:r>
+              <a:rPr lang="en-US" altLang="zh-CN" dirty="0"/>
+              <a:t>Noise level &gt; 0.1, </a:t>
+            </a:r>
+            <a:r>
+              <a:rPr lang="zh-CN" altLang="en-US" dirty="0"/>
+              <a:t>使用</a:t>
+            </a:r>
+            <a:r>
+              <a:rPr lang="en-US" altLang="zh-CN" dirty="0"/>
+              <a:t>Stack</a:t>
+            </a:r>
           </a:p>
         </p:txBody>
       </p:sp>

--- a/Presentation_918_JiayuChen.pptx
+++ b/Presentation_918_JiayuChen.pptx
@@ -5,7 +5,7 @@
     <p:sldMasterId id="2147483648" r:id="rId1"/>
   </p:sldMasterIdLst>
   <p:notesMasterIdLst>
-    <p:notesMasterId r:id="rId18"/>
+    <p:notesMasterId r:id="rId19"/>
   </p:notesMasterIdLst>
   <p:sldIdLst>
     <p:sldId id="256" r:id="rId2"/>
@@ -23,7 +23,8 @@
     <p:sldId id="346" r:id="rId14"/>
     <p:sldId id="347" r:id="rId15"/>
     <p:sldId id="323" r:id="rId16"/>
-    <p:sldId id="263" r:id="rId17"/>
+    <p:sldId id="348" r:id="rId17"/>
+    <p:sldId id="263" r:id="rId18"/>
   </p:sldIdLst>
   <p:sldSz cx="12192000" cy="6858000"/>
   <p:notesSz cx="6858000" cy="9144000"/>
@@ -1157,7 +1158,7 @@
           <a:bodyPr/>
           <a:lstStyle/>
           <a:p>
-            <a:endParaRPr lang="zh-CN" altLang="en-US" dirty="0"/>
+            <a:endParaRPr lang="en-US" altLang="zh-CN" dirty="0"/>
           </a:p>
         </p:txBody>
       </p:sp>
@@ -1179,6 +1180,90 @@
             <a:fld id="{E39FA662-60CA-45D5-8BB1-0A7D21FB8FF0}" type="slidenum">
               <a:rPr lang="zh-CN" altLang="en-US" smtClean="0"/>
               <a:t>16</a:t>
+            </a:fld>
+            <a:endParaRPr lang="zh-CN" altLang="en-US"/>
+          </a:p>
+        </p:txBody>
+      </p:sp>
+    </p:spTree>
+    <p:extLst>
+      <p:ext uri="{BB962C8B-B14F-4D97-AF65-F5344CB8AC3E}">
+        <p14:creationId xmlns:p14="http://schemas.microsoft.com/office/powerpoint/2010/main" val="3040035200"/>
+      </p:ext>
+    </p:extLst>
+  </p:cSld>
+  <p:clrMapOvr>
+    <a:masterClrMapping/>
+  </p:clrMapOvr>
+</p:notes>
+</file>
+
+<file path=ppt/notesSlides/notesSlide17.xml><?xml version="1.0" encoding="utf-8"?>
+<p:notes xmlns:a="http://schemas.openxmlformats.org/drawingml/2006/main" xmlns:r="http://schemas.openxmlformats.org/officeDocument/2006/relationships" xmlns:p="http://schemas.openxmlformats.org/presentationml/2006/main">
+  <p:cSld>
+    <p:spTree>
+      <p:nvGrpSpPr>
+        <p:cNvPr id="1" name=""/>
+        <p:cNvGrpSpPr/>
+        <p:nvPr/>
+      </p:nvGrpSpPr>
+      <p:grpSpPr>
+        <a:xfrm>
+          <a:off x="0" y="0"/>
+          <a:ext cx="0" cy="0"/>
+          <a:chOff x="0" y="0"/>
+          <a:chExt cx="0" cy="0"/>
+        </a:xfrm>
+      </p:grpSpPr>
+      <p:sp>
+        <p:nvSpPr>
+          <p:cNvPr id="2" name="幻灯片图像占位符 1"/>
+          <p:cNvSpPr>
+            <a:spLocks noGrp="1" noRot="1" noChangeAspect="1"/>
+          </p:cNvSpPr>
+          <p:nvPr>
+            <p:ph type="sldImg"/>
+          </p:nvPr>
+        </p:nvSpPr>
+        <p:spPr/>
+      </p:sp>
+      <p:sp>
+        <p:nvSpPr>
+          <p:cNvPr id="3" name="备注占位符 2"/>
+          <p:cNvSpPr>
+            <a:spLocks noGrp="1"/>
+          </p:cNvSpPr>
+          <p:nvPr>
+            <p:ph type="body" idx="1"/>
+          </p:nvPr>
+        </p:nvSpPr>
+        <p:spPr/>
+        <p:txBody>
+          <a:bodyPr/>
+          <a:lstStyle/>
+          <a:p>
+            <a:endParaRPr lang="zh-CN" altLang="en-US" dirty="0"/>
+          </a:p>
+        </p:txBody>
+      </p:sp>
+      <p:sp>
+        <p:nvSpPr>
+          <p:cNvPr id="4" name="灯片编号占位符 3"/>
+          <p:cNvSpPr>
+            <a:spLocks noGrp="1"/>
+          </p:cNvSpPr>
+          <p:nvPr>
+            <p:ph type="sldNum" sz="quarter" idx="5"/>
+          </p:nvPr>
+        </p:nvSpPr>
+        <p:spPr/>
+        <p:txBody>
+          <a:bodyPr/>
+          <a:lstStyle/>
+          <a:p>
+            <a:fld id="{E39FA662-60CA-45D5-8BB1-0A7D21FB8FF0}" type="slidenum">
+              <a:rPr lang="zh-CN" altLang="en-US" smtClean="0"/>
+              <a:t>17</a:t>
             </a:fld>
             <a:endParaRPr lang="zh-CN" altLang="en-US"/>
           </a:p>
@@ -1669,6 +1754,41 @@
         <p:txBody>
           <a:bodyPr/>
           <a:lstStyle/>
+          <a:p>
+            <a:r>
+              <a:rPr lang="en-US" altLang="zh-CN" dirty="0"/>
+              <a:t>We can see that the noise in the echo is very high, making it nearly impossible for us to effectively identify the major peaks and perform meaningful segmentation.</a:t>
+            </a:r>
+          </a:p>
+          <a:p>
+            <a:endParaRPr lang="en-US" altLang="zh-CN" dirty="0"/>
+          </a:p>
+          <a:p>
+            <a:r>
+              <a:rPr lang="en-US" altLang="zh-CN" dirty="0"/>
+              <a:t>However, once we perform autoregression, we find that the peaks of  auto </a:t>
+            </a:r>
+            <a:r>
+              <a:rPr lang="en-US" altLang="zh-CN" dirty="0" err="1"/>
+              <a:t>corrolation</a:t>
+            </a:r>
+            <a:r>
+              <a:rPr lang="en-US" altLang="zh-CN" dirty="0"/>
+              <a:t> of Noisy SCG signal is aligned with these of Clean signals.</a:t>
+            </a:r>
+          </a:p>
+          <a:p>
+            <a:endParaRPr lang="en-US" altLang="zh-CN" dirty="0"/>
+          </a:p>
+          <a:p>
+            <a:r>
+              <a:rPr lang="en-US" altLang="zh-CN" dirty="0"/>
+              <a:t>Then, we can get the envelope of Autocorrelation. Finally, peaks detection can help us find the location of large peaks.</a:t>
+            </a:r>
+          </a:p>
+          <a:p>
+            <a:endParaRPr lang="en-US" altLang="zh-CN" dirty="0"/>
+          </a:p>
           <a:p>
             <a:endParaRPr lang="en-US" altLang="zh-CN" dirty="0"/>
           </a:p>
@@ -5182,7 +5302,7 @@
                 <a:latin typeface="Consolas" panose="020B0609020204030204" pitchFamily="49" charset="0"/>
                 <a:cs typeface="Times New Roman" panose="02020603050405020304" pitchFamily="18" charset="0"/>
               </a:rPr>
-              <a:t>2023.9.11</a:t>
+              <a:t>2023.9.18</a:t>
             </a:r>
           </a:p>
         </p:txBody>
@@ -5217,79 +5337,6 @@
           <a:chExt cx="0" cy="0"/>
         </a:xfrm>
       </p:grpSpPr>
-      <p:sp>
-        <p:nvSpPr>
-          <p:cNvPr id="55" name="文本框 54">
-            <a:extLst>
-              <a:ext uri="{FF2B5EF4-FFF2-40B4-BE49-F238E27FC236}">
-                <a16:creationId xmlns:a16="http://schemas.microsoft.com/office/drawing/2014/main" id="{32A2BE86-86A6-F1FC-83EE-91A826B532E5}"/>
-              </a:ext>
-            </a:extLst>
-          </p:cNvPr>
-          <p:cNvSpPr txBox="1"/>
-          <p:nvPr/>
-        </p:nvSpPr>
-        <p:spPr>
-          <a:xfrm>
-            <a:off x="609599" y="106251"/>
-            <a:ext cx="5382827" cy="461665"/>
-          </a:xfrm>
-          <a:prstGeom prst="rect">
-            <a:avLst/>
-          </a:prstGeom>
-          <a:noFill/>
-        </p:spPr>
-        <p:txBody>
-          <a:bodyPr wrap="square" rtlCol="0">
-            <a:spAutoFit/>
-          </a:bodyPr>
-          <a:lstStyle>
-            <a:defPPr>
-              <a:defRPr lang="zh-CN"/>
-            </a:defPPr>
-            <a:lvl1pPr>
-              <a:defRPr sz="2400">
-                <a:latin typeface="Consolas" panose="020B0609020204030204" pitchFamily="49" charset="0"/>
-                <a:cs typeface="Times New Roman" panose="02020603050405020304" pitchFamily="18" charset="0"/>
-              </a:defRPr>
-            </a:lvl1pPr>
-          </a:lstStyle>
-          <a:p>
-            <a:r>
-              <a:rPr lang="en-US" altLang="zh-CN" dirty="0"/>
-              <a:t>Work_3: </a:t>
-            </a:r>
-            <a:r>
-              <a:rPr lang="en-US" altLang="zh-CN" sz="1400" dirty="0"/>
-              <a:t>Remove</a:t>
-            </a:r>
-            <a:r>
-              <a:rPr lang="zh-CN" altLang="en-US" sz="1400" dirty="0"/>
-              <a:t> </a:t>
-            </a:r>
-            <a:r>
-              <a:rPr lang="en-US" altLang="zh-CN" sz="1400" dirty="0"/>
-              <a:t>Normal</a:t>
-            </a:r>
-            <a:r>
-              <a:rPr lang="zh-CN" altLang="en-US" sz="1400" dirty="0"/>
-              <a:t> </a:t>
-            </a:r>
-            <a:r>
-              <a:rPr lang="en-US" altLang="zh-CN" sz="1400" dirty="0"/>
-              <a:t>Nosie</a:t>
-            </a:r>
-            <a:r>
-              <a:rPr lang="zh-CN" altLang="en-US" sz="1400" dirty="0"/>
-              <a:t> </a:t>
-            </a:r>
-            <a:r>
-              <a:rPr lang="en-US" altLang="zh-CN" sz="1400" dirty="0"/>
-              <a:t>and respiratory</a:t>
-            </a:r>
-          </a:p>
-        </p:txBody>
-      </p:sp>
       <p:graphicFrame>
         <p:nvGraphicFramePr>
           <p:cNvPr id="2" name="表格 3">
@@ -5305,14 +5352,14 @@
           <p:nvPr>
             <p:extLst>
               <p:ext uri="{D42A27DB-BD31-4B8C-83A1-F6EECF244321}">
-                <p14:modId xmlns:p14="http://schemas.microsoft.com/office/powerpoint/2010/main" val="1289552611"/>
+                <p14:modId xmlns:p14="http://schemas.microsoft.com/office/powerpoint/2010/main" val="1519811204"/>
               </p:ext>
             </p:extLst>
           </p:nvPr>
         </p:nvGraphicFramePr>
         <p:xfrm>
           <a:off x="99606" y="640653"/>
-          <a:ext cx="8127999" cy="1854200"/>
+          <a:ext cx="7525083" cy="1854200"/>
         </p:xfrm>
         <a:graphic>
           <a:graphicData uri="http://schemas.openxmlformats.org/drawingml/2006/table">
@@ -5321,21 +5368,21 @@
                 <a:tableStyleId>{5C22544A-7EE6-4342-B048-85BDC9FD1C3A}</a:tableStyleId>
               </a:tblPr>
               <a:tblGrid>
-                <a:gridCol w="2709333">
+                <a:gridCol w="2508361">
                   <a:extLst>
                     <a:ext uri="{9D8B030D-6E8A-4147-A177-3AD203B41FA5}">
                       <a16:colId xmlns:a16="http://schemas.microsoft.com/office/drawing/2014/main" val="2621986043"/>
                     </a:ext>
                   </a:extLst>
                 </a:gridCol>
-                <a:gridCol w="2551408">
+                <a:gridCol w="2362150">
                   <a:extLst>
                     <a:ext uri="{9D8B030D-6E8A-4147-A177-3AD203B41FA5}">
                       <a16:colId xmlns:a16="http://schemas.microsoft.com/office/drawing/2014/main" val="518921487"/>
                     </a:ext>
                   </a:extLst>
                 </a:gridCol>
-                <a:gridCol w="2867258">
+                <a:gridCol w="2654572">
                   <a:extLst>
                     <a:ext uri="{9D8B030D-6E8A-4147-A177-3AD203B41FA5}">
                       <a16:colId xmlns:a16="http://schemas.microsoft.com/office/drawing/2014/main" val="843961580"/>
@@ -5737,6 +5784,12 @@
           <a:prstGeom prst="rect">
             <a:avLst/>
           </a:prstGeom>
+          <a:noFill/>
+          <a:ln>
+            <a:solidFill>
+              <a:schemeClr val="tx1"/>
+            </a:solidFill>
+          </a:ln>
         </p:spPr>
         <p:style>
           <a:lnRef idx="2">
@@ -5777,8 +5830,8 @@
         </p:nvSpPr>
         <p:spPr>
           <a:xfrm>
-            <a:off x="8375649" y="1017525"/>
-            <a:ext cx="3816351" cy="1477328"/>
+            <a:off x="7814603" y="829089"/>
+            <a:ext cx="4277791" cy="1477328"/>
           </a:xfrm>
           <a:prstGeom prst="rect">
             <a:avLst/>
@@ -5793,7 +5846,56 @@
           <a:p>
             <a:r>
               <a:rPr lang="en-US" altLang="zh-CN" dirty="0"/>
-              <a:t>Why does common methods of obtaining the template result in poor performance for S and D prediction, even in noise-free signals?</a:t>
+              <a:t>Why does common methods of obtaining the template result in poor performances for S and D prediction, even in noise-free signals?</a:t>
+            </a:r>
+          </a:p>
+        </p:txBody>
+      </p:sp>
+      <p:sp>
+        <p:nvSpPr>
+          <p:cNvPr id="3" name="文本框 2">
+            <a:extLst>
+              <a:ext uri="{FF2B5EF4-FFF2-40B4-BE49-F238E27FC236}">
+                <a16:creationId xmlns:a16="http://schemas.microsoft.com/office/drawing/2014/main" id="{C0C6F071-5A00-42B0-AAD5-FE3632B74030}"/>
+              </a:ext>
+            </a:extLst>
+          </p:cNvPr>
+          <p:cNvSpPr txBox="1"/>
+          <p:nvPr/>
+        </p:nvSpPr>
+        <p:spPr>
+          <a:xfrm>
+            <a:off x="609599" y="106251"/>
+            <a:ext cx="5382827" cy="461665"/>
+          </a:xfrm>
+          <a:prstGeom prst="rect">
+            <a:avLst/>
+          </a:prstGeom>
+          <a:noFill/>
+        </p:spPr>
+        <p:txBody>
+          <a:bodyPr wrap="square" rtlCol="0">
+            <a:spAutoFit/>
+          </a:bodyPr>
+          <a:lstStyle>
+            <a:defPPr>
+              <a:defRPr lang="zh-CN"/>
+            </a:defPPr>
+            <a:lvl1pPr>
+              <a:defRPr sz="2400">
+                <a:latin typeface="Consolas" panose="020B0609020204030204" pitchFamily="49" charset="0"/>
+                <a:cs typeface="Times New Roman" panose="02020603050405020304" pitchFamily="18" charset="0"/>
+              </a:defRPr>
+            </a:lvl1pPr>
+          </a:lstStyle>
+          <a:p>
+            <a:r>
+              <a:rPr lang="en-US" altLang="zh-CN" dirty="0"/>
+              <a:t>Work_3: </a:t>
+            </a:r>
+            <a:r>
+              <a:rPr lang="en-US" altLang="zh-CN" sz="1400" dirty="0"/>
+              <a:t>Obtaining Template</a:t>
             </a:r>
           </a:p>
         </p:txBody>
@@ -5828,79 +5930,6 @@
           <a:chExt cx="0" cy="0"/>
         </a:xfrm>
       </p:grpSpPr>
-      <p:sp>
-        <p:nvSpPr>
-          <p:cNvPr id="55" name="文本框 54">
-            <a:extLst>
-              <a:ext uri="{FF2B5EF4-FFF2-40B4-BE49-F238E27FC236}">
-                <a16:creationId xmlns:a16="http://schemas.microsoft.com/office/drawing/2014/main" id="{32A2BE86-86A6-F1FC-83EE-91A826B532E5}"/>
-              </a:ext>
-            </a:extLst>
-          </p:cNvPr>
-          <p:cNvSpPr txBox="1"/>
-          <p:nvPr/>
-        </p:nvSpPr>
-        <p:spPr>
-          <a:xfrm>
-            <a:off x="609599" y="106251"/>
-            <a:ext cx="5382827" cy="461665"/>
-          </a:xfrm>
-          <a:prstGeom prst="rect">
-            <a:avLst/>
-          </a:prstGeom>
-          <a:noFill/>
-        </p:spPr>
-        <p:txBody>
-          <a:bodyPr wrap="square" rtlCol="0">
-            <a:spAutoFit/>
-          </a:bodyPr>
-          <a:lstStyle>
-            <a:defPPr>
-              <a:defRPr lang="zh-CN"/>
-            </a:defPPr>
-            <a:lvl1pPr>
-              <a:defRPr sz="2400">
-                <a:latin typeface="Consolas" panose="020B0609020204030204" pitchFamily="49" charset="0"/>
-                <a:cs typeface="Times New Roman" panose="02020603050405020304" pitchFamily="18" charset="0"/>
-              </a:defRPr>
-            </a:lvl1pPr>
-          </a:lstStyle>
-          <a:p>
-            <a:r>
-              <a:rPr lang="en-US" altLang="zh-CN" dirty="0"/>
-              <a:t>Work_3: </a:t>
-            </a:r>
-            <a:r>
-              <a:rPr lang="en-US" altLang="zh-CN" sz="1400" dirty="0"/>
-              <a:t>Remove</a:t>
-            </a:r>
-            <a:r>
-              <a:rPr lang="zh-CN" altLang="en-US" sz="1400" dirty="0"/>
-              <a:t> </a:t>
-            </a:r>
-            <a:r>
-              <a:rPr lang="en-US" altLang="zh-CN" sz="1400" dirty="0"/>
-              <a:t>Normal</a:t>
-            </a:r>
-            <a:r>
-              <a:rPr lang="zh-CN" altLang="en-US" sz="1400" dirty="0"/>
-              <a:t> </a:t>
-            </a:r>
-            <a:r>
-              <a:rPr lang="en-US" altLang="zh-CN" sz="1400" dirty="0"/>
-              <a:t>Nosie</a:t>
-            </a:r>
-            <a:r>
-              <a:rPr lang="zh-CN" altLang="en-US" sz="1400" dirty="0"/>
-              <a:t> </a:t>
-            </a:r>
-            <a:r>
-              <a:rPr lang="en-US" altLang="zh-CN" sz="1400" dirty="0"/>
-              <a:t>and respiratory</a:t>
-            </a:r>
-          </a:p>
-        </p:txBody>
-      </p:sp>
       <p:graphicFrame>
         <p:nvGraphicFramePr>
           <p:cNvPr id="2" name="表格 3">
@@ -5916,13 +5945,13 @@
           <p:nvPr>
             <p:extLst>
               <p:ext uri="{D42A27DB-BD31-4B8C-83A1-F6EECF244321}">
-                <p14:modId xmlns:p14="http://schemas.microsoft.com/office/powerpoint/2010/main" val="2360273833"/>
+                <p14:modId xmlns:p14="http://schemas.microsoft.com/office/powerpoint/2010/main" val="922595192"/>
               </p:ext>
             </p:extLst>
           </p:nvPr>
         </p:nvGraphicFramePr>
         <p:xfrm>
-          <a:off x="1858964" y="614347"/>
+          <a:off x="1928426" y="971535"/>
           <a:ext cx="8127999" cy="1849120"/>
         </p:xfrm>
         <a:graphic>
@@ -6359,7 +6388,7 @@
           <a:p>
             <a:r>
               <a:rPr lang="en-US" altLang="zh-CN" dirty="0"/>
-              <a:t>The K-shape algorithm generates a new signal during clustering. The issue lies in the clustering process rather than the underlying Time-Warping concept. </a:t>
+              <a:t>The K-shape algorithm generates a new signal during clustering. The issue lies in the clustering rather than the underlying Time-Warping concept. </a:t>
             </a:r>
           </a:p>
           <a:p>
@@ -6369,6 +6398,55 @@
             <a:r>
               <a:rPr lang="en-US" altLang="zh-CN" dirty="0"/>
               <a:t>We should consider discarding clustering and focus on researching how to apply Time-Warping effectively.</a:t>
+            </a:r>
+          </a:p>
+        </p:txBody>
+      </p:sp>
+      <p:sp>
+        <p:nvSpPr>
+          <p:cNvPr id="3" name="文本框 2">
+            <a:extLst>
+              <a:ext uri="{FF2B5EF4-FFF2-40B4-BE49-F238E27FC236}">
+                <a16:creationId xmlns:a16="http://schemas.microsoft.com/office/drawing/2014/main" id="{76C70534-A73B-D60A-35C0-919FBC370C39}"/>
+              </a:ext>
+            </a:extLst>
+          </p:cNvPr>
+          <p:cNvSpPr txBox="1"/>
+          <p:nvPr/>
+        </p:nvSpPr>
+        <p:spPr>
+          <a:xfrm>
+            <a:off x="609599" y="106251"/>
+            <a:ext cx="5382827" cy="461665"/>
+          </a:xfrm>
+          <a:prstGeom prst="rect">
+            <a:avLst/>
+          </a:prstGeom>
+          <a:noFill/>
+        </p:spPr>
+        <p:txBody>
+          <a:bodyPr wrap="square" rtlCol="0">
+            <a:spAutoFit/>
+          </a:bodyPr>
+          <a:lstStyle>
+            <a:defPPr>
+              <a:defRPr lang="zh-CN"/>
+            </a:defPPr>
+            <a:lvl1pPr>
+              <a:defRPr sz="2400">
+                <a:latin typeface="Consolas" panose="020B0609020204030204" pitchFamily="49" charset="0"/>
+                <a:cs typeface="Times New Roman" panose="02020603050405020304" pitchFamily="18" charset="0"/>
+              </a:defRPr>
+            </a:lvl1pPr>
+          </a:lstStyle>
+          <a:p>
+            <a:r>
+              <a:rPr lang="en-US" altLang="zh-CN" dirty="0"/>
+              <a:t>Work_3: </a:t>
+            </a:r>
+            <a:r>
+              <a:rPr lang="en-US" altLang="zh-CN" sz="1400" dirty="0"/>
+              <a:t>Obtaining Template</a:t>
             </a:r>
           </a:p>
         </p:txBody>
@@ -6405,10 +6483,179 @@
       </p:grpSpPr>
       <p:sp>
         <p:nvSpPr>
-          <p:cNvPr id="55" name="文本框 54">
-            <a:extLst>
-              <a:ext uri="{FF2B5EF4-FFF2-40B4-BE49-F238E27FC236}">
-                <a16:creationId xmlns:a16="http://schemas.microsoft.com/office/drawing/2014/main" id="{32A2BE86-86A6-F1FC-83EE-91A826B532E5}"/>
+          <p:cNvPr id="6" name="文本框 5">
+            <a:extLst>
+              <a:ext uri="{FF2B5EF4-FFF2-40B4-BE49-F238E27FC236}">
+                <a16:creationId xmlns:a16="http://schemas.microsoft.com/office/drawing/2014/main" id="{CB57B3DA-EA77-30D0-42EE-7EE902C6E4E9}"/>
+              </a:ext>
+            </a:extLst>
+          </p:cNvPr>
+          <p:cNvSpPr txBox="1"/>
+          <p:nvPr/>
+        </p:nvSpPr>
+        <p:spPr>
+          <a:xfrm>
+            <a:off x="6391276" y="418062"/>
+            <a:ext cx="5453061" cy="5632311"/>
+          </a:xfrm>
+          <a:prstGeom prst="rect">
+            <a:avLst/>
+          </a:prstGeom>
+          <a:noFill/>
+        </p:spPr>
+        <p:txBody>
+          <a:bodyPr wrap="square" rtlCol="0">
+            <a:spAutoFit/>
+          </a:bodyPr>
+          <a:lstStyle/>
+          <a:p>
+            <a:r>
+              <a:rPr lang="en-US" altLang="zh-CN" b="1" dirty="0"/>
+              <a:t>What features should a good algorithm for obtaining a template have?</a:t>
+            </a:r>
+          </a:p>
+          <a:p>
+            <a:endParaRPr lang="en-US" altLang="zh-CN" b="1" dirty="0"/>
+          </a:p>
+          <a:p>
+            <a:r>
+              <a:rPr lang="en-US" altLang="zh-CN" b="1" dirty="0"/>
+              <a:t>Feature 1</a:t>
+            </a:r>
+            <a:r>
+              <a:rPr lang="en-US" altLang="zh-CN" dirty="0"/>
+              <a:t>: The highest points of both large and small peaks for each piece should be aligned after applying the algorithm.</a:t>
+            </a:r>
+          </a:p>
+          <a:p>
+            <a:endParaRPr lang="en-US" altLang="zh-CN" dirty="0"/>
+          </a:p>
+          <a:p>
+            <a:r>
+              <a:rPr lang="en-US" altLang="zh-CN" b="1" dirty="0"/>
+              <a:t>Feature 2</a:t>
+            </a:r>
+            <a:r>
+              <a:rPr lang="en-US" altLang="zh-CN" dirty="0"/>
+              <a:t>: The distance between two peaks of the standard template should be the rounded average of distances between two peaks for all pieces.</a:t>
+            </a:r>
+          </a:p>
+          <a:p>
+            <a:endParaRPr lang="en-US" altLang="zh-CN" dirty="0"/>
+          </a:p>
+          <a:p>
+            <a:r>
+              <a:rPr lang="en-US" altLang="zh-CN" b="1" dirty="0"/>
+              <a:t>Feature</a:t>
+            </a:r>
+            <a:r>
+              <a:rPr lang="zh-CN" altLang="en-US" b="1" dirty="0"/>
+              <a:t> </a:t>
+            </a:r>
+            <a:r>
+              <a:rPr lang="en-US" altLang="zh-CN" b="1" dirty="0"/>
+              <a:t>3</a:t>
+            </a:r>
+            <a:r>
+              <a:rPr lang="en-US" altLang="zh-CN" dirty="0"/>
+              <a:t>: The ability to handle time shifts (possibly essential in real data but less critical in simulated signals).</a:t>
+            </a:r>
+          </a:p>
+          <a:p>
+            <a:endParaRPr lang="en-US" altLang="zh-CN" dirty="0"/>
+          </a:p>
+          <a:p>
+            <a:r>
+              <a:rPr lang="en-US" altLang="zh-CN" dirty="0"/>
+              <a:t>The primary focus of research should indeed be on </a:t>
+            </a:r>
+            <a:r>
+              <a:rPr lang="en-US" altLang="zh-CN" b="1" dirty="0"/>
+              <a:t>Time Warping </a:t>
+            </a:r>
+            <a:r>
+              <a:rPr lang="en-US" altLang="zh-CN" dirty="0"/>
+              <a:t>to get perfect template of SCG signals.</a:t>
+            </a:r>
+          </a:p>
+        </p:txBody>
+      </p:sp>
+      <p:pic>
+        <p:nvPicPr>
+          <p:cNvPr id="2" name="图片 1">
+            <a:extLst>
+              <a:ext uri="{FF2B5EF4-FFF2-40B4-BE49-F238E27FC236}">
+                <a16:creationId xmlns:a16="http://schemas.microsoft.com/office/drawing/2014/main" id="{0A4D642C-9BAB-C695-348A-3425F89A7A3F}"/>
+              </a:ext>
+            </a:extLst>
+          </p:cNvPr>
+          <p:cNvPicPr>
+            <a:picLocks noChangeAspect="1"/>
+          </p:cNvPicPr>
+          <p:nvPr/>
+        </p:nvPicPr>
+        <p:blipFill rotWithShape="1">
+          <a:blip r:embed="rId3">
+            <a:extLst>
+              <a:ext uri="{28A0092B-C50C-407E-A947-70E740481C1C}">
+                <a14:useLocalDpi xmlns:a14="http://schemas.microsoft.com/office/drawing/2010/main" val="0"/>
+              </a:ext>
+            </a:extLst>
+          </a:blip>
+          <a:srcRect l="8366" t="1824" r="8366"/>
+          <a:stretch/>
+        </p:blipFill>
+        <p:spPr>
+          <a:xfrm>
+            <a:off x="152399" y="3515631"/>
+            <a:ext cx="5700713" cy="2693193"/>
+          </a:xfrm>
+          <a:prstGeom prst="rect">
+            <a:avLst/>
+          </a:prstGeom>
+        </p:spPr>
+      </p:pic>
+      <p:pic>
+        <p:nvPicPr>
+          <p:cNvPr id="3" name="图片 2">
+            <a:extLst>
+              <a:ext uri="{FF2B5EF4-FFF2-40B4-BE49-F238E27FC236}">
+                <a16:creationId xmlns:a16="http://schemas.microsoft.com/office/drawing/2014/main" id="{385B2939-9B1A-831C-56E0-4FB6DE1A9143}"/>
+              </a:ext>
+            </a:extLst>
+          </p:cNvPr>
+          <p:cNvPicPr>
+            <a:picLocks noChangeAspect="1"/>
+          </p:cNvPicPr>
+          <p:nvPr/>
+        </p:nvPicPr>
+        <p:blipFill rotWithShape="1">
+          <a:blip r:embed="rId4">
+            <a:extLst>
+              <a:ext uri="{28A0092B-C50C-407E-A947-70E740481C1C}">
+                <a14:useLocalDpi xmlns:a14="http://schemas.microsoft.com/office/drawing/2010/main" val="0"/>
+              </a:ext>
+            </a:extLst>
+          </a:blip>
+          <a:srcRect l="8069" t="52719" r="8150" b="5674"/>
+          <a:stretch/>
+        </p:blipFill>
+        <p:spPr>
+          <a:xfrm>
+            <a:off x="152400" y="914400"/>
+            <a:ext cx="5700713" cy="2427969"/>
+          </a:xfrm>
+          <a:prstGeom prst="rect">
+            <a:avLst/>
+          </a:prstGeom>
+        </p:spPr>
+      </p:pic>
+      <p:sp>
+        <p:nvSpPr>
+          <p:cNvPr id="4" name="文本框 3">
+            <a:extLst>
+              <a:ext uri="{FF2B5EF4-FFF2-40B4-BE49-F238E27FC236}">
+                <a16:creationId xmlns:a16="http://schemas.microsoft.com/office/drawing/2014/main" id="{F46A60DB-76E0-1A8D-37CB-7F58BF45E21F}"/>
               </a:ext>
             </a:extLst>
           </p:cNvPr>
@@ -6447,175 +6694,361 @@
             </a:r>
             <a:r>
               <a:rPr lang="en-US" altLang="zh-CN" sz="1400" dirty="0"/>
-              <a:t>Remove</a:t>
-            </a:r>
-            <a:r>
-              <a:rPr lang="zh-CN" altLang="en-US" sz="1400" dirty="0"/>
-              <a:t> </a:t>
-            </a:r>
-            <a:r>
-              <a:rPr lang="en-US" altLang="zh-CN" sz="1400" dirty="0"/>
-              <a:t>Normal</a:t>
-            </a:r>
-            <a:r>
-              <a:rPr lang="zh-CN" altLang="en-US" sz="1400" dirty="0"/>
-              <a:t> </a:t>
-            </a:r>
-            <a:r>
-              <a:rPr lang="en-US" altLang="zh-CN" sz="1400" dirty="0"/>
-              <a:t>Nosie</a:t>
-            </a:r>
-            <a:r>
-              <a:rPr lang="zh-CN" altLang="en-US" sz="1400" dirty="0"/>
-              <a:t> </a:t>
-            </a:r>
-            <a:r>
-              <a:rPr lang="en-US" altLang="zh-CN" sz="1400" dirty="0"/>
-              <a:t>and respiratory</a:t>
-            </a:r>
-          </a:p>
-        </p:txBody>
-      </p:sp>
-      <p:sp>
-        <p:nvSpPr>
-          <p:cNvPr id="6" name="文本框 5">
-            <a:extLst>
-              <a:ext uri="{FF2B5EF4-FFF2-40B4-BE49-F238E27FC236}">
-                <a16:creationId xmlns:a16="http://schemas.microsoft.com/office/drawing/2014/main" id="{CB57B3DA-EA77-30D0-42EE-7EE902C6E4E9}"/>
-              </a:ext>
-            </a:extLst>
-          </p:cNvPr>
-          <p:cNvSpPr txBox="1"/>
+              <a:t>Obtaining Template</a:t>
+            </a:r>
+          </a:p>
+        </p:txBody>
+      </p:sp>
+      <p:cxnSp>
+        <p:nvCxnSpPr>
+          <p:cNvPr id="7" name="直接箭头连接符 6">
+            <a:extLst>
+              <a:ext uri="{FF2B5EF4-FFF2-40B4-BE49-F238E27FC236}">
+                <a16:creationId xmlns:a16="http://schemas.microsoft.com/office/drawing/2014/main" id="{AA79CCAC-3E6C-C981-A276-CDDEE553D7B8}"/>
+              </a:ext>
+            </a:extLst>
+          </p:cNvPr>
+          <p:cNvCxnSpPr>
+            <a:cxnSpLocks/>
+          </p:cNvCxnSpPr>
           <p:nvPr/>
-        </p:nvSpPr>
+        </p:nvCxnSpPr>
         <p:spPr>
           <a:xfrm>
-            <a:off x="6410326" y="1657348"/>
-            <a:ext cx="5391150" cy="4801314"/>
+            <a:off x="3614739" y="1314450"/>
+            <a:ext cx="0" cy="521494"/>
           </a:xfrm>
-          <a:prstGeom prst="rect">
+          <a:prstGeom prst="straightConnector1">
             <a:avLst/>
           </a:prstGeom>
-          <a:noFill/>
+          <a:ln w="12700">
+            <a:solidFill>
+              <a:srgbClr val="C00000"/>
+            </a:solidFill>
+            <a:tailEnd type="triangle"/>
+          </a:ln>
         </p:spPr>
-        <p:txBody>
-          <a:bodyPr wrap="square" rtlCol="0">
-            <a:spAutoFit/>
-          </a:bodyPr>
-          <a:lstStyle/>
-          <a:p>
-            <a:r>
-              <a:rPr lang="en-US" altLang="zh-CN" dirty="0"/>
-              <a:t>Feature 1: The highest points of both the major and minor peaks for each piece should align after applying the algorithm.</a:t>
-            </a:r>
-          </a:p>
-          <a:p>
-            <a:endParaRPr lang="en-US" altLang="zh-CN" dirty="0"/>
-          </a:p>
-          <a:p>
-            <a:r>
-              <a:rPr lang="en-US" altLang="zh-CN" dirty="0"/>
-              <a:t>Feature 2: The distance between the two peaks of the standard template should be the rounded average of the distances between the two peaks for all pieces.</a:t>
-            </a:r>
-          </a:p>
-          <a:p>
-            <a:endParaRPr lang="en-US" altLang="zh-CN" dirty="0"/>
-          </a:p>
-          <a:p>
-            <a:r>
-              <a:rPr lang="en-US" altLang="zh-CN" dirty="0"/>
-              <a:t>Feature</a:t>
-            </a:r>
-            <a:r>
-              <a:rPr lang="zh-CN" altLang="en-US" dirty="0"/>
-              <a:t> </a:t>
-            </a:r>
-            <a:r>
-              <a:rPr lang="en-US" altLang="zh-CN" dirty="0"/>
-              <a:t>3: The ability to handle time shifts (possibly essential in real data but less critical in simulated signals).</a:t>
-            </a:r>
-          </a:p>
-          <a:p>
-            <a:endParaRPr lang="en-US" altLang="zh-CN" dirty="0"/>
-          </a:p>
-          <a:p>
-            <a:r>
-              <a:rPr lang="en-US" altLang="zh-CN" dirty="0"/>
-              <a:t>Your idea seems to suggest that the primary focus of research should indeed be on Time Warping to achieve these features successfully.</a:t>
-            </a:r>
-          </a:p>
-        </p:txBody>
-      </p:sp>
-      <p:pic>
-        <p:nvPicPr>
-          <p:cNvPr id="2" name="图片 1">
-            <a:extLst>
-              <a:ext uri="{FF2B5EF4-FFF2-40B4-BE49-F238E27FC236}">
-                <a16:creationId xmlns:a16="http://schemas.microsoft.com/office/drawing/2014/main" id="{0A4D642C-9BAB-C695-348A-3425F89A7A3F}"/>
-              </a:ext>
-            </a:extLst>
-          </p:cNvPr>
-          <p:cNvPicPr>
-            <a:picLocks noChangeAspect="1"/>
-          </p:cNvPicPr>
+        <p:style>
+          <a:lnRef idx="1">
+            <a:schemeClr val="accent1"/>
+          </a:lnRef>
+          <a:fillRef idx="0">
+            <a:schemeClr val="accent1"/>
+          </a:fillRef>
+          <a:effectRef idx="0">
+            <a:schemeClr val="accent1"/>
+          </a:effectRef>
+          <a:fontRef idx="minor">
+            <a:schemeClr val="tx1"/>
+          </a:fontRef>
+        </p:style>
+      </p:cxnSp>
+      <p:cxnSp>
+        <p:nvCxnSpPr>
+          <p:cNvPr id="8" name="直接箭头连接符 7">
+            <a:extLst>
+              <a:ext uri="{FF2B5EF4-FFF2-40B4-BE49-F238E27FC236}">
+                <a16:creationId xmlns:a16="http://schemas.microsoft.com/office/drawing/2014/main" id="{0FA95417-0035-B4C7-9B52-B399BBB1CD0B}"/>
+              </a:ext>
+            </a:extLst>
+          </p:cNvPr>
+          <p:cNvCxnSpPr>
+            <a:cxnSpLocks/>
+          </p:cNvCxnSpPr>
           <p:nvPr/>
-        </p:nvPicPr>
-        <p:blipFill rotWithShape="1">
-          <a:blip r:embed="rId3">
-            <a:extLst>
-              <a:ext uri="{28A0092B-C50C-407E-A947-70E740481C1C}">
-                <a14:useLocalDpi xmlns:a14="http://schemas.microsoft.com/office/drawing/2010/main" val="0"/>
-              </a:ext>
-            </a:extLst>
-          </a:blip>
-          <a:srcRect l="8366" t="1824" r="8366"/>
-          <a:stretch/>
-        </p:blipFill>
+        </p:nvCxnSpPr>
         <p:spPr>
           <a:xfrm>
-            <a:off x="-1" y="3515631"/>
-            <a:ext cx="5700713" cy="2693193"/>
+            <a:off x="3724276" y="1314450"/>
+            <a:ext cx="0" cy="521493"/>
           </a:xfrm>
-          <a:prstGeom prst="rect">
+          <a:prstGeom prst="straightConnector1">
             <a:avLst/>
           </a:prstGeom>
+          <a:ln w="12700">
+            <a:solidFill>
+              <a:srgbClr val="C00000"/>
+            </a:solidFill>
+            <a:tailEnd type="triangle"/>
+          </a:ln>
         </p:spPr>
-      </p:pic>
-      <p:pic>
-        <p:nvPicPr>
-          <p:cNvPr id="3" name="图片 2">
-            <a:extLst>
-              <a:ext uri="{FF2B5EF4-FFF2-40B4-BE49-F238E27FC236}">
-                <a16:creationId xmlns:a16="http://schemas.microsoft.com/office/drawing/2014/main" id="{385B2939-9B1A-831C-56E0-4FB6DE1A9143}"/>
-              </a:ext>
-            </a:extLst>
-          </p:cNvPr>
-          <p:cNvPicPr>
-            <a:picLocks noChangeAspect="1"/>
-          </p:cNvPicPr>
+        <p:style>
+          <a:lnRef idx="1">
+            <a:schemeClr val="accent1"/>
+          </a:lnRef>
+          <a:fillRef idx="0">
+            <a:schemeClr val="accent1"/>
+          </a:fillRef>
+          <a:effectRef idx="0">
+            <a:schemeClr val="accent1"/>
+          </a:effectRef>
+          <a:fontRef idx="minor">
+            <a:schemeClr val="tx1"/>
+          </a:fontRef>
+        </p:style>
+      </p:cxnSp>
+      <p:cxnSp>
+        <p:nvCxnSpPr>
+          <p:cNvPr id="10" name="直接连接符 9">
+            <a:extLst>
+              <a:ext uri="{FF2B5EF4-FFF2-40B4-BE49-F238E27FC236}">
+                <a16:creationId xmlns:a16="http://schemas.microsoft.com/office/drawing/2014/main" id="{4DE0FC6C-D5A7-0F93-40F9-480C916DAC80}"/>
+              </a:ext>
+            </a:extLst>
+          </p:cNvPr>
+          <p:cNvCxnSpPr/>
           <p:nvPr/>
-        </p:nvPicPr>
-        <p:blipFill rotWithShape="1">
-          <a:blip r:embed="rId4">
-            <a:extLst>
-              <a:ext uri="{28A0092B-C50C-407E-A947-70E740481C1C}">
-                <a14:useLocalDpi xmlns:a14="http://schemas.microsoft.com/office/drawing/2010/main" val="0"/>
-              </a:ext>
-            </a:extLst>
-          </a:blip>
-          <a:srcRect l="8069" t="52719" r="8150" b="5674"/>
-          <a:stretch/>
-        </p:blipFill>
+        </p:nvCxnSpPr>
         <p:spPr>
           <a:xfrm>
-            <a:off x="0" y="914400"/>
-            <a:ext cx="5700713" cy="2427969"/>
+            <a:off x="920750" y="1054100"/>
+            <a:ext cx="0" cy="1841500"/>
           </a:xfrm>
-          <a:prstGeom prst="rect">
+          <a:prstGeom prst="line">
             <a:avLst/>
           </a:prstGeom>
+          <a:ln w="9525">
+            <a:solidFill>
+              <a:srgbClr val="C00000"/>
+            </a:solidFill>
+            <a:prstDash val="dash"/>
+          </a:ln>
         </p:spPr>
-      </p:pic>
+        <p:style>
+          <a:lnRef idx="1">
+            <a:schemeClr val="accent1"/>
+          </a:lnRef>
+          <a:fillRef idx="0">
+            <a:schemeClr val="accent1"/>
+          </a:fillRef>
+          <a:effectRef idx="0">
+            <a:schemeClr val="accent1"/>
+          </a:effectRef>
+          <a:fontRef idx="minor">
+            <a:schemeClr val="tx1"/>
+          </a:fontRef>
+        </p:style>
+      </p:cxnSp>
+      <p:cxnSp>
+        <p:nvCxnSpPr>
+          <p:cNvPr id="11" name="直接连接符 10">
+            <a:extLst>
+              <a:ext uri="{FF2B5EF4-FFF2-40B4-BE49-F238E27FC236}">
+                <a16:creationId xmlns:a16="http://schemas.microsoft.com/office/drawing/2014/main" id="{A73DC5DC-5075-6B32-FC19-8DBD85DACA95}"/>
+              </a:ext>
+            </a:extLst>
+          </p:cNvPr>
+          <p:cNvCxnSpPr>
+            <a:cxnSpLocks/>
+          </p:cNvCxnSpPr>
+          <p:nvPr/>
+        </p:nvCxnSpPr>
+        <p:spPr>
+          <a:xfrm>
+            <a:off x="3656014" y="2105931"/>
+            <a:ext cx="0" cy="789669"/>
+          </a:xfrm>
+          <a:prstGeom prst="line">
+            <a:avLst/>
+          </a:prstGeom>
+          <a:ln w="9525">
+            <a:solidFill>
+              <a:srgbClr val="C00000"/>
+            </a:solidFill>
+            <a:prstDash val="dash"/>
+          </a:ln>
+        </p:spPr>
+        <p:style>
+          <a:lnRef idx="1">
+            <a:schemeClr val="accent1"/>
+          </a:lnRef>
+          <a:fillRef idx="0">
+            <a:schemeClr val="accent1"/>
+          </a:fillRef>
+          <a:effectRef idx="0">
+            <a:schemeClr val="accent1"/>
+          </a:effectRef>
+          <a:fontRef idx="minor">
+            <a:schemeClr val="tx1"/>
+          </a:fontRef>
+        </p:style>
+      </p:cxnSp>
+      <p:cxnSp>
+        <p:nvCxnSpPr>
+          <p:cNvPr id="16" name="直接箭头连接符 15">
+            <a:extLst>
+              <a:ext uri="{FF2B5EF4-FFF2-40B4-BE49-F238E27FC236}">
+                <a16:creationId xmlns:a16="http://schemas.microsoft.com/office/drawing/2014/main" id="{005F8071-7485-9E4A-C10A-08C5D14552FE}"/>
+              </a:ext>
+            </a:extLst>
+          </p:cNvPr>
+          <p:cNvCxnSpPr/>
+          <p:nvPr/>
+        </p:nvCxnSpPr>
+        <p:spPr>
+          <a:xfrm>
+            <a:off x="920750" y="2628896"/>
+            <a:ext cx="2735264" cy="0"/>
+          </a:xfrm>
+          <a:prstGeom prst="straightConnector1">
+            <a:avLst/>
+          </a:prstGeom>
+          <a:ln w="9525">
+            <a:solidFill>
+              <a:srgbClr val="C00000"/>
+            </a:solidFill>
+            <a:prstDash val="solid"/>
+            <a:headEnd type="triangle"/>
+            <a:tailEnd type="triangle"/>
+          </a:ln>
+        </p:spPr>
+        <p:style>
+          <a:lnRef idx="1">
+            <a:schemeClr val="accent1"/>
+          </a:lnRef>
+          <a:fillRef idx="0">
+            <a:schemeClr val="accent1"/>
+          </a:fillRef>
+          <a:effectRef idx="0">
+            <a:schemeClr val="accent1"/>
+          </a:effectRef>
+          <a:fontRef idx="minor">
+            <a:schemeClr val="tx1"/>
+          </a:fontRef>
+        </p:style>
+      </p:cxnSp>
+      <p:cxnSp>
+        <p:nvCxnSpPr>
+          <p:cNvPr id="18" name="直接箭头连接符 17">
+            <a:extLst>
+              <a:ext uri="{FF2B5EF4-FFF2-40B4-BE49-F238E27FC236}">
+                <a16:creationId xmlns:a16="http://schemas.microsoft.com/office/drawing/2014/main" id="{7B4CE1AE-5459-A292-4A71-2443A3B18017}"/>
+              </a:ext>
+            </a:extLst>
+          </p:cNvPr>
+          <p:cNvCxnSpPr>
+            <a:cxnSpLocks/>
+          </p:cNvCxnSpPr>
+          <p:nvPr/>
+        </p:nvCxnSpPr>
+        <p:spPr>
+          <a:xfrm>
+            <a:off x="3803650" y="1431922"/>
+            <a:ext cx="2535239" cy="0"/>
+          </a:xfrm>
+          <a:prstGeom prst="straightConnector1">
+            <a:avLst/>
+          </a:prstGeom>
+          <a:ln>
+            <a:solidFill>
+              <a:schemeClr val="tx1"/>
+            </a:solidFill>
+            <a:tailEnd type="triangle"/>
+          </a:ln>
+        </p:spPr>
+        <p:style>
+          <a:lnRef idx="1">
+            <a:schemeClr val="accent1"/>
+          </a:lnRef>
+          <a:fillRef idx="0">
+            <a:schemeClr val="accent1"/>
+          </a:fillRef>
+          <a:effectRef idx="0">
+            <a:schemeClr val="accent1"/>
+          </a:effectRef>
+          <a:fontRef idx="minor">
+            <a:schemeClr val="tx1"/>
+          </a:fontRef>
+        </p:style>
+      </p:cxnSp>
+      <p:cxnSp>
+        <p:nvCxnSpPr>
+          <p:cNvPr id="22" name="连接符: 肘形 21">
+            <a:extLst>
+              <a:ext uri="{FF2B5EF4-FFF2-40B4-BE49-F238E27FC236}">
+                <a16:creationId xmlns:a16="http://schemas.microsoft.com/office/drawing/2014/main" id="{27F874C5-0D53-3DBD-4A96-4A667333C494}"/>
+              </a:ext>
+            </a:extLst>
+          </p:cNvPr>
+          <p:cNvCxnSpPr/>
+          <p:nvPr/>
+        </p:nvCxnSpPr>
+        <p:spPr>
+          <a:xfrm>
+            <a:off x="2288382" y="2628896"/>
+            <a:ext cx="4050507" cy="158754"/>
+          </a:xfrm>
+          <a:prstGeom prst="bentConnector3">
+            <a:avLst>
+              <a:gd name="adj1" fmla="val 931"/>
+            </a:avLst>
+          </a:prstGeom>
+          <a:ln>
+            <a:solidFill>
+              <a:schemeClr val="tx1"/>
+            </a:solidFill>
+            <a:tailEnd type="triangle"/>
+          </a:ln>
+        </p:spPr>
+        <p:style>
+          <a:lnRef idx="1">
+            <a:schemeClr val="accent1"/>
+          </a:lnRef>
+          <a:fillRef idx="0">
+            <a:schemeClr val="accent1"/>
+          </a:fillRef>
+          <a:effectRef idx="0">
+            <a:schemeClr val="accent1"/>
+          </a:effectRef>
+          <a:fontRef idx="minor">
+            <a:schemeClr val="tx1"/>
+          </a:fontRef>
+        </p:style>
+      </p:cxnSp>
+      <p:cxnSp>
+        <p:nvCxnSpPr>
+          <p:cNvPr id="26" name="直接箭头连接符 25">
+            <a:extLst>
+              <a:ext uri="{FF2B5EF4-FFF2-40B4-BE49-F238E27FC236}">
+                <a16:creationId xmlns:a16="http://schemas.microsoft.com/office/drawing/2014/main" id="{D3990D89-AC1A-B39C-FFDA-F4624905C1FA}"/>
+              </a:ext>
+            </a:extLst>
+          </p:cNvPr>
+          <p:cNvCxnSpPr>
+            <a:cxnSpLocks/>
+          </p:cNvCxnSpPr>
+          <p:nvPr/>
+        </p:nvCxnSpPr>
+        <p:spPr>
+          <a:xfrm>
+            <a:off x="1873250" y="4165600"/>
+            <a:ext cx="4465639" cy="0"/>
+          </a:xfrm>
+          <a:prstGeom prst="straightConnector1">
+            <a:avLst/>
+          </a:prstGeom>
+          <a:ln>
+            <a:solidFill>
+              <a:schemeClr val="tx1"/>
+            </a:solidFill>
+            <a:tailEnd type="triangle"/>
+          </a:ln>
+        </p:spPr>
+        <p:style>
+          <a:lnRef idx="1">
+            <a:schemeClr val="accent1"/>
+          </a:lnRef>
+          <a:fillRef idx="0">
+            <a:schemeClr val="accent1"/>
+          </a:fillRef>
+          <a:effectRef idx="0">
+            <a:schemeClr val="accent1"/>
+          </a:effectRef>
+          <a:fontRef idx="minor">
+            <a:schemeClr val="tx1"/>
+          </a:fontRef>
+        </p:style>
+      </p:cxnSp>
     </p:spTree>
     <p:extLst>
       <p:ext uri="{BB962C8B-B14F-4D97-AF65-F5344CB8AC3E}">
@@ -6648,10 +7081,10 @@
       </p:grpSpPr>
       <p:sp>
         <p:nvSpPr>
-          <p:cNvPr id="55" name="文本框 54">
-            <a:extLst>
-              <a:ext uri="{FF2B5EF4-FFF2-40B4-BE49-F238E27FC236}">
-                <a16:creationId xmlns:a16="http://schemas.microsoft.com/office/drawing/2014/main" id="{32A2BE86-86A6-F1FC-83EE-91A826B532E5}"/>
+          <p:cNvPr id="6" name="文本框 5">
+            <a:extLst>
+              <a:ext uri="{FF2B5EF4-FFF2-40B4-BE49-F238E27FC236}">
+                <a16:creationId xmlns:a16="http://schemas.microsoft.com/office/drawing/2014/main" id="{CB57B3DA-EA77-30D0-42EE-7EE902C6E4E9}"/>
               </a:ext>
             </a:extLst>
           </p:cNvPr>
@@ -6660,8 +7093,8 @@
         </p:nvSpPr>
         <p:spPr>
           <a:xfrm>
-            <a:off x="609599" y="106251"/>
-            <a:ext cx="5382827" cy="461665"/>
+            <a:off x="812007" y="607384"/>
+            <a:ext cx="11379993" cy="923330"/>
           </a:xfrm>
           <a:prstGeom prst="rect">
             <a:avLst/>
@@ -6672,156 +7105,51 @@
           <a:bodyPr wrap="square" rtlCol="0">
             <a:spAutoFit/>
           </a:bodyPr>
-          <a:lstStyle>
-            <a:defPPr>
-              <a:defRPr lang="zh-CN"/>
-            </a:defPPr>
-            <a:lvl1pPr>
-              <a:defRPr sz="2400">
-                <a:latin typeface="Consolas" panose="020B0609020204030204" pitchFamily="49" charset="0"/>
-                <a:cs typeface="Times New Roman" panose="02020603050405020304" pitchFamily="18" charset="0"/>
-              </a:defRPr>
-            </a:lvl1pPr>
-          </a:lstStyle>
+          <a:lstStyle/>
           <a:p>
             <a:r>
               <a:rPr lang="en-US" altLang="zh-CN" dirty="0"/>
-              <a:t>Work_3: </a:t>
-            </a:r>
-            <a:r>
-              <a:rPr lang="en-US" altLang="zh-CN" sz="1400" dirty="0"/>
-              <a:t>Remove</a:t>
-            </a:r>
-            <a:r>
-              <a:rPr lang="zh-CN" altLang="en-US" sz="1400" dirty="0"/>
-              <a:t> </a:t>
-            </a:r>
-            <a:r>
-              <a:rPr lang="en-US" altLang="zh-CN" sz="1400" dirty="0"/>
-              <a:t>Normal</a:t>
-            </a:r>
-            <a:r>
-              <a:rPr lang="zh-CN" altLang="en-US" sz="1400" dirty="0"/>
-              <a:t> </a:t>
-            </a:r>
-            <a:r>
-              <a:rPr lang="en-US" altLang="zh-CN" sz="1400" dirty="0"/>
-              <a:t>Nosie</a:t>
-            </a:r>
-            <a:r>
-              <a:rPr lang="zh-CN" altLang="en-US" sz="1400" dirty="0"/>
-              <a:t> </a:t>
-            </a:r>
-            <a:r>
-              <a:rPr lang="en-US" altLang="zh-CN" sz="1400" dirty="0"/>
-              <a:t>and respiratory</a:t>
-            </a:r>
-          </a:p>
-        </p:txBody>
-      </p:sp>
-      <p:sp>
-        <p:nvSpPr>
-          <p:cNvPr id="6" name="文本框 5">
-            <a:extLst>
-              <a:ext uri="{FF2B5EF4-FFF2-40B4-BE49-F238E27FC236}">
-                <a16:creationId xmlns:a16="http://schemas.microsoft.com/office/drawing/2014/main" id="{CB57B3DA-EA77-30D0-42EE-7EE902C6E4E9}"/>
-              </a:ext>
-            </a:extLst>
-          </p:cNvPr>
-          <p:cNvSpPr txBox="1"/>
+              <a:t>This week, I read a statistical paper</a:t>
+            </a:r>
+            <a:r>
+              <a:rPr lang="en-US" altLang="zh-CN" baseline="30000" dirty="0"/>
+              <a:t>[1]</a:t>
+            </a:r>
+            <a:r>
+              <a:rPr lang="en-US" altLang="zh-CN" dirty="0"/>
+              <a:t>. Its shown result is amazing.</a:t>
+            </a:r>
+          </a:p>
+          <a:p>
+            <a:r>
+              <a:rPr lang="en-US" altLang="zh-CN" dirty="0"/>
+              <a:t>Even the paper didn’t offer codes, I still spent 2 days implementing this paper. </a:t>
+            </a:r>
+          </a:p>
+          <a:p>
+            <a:r>
+              <a:rPr lang="en-US" altLang="zh-CN" dirty="0"/>
+              <a:t>The result on SCG is not satisfactory. I will offer a brief analysis of possible reasons.</a:t>
+            </a:r>
+          </a:p>
+        </p:txBody>
+      </p:sp>
+      <p:sp>
+        <p:nvSpPr>
+          <p:cNvPr id="3" name="矩形 2">
+            <a:extLst>
+              <a:ext uri="{FF2B5EF4-FFF2-40B4-BE49-F238E27FC236}">
+                <a16:creationId xmlns:a16="http://schemas.microsoft.com/office/drawing/2014/main" id="{F17BDD58-09AA-A7ED-235F-DC5F98250E29}"/>
+              </a:ext>
+            </a:extLst>
+          </p:cNvPr>
+          <p:cNvSpPr/>
           <p:nvPr/>
         </p:nvSpPr>
         <p:spPr>
           <a:xfrm>
-            <a:off x="1092994" y="567916"/>
-            <a:ext cx="10858500" cy="923330"/>
-          </a:xfrm>
-          <a:prstGeom prst="rect">
-            <a:avLst/>
-          </a:prstGeom>
-          <a:noFill/>
-        </p:spPr>
-        <p:txBody>
-          <a:bodyPr wrap="square" rtlCol="0">
-            <a:spAutoFit/>
-          </a:bodyPr>
-          <a:lstStyle/>
-          <a:p>
-            <a:r>
-              <a:rPr lang="zh-CN" altLang="en-US" dirty="0"/>
-              <a:t>这周，我花了整整两天，去看懂一篇统计学论文</a:t>
-            </a:r>
-            <a:r>
-              <a:rPr lang="en-US" altLang="zh-CN" dirty="0"/>
-              <a:t>[Segmentation, alignment and statistical analysis of </a:t>
-            </a:r>
-            <a:r>
-              <a:rPr lang="en-US" altLang="zh-CN" dirty="0" err="1"/>
-              <a:t>biosignals</a:t>
-            </a:r>
-            <a:r>
-              <a:rPr lang="en-US" altLang="zh-CN" dirty="0"/>
-              <a:t> with application to disease classification]</a:t>
-            </a:r>
-            <a:r>
-              <a:rPr lang="zh-CN" altLang="en-US" dirty="0"/>
-              <a:t>，并尝试复现的，效果并不好。我会给出效果，并且进行简单的原因分析。</a:t>
-            </a:r>
-            <a:endParaRPr lang="en-US" altLang="zh-CN" dirty="0"/>
-          </a:p>
-        </p:txBody>
-      </p:sp>
-      <p:sp>
-        <p:nvSpPr>
-          <p:cNvPr id="2" name="文本框 1">
-            <a:extLst>
-              <a:ext uri="{FF2B5EF4-FFF2-40B4-BE49-F238E27FC236}">
-                <a16:creationId xmlns:a16="http://schemas.microsoft.com/office/drawing/2014/main" id="{00FD35C0-999D-F248-582E-14127578101B}"/>
-              </a:ext>
-            </a:extLst>
-          </p:cNvPr>
-          <p:cNvSpPr txBox="1"/>
-          <p:nvPr/>
-        </p:nvSpPr>
-        <p:spPr>
-          <a:xfrm>
-            <a:off x="1021557" y="1997701"/>
-            <a:ext cx="6831807" cy="646331"/>
-          </a:xfrm>
-          <a:prstGeom prst="rect">
-            <a:avLst/>
-          </a:prstGeom>
-          <a:noFill/>
-        </p:spPr>
-        <p:txBody>
-          <a:bodyPr wrap="square" rtlCol="0">
-            <a:spAutoFit/>
-          </a:bodyPr>
-          <a:lstStyle/>
-          <a:p>
-            <a:endParaRPr lang="en-US" altLang="zh-CN" dirty="0"/>
-          </a:p>
-          <a:p>
-            <a:endParaRPr lang="en-US" altLang="zh-CN" dirty="0"/>
-          </a:p>
-        </p:txBody>
-      </p:sp>
-      <p:sp>
-        <p:nvSpPr>
-          <p:cNvPr id="3" name="矩形 2">
-            <a:extLst>
-              <a:ext uri="{FF2B5EF4-FFF2-40B4-BE49-F238E27FC236}">
-                <a16:creationId xmlns:a16="http://schemas.microsoft.com/office/drawing/2014/main" id="{F17BDD58-09AA-A7ED-235F-DC5F98250E29}"/>
-              </a:ext>
-            </a:extLst>
-          </p:cNvPr>
-          <p:cNvSpPr/>
-          <p:nvPr/>
-        </p:nvSpPr>
-        <p:spPr>
-          <a:xfrm>
-            <a:off x="476129" y="2771230"/>
-            <a:ext cx="3441682" cy="994124"/>
+            <a:off x="609600" y="2228789"/>
+            <a:ext cx="4198372" cy="772581"/>
           </a:xfrm>
           <a:prstGeom prst="rect">
             <a:avLst/>
@@ -6850,35 +7178,15 @@
           <a:bodyPr rtlCol="0" anchor="ctr"/>
           <a:lstStyle/>
           <a:p>
-            <a:r>
-              <a:rPr lang="zh-CN" altLang="en-US" dirty="0">
-                <a:solidFill>
-                  <a:schemeClr val="tx1"/>
-                </a:solidFill>
-              </a:rPr>
-              <a:t>给出一种能够衡量</a:t>
-            </a:r>
+            <a:pPr algn="ctr"/>
             <a:r>
               <a:rPr lang="en-US" altLang="zh-CN" dirty="0">
                 <a:solidFill>
                   <a:schemeClr val="tx1"/>
                 </a:solidFill>
               </a:rPr>
-              <a:t>xx</a:t>
-            </a:r>
-            <a:r>
-              <a:rPr lang="zh-CN" altLang="en-US" dirty="0">
-                <a:solidFill>
-                  <a:schemeClr val="tx1"/>
-                </a:solidFill>
-              </a:rPr>
-              <a:t>的距离。</a:t>
-            </a:r>
-            <a:endParaRPr lang="en-US" altLang="zh-CN" dirty="0">
-              <a:solidFill>
-                <a:schemeClr val="tx1"/>
-              </a:solidFill>
-            </a:endParaRPr>
+              <a:t>Fisher–Rao distance is invariant to domain warping.</a:t>
+            </a:r>
           </a:p>
         </p:txBody>
       </p:sp>
@@ -6896,8 +7204,8 @@
         </p:nvSpPr>
         <p:spPr>
           <a:xfrm>
-            <a:off x="476129" y="4082289"/>
-            <a:ext cx="3441682" cy="503433"/>
+            <a:off x="609599" y="3383534"/>
+            <a:ext cx="4198373" cy="850466"/>
           </a:xfrm>
           <a:prstGeom prst="rect">
             <a:avLst/>
@@ -6926,100 +7234,15 @@
           <a:bodyPr rtlCol="0" anchor="ctr"/>
           <a:lstStyle/>
           <a:p>
-            <a:r>
-              <a:rPr lang="zh-CN" altLang="en-US" dirty="0">
-                <a:solidFill>
-                  <a:schemeClr val="tx1"/>
-                </a:solidFill>
-              </a:rPr>
-              <a:t>将原始信号转化到和导数的空间里，以便方便的计算</a:t>
-            </a:r>
+            <a:pPr algn="ctr"/>
             <a:r>
               <a:rPr lang="en-US" altLang="zh-CN" dirty="0">
                 <a:solidFill>
                   <a:schemeClr val="tx1"/>
                 </a:solidFill>
               </a:rPr>
-              <a:t>xx</a:t>
-            </a:r>
-            <a:r>
-              <a:rPr lang="zh-CN" altLang="en-US" dirty="0">
-                <a:solidFill>
-                  <a:schemeClr val="tx1"/>
-                </a:solidFill>
-              </a:rPr>
-              <a:t>距离</a:t>
-            </a:r>
-            <a:endParaRPr lang="en-US" altLang="zh-CN" dirty="0">
-              <a:solidFill>
-                <a:schemeClr val="tx1"/>
-              </a:solidFill>
-            </a:endParaRPr>
-          </a:p>
-        </p:txBody>
-      </p:sp>
-      <p:sp>
-        <p:nvSpPr>
-          <p:cNvPr id="5" name="矩形 4">
-            <a:extLst>
-              <a:ext uri="{FF2B5EF4-FFF2-40B4-BE49-F238E27FC236}">
-                <a16:creationId xmlns:a16="http://schemas.microsoft.com/office/drawing/2014/main" id="{1DE73EFE-F9FE-76C5-C017-48098E962417}"/>
-              </a:ext>
-            </a:extLst>
-          </p:cNvPr>
-          <p:cNvSpPr/>
-          <p:nvPr/>
-        </p:nvSpPr>
-        <p:spPr>
-          <a:xfrm>
-            <a:off x="467022" y="5694352"/>
-            <a:ext cx="3443388" cy="457495"/>
-          </a:xfrm>
-          <a:prstGeom prst="rect">
-            <a:avLst/>
-          </a:prstGeom>
-          <a:solidFill>
-            <a:schemeClr val="bg1"/>
-          </a:solidFill>
-        </p:spPr>
-        <p:style>
-          <a:lnRef idx="2">
-            <a:schemeClr val="accent1">
-              <a:shade val="15000"/>
-            </a:schemeClr>
-          </a:lnRef>
-          <a:fillRef idx="1">
-            <a:schemeClr val="accent1"/>
-          </a:fillRef>
-          <a:effectRef idx="0">
-            <a:schemeClr val="accent1"/>
-          </a:effectRef>
-          <a:fontRef idx="minor">
-            <a:schemeClr val="lt1"/>
-          </a:fontRef>
-        </p:style>
-        <p:txBody>
-          <a:bodyPr rtlCol="0" anchor="ctr"/>
-          <a:lstStyle/>
-          <a:p>
-            <a:pPr algn="ctr"/>
-            <a:r>
-              <a:rPr lang="en-US" altLang="zh-CN" dirty="0">
-                <a:solidFill>
-                  <a:schemeClr val="tx1"/>
-                </a:solidFill>
-                <a:latin typeface="Consolas" panose="020B0609020204030204" pitchFamily="49" charset="0"/>
-                <a:cs typeface="Times New Roman" panose="02020603050405020304" pitchFamily="18" charset="0"/>
-              </a:rPr>
-              <a:t>Apply FFT Denoising</a:t>
-            </a:r>
-            <a:endParaRPr lang="zh-CN" altLang="en-US" dirty="0">
-              <a:solidFill>
-                <a:schemeClr val="tx1"/>
-              </a:solidFill>
-              <a:latin typeface="Consolas" panose="020B0609020204030204" pitchFamily="49" charset="0"/>
-              <a:cs typeface="Times New Roman" panose="02020603050405020304" pitchFamily="18" charset="0"/>
-            </a:endParaRPr>
+              <a:t>The segmented cycles are represented by square root velocity function(SRVFs).</a:t>
+            </a:r>
           </a:p>
         </p:txBody>
       </p:sp>
@@ -7041,8 +7264,8 @@
         </p:nvCxnSpPr>
         <p:spPr>
           <a:xfrm>
-            <a:off x="2196970" y="3765354"/>
-            <a:ext cx="0" cy="316935"/>
+            <a:off x="2708786" y="3001370"/>
+            <a:ext cx="0" cy="382164"/>
           </a:xfrm>
           <a:prstGeom prst="straightConnector1">
             <a:avLst/>
@@ -7087,8 +7310,8 @@
         </p:nvCxnSpPr>
         <p:spPr>
           <a:xfrm>
-            <a:off x="2191183" y="2220788"/>
-            <a:ext cx="5787" cy="550442"/>
+            <a:off x="2708785" y="1977702"/>
+            <a:ext cx="1" cy="251087"/>
           </a:xfrm>
           <a:prstGeom prst="straightConnector1">
             <a:avLst/>
@@ -7115,26 +7338,128 @@
           </a:fontRef>
         </p:style>
       </p:cxnSp>
+      <p:sp>
+        <p:nvSpPr>
+          <p:cNvPr id="12" name="文本框 11">
+            <a:extLst>
+              <a:ext uri="{FF2B5EF4-FFF2-40B4-BE49-F238E27FC236}">
+                <a16:creationId xmlns:a16="http://schemas.microsoft.com/office/drawing/2014/main" id="{D2430EC9-90F7-BC94-998E-55E3F24DC0C2}"/>
+              </a:ext>
+            </a:extLst>
+          </p:cNvPr>
+          <p:cNvSpPr txBox="1"/>
+          <p:nvPr/>
+        </p:nvSpPr>
+        <p:spPr>
+          <a:xfrm>
+            <a:off x="1413787" y="1577592"/>
+            <a:ext cx="2589995" cy="400110"/>
+          </a:xfrm>
+          <a:prstGeom prst="rect">
+            <a:avLst/>
+          </a:prstGeom>
+          <a:noFill/>
+        </p:spPr>
+        <p:txBody>
+          <a:bodyPr wrap="square">
+            <a:spAutoFit/>
+          </a:bodyPr>
+          <a:lstStyle/>
+          <a:p>
+            <a:pPr algn="ctr"/>
+            <a:r>
+              <a:rPr lang="en-US" altLang="zh-CN" sz="2000" dirty="0">
+                <a:latin typeface="Consolas" panose="020B0609020204030204" pitchFamily="49" charset="0"/>
+                <a:cs typeface="Times New Roman" panose="02020603050405020304" pitchFamily="18" charset="0"/>
+              </a:rPr>
+              <a:t>Sliced Signals</a:t>
+            </a:r>
+            <a:endParaRPr lang="zh-CN" altLang="en-US" sz="2000" dirty="0">
+              <a:solidFill>
+                <a:schemeClr val="tx1"/>
+              </a:solidFill>
+              <a:latin typeface="Consolas" panose="020B0609020204030204" pitchFamily="49" charset="0"/>
+              <a:cs typeface="Times New Roman" panose="02020603050405020304" pitchFamily="18" charset="0"/>
+            </a:endParaRPr>
+          </a:p>
+        </p:txBody>
+      </p:sp>
+      <p:sp>
+        <p:nvSpPr>
+          <p:cNvPr id="13" name="矩形 12">
+            <a:extLst>
+              <a:ext uri="{FF2B5EF4-FFF2-40B4-BE49-F238E27FC236}">
+                <a16:creationId xmlns:a16="http://schemas.microsoft.com/office/drawing/2014/main" id="{1DC67D20-77B0-B67A-1D18-D82A26F0FBC7}"/>
+              </a:ext>
+            </a:extLst>
+          </p:cNvPr>
+          <p:cNvSpPr/>
+          <p:nvPr/>
+        </p:nvSpPr>
+        <p:spPr>
+          <a:xfrm>
+            <a:off x="609599" y="4616164"/>
+            <a:ext cx="4198373" cy="1286800"/>
+          </a:xfrm>
+          <a:prstGeom prst="rect">
+            <a:avLst/>
+          </a:prstGeom>
+          <a:solidFill>
+            <a:schemeClr val="bg1"/>
+          </a:solidFill>
+        </p:spPr>
+        <p:style>
+          <a:lnRef idx="2">
+            <a:schemeClr val="accent1">
+              <a:shade val="15000"/>
+            </a:schemeClr>
+          </a:lnRef>
+          <a:fillRef idx="1">
+            <a:schemeClr val="accent1"/>
+          </a:fillRef>
+          <a:effectRef idx="0">
+            <a:schemeClr val="accent1"/>
+          </a:effectRef>
+          <a:fontRef idx="minor">
+            <a:schemeClr val="lt1"/>
+          </a:fontRef>
+        </p:style>
+        <p:txBody>
+          <a:bodyPr rtlCol="0" anchor="ctr"/>
+          <a:lstStyle/>
+          <a:p>
+            <a:pPr algn="ctr"/>
+            <a:r>
+              <a:rPr lang="en-US" altLang="zh-CN" dirty="0">
+                <a:solidFill>
+                  <a:schemeClr val="tx1"/>
+                </a:solidFill>
+              </a:rPr>
+              <a:t>Transform the original problem into an optimization problem. Determine how to stretch the horizontal axis of the signal.</a:t>
+            </a:r>
+          </a:p>
+        </p:txBody>
+      </p:sp>
       <p:cxnSp>
         <p:nvCxnSpPr>
-          <p:cNvPr id="11" name="直接箭头连接符 10">
-            <a:extLst>
-              <a:ext uri="{FF2B5EF4-FFF2-40B4-BE49-F238E27FC236}">
-                <a16:creationId xmlns:a16="http://schemas.microsoft.com/office/drawing/2014/main" id="{3D5FA807-9BB2-B97D-357F-3E5253D46712}"/>
+          <p:cNvPr id="14" name="直接箭头连接符 13">
+            <a:extLst>
+              <a:ext uri="{FF2B5EF4-FFF2-40B4-BE49-F238E27FC236}">
+                <a16:creationId xmlns:a16="http://schemas.microsoft.com/office/drawing/2014/main" id="{DCA278DD-FB04-F5E8-8CD2-2550F6C2D579}"/>
               </a:ext>
             </a:extLst>
           </p:cNvPr>
           <p:cNvCxnSpPr>
             <a:cxnSpLocks/>
-            <a:stCxn id="13" idx="2"/>
-            <a:endCxn id="5" idx="0"/>
+            <a:stCxn id="4" idx="2"/>
+            <a:endCxn id="13" idx="0"/>
           </p:cNvCxnSpPr>
           <p:nvPr/>
         </p:nvCxnSpPr>
         <p:spPr>
-          <a:xfrm flipH="1">
-            <a:off x="2188716" y="5331053"/>
-            <a:ext cx="3320" cy="363299"/>
+          <a:xfrm>
+            <a:off x="2708786" y="4234000"/>
+            <a:ext cx="0" cy="382164"/>
           </a:xfrm>
           <a:prstGeom prst="straightConnector1">
             <a:avLst/>
@@ -7163,10 +7488,10 @@
       </p:cxnSp>
       <p:sp>
         <p:nvSpPr>
-          <p:cNvPr id="12" name="文本框 11">
-            <a:extLst>
-              <a:ext uri="{FF2B5EF4-FFF2-40B4-BE49-F238E27FC236}">
-                <a16:creationId xmlns:a16="http://schemas.microsoft.com/office/drawing/2014/main" id="{D2430EC9-90F7-BC94-998E-55E3F24DC0C2}"/>
+          <p:cNvPr id="19" name="文本框 18">
+            <a:extLst>
+              <a:ext uri="{FF2B5EF4-FFF2-40B4-BE49-F238E27FC236}">
+                <a16:creationId xmlns:a16="http://schemas.microsoft.com/office/drawing/2014/main" id="{8639A6A8-87FF-8EFF-848D-6519F920CC60}"/>
               </a:ext>
             </a:extLst>
           </p:cNvPr>
@@ -7175,8 +7500,8 @@
         </p:nvSpPr>
         <p:spPr>
           <a:xfrm>
-            <a:off x="896185" y="1820678"/>
-            <a:ext cx="2589995" cy="400110"/>
+            <a:off x="5475488" y="1944659"/>
+            <a:ext cx="6534151" cy="369332"/>
           </a:xfrm>
           <a:prstGeom prst="rect">
             <a:avLst/>
@@ -7184,114 +7509,273 @@
           <a:noFill/>
         </p:spPr>
         <p:txBody>
-          <a:bodyPr wrap="square">
+          <a:bodyPr wrap="square" rtlCol="0">
             <a:spAutoFit/>
           </a:bodyPr>
           <a:lstStyle/>
           <a:p>
-            <a:pPr algn="ctr"/>
-            <a:r>
-              <a:rPr lang="en-US" altLang="zh-CN" sz="2000" dirty="0">
-                <a:latin typeface="Consolas" panose="020B0609020204030204" pitchFamily="49" charset="0"/>
-                <a:cs typeface="Times New Roman" panose="02020603050405020304" pitchFamily="18" charset="0"/>
-              </a:rPr>
-              <a:t>Noisy Signals</a:t>
-            </a:r>
-            <a:endParaRPr lang="zh-CN" altLang="en-US" sz="2000" dirty="0">
-              <a:solidFill>
-                <a:schemeClr val="tx1"/>
-              </a:solidFill>
-              <a:latin typeface="Consolas" panose="020B0609020204030204" pitchFamily="49" charset="0"/>
-              <a:cs typeface="Times New Roman" panose="02020603050405020304" pitchFamily="18" charset="0"/>
-            </a:endParaRPr>
-          </a:p>
-        </p:txBody>
-      </p:sp>
-      <p:sp>
-        <p:nvSpPr>
-          <p:cNvPr id="13" name="矩形 12">
-            <a:extLst>
-              <a:ext uri="{FF2B5EF4-FFF2-40B4-BE49-F238E27FC236}">
-                <a16:creationId xmlns:a16="http://schemas.microsoft.com/office/drawing/2014/main" id="{1DC67D20-77B0-B67A-1D18-D82A26F0FBC7}"/>
-              </a:ext>
-            </a:extLst>
-          </p:cNvPr>
-          <p:cNvSpPr/>
+            <a:r>
+              <a:rPr lang="en-US" altLang="zh-CN" dirty="0"/>
+              <a:t>The results presented in the paper:</a:t>
+            </a:r>
+          </a:p>
+        </p:txBody>
+      </p:sp>
+      <p:pic>
+        <p:nvPicPr>
+          <p:cNvPr id="20" name="图片 19">
+            <a:extLst>
+              <a:ext uri="{FF2B5EF4-FFF2-40B4-BE49-F238E27FC236}">
+                <a16:creationId xmlns:a16="http://schemas.microsoft.com/office/drawing/2014/main" id="{333A4C5C-B3D7-F227-CCEA-1CEB795FE27E}"/>
+              </a:ext>
+            </a:extLst>
+          </p:cNvPr>
+          <p:cNvPicPr>
+            <a:picLocks noChangeAspect="1"/>
+          </p:cNvPicPr>
           <p:nvPr/>
-        </p:nvSpPr>
+        </p:nvPicPr>
+        <p:blipFill rotWithShape="1">
+          <a:blip r:embed="rId3"/>
+          <a:srcRect l="50000" t="13817" r="24270" b="13946"/>
+          <a:stretch/>
+        </p:blipFill>
         <p:spPr>
           <a:xfrm>
-            <a:off x="471195" y="4827621"/>
-            <a:ext cx="3441682" cy="503432"/>
+            <a:off x="9181738" y="2373333"/>
+            <a:ext cx="2005013" cy="1472651"/>
           </a:xfrm>
           <a:prstGeom prst="rect">
             <a:avLst/>
           </a:prstGeom>
-          <a:solidFill>
-            <a:schemeClr val="bg1"/>
-          </a:solidFill>
         </p:spPr>
-        <p:style>
-          <a:lnRef idx="2">
-            <a:schemeClr val="accent1">
-              <a:shade val="15000"/>
-            </a:schemeClr>
-          </a:lnRef>
-          <a:fillRef idx="1">
-            <a:schemeClr val="accent1"/>
-          </a:fillRef>
-          <a:effectRef idx="0">
-            <a:schemeClr val="accent1"/>
-          </a:effectRef>
-          <a:fontRef idx="minor">
-            <a:schemeClr val="lt1"/>
-          </a:fontRef>
-        </p:style>
-        <p:txBody>
-          <a:bodyPr rtlCol="0" anchor="ctr"/>
-          <a:lstStyle/>
-          <a:p>
-            <a:r>
-              <a:rPr lang="zh-CN" altLang="en-US" dirty="0">
+      </p:pic>
+      <p:pic>
+        <p:nvPicPr>
+          <p:cNvPr id="21" name="图片 20">
+            <a:extLst>
+              <a:ext uri="{FF2B5EF4-FFF2-40B4-BE49-F238E27FC236}">
+                <a16:creationId xmlns:a16="http://schemas.microsoft.com/office/drawing/2014/main" id="{5DEDEC32-F865-F6C6-13E4-702029CD1944}"/>
+              </a:ext>
+            </a:extLst>
+          </p:cNvPr>
+          <p:cNvPicPr>
+            <a:picLocks noChangeAspect="1"/>
+          </p:cNvPicPr>
+          <p:nvPr/>
+        </p:nvPicPr>
+        <p:blipFill rotWithShape="1">
+          <a:blip r:embed="rId3"/>
+          <a:srcRect t="13946" r="75638" b="10954"/>
+          <a:stretch/>
+        </p:blipFill>
+        <p:spPr>
+          <a:xfrm>
+            <a:off x="6770168" y="2344155"/>
+            <a:ext cx="1898401" cy="1531007"/>
+          </a:xfrm>
+          <a:prstGeom prst="rect">
+            <a:avLst/>
+          </a:prstGeom>
+        </p:spPr>
+      </p:pic>
+      <p:pic>
+        <p:nvPicPr>
+          <p:cNvPr id="22" name="图片 21">
+            <a:extLst>
+              <a:ext uri="{FF2B5EF4-FFF2-40B4-BE49-F238E27FC236}">
+                <a16:creationId xmlns:a16="http://schemas.microsoft.com/office/drawing/2014/main" id="{CF1E1670-B738-C9DF-9480-101B64543147}"/>
+              </a:ext>
+            </a:extLst>
+          </p:cNvPr>
+          <p:cNvPicPr>
+            <a:picLocks noChangeAspect="1"/>
+          </p:cNvPicPr>
+          <p:nvPr/>
+        </p:nvPicPr>
+        <p:blipFill rotWithShape="1">
+          <a:blip r:embed="rId4">
+            <a:extLst>
+              <a:ext uri="{28A0092B-C50C-407E-A947-70E740481C1C}">
+                <a14:useLocalDpi xmlns:a14="http://schemas.microsoft.com/office/drawing/2010/main" val="0"/>
+              </a:ext>
+            </a:extLst>
+          </a:blip>
+          <a:srcRect t="7680" b="6621"/>
+          <a:stretch/>
+        </p:blipFill>
+        <p:spPr>
+          <a:xfrm>
+            <a:off x="6286727" y="4582310"/>
+            <a:ext cx="5276850" cy="2261087"/>
+          </a:xfrm>
+          <a:prstGeom prst="rect">
+            <a:avLst/>
+          </a:prstGeom>
+        </p:spPr>
+      </p:pic>
+      <p:sp>
+        <p:nvSpPr>
+          <p:cNvPr id="23" name="文本框 22">
+            <a:extLst>
+              <a:ext uri="{FF2B5EF4-FFF2-40B4-BE49-F238E27FC236}">
+                <a16:creationId xmlns:a16="http://schemas.microsoft.com/office/drawing/2014/main" id="{92260DDE-4056-95C2-ADF0-C5A57729CAE7}"/>
+              </a:ext>
+            </a:extLst>
+          </p:cNvPr>
+          <p:cNvSpPr txBox="1"/>
+          <p:nvPr/>
+        </p:nvSpPr>
+        <p:spPr>
+          <a:xfrm>
+            <a:off x="5454979" y="4053849"/>
+            <a:ext cx="6940347" cy="369332"/>
+          </a:xfrm>
+          <a:prstGeom prst="rect">
+            <a:avLst/>
+          </a:prstGeom>
+          <a:noFill/>
+        </p:spPr>
+        <p:txBody>
+          <a:bodyPr wrap="square">
+            <a:spAutoFit/>
+          </a:bodyPr>
+          <a:lstStyle/>
+          <a:p>
+            <a:r>
+              <a:rPr lang="en-US" altLang="zh-CN" dirty="0"/>
+              <a:t>The results I have obtained regarding SCG signal:</a:t>
+            </a:r>
+            <a:endParaRPr lang="zh-CN" altLang="en-US" dirty="0"/>
+          </a:p>
+        </p:txBody>
+      </p:sp>
+      <p:sp>
+        <p:nvSpPr>
+          <p:cNvPr id="24" name="文本框 23">
+            <a:extLst>
+              <a:ext uri="{FF2B5EF4-FFF2-40B4-BE49-F238E27FC236}">
+                <a16:creationId xmlns:a16="http://schemas.microsoft.com/office/drawing/2014/main" id="{E5EA808D-560D-B9FF-FB92-9684FCEF4150}"/>
+              </a:ext>
+            </a:extLst>
+          </p:cNvPr>
+          <p:cNvSpPr txBox="1"/>
+          <p:nvPr/>
+        </p:nvSpPr>
+        <p:spPr>
+          <a:xfrm>
+            <a:off x="0" y="6119336"/>
+            <a:ext cx="6207918" cy="738664"/>
+          </a:xfrm>
+          <a:prstGeom prst="rect">
+            <a:avLst/>
+          </a:prstGeom>
+          <a:noFill/>
+        </p:spPr>
+        <p:txBody>
+          <a:bodyPr wrap="square">
+            <a:spAutoFit/>
+          </a:bodyPr>
+          <a:lstStyle/>
+          <a:p>
+            <a:r>
+              <a:rPr lang="en-US" altLang="zh-CN" sz="1400" b="0" i="0" dirty="0">
                 <a:solidFill>
-                  <a:schemeClr val="tx1"/>
+                  <a:srgbClr val="222222"/>
                 </a:solidFill>
+                <a:effectLst/>
+                <a:latin typeface="Arial" panose="020B0604020202020204" pitchFamily="34" charset="0"/>
               </a:rPr>
-              <a:t>将问题转化为优化问题。求解如何对信号的横轴进行拉伸与收缩。</a:t>
-            </a:r>
-            <a:endParaRPr lang="en-US" altLang="zh-CN" dirty="0">
-              <a:solidFill>
-                <a:schemeClr val="tx1"/>
-              </a:solidFill>
-            </a:endParaRPr>
+              <a:t>[1] </a:t>
+            </a:r>
+            <a:r>
+              <a:rPr lang="en-US" altLang="zh-CN" sz="1400" b="0" i="0" dirty="0" err="1">
+                <a:solidFill>
+                  <a:srgbClr val="222222"/>
+                </a:solidFill>
+                <a:effectLst/>
+                <a:latin typeface="Arial" panose="020B0604020202020204" pitchFamily="34" charset="0"/>
+              </a:rPr>
+              <a:t>Kurtek</a:t>
+            </a:r>
+            <a:r>
+              <a:rPr lang="en-US" altLang="zh-CN" sz="1400" b="0" i="0" dirty="0">
+                <a:solidFill>
+                  <a:srgbClr val="222222"/>
+                </a:solidFill>
+                <a:effectLst/>
+                <a:latin typeface="Arial" panose="020B0604020202020204" pitchFamily="34" charset="0"/>
+              </a:rPr>
+              <a:t> S, Wu W, Christensen G E, et al. </a:t>
+            </a:r>
+            <a:r>
+              <a:rPr lang="en-US" altLang="zh-CN" sz="1400" b="0" i="1" dirty="0">
+                <a:solidFill>
+                  <a:srgbClr val="222222"/>
+                </a:solidFill>
+                <a:effectLst/>
+                <a:latin typeface="Arial" panose="020B0604020202020204" pitchFamily="34" charset="0"/>
+              </a:rPr>
+              <a:t>Segmentation, alignment and statistical analysis of </a:t>
+            </a:r>
+            <a:r>
+              <a:rPr lang="en-US" altLang="zh-CN" sz="1400" b="0" i="1" dirty="0" err="1">
+                <a:solidFill>
+                  <a:srgbClr val="222222"/>
+                </a:solidFill>
+                <a:effectLst/>
+                <a:latin typeface="Arial" panose="020B0604020202020204" pitchFamily="34" charset="0"/>
+              </a:rPr>
+              <a:t>biosignals</a:t>
+            </a:r>
+            <a:r>
+              <a:rPr lang="en-US" altLang="zh-CN" sz="1400" b="0" i="1" dirty="0">
+                <a:solidFill>
+                  <a:srgbClr val="222222"/>
+                </a:solidFill>
+                <a:effectLst/>
+                <a:latin typeface="Arial" panose="020B0604020202020204" pitchFamily="34" charset="0"/>
+              </a:rPr>
+              <a:t> with application to disease classification</a:t>
+            </a:r>
+            <a:r>
+              <a:rPr lang="en-US" altLang="zh-CN" sz="1400" b="0" i="0" dirty="0">
+                <a:solidFill>
+                  <a:srgbClr val="222222"/>
+                </a:solidFill>
+                <a:effectLst/>
+                <a:latin typeface="Arial" panose="020B0604020202020204" pitchFamily="34" charset="0"/>
+              </a:rPr>
+              <a:t>[J]. Journal of Applied Statistics, 2013, 40(6): 1270-1288.</a:t>
+            </a:r>
+            <a:endParaRPr lang="zh-CN" altLang="en-US" sz="1400" dirty="0"/>
           </a:p>
         </p:txBody>
       </p:sp>
       <p:cxnSp>
         <p:nvCxnSpPr>
-          <p:cNvPr id="14" name="直接箭头连接符 13">
-            <a:extLst>
-              <a:ext uri="{FF2B5EF4-FFF2-40B4-BE49-F238E27FC236}">
-                <a16:creationId xmlns:a16="http://schemas.microsoft.com/office/drawing/2014/main" id="{DCA278DD-FB04-F5E8-8CD2-2550F6C2D579}"/>
+          <p:cNvPr id="59" name="直接箭头连接符 58">
+            <a:extLst>
+              <a:ext uri="{FF2B5EF4-FFF2-40B4-BE49-F238E27FC236}">
+                <a16:creationId xmlns:a16="http://schemas.microsoft.com/office/drawing/2014/main" id="{36D01D1C-01E7-F60A-ECB3-0E6744C9EAF1}"/>
               </a:ext>
             </a:extLst>
           </p:cNvPr>
           <p:cNvCxnSpPr>
-            <a:cxnSpLocks/>
-            <a:stCxn id="4" idx="2"/>
-            <a:endCxn id="13" idx="0"/>
+            <a:stCxn id="21" idx="3"/>
+            <a:endCxn id="20" idx="1"/>
           </p:cNvCxnSpPr>
           <p:nvPr/>
         </p:nvCxnSpPr>
         <p:spPr>
-          <a:xfrm flipH="1">
-            <a:off x="2192036" y="4585722"/>
-            <a:ext cx="4934" cy="241899"/>
+          <a:xfrm>
+            <a:off x="8668569" y="3109659"/>
+            <a:ext cx="513169" cy="0"/>
           </a:xfrm>
           <a:prstGeom prst="straightConnector1">
             <a:avLst/>
           </a:prstGeom>
-          <a:ln w="19050">
+          <a:ln>
             <a:solidFill>
               <a:schemeClr val="tx1"/>
             </a:solidFill>
@@ -7315,10 +7799,10 @@
       </p:cxnSp>
       <p:sp>
         <p:nvSpPr>
-          <p:cNvPr id="19" name="文本框 18">
-            <a:extLst>
-              <a:ext uri="{FF2B5EF4-FFF2-40B4-BE49-F238E27FC236}">
-                <a16:creationId xmlns:a16="http://schemas.microsoft.com/office/drawing/2014/main" id="{8639A6A8-87FF-8EFF-848D-6519F920CC60}"/>
+          <p:cNvPr id="63" name="文本框 62">
+            <a:extLst>
+              <a:ext uri="{FF2B5EF4-FFF2-40B4-BE49-F238E27FC236}">
+                <a16:creationId xmlns:a16="http://schemas.microsoft.com/office/drawing/2014/main" id="{204AE680-9190-FAD6-3CF8-9C593C260F05}"/>
               </a:ext>
             </a:extLst>
           </p:cNvPr>
@@ -7327,8 +7811,8 @@
         </p:nvSpPr>
         <p:spPr>
           <a:xfrm>
-            <a:off x="5417343" y="1791548"/>
-            <a:ext cx="6534151" cy="369332"/>
+            <a:off x="609599" y="106251"/>
+            <a:ext cx="5382827" cy="461665"/>
           </a:xfrm>
           <a:prstGeom prst="rect">
             <a:avLst/>
@@ -7339,142 +7823,26 @@
           <a:bodyPr wrap="square" rtlCol="0">
             <a:spAutoFit/>
           </a:bodyPr>
-          <a:lstStyle/>
+          <a:lstStyle>
+            <a:defPPr>
+              <a:defRPr lang="zh-CN"/>
+            </a:defPPr>
+            <a:lvl1pPr>
+              <a:defRPr sz="2400">
+                <a:latin typeface="Consolas" panose="020B0609020204030204" pitchFamily="49" charset="0"/>
+                <a:cs typeface="Times New Roman" panose="02020603050405020304" pitchFamily="18" charset="0"/>
+              </a:defRPr>
+            </a:lvl1pPr>
+          </a:lstStyle>
           <a:p>
             <a:r>
               <a:rPr lang="en-US" altLang="zh-CN" dirty="0"/>
-              <a:t>The results presented in the paper are as follows:</a:t>
-            </a:r>
-          </a:p>
-        </p:txBody>
-      </p:sp>
-      <p:pic>
-        <p:nvPicPr>
-          <p:cNvPr id="20" name="图片 19">
-            <a:extLst>
-              <a:ext uri="{FF2B5EF4-FFF2-40B4-BE49-F238E27FC236}">
-                <a16:creationId xmlns:a16="http://schemas.microsoft.com/office/drawing/2014/main" id="{333A4C5C-B3D7-F227-CCEA-1CEB795FE27E}"/>
-              </a:ext>
-            </a:extLst>
-          </p:cNvPr>
-          <p:cNvPicPr>
-            <a:picLocks noChangeAspect="1"/>
-          </p:cNvPicPr>
-          <p:nvPr/>
-        </p:nvPicPr>
-        <p:blipFill rotWithShape="1">
-          <a:blip r:embed="rId3"/>
-          <a:srcRect l="50000" t="13817" r="24270" b="13946"/>
-          <a:stretch/>
-        </p:blipFill>
-        <p:spPr>
-          <a:xfrm>
-            <a:off x="8454637" y="2220222"/>
-            <a:ext cx="2005013" cy="1472651"/>
-          </a:xfrm>
-          <a:prstGeom prst="rect">
-            <a:avLst/>
-          </a:prstGeom>
-        </p:spPr>
-      </p:pic>
-      <p:pic>
-        <p:nvPicPr>
-          <p:cNvPr id="21" name="图片 20">
-            <a:extLst>
-              <a:ext uri="{FF2B5EF4-FFF2-40B4-BE49-F238E27FC236}">
-                <a16:creationId xmlns:a16="http://schemas.microsoft.com/office/drawing/2014/main" id="{5DEDEC32-F865-F6C6-13E4-702029CD1944}"/>
-              </a:ext>
-            </a:extLst>
-          </p:cNvPr>
-          <p:cNvPicPr>
-            <a:picLocks noChangeAspect="1"/>
-          </p:cNvPicPr>
-          <p:nvPr/>
-        </p:nvPicPr>
-        <p:blipFill rotWithShape="1">
-          <a:blip r:embed="rId3"/>
-          <a:srcRect t="13946" r="75638" b="10954"/>
-          <a:stretch/>
-        </p:blipFill>
-        <p:spPr>
-          <a:xfrm>
-            <a:off x="6064499" y="2220788"/>
-            <a:ext cx="1898401" cy="1531007"/>
-          </a:xfrm>
-          <a:prstGeom prst="rect">
-            <a:avLst/>
-          </a:prstGeom>
-        </p:spPr>
-      </p:pic>
-      <p:pic>
-        <p:nvPicPr>
-          <p:cNvPr id="22" name="图片 21">
-            <a:extLst>
-              <a:ext uri="{FF2B5EF4-FFF2-40B4-BE49-F238E27FC236}">
-                <a16:creationId xmlns:a16="http://schemas.microsoft.com/office/drawing/2014/main" id="{CF1E1670-B738-C9DF-9480-101B64543147}"/>
-              </a:ext>
-            </a:extLst>
-          </p:cNvPr>
-          <p:cNvPicPr>
-            <a:picLocks noChangeAspect="1"/>
-          </p:cNvPicPr>
-          <p:nvPr/>
-        </p:nvPicPr>
-        <p:blipFill>
-          <a:blip r:embed="rId4">
-            <a:extLst>
-              <a:ext uri="{28A0092B-C50C-407E-A947-70E740481C1C}">
-                <a14:useLocalDpi xmlns:a14="http://schemas.microsoft.com/office/drawing/2010/main" val="0"/>
-              </a:ext>
-            </a:extLst>
-          </a:blip>
-          <a:stretch>
-            <a:fillRect/>
-          </a:stretch>
-        </p:blipFill>
-        <p:spPr>
-          <a:xfrm>
-            <a:off x="7098322" y="4446003"/>
-            <a:ext cx="4717645" cy="2358823"/>
-          </a:xfrm>
-          <a:prstGeom prst="rect">
-            <a:avLst/>
-          </a:prstGeom>
-        </p:spPr>
-      </p:pic>
-      <p:sp>
-        <p:nvSpPr>
-          <p:cNvPr id="23" name="文本框 22">
-            <a:extLst>
-              <a:ext uri="{FF2B5EF4-FFF2-40B4-BE49-F238E27FC236}">
-                <a16:creationId xmlns:a16="http://schemas.microsoft.com/office/drawing/2014/main" id="{92260DDE-4056-95C2-ADF0-C5A57729CAE7}"/>
-              </a:ext>
-            </a:extLst>
-          </p:cNvPr>
-          <p:cNvSpPr txBox="1"/>
-          <p:nvPr/>
-        </p:nvSpPr>
-        <p:spPr>
-          <a:xfrm>
-            <a:off x="5475490" y="3811558"/>
-            <a:ext cx="6940347" cy="646331"/>
-          </a:xfrm>
-          <a:prstGeom prst="rect">
-            <a:avLst/>
-          </a:prstGeom>
-          <a:noFill/>
-        </p:spPr>
-        <p:txBody>
-          <a:bodyPr wrap="square">
-            <a:spAutoFit/>
-          </a:bodyPr>
-          <a:lstStyle/>
-          <a:p>
-            <a:r>
-              <a:rPr lang="en-US" altLang="zh-CN" dirty="0"/>
-              <a:t>The results I have obtained regarding SCG signal are as follows:</a:t>
-            </a:r>
-            <a:endParaRPr lang="zh-CN" altLang="en-US" dirty="0"/>
+              <a:t>Work_3: </a:t>
+            </a:r>
+            <a:r>
+              <a:rPr lang="en-US" altLang="zh-CN" sz="1400" dirty="0"/>
+              <a:t>Obtaining Template</a:t>
+            </a:r>
           </a:p>
         </p:txBody>
       </p:sp>
@@ -7508,12 +7876,234 @@
           <a:chExt cx="0" cy="0"/>
         </a:xfrm>
       </p:grpSpPr>
-      <p:sp>
-        <p:nvSpPr>
-          <p:cNvPr id="55" name="文本框 54">
-            <a:extLst>
-              <a:ext uri="{FF2B5EF4-FFF2-40B4-BE49-F238E27FC236}">
-                <a16:creationId xmlns:a16="http://schemas.microsoft.com/office/drawing/2014/main" id="{32A2BE86-86A6-F1FC-83EE-91A826B532E5}"/>
+      <p:pic>
+        <p:nvPicPr>
+          <p:cNvPr id="2" name="图片 1">
+            <a:extLst>
+              <a:ext uri="{FF2B5EF4-FFF2-40B4-BE49-F238E27FC236}">
+                <a16:creationId xmlns:a16="http://schemas.microsoft.com/office/drawing/2014/main" id="{D741EF86-FB50-A5CE-DE0C-867C763EA9F1}"/>
+              </a:ext>
+            </a:extLst>
+          </p:cNvPr>
+          <p:cNvPicPr>
+            <a:picLocks noChangeAspect="1"/>
+          </p:cNvPicPr>
+          <p:nvPr/>
+        </p:nvPicPr>
+        <p:blipFill rotWithShape="1">
+          <a:blip r:embed="rId3">
+            <a:extLst>
+              <a:ext uri="{28A0092B-C50C-407E-A947-70E740481C1C}">
+                <a14:useLocalDpi xmlns:a14="http://schemas.microsoft.com/office/drawing/2010/main" val="0"/>
+              </a:ext>
+            </a:extLst>
+          </a:blip>
+          <a:srcRect t="5407" r="6565" b="4475"/>
+          <a:stretch/>
+        </p:blipFill>
+        <p:spPr>
+          <a:xfrm>
+            <a:off x="1330682" y="988622"/>
+            <a:ext cx="5688316" cy="2743200"/>
+          </a:xfrm>
+          <a:prstGeom prst="rect">
+            <a:avLst/>
+          </a:prstGeom>
+        </p:spPr>
+      </p:pic>
+      <p:sp>
+        <p:nvSpPr>
+          <p:cNvPr id="9" name="文本框 8">
+            <a:extLst>
+              <a:ext uri="{FF2B5EF4-FFF2-40B4-BE49-F238E27FC236}">
+                <a16:creationId xmlns:a16="http://schemas.microsoft.com/office/drawing/2014/main" id="{263C334F-51ED-70E6-E258-A6D9D793E646}"/>
+              </a:ext>
+            </a:extLst>
+          </p:cNvPr>
+          <p:cNvSpPr txBox="1"/>
+          <p:nvPr/>
+        </p:nvSpPr>
+        <p:spPr>
+          <a:xfrm>
+            <a:off x="1540072" y="642031"/>
+            <a:ext cx="9360099" cy="369332"/>
+          </a:xfrm>
+          <a:prstGeom prst="rect">
+            <a:avLst/>
+          </a:prstGeom>
+          <a:noFill/>
+        </p:spPr>
+        <p:txBody>
+          <a:bodyPr wrap="square">
+            <a:spAutoFit/>
+          </a:bodyPr>
+          <a:lstStyle/>
+          <a:p>
+            <a:r>
+              <a:rPr lang="en-US" altLang="zh-CN" dirty="0"/>
+              <a:t>The results I have obtained regarding SCG signal are as follows:</a:t>
+            </a:r>
+            <a:endParaRPr lang="zh-CN" altLang="en-US" dirty="0"/>
+          </a:p>
+        </p:txBody>
+      </p:sp>
+      <p:sp>
+        <p:nvSpPr>
+          <p:cNvPr id="10" name="文本框 9">
+            <a:extLst>
+              <a:ext uri="{FF2B5EF4-FFF2-40B4-BE49-F238E27FC236}">
+                <a16:creationId xmlns:a16="http://schemas.microsoft.com/office/drawing/2014/main" id="{52C60012-ACEC-D9D4-5300-F08CA1424642}"/>
+              </a:ext>
+            </a:extLst>
+          </p:cNvPr>
+          <p:cNvSpPr txBox="1"/>
+          <p:nvPr/>
+        </p:nvSpPr>
+        <p:spPr>
+          <a:xfrm>
+            <a:off x="1540072" y="3798181"/>
+            <a:ext cx="9867901" cy="2862322"/>
+          </a:xfrm>
+          <a:prstGeom prst="rect">
+            <a:avLst/>
+          </a:prstGeom>
+          <a:noFill/>
+        </p:spPr>
+        <p:txBody>
+          <a:bodyPr wrap="square" rtlCol="0">
+            <a:spAutoFit/>
+          </a:bodyPr>
+          <a:lstStyle/>
+          <a:p>
+            <a:r>
+              <a:rPr lang="en-US" altLang="zh-CN" dirty="0"/>
+              <a:t>Reason 1: </a:t>
+            </a:r>
+          </a:p>
+          <a:p>
+            <a:r>
+              <a:rPr lang="en-US" altLang="zh-CN" dirty="0"/>
+              <a:t>The method proposed in the paper based on derivations. However, ECG signals are relatively smooth, but simulated SCG signals are much sharper.</a:t>
+            </a:r>
+          </a:p>
+          <a:p>
+            <a:endParaRPr lang="en-US" altLang="zh-CN" dirty="0"/>
+          </a:p>
+          <a:p>
+            <a:r>
+              <a:rPr lang="en-US" altLang="zh-CN" dirty="0"/>
+              <a:t>Reason 2: </a:t>
+            </a:r>
+          </a:p>
+          <a:p>
+            <a:r>
+              <a:rPr lang="en-US" altLang="zh-CN" dirty="0"/>
+              <a:t>In the paper, after stretching the time axis, missing portions need to be interpolated. </a:t>
+            </a:r>
+          </a:p>
+          <a:p>
+            <a:r>
+              <a:rPr lang="en-US" altLang="zh-CN" dirty="0"/>
+              <a:t>The ECG signals in the paper have a sampling rate of </a:t>
+            </a:r>
+            <a:r>
+              <a:rPr lang="en-US" altLang="zh-CN" b="1" dirty="0"/>
+              <a:t>1 </a:t>
+            </a:r>
+            <a:r>
+              <a:rPr lang="en-US" altLang="zh-CN" b="1" dirty="0" err="1"/>
+              <a:t>KHz</a:t>
+            </a:r>
+            <a:r>
+              <a:rPr lang="en-US" altLang="zh-CN" dirty="0"/>
+              <a:t>, while our signals have a sampling rate of only </a:t>
+            </a:r>
+            <a:r>
+              <a:rPr lang="en-US" altLang="zh-CN" b="1" dirty="0"/>
+              <a:t>100 Hz</a:t>
+            </a:r>
+            <a:r>
+              <a:rPr lang="en-US" altLang="zh-CN" dirty="0"/>
+              <a:t>. The length of our templates is often in the range of 40-80. Interpolation will introduce significant errors.</a:t>
+            </a:r>
+          </a:p>
+        </p:txBody>
+      </p:sp>
+      <p:sp>
+        <p:nvSpPr>
+          <p:cNvPr id="3" name="文本框 2">
+            <a:extLst>
+              <a:ext uri="{FF2B5EF4-FFF2-40B4-BE49-F238E27FC236}">
+                <a16:creationId xmlns:a16="http://schemas.microsoft.com/office/drawing/2014/main" id="{1BD578A8-F942-DCAC-1B02-923A844B7EB8}"/>
+              </a:ext>
+            </a:extLst>
+          </p:cNvPr>
+          <p:cNvSpPr txBox="1"/>
+          <p:nvPr/>
+        </p:nvSpPr>
+        <p:spPr>
+          <a:xfrm>
+            <a:off x="7018998" y="1483059"/>
+            <a:ext cx="5089659" cy="1754326"/>
+          </a:xfrm>
+          <a:prstGeom prst="rect">
+            <a:avLst/>
+          </a:prstGeom>
+          <a:noFill/>
+        </p:spPr>
+        <p:txBody>
+          <a:bodyPr wrap="square" rtlCol="0">
+            <a:spAutoFit/>
+          </a:bodyPr>
+          <a:lstStyle/>
+          <a:p>
+            <a:pPr marL="342900" indent="-342900">
+              <a:buAutoNum type="arabicPeriod"/>
+            </a:pPr>
+            <a:r>
+              <a:rPr lang="en-US" altLang="zh-CN" dirty="0"/>
+              <a:t>Big peaks are aligned.</a:t>
+            </a:r>
+          </a:p>
+          <a:p>
+            <a:pPr marL="342900" indent="-342900">
+              <a:buAutoNum type="arabicPeriod"/>
+            </a:pPr>
+            <a:endParaRPr lang="en-US" altLang="zh-CN" dirty="0"/>
+          </a:p>
+          <a:p>
+            <a:pPr marL="342900" indent="-342900">
+              <a:buAutoNum type="arabicPeriod"/>
+            </a:pPr>
+            <a:r>
+              <a:rPr lang="en-US" altLang="zh-CN" dirty="0"/>
+              <a:t>The alignment effect for small peaks is not noticeable.</a:t>
+            </a:r>
+          </a:p>
+          <a:p>
+            <a:pPr marL="342900" indent="-342900">
+              <a:buAutoNum type="arabicPeriod"/>
+            </a:pPr>
+            <a:endParaRPr lang="en-US" altLang="zh-CN" dirty="0"/>
+          </a:p>
+          <a:p>
+            <a:pPr marL="342900" indent="-342900">
+              <a:buAutoNum type="arabicPeriod"/>
+            </a:pPr>
+            <a:r>
+              <a:rPr lang="en-US" altLang="zh-CN" dirty="0"/>
+              <a:t>The signal distortion is significant.</a:t>
+            </a:r>
+            <a:endParaRPr lang="zh-CN" altLang="en-US" dirty="0"/>
+          </a:p>
+        </p:txBody>
+      </p:sp>
+      <p:sp>
+        <p:nvSpPr>
+          <p:cNvPr id="4" name="文本框 3">
+            <a:extLst>
+              <a:ext uri="{FF2B5EF4-FFF2-40B4-BE49-F238E27FC236}">
+                <a16:creationId xmlns:a16="http://schemas.microsoft.com/office/drawing/2014/main" id="{0E69BF1B-8319-8912-5438-077981E5D5C8}"/>
               </a:ext>
             </a:extLst>
           </p:cNvPr>
@@ -7552,315 +8142,8 @@
             </a:r>
             <a:r>
               <a:rPr lang="en-US" altLang="zh-CN" sz="1400" dirty="0"/>
-              <a:t>Remove</a:t>
-            </a:r>
-            <a:r>
-              <a:rPr lang="zh-CN" altLang="en-US" sz="1400" dirty="0"/>
-              <a:t> </a:t>
-            </a:r>
-            <a:r>
-              <a:rPr lang="en-US" altLang="zh-CN" sz="1400" dirty="0"/>
-              <a:t>Normal</a:t>
-            </a:r>
-            <a:r>
-              <a:rPr lang="zh-CN" altLang="en-US" sz="1400" dirty="0"/>
-              <a:t> </a:t>
-            </a:r>
-            <a:r>
-              <a:rPr lang="en-US" altLang="zh-CN" sz="1400" dirty="0"/>
-              <a:t>Nosie</a:t>
-            </a:r>
-            <a:r>
-              <a:rPr lang="zh-CN" altLang="en-US" sz="1400" dirty="0"/>
-              <a:t> </a:t>
-            </a:r>
-            <a:r>
-              <a:rPr lang="en-US" altLang="zh-CN" sz="1400" dirty="0"/>
-              <a:t>and respiratory</a:t>
-            </a:r>
-          </a:p>
-        </p:txBody>
-      </p:sp>
-      <p:sp>
-        <p:nvSpPr>
-          <p:cNvPr id="6" name="文本框 5">
-            <a:extLst>
-              <a:ext uri="{FF2B5EF4-FFF2-40B4-BE49-F238E27FC236}">
-                <a16:creationId xmlns:a16="http://schemas.microsoft.com/office/drawing/2014/main" id="{CB57B3DA-EA77-30D0-42EE-7EE902C6E4E9}"/>
-              </a:ext>
-            </a:extLst>
-          </p:cNvPr>
-          <p:cNvSpPr txBox="1"/>
-          <p:nvPr/>
-        </p:nvSpPr>
-        <p:spPr>
-          <a:xfrm>
-            <a:off x="2047874" y="628245"/>
-            <a:ext cx="7681913" cy="369332"/>
-          </a:xfrm>
-          <a:prstGeom prst="rect">
-            <a:avLst/>
-          </a:prstGeom>
-          <a:noFill/>
-        </p:spPr>
-        <p:txBody>
-          <a:bodyPr wrap="square" rtlCol="0">
-            <a:spAutoFit/>
-          </a:bodyPr>
-          <a:lstStyle/>
-          <a:p>
-            <a:r>
-              <a:rPr lang="en-US" altLang="zh-CN" dirty="0"/>
-              <a:t>The results presented in the paper are as follows:</a:t>
-            </a:r>
-          </a:p>
-        </p:txBody>
-      </p:sp>
-      <p:pic>
-        <p:nvPicPr>
-          <p:cNvPr id="2" name="图片 1">
-            <a:extLst>
-              <a:ext uri="{FF2B5EF4-FFF2-40B4-BE49-F238E27FC236}">
-                <a16:creationId xmlns:a16="http://schemas.microsoft.com/office/drawing/2014/main" id="{D741EF86-FB50-A5CE-DE0C-867C763EA9F1}"/>
-              </a:ext>
-            </a:extLst>
-          </p:cNvPr>
-          <p:cNvPicPr>
-            <a:picLocks noChangeAspect="1"/>
-          </p:cNvPicPr>
-          <p:nvPr/>
-        </p:nvPicPr>
-        <p:blipFill>
-          <a:blip r:embed="rId3">
-            <a:extLst>
-              <a:ext uri="{28A0092B-C50C-407E-A947-70E740481C1C}">
-                <a14:useLocalDpi xmlns:a14="http://schemas.microsoft.com/office/drawing/2010/main" val="0"/>
-              </a:ext>
-            </a:extLst>
-          </a:blip>
-          <a:stretch>
-            <a:fillRect/>
-          </a:stretch>
-        </p:blipFill>
-        <p:spPr>
-          <a:xfrm>
-            <a:off x="3362323" y="3057227"/>
-            <a:ext cx="4717645" cy="2358823"/>
-          </a:xfrm>
-          <a:prstGeom prst="rect">
-            <a:avLst/>
-          </a:prstGeom>
-        </p:spPr>
-      </p:pic>
-      <p:pic>
-        <p:nvPicPr>
-          <p:cNvPr id="5" name="图片 4">
-            <a:extLst>
-              <a:ext uri="{FF2B5EF4-FFF2-40B4-BE49-F238E27FC236}">
-                <a16:creationId xmlns:a16="http://schemas.microsoft.com/office/drawing/2014/main" id="{3831E2E0-17E3-028B-71E5-BCEF501545BC}"/>
-              </a:ext>
-            </a:extLst>
-          </p:cNvPr>
-          <p:cNvPicPr>
-            <a:picLocks noChangeAspect="1"/>
-          </p:cNvPicPr>
-          <p:nvPr/>
-        </p:nvPicPr>
-        <p:blipFill rotWithShape="1">
-          <a:blip r:embed="rId4"/>
-          <a:srcRect l="50000" t="13817" r="24270" b="13946"/>
-          <a:stretch/>
-        </p:blipFill>
-        <p:spPr>
-          <a:xfrm>
-            <a:off x="5992426" y="1057906"/>
-            <a:ext cx="2005013" cy="1472651"/>
-          </a:xfrm>
-          <a:prstGeom prst="rect">
-            <a:avLst/>
-          </a:prstGeom>
-        </p:spPr>
-      </p:pic>
-      <p:pic>
-        <p:nvPicPr>
-          <p:cNvPr id="7" name="图片 6">
-            <a:extLst>
-              <a:ext uri="{FF2B5EF4-FFF2-40B4-BE49-F238E27FC236}">
-                <a16:creationId xmlns:a16="http://schemas.microsoft.com/office/drawing/2014/main" id="{9C8BEB16-FB5F-99F7-3036-B003F878ADAB}"/>
-              </a:ext>
-            </a:extLst>
-          </p:cNvPr>
-          <p:cNvPicPr>
-            <a:picLocks noChangeAspect="1"/>
-          </p:cNvPicPr>
-          <p:nvPr/>
-        </p:nvPicPr>
-        <p:blipFill rotWithShape="1">
-          <a:blip r:embed="rId4"/>
-          <a:srcRect t="13946" r="75638" b="10954"/>
-          <a:stretch/>
-        </p:blipFill>
-        <p:spPr>
-          <a:xfrm>
-            <a:off x="3602286" y="1057906"/>
-            <a:ext cx="1898401" cy="1531007"/>
-          </a:xfrm>
-          <a:prstGeom prst="rect">
-            <a:avLst/>
-          </a:prstGeom>
-        </p:spPr>
-      </p:pic>
-      <p:sp>
-        <p:nvSpPr>
-          <p:cNvPr id="9" name="文本框 8">
-            <a:extLst>
-              <a:ext uri="{FF2B5EF4-FFF2-40B4-BE49-F238E27FC236}">
-                <a16:creationId xmlns:a16="http://schemas.microsoft.com/office/drawing/2014/main" id="{263C334F-51ED-70E6-E258-A6D9D793E646}"/>
-              </a:ext>
-            </a:extLst>
-          </p:cNvPr>
-          <p:cNvSpPr txBox="1"/>
-          <p:nvPr/>
-        </p:nvSpPr>
-        <p:spPr>
-          <a:xfrm>
-            <a:off x="2047874" y="2616414"/>
-            <a:ext cx="9360099" cy="369332"/>
-          </a:xfrm>
-          <a:prstGeom prst="rect">
-            <a:avLst/>
-          </a:prstGeom>
-          <a:noFill/>
-        </p:spPr>
-        <p:txBody>
-          <a:bodyPr wrap="square">
-            <a:spAutoFit/>
-          </a:bodyPr>
-          <a:lstStyle/>
-          <a:p>
-            <a:r>
-              <a:rPr lang="en-US" altLang="zh-CN" dirty="0"/>
-              <a:t>The results I have obtained regarding SCG signal are as follows:</a:t>
-            </a:r>
-            <a:endParaRPr lang="zh-CN" altLang="en-US" dirty="0"/>
-          </a:p>
-        </p:txBody>
-      </p:sp>
-      <p:sp>
-        <p:nvSpPr>
-          <p:cNvPr id="10" name="文本框 9">
-            <a:extLst>
-              <a:ext uri="{FF2B5EF4-FFF2-40B4-BE49-F238E27FC236}">
-                <a16:creationId xmlns:a16="http://schemas.microsoft.com/office/drawing/2014/main" id="{52C60012-ACEC-D9D4-5300-F08CA1424642}"/>
-              </a:ext>
-            </a:extLst>
-          </p:cNvPr>
-          <p:cNvSpPr txBox="1"/>
-          <p:nvPr/>
-        </p:nvSpPr>
-        <p:spPr>
-          <a:xfrm>
-            <a:off x="2047874" y="4702968"/>
-            <a:ext cx="7681913" cy="1754326"/>
-          </a:xfrm>
-          <a:prstGeom prst="rect">
-            <a:avLst/>
-          </a:prstGeom>
-          <a:noFill/>
-        </p:spPr>
-        <p:txBody>
-          <a:bodyPr wrap="square" rtlCol="0">
-            <a:spAutoFit/>
-          </a:bodyPr>
-          <a:lstStyle/>
-          <a:p>
-            <a:r>
-              <a:rPr lang="zh-CN" altLang="en-US" dirty="0"/>
-              <a:t>原因</a:t>
-            </a:r>
-            <a:r>
-              <a:rPr lang="en-US" altLang="zh-CN" dirty="0"/>
-              <a:t>1. </a:t>
-            </a:r>
-            <a:r>
-              <a:rPr lang="zh-CN" altLang="en-US" dirty="0"/>
-              <a:t>该论文提出的方法有大量的导数。而</a:t>
-            </a:r>
-            <a:r>
-              <a:rPr lang="en-US" altLang="zh-CN" dirty="0"/>
-              <a:t>ECG</a:t>
-            </a:r>
-            <a:r>
-              <a:rPr lang="zh-CN" altLang="en-US" dirty="0"/>
-              <a:t>信号相对比较的平滑。而</a:t>
-            </a:r>
-            <a:r>
-              <a:rPr lang="en-US" altLang="zh-CN" dirty="0"/>
-              <a:t>SCG</a:t>
-            </a:r>
-            <a:r>
-              <a:rPr lang="zh-CN" altLang="en-US" dirty="0"/>
-              <a:t>信号比较的尖锐。</a:t>
-            </a:r>
-            <a:endParaRPr lang="en-US" altLang="zh-CN" dirty="0"/>
-          </a:p>
-          <a:p>
-            <a:endParaRPr lang="en-US" altLang="zh-CN" dirty="0"/>
-          </a:p>
-          <a:p>
-            <a:r>
-              <a:rPr lang="zh-CN" altLang="en-US" dirty="0"/>
-              <a:t>原因</a:t>
-            </a:r>
-            <a:r>
-              <a:rPr lang="en-US" altLang="zh-CN" dirty="0"/>
-              <a:t>2. </a:t>
-            </a:r>
-            <a:r>
-              <a:rPr lang="zh-CN" altLang="en-US" dirty="0"/>
-              <a:t>论文中对时间轴进行拉伸后，缺失的部分需要插值。论文中给出的</a:t>
-            </a:r>
-            <a:r>
-              <a:rPr lang="en-US" altLang="zh-CN" dirty="0"/>
-              <a:t>ECG</a:t>
-            </a:r>
-            <a:r>
-              <a:rPr lang="zh-CN" altLang="en-US" dirty="0"/>
-              <a:t>信号采样率为</a:t>
-            </a:r>
-            <a:r>
-              <a:rPr lang="en-US" altLang="zh-CN" dirty="0"/>
-              <a:t>1KHz,</a:t>
-            </a:r>
-            <a:r>
-              <a:rPr lang="zh-CN" altLang="en-US" dirty="0"/>
-              <a:t>而我们的信号的采样率仅仅为</a:t>
-            </a:r>
-            <a:r>
-              <a:rPr lang="en-US" altLang="zh-CN" dirty="0"/>
-              <a:t>100Hz</a:t>
-            </a:r>
-            <a:r>
-              <a:rPr lang="zh-CN" altLang="en-US" dirty="0"/>
-              <a:t>，我们一个</a:t>
-            </a:r>
-            <a:r>
-              <a:rPr lang="en-US" altLang="zh-CN" dirty="0"/>
-              <a:t>template</a:t>
-            </a:r>
-            <a:r>
-              <a:rPr lang="zh-CN" altLang="en-US" dirty="0"/>
-              <a:t>的长度往往为</a:t>
-            </a:r>
-            <a:r>
-              <a:rPr lang="en-US" altLang="zh-CN" dirty="0"/>
-              <a:t>40-80</a:t>
-            </a:r>
-            <a:r>
-              <a:rPr lang="zh-CN" altLang="en-US" dirty="0"/>
-              <a:t>。插值会造成巨大的误差</a:t>
-            </a:r>
-            <a:endParaRPr lang="en-US" altLang="zh-CN" dirty="0"/>
+              <a:t>Obtaining Template</a:t>
+            </a:r>
           </a:p>
         </p:txBody>
       </p:sp>
@@ -7909,7 +8192,7 @@
         <p:spPr>
           <a:xfrm>
             <a:off x="1122219" y="423950"/>
-            <a:ext cx="5931724" cy="461665"/>
+            <a:ext cx="5931724" cy="307777"/>
           </a:xfrm>
           <a:prstGeom prst="rect">
             <a:avLst/>
@@ -7934,9 +8217,59 @@
           <a:p>
             <a:r>
               <a:rPr lang="en-US" altLang="zh-CN" dirty="0"/>
-              <a:t>Questions</a:t>
-            </a:r>
-            <a:endParaRPr lang="en-US" altLang="zh-CN" sz="1400" dirty="0"/>
+              <a:t>Conclusion</a:t>
+            </a:r>
+          </a:p>
+        </p:txBody>
+      </p:sp>
+      <p:sp>
+        <p:nvSpPr>
+          <p:cNvPr id="3" name="文本框 2">
+            <a:extLst>
+              <a:ext uri="{FF2B5EF4-FFF2-40B4-BE49-F238E27FC236}">
+                <a16:creationId xmlns:a16="http://schemas.microsoft.com/office/drawing/2014/main" id="{3E6C6EF8-E433-3787-4DF4-09E93E17487E}"/>
+              </a:ext>
+            </a:extLst>
+          </p:cNvPr>
+          <p:cNvSpPr txBox="1"/>
+          <p:nvPr/>
+        </p:nvSpPr>
+        <p:spPr>
+          <a:xfrm>
+            <a:off x="1543700" y="1674674"/>
+            <a:ext cx="9772000" cy="1754326"/>
+          </a:xfrm>
+          <a:prstGeom prst="rect">
+            <a:avLst/>
+          </a:prstGeom>
+          <a:noFill/>
+        </p:spPr>
+        <p:txBody>
+          <a:bodyPr wrap="square" rtlCol="0">
+            <a:spAutoFit/>
+          </a:bodyPr>
+          <a:lstStyle>
+            <a:defPPr>
+              <a:defRPr lang="zh-CN"/>
+            </a:defPPr>
+            <a:lvl1pPr>
+              <a:defRPr/>
+            </a:lvl1pPr>
+          </a:lstStyle>
+          <a:p>
+            <a:r>
+              <a:rPr lang="en-US" altLang="zh-CN" dirty="0"/>
+              <a:t>In conclusion, I believe the method for obtaining the perfect template should involve an overlay of all signal cycles after Time-Warping, rather than generating a template like K-shape or PCA.</a:t>
+            </a:r>
+          </a:p>
+          <a:p>
+            <a:endParaRPr lang="en-US" altLang="zh-CN" dirty="0"/>
+          </a:p>
+          <a:p>
+            <a:r>
+              <a:rPr lang="en-US" altLang="zh-CN" dirty="0"/>
+              <a:t>The method I tried this week based on SRVFs is not successful. Next week, I will attempt the Discrete Time Warping (DTW) algorithm behind K-shape.</a:t>
+            </a:r>
           </a:p>
         </p:txBody>
       </p:sp>
@@ -7984,6 +8317,132 @@
         </p:nvSpPr>
         <p:spPr>
           <a:xfrm>
+            <a:off x="1122219" y="423950"/>
+            <a:ext cx="5931724" cy="461665"/>
+          </a:xfrm>
+          <a:prstGeom prst="rect">
+            <a:avLst/>
+          </a:prstGeom>
+          <a:noFill/>
+        </p:spPr>
+        <p:txBody>
+          <a:bodyPr wrap="square" rtlCol="0">
+            <a:spAutoFit/>
+          </a:bodyPr>
+          <a:lstStyle>
+            <a:defPPr>
+              <a:defRPr lang="zh-CN"/>
+            </a:defPPr>
+            <a:lvl1pPr>
+              <a:defRPr sz="2400">
+                <a:latin typeface="Consolas" panose="020B0609020204030204" pitchFamily="49" charset="0"/>
+                <a:cs typeface="Times New Roman" panose="02020603050405020304" pitchFamily="18" charset="0"/>
+              </a:defRPr>
+            </a:lvl1pPr>
+          </a:lstStyle>
+          <a:p>
+            <a:r>
+              <a:rPr lang="en-US" altLang="zh-CN" dirty="0"/>
+              <a:t>Questions</a:t>
+            </a:r>
+            <a:endParaRPr lang="en-US" altLang="zh-CN" sz="1400" dirty="0"/>
+          </a:p>
+        </p:txBody>
+      </p:sp>
+      <p:sp>
+        <p:nvSpPr>
+          <p:cNvPr id="3" name="文本框 2">
+            <a:extLst>
+              <a:ext uri="{FF2B5EF4-FFF2-40B4-BE49-F238E27FC236}">
+                <a16:creationId xmlns:a16="http://schemas.microsoft.com/office/drawing/2014/main" id="{67F3CD36-4875-6579-F682-A0B365B9CD16}"/>
+              </a:ext>
+            </a:extLst>
+          </p:cNvPr>
+          <p:cNvSpPr txBox="1"/>
+          <p:nvPr/>
+        </p:nvSpPr>
+        <p:spPr>
+          <a:xfrm>
+            <a:off x="1122219" y="1612193"/>
+            <a:ext cx="10336356" cy="1477328"/>
+          </a:xfrm>
+          <a:prstGeom prst="rect">
+            <a:avLst/>
+          </a:prstGeom>
+          <a:noFill/>
+        </p:spPr>
+        <p:txBody>
+          <a:bodyPr wrap="square" rtlCol="0">
+            <a:spAutoFit/>
+          </a:bodyPr>
+          <a:lstStyle>
+            <a:defPPr>
+              <a:defRPr lang="zh-CN"/>
+            </a:defPPr>
+            <a:lvl1pPr>
+              <a:defRPr/>
+            </a:lvl1pPr>
+          </a:lstStyle>
+          <a:p>
+            <a:r>
+              <a:rPr lang="en-US" altLang="zh-CN" dirty="0"/>
+              <a:t>1. Regarding the idea of </a:t>
+            </a:r>
+            <a:r>
+              <a:rPr lang="en-US" altLang="zh-CN" b="1" i="1" dirty="0"/>
+              <a:t>increasing the Signal-to-Noise Ratio (SNR) of periodic (physiological) sensor signals to recover a single cycle signal in high fidelity</a:t>
+            </a:r>
+            <a:r>
+              <a:rPr lang="en-US" altLang="zh-CN" dirty="0"/>
+              <a:t>, what are our baseline experiments? Can you provide me with some papers on this topic? It seems that there are few papers in this category. Or are we comparing our algorithms to methods previously used for predicting S and D?</a:t>
+            </a:r>
+          </a:p>
+        </p:txBody>
+      </p:sp>
+    </p:spTree>
+    <p:extLst>
+      <p:ext uri="{BB962C8B-B14F-4D97-AF65-F5344CB8AC3E}">
+        <p14:creationId xmlns:p14="http://schemas.microsoft.com/office/powerpoint/2010/main" val="1125496112"/>
+      </p:ext>
+    </p:extLst>
+  </p:cSld>
+  <p:clrMapOvr>
+    <a:masterClrMapping/>
+  </p:clrMapOvr>
+</p:sld>
+</file>
+
+<file path=ppt/slides/slide17.xml><?xml version="1.0" encoding="utf-8"?>
+<p:sld xmlns:a="http://schemas.openxmlformats.org/drawingml/2006/main" xmlns:r="http://schemas.openxmlformats.org/officeDocument/2006/relationships" xmlns:p="http://schemas.openxmlformats.org/presentationml/2006/main">
+  <p:cSld>
+    <p:spTree>
+      <p:nvGrpSpPr>
+        <p:cNvPr id="1" name=""/>
+        <p:cNvGrpSpPr/>
+        <p:nvPr/>
+      </p:nvGrpSpPr>
+      <p:grpSpPr>
+        <a:xfrm>
+          <a:off x="0" y="0"/>
+          <a:ext cx="0" cy="0"/>
+          <a:chOff x="0" y="0"/>
+          <a:chExt cx="0" cy="0"/>
+        </a:xfrm>
+      </p:grpSpPr>
+      <p:sp>
+        <p:nvSpPr>
+          <p:cNvPr id="2" name="文本框 1">
+            <a:extLst>
+              <a:ext uri="{FF2B5EF4-FFF2-40B4-BE49-F238E27FC236}">
+                <a16:creationId xmlns:a16="http://schemas.microsoft.com/office/drawing/2014/main" id="{4301BE2B-0820-0143-B72A-D9CEA12265BD}"/>
+              </a:ext>
+            </a:extLst>
+          </p:cNvPr>
+          <p:cNvSpPr txBox="1"/>
+          <p:nvPr/>
+        </p:nvSpPr>
+        <p:spPr>
+          <a:xfrm>
             <a:off x="5219007" y="3105834"/>
             <a:ext cx="1753985" cy="646331"/>
           </a:xfrm>
@@ -8099,7 +8558,7 @@
         <p:spPr>
           <a:xfrm>
             <a:off x="1725568" y="1582340"/>
-            <a:ext cx="9933032" cy="4801314"/>
+            <a:ext cx="9933032" cy="4524315"/>
           </a:xfrm>
           <a:prstGeom prst="rect">
             <a:avLst/>
@@ -8150,7 +8609,15 @@
             </a:r>
             <a:r>
               <a:rPr lang="en-US" altLang="zh-CN" dirty="0"/>
-              <a:t> file about algorithm details.</a:t>
+              <a:t> (</a:t>
+            </a:r>
+            <a:r>
+              <a:rPr lang="en-US" altLang="zh-CN" dirty="0" err="1"/>
+              <a:t>jupyter</a:t>
+            </a:r>
+            <a:r>
+              <a:rPr lang="en-US" altLang="zh-CN" dirty="0"/>
+              <a:t>) file about algorithm details.</a:t>
             </a:r>
           </a:p>
           <a:p>
@@ -8195,7 +8662,7 @@
             <a:pPr lvl="1"/>
             <a:r>
               <a:rPr lang="en-US" altLang="zh-CN" dirty="0"/>
-              <a:t>About Get Template. Based on observation, an attempt has been made to define what constitutes a good algorithm for obtaining an SCG signal template. It consists of three features, and some exploration has been carried out.</a:t>
+              <a:t>About Template. Based on observation, an attempt has been made to define what constitutes a good algorithm for obtaining an SCG signal template. It consists of three features, and some exploration has been carried out.</a:t>
             </a:r>
           </a:p>
         </p:txBody>
@@ -8366,7 +8833,7 @@
             </a:pPr>
             <a:r>
               <a:rPr lang="en-US" altLang="zh-CN" dirty="0"/>
-              <a:t>I added new feature that people can use the signal created by themselves as the input rather than only SCG signals.</a:t>
+              <a:t>I added the new feature that people can use the signal created by themselves as the input rather than only SCG signals.</a:t>
             </a:r>
           </a:p>
           <a:p>
@@ -8409,7 +8876,7 @@
             </a:pPr>
             <a:r>
               <a:rPr lang="en-US" altLang="zh-CN" dirty="0"/>
-              <a:t>We can save the result.</a:t>
+              <a:t>We can save the results.</a:t>
             </a:r>
           </a:p>
           <a:p>
@@ -8586,7 +9053,7 @@
             </a:pPr>
             <a:r>
               <a:rPr lang="en-US" altLang="zh-CN" sz="2000" dirty="0"/>
-              <a:t>Unique properties and shapes of Different wavelets</a:t>
+              <a:t>Unique properties and shapes of different wavelets</a:t>
             </a:r>
           </a:p>
           <a:p>
@@ -8848,8 +9315,8 @@
         </p:nvSpPr>
         <p:spPr>
           <a:xfrm>
-            <a:off x="609600" y="106251"/>
-            <a:ext cx="6164062" cy="461665"/>
+            <a:off x="609599" y="106251"/>
+            <a:ext cx="6898481" cy="461665"/>
           </a:xfrm>
           <a:prstGeom prst="rect">
             <a:avLst/>
@@ -8878,7 +9345,7 @@
             </a:r>
             <a:r>
               <a:rPr lang="en-US" altLang="zh-CN" sz="1400" dirty="0"/>
-              <a:t>Remove</a:t>
+              <a:t>segmentation method in situations with heavy echoes</a:t>
             </a:r>
           </a:p>
         </p:txBody>
@@ -8913,7 +9380,7 @@
           <a:p>
             <a:r>
               <a:rPr lang="en-US" altLang="zh-CN" dirty="0"/>
-              <a:t>Noisy signal with strong echoes. I added 5 echoes to the clean signal, and the attenuation coefficients for these echoes are [0.9, 0.8, 0.7, 0.6, 0.5], with delays of [5, 10, 15, 20, 25] time points, respectively.</a:t>
+              <a:t>I added 5 echoes to the clean signal, and attenuation coefficients for these echoes are [0.9, 0.7, 0.5, 0.4, 0.3], with delays of [5, 10, 15, 20, 25] time points, respectively.</a:t>
             </a:r>
           </a:p>
           <a:p>
@@ -8925,7 +9392,39 @@
           <a:p>
             <a:r>
               <a:rPr lang="en-US" altLang="zh-CN" dirty="0"/>
-              <a:t>In data with strong echoes, it's nearly impossible to perform cycle segmentation by locating large peaks.</a:t>
+              <a:t>In data with strong echoes, it’s impossible to perform cycle segmentation by locating large peaks,</a:t>
+            </a:r>
+            <a:r>
+              <a:rPr lang="zh-CN" altLang="en-US" dirty="0"/>
+              <a:t> </a:t>
+            </a:r>
+            <a:r>
+              <a:rPr lang="en-US" altLang="zh-CN" dirty="0"/>
+              <a:t>as</a:t>
+            </a:r>
+            <a:r>
+              <a:rPr lang="zh-CN" altLang="en-US" dirty="0"/>
+              <a:t> </a:t>
+            </a:r>
+            <a:r>
+              <a:rPr lang="en-US" altLang="zh-CN" dirty="0"/>
+              <a:t>it</a:t>
+            </a:r>
+            <a:r>
+              <a:rPr lang="zh-CN" altLang="en-US" dirty="0"/>
+              <a:t> </a:t>
+            </a:r>
+            <a:r>
+              <a:rPr lang="en-US" altLang="zh-CN" dirty="0"/>
+              <a:t>is hard to locate large peaks. </a:t>
+            </a:r>
+            <a:r>
+              <a:rPr lang="en-US" altLang="zh-CN" dirty="0">
+                <a:solidFill>
+                  <a:srgbClr val="C00000"/>
+                </a:solidFill>
+              </a:rPr>
+              <a:t>X</a:t>
             </a:r>
           </a:p>
           <a:p>
@@ -8937,7 +9436,15 @@
           <a:p>
             <a:r>
               <a:rPr lang="en-US" altLang="zh-CN" dirty="0"/>
-              <a:t>At the same time, directly using Heart Rate as the cycle length for segmentation results in a significant time shift (as shown in the figure below).</a:t>
+              <a:t>At the same time, directly using Heart Rate as the cycle length for segmentation will result in a significant time shift (as shown in the figure below). </a:t>
+            </a:r>
+            <a:r>
+              <a:rPr lang="en-US" altLang="zh-CN" dirty="0">
+                <a:solidFill>
+                  <a:srgbClr val="C00000"/>
+                </a:solidFill>
+              </a:rPr>
+              <a:t>X</a:t>
             </a:r>
           </a:p>
         </p:txBody>
@@ -9010,10 +9517,10 @@
       </p:grpSpPr>
       <p:sp>
         <p:nvSpPr>
-          <p:cNvPr id="55" name="文本框 54">
-            <a:extLst>
-              <a:ext uri="{FF2B5EF4-FFF2-40B4-BE49-F238E27FC236}">
-                <a16:creationId xmlns:a16="http://schemas.microsoft.com/office/drawing/2014/main" id="{32A2BE86-86A6-F1FC-83EE-91A826B532E5}"/>
+          <p:cNvPr id="3" name="文本框 2">
+            <a:extLst>
+              <a:ext uri="{FF2B5EF4-FFF2-40B4-BE49-F238E27FC236}">
+                <a16:creationId xmlns:a16="http://schemas.microsoft.com/office/drawing/2014/main" id="{2E1C64E3-933D-9360-E103-13AAFAE5702E}"/>
               </a:ext>
             </a:extLst>
           </p:cNvPr>
@@ -9022,8 +9529,133 @@
         </p:nvSpPr>
         <p:spPr>
           <a:xfrm>
-            <a:off x="609600" y="106251"/>
-            <a:ext cx="6164062" cy="461665"/>
+            <a:off x="1117108" y="697590"/>
+            <a:ext cx="10348610" cy="2031325"/>
+          </a:xfrm>
+          <a:prstGeom prst="rect">
+            <a:avLst/>
+          </a:prstGeom>
+          <a:noFill/>
+        </p:spPr>
+        <p:txBody>
+          <a:bodyPr wrap="square">
+            <a:spAutoFit/>
+          </a:bodyPr>
+          <a:lstStyle/>
+          <a:p>
+            <a:r>
+              <a:rPr lang="en-US" altLang="zh-CN" dirty="0"/>
+              <a:t>Within a relatively short time, like 10 sec, patterns of echoes remain relatively consistent and don't exhibit significant variations.</a:t>
+            </a:r>
+          </a:p>
+          <a:p>
+            <a:endParaRPr lang="en-US" altLang="zh-CN" dirty="0"/>
+          </a:p>
+          <a:p>
+            <a:r>
+              <a:rPr lang="en-US" altLang="zh-CN" dirty="0"/>
+              <a:t>So, using autocorrelation for separation is a good idea. </a:t>
+            </a:r>
+          </a:p>
+          <a:p>
+            <a:endParaRPr lang="en-US" altLang="zh-CN" dirty="0"/>
+          </a:p>
+          <a:p>
+            <a:r>
+              <a:rPr lang="en-US" altLang="zh-CN" dirty="0"/>
+              <a:t>Below are two examples: left one with a high number of circles and right one with very few circles.</a:t>
+            </a:r>
+          </a:p>
+        </p:txBody>
+      </p:sp>
+      <p:pic>
+        <p:nvPicPr>
+          <p:cNvPr id="4" name="图片 3">
+            <a:extLst>
+              <a:ext uri="{FF2B5EF4-FFF2-40B4-BE49-F238E27FC236}">
+                <a16:creationId xmlns:a16="http://schemas.microsoft.com/office/drawing/2014/main" id="{4BD927F5-BAD3-8D7C-25F5-B12A52CC9E94}"/>
+              </a:ext>
+            </a:extLst>
+          </p:cNvPr>
+          <p:cNvPicPr>
+            <a:picLocks noChangeAspect="1"/>
+          </p:cNvPicPr>
+          <p:nvPr/>
+        </p:nvPicPr>
+        <p:blipFill>
+          <a:blip r:embed="rId3">
+            <a:extLst>
+              <a:ext uri="{28A0092B-C50C-407E-A947-70E740481C1C}">
+                <a14:useLocalDpi xmlns:a14="http://schemas.microsoft.com/office/drawing/2010/main" val="0"/>
+              </a:ext>
+            </a:extLst>
+          </a:blip>
+          <a:stretch>
+            <a:fillRect/>
+          </a:stretch>
+        </p:blipFill>
+        <p:spPr>
+          <a:xfrm>
+            <a:off x="659908" y="2737843"/>
+            <a:ext cx="5491163" cy="4118372"/>
+          </a:xfrm>
+          <a:prstGeom prst="rect">
+            <a:avLst/>
+          </a:prstGeom>
+        </p:spPr>
+      </p:pic>
+      <p:pic>
+        <p:nvPicPr>
+          <p:cNvPr id="6" name="图片 5">
+            <a:extLst>
+              <a:ext uri="{FF2B5EF4-FFF2-40B4-BE49-F238E27FC236}">
+                <a16:creationId xmlns:a16="http://schemas.microsoft.com/office/drawing/2014/main" id="{4B7C6FBA-755F-065A-198F-E0E8298EDE17}"/>
+              </a:ext>
+            </a:extLst>
+          </p:cNvPr>
+          <p:cNvPicPr>
+            <a:picLocks noChangeAspect="1"/>
+          </p:cNvPicPr>
+          <p:nvPr/>
+        </p:nvPicPr>
+        <p:blipFill>
+          <a:blip r:embed="rId4">
+            <a:extLst>
+              <a:ext uri="{28A0092B-C50C-407E-A947-70E740481C1C}">
+                <a14:useLocalDpi xmlns:a14="http://schemas.microsoft.com/office/drawing/2010/main" val="0"/>
+              </a:ext>
+            </a:extLst>
+          </a:blip>
+          <a:stretch>
+            <a:fillRect/>
+          </a:stretch>
+        </p:blipFill>
+        <p:spPr>
+          <a:xfrm>
+            <a:off x="6151071" y="2777133"/>
+            <a:ext cx="5441156" cy="4080867"/>
+          </a:xfrm>
+          <a:prstGeom prst="rect">
+            <a:avLst/>
+          </a:prstGeom>
+        </p:spPr>
+      </p:pic>
+      <p:sp>
+        <p:nvSpPr>
+          <p:cNvPr id="2" name="文本框 1">
+            <a:extLst>
+              <a:ext uri="{FF2B5EF4-FFF2-40B4-BE49-F238E27FC236}">
+                <a16:creationId xmlns:a16="http://schemas.microsoft.com/office/drawing/2014/main" id="{647DA9CA-6F20-8E26-7A9A-E9EDD8C55980}"/>
+              </a:ext>
+            </a:extLst>
+          </p:cNvPr>
+          <p:cNvSpPr txBox="1"/>
+          <p:nvPr/>
+        </p:nvSpPr>
+        <p:spPr>
+          <a:xfrm>
+            <a:off x="609599" y="106251"/>
+            <a:ext cx="6898481" cy="461665"/>
           </a:xfrm>
           <a:prstGeom prst="rect">
             <a:avLst/>
@@ -9052,136 +9684,1747 @@
             </a:r>
             <a:r>
               <a:rPr lang="en-US" altLang="zh-CN" sz="1400" dirty="0"/>
-              <a:t>Remove</a:t>
-            </a:r>
-          </a:p>
-        </p:txBody>
-      </p:sp>
-      <p:sp>
-        <p:nvSpPr>
-          <p:cNvPr id="3" name="文本框 2">
-            <a:extLst>
-              <a:ext uri="{FF2B5EF4-FFF2-40B4-BE49-F238E27FC236}">
-                <a16:creationId xmlns:a16="http://schemas.microsoft.com/office/drawing/2014/main" id="{2E1C64E3-933D-9360-E103-13AAFAE5702E}"/>
-              </a:ext>
-            </a:extLst>
-          </p:cNvPr>
-          <p:cNvSpPr txBox="1"/>
+              <a:t>segmentation method in situations with heavy echoes</a:t>
+            </a:r>
+          </a:p>
+        </p:txBody>
+      </p:sp>
+      <p:sp>
+        <p:nvSpPr>
+          <p:cNvPr id="5" name="椭圆 4">
+            <a:extLst>
+              <a:ext uri="{FF2B5EF4-FFF2-40B4-BE49-F238E27FC236}">
+                <a16:creationId xmlns:a16="http://schemas.microsoft.com/office/drawing/2014/main" id="{CE9C57E7-94F9-51CA-7919-8F3577EF7E80}"/>
+              </a:ext>
+            </a:extLst>
+          </p:cNvPr>
+          <p:cNvSpPr/>
           <p:nvPr/>
         </p:nvSpPr>
         <p:spPr>
           <a:xfrm>
-            <a:off x="1617171" y="567916"/>
-            <a:ext cx="9648524" cy="2031325"/>
+            <a:off x="3567416" y="5688806"/>
+            <a:ext cx="64770" cy="60007"/>
           </a:xfrm>
-          <a:prstGeom prst="rect">
+          <a:prstGeom prst="ellipse">
             <a:avLst/>
           </a:prstGeom>
           <a:noFill/>
+          <a:ln>
+            <a:solidFill>
+              <a:srgbClr val="C00000"/>
+            </a:solidFill>
+          </a:ln>
         </p:spPr>
-        <p:txBody>
-          <a:bodyPr wrap="square">
-            <a:spAutoFit/>
-          </a:bodyPr>
-          <a:lstStyle/>
-          <a:p>
-            <a:r>
-              <a:rPr lang="en-US" altLang="zh-CN" dirty="0"/>
-              <a:t>Within a relatively short timeframe, the patterns generated by echoes remain relatively consistent and don't exhibit significant variations.</a:t>
-            </a:r>
-          </a:p>
-          <a:p>
-            <a:endParaRPr lang="en-US" altLang="zh-CN" dirty="0"/>
-          </a:p>
-          <a:p>
-            <a:r>
-              <a:rPr lang="en-US" altLang="zh-CN" dirty="0"/>
-              <a:t>So, using autocorrelation for separation is a good idea. </a:t>
-            </a:r>
-          </a:p>
-          <a:p>
-            <a:endParaRPr lang="en-US" altLang="zh-CN" dirty="0"/>
-          </a:p>
-          <a:p>
-            <a:r>
-              <a:rPr lang="en-US" altLang="zh-CN" dirty="0"/>
-              <a:t>Below are two examples: one with very few peaks and another with a high number of peaks.</a:t>
-            </a:r>
-          </a:p>
-        </p:txBody>
-      </p:sp>
-      <p:pic>
-        <p:nvPicPr>
-          <p:cNvPr id="4" name="图片 3">
-            <a:extLst>
-              <a:ext uri="{FF2B5EF4-FFF2-40B4-BE49-F238E27FC236}">
-                <a16:creationId xmlns:a16="http://schemas.microsoft.com/office/drawing/2014/main" id="{4BD927F5-BAD3-8D7C-25F5-B12A52CC9E94}"/>
-              </a:ext>
-            </a:extLst>
-          </p:cNvPr>
-          <p:cNvPicPr>
-            <a:picLocks noChangeAspect="1"/>
-          </p:cNvPicPr>
+        <p:style>
+          <a:lnRef idx="2">
+            <a:schemeClr val="accent1">
+              <a:shade val="15000"/>
+            </a:schemeClr>
+          </a:lnRef>
+          <a:fillRef idx="1">
+            <a:schemeClr val="accent1"/>
+          </a:fillRef>
+          <a:effectRef idx="0">
+            <a:schemeClr val="accent1"/>
+          </a:effectRef>
+          <a:fontRef idx="minor">
+            <a:schemeClr val="lt1"/>
+          </a:fontRef>
+        </p:style>
+        <p:txBody>
+          <a:bodyPr rtlCol="0" anchor="ctr"/>
+          <a:lstStyle/>
+          <a:p>
+            <a:pPr algn="ctr"/>
+            <a:endParaRPr lang="zh-CN" altLang="en-US">
+              <a:solidFill>
+                <a:srgbClr val="C00000"/>
+              </a:solidFill>
+            </a:endParaRPr>
+          </a:p>
+        </p:txBody>
+      </p:sp>
+      <p:sp>
+        <p:nvSpPr>
+          <p:cNvPr id="7" name="椭圆 6">
+            <a:extLst>
+              <a:ext uri="{FF2B5EF4-FFF2-40B4-BE49-F238E27FC236}">
+                <a16:creationId xmlns:a16="http://schemas.microsoft.com/office/drawing/2014/main" id="{EF3409B4-FC02-8639-70F9-82BB27BDB78F}"/>
+              </a:ext>
+            </a:extLst>
+          </p:cNvPr>
+          <p:cNvSpPr/>
           <p:nvPr/>
-        </p:nvPicPr>
-        <p:blipFill>
-          <a:blip r:embed="rId3">
-            <a:extLst>
-              <a:ext uri="{28A0092B-C50C-407E-A947-70E740481C1C}">
-                <a14:useLocalDpi xmlns:a14="http://schemas.microsoft.com/office/drawing/2010/main" val="0"/>
-              </a:ext>
-            </a:extLst>
-          </a:blip>
-          <a:stretch>
-            <a:fillRect/>
-          </a:stretch>
-        </p:blipFill>
+        </p:nvSpPr>
         <p:spPr>
           <a:xfrm>
-            <a:off x="654843" y="2730700"/>
-            <a:ext cx="5491163" cy="4118372"/>
+            <a:off x="3666476" y="5714999"/>
+            <a:ext cx="64770" cy="60007"/>
           </a:xfrm>
-          <a:prstGeom prst="rect">
+          <a:prstGeom prst="ellipse">
             <a:avLst/>
           </a:prstGeom>
+          <a:noFill/>
+          <a:ln>
+            <a:solidFill>
+              <a:srgbClr val="C00000"/>
+            </a:solidFill>
+          </a:ln>
         </p:spPr>
-      </p:pic>
-      <p:pic>
-        <p:nvPicPr>
-          <p:cNvPr id="6" name="图片 5">
-            <a:extLst>
-              <a:ext uri="{FF2B5EF4-FFF2-40B4-BE49-F238E27FC236}">
-                <a16:creationId xmlns:a16="http://schemas.microsoft.com/office/drawing/2014/main" id="{4B7C6FBA-755F-065A-198F-E0E8298EDE17}"/>
-              </a:ext>
-            </a:extLst>
-          </p:cNvPr>
-          <p:cNvPicPr>
-            <a:picLocks noChangeAspect="1"/>
-          </p:cNvPicPr>
+        <p:style>
+          <a:lnRef idx="2">
+            <a:schemeClr val="accent1">
+              <a:shade val="15000"/>
+            </a:schemeClr>
+          </a:lnRef>
+          <a:fillRef idx="1">
+            <a:schemeClr val="accent1"/>
+          </a:fillRef>
+          <a:effectRef idx="0">
+            <a:schemeClr val="accent1"/>
+          </a:effectRef>
+          <a:fontRef idx="minor">
+            <a:schemeClr val="lt1"/>
+          </a:fontRef>
+        </p:style>
+        <p:txBody>
+          <a:bodyPr rtlCol="0" anchor="ctr"/>
+          <a:lstStyle/>
+          <a:p>
+            <a:pPr algn="ctr"/>
+            <a:endParaRPr lang="zh-CN" altLang="en-US">
+              <a:solidFill>
+                <a:srgbClr val="C00000"/>
+              </a:solidFill>
+            </a:endParaRPr>
+          </a:p>
+        </p:txBody>
+      </p:sp>
+      <p:sp>
+        <p:nvSpPr>
+          <p:cNvPr id="8" name="椭圆 7">
+            <a:extLst>
+              <a:ext uri="{FF2B5EF4-FFF2-40B4-BE49-F238E27FC236}">
+                <a16:creationId xmlns:a16="http://schemas.microsoft.com/office/drawing/2014/main" id="{D436B723-E0D2-6B70-D754-F98BCBE5FB4D}"/>
+              </a:ext>
+            </a:extLst>
+          </p:cNvPr>
+          <p:cNvSpPr/>
           <p:nvPr/>
-        </p:nvPicPr>
-        <p:blipFill>
-          <a:blip r:embed="rId4">
-            <a:extLst>
-              <a:ext uri="{28A0092B-C50C-407E-A947-70E740481C1C}">
-                <a14:useLocalDpi xmlns:a14="http://schemas.microsoft.com/office/drawing/2010/main" val="0"/>
-              </a:ext>
-            </a:extLst>
-          </a:blip>
-          <a:stretch>
-            <a:fillRect/>
-          </a:stretch>
-        </p:blipFill>
+        </p:nvSpPr>
         <p:spPr>
           <a:xfrm>
-            <a:off x="6146006" y="2769990"/>
-            <a:ext cx="5441156" cy="4080867"/>
+            <a:off x="3765536" y="5737443"/>
+            <a:ext cx="64770" cy="60007"/>
           </a:xfrm>
-          <a:prstGeom prst="rect">
+          <a:prstGeom prst="ellipse">
             <a:avLst/>
           </a:prstGeom>
+          <a:noFill/>
+          <a:ln>
+            <a:solidFill>
+              <a:srgbClr val="C00000"/>
+            </a:solidFill>
+          </a:ln>
         </p:spPr>
-      </p:pic>
+        <p:style>
+          <a:lnRef idx="2">
+            <a:schemeClr val="accent1">
+              <a:shade val="15000"/>
+            </a:schemeClr>
+          </a:lnRef>
+          <a:fillRef idx="1">
+            <a:schemeClr val="accent1"/>
+          </a:fillRef>
+          <a:effectRef idx="0">
+            <a:schemeClr val="accent1"/>
+          </a:effectRef>
+          <a:fontRef idx="minor">
+            <a:schemeClr val="lt1"/>
+          </a:fontRef>
+        </p:style>
+        <p:txBody>
+          <a:bodyPr rtlCol="0" anchor="ctr"/>
+          <a:lstStyle/>
+          <a:p>
+            <a:pPr algn="ctr"/>
+            <a:endParaRPr lang="zh-CN" altLang="en-US">
+              <a:solidFill>
+                <a:srgbClr val="C00000"/>
+              </a:solidFill>
+            </a:endParaRPr>
+          </a:p>
+        </p:txBody>
+      </p:sp>
+      <p:sp>
+        <p:nvSpPr>
+          <p:cNvPr id="9" name="椭圆 8">
+            <a:extLst>
+              <a:ext uri="{FF2B5EF4-FFF2-40B4-BE49-F238E27FC236}">
+                <a16:creationId xmlns:a16="http://schemas.microsoft.com/office/drawing/2014/main" id="{08BAB822-F0F3-14D5-BE11-2071B4D28368}"/>
+              </a:ext>
+            </a:extLst>
+          </p:cNvPr>
+          <p:cNvSpPr/>
+          <p:nvPr/>
+        </p:nvSpPr>
+        <p:spPr>
+          <a:xfrm>
+            <a:off x="3856976" y="5905976"/>
+            <a:ext cx="64770" cy="60007"/>
+          </a:xfrm>
+          <a:prstGeom prst="ellipse">
+            <a:avLst/>
+          </a:prstGeom>
+          <a:noFill/>
+          <a:ln>
+            <a:solidFill>
+              <a:srgbClr val="C00000"/>
+            </a:solidFill>
+          </a:ln>
+        </p:spPr>
+        <p:style>
+          <a:lnRef idx="2">
+            <a:schemeClr val="accent1">
+              <a:shade val="15000"/>
+            </a:schemeClr>
+          </a:lnRef>
+          <a:fillRef idx="1">
+            <a:schemeClr val="accent1"/>
+          </a:fillRef>
+          <a:effectRef idx="0">
+            <a:schemeClr val="accent1"/>
+          </a:effectRef>
+          <a:fontRef idx="minor">
+            <a:schemeClr val="lt1"/>
+          </a:fontRef>
+        </p:style>
+        <p:txBody>
+          <a:bodyPr rtlCol="0" anchor="ctr"/>
+          <a:lstStyle/>
+          <a:p>
+            <a:pPr algn="ctr"/>
+            <a:endParaRPr lang="zh-CN" altLang="en-US">
+              <a:solidFill>
+                <a:srgbClr val="C00000"/>
+              </a:solidFill>
+            </a:endParaRPr>
+          </a:p>
+        </p:txBody>
+      </p:sp>
+      <p:sp>
+        <p:nvSpPr>
+          <p:cNvPr id="10" name="椭圆 9">
+            <a:extLst>
+              <a:ext uri="{FF2B5EF4-FFF2-40B4-BE49-F238E27FC236}">
+                <a16:creationId xmlns:a16="http://schemas.microsoft.com/office/drawing/2014/main" id="{6203833E-284B-F3A4-ECB3-23C646B3A990}"/>
+              </a:ext>
+            </a:extLst>
+          </p:cNvPr>
+          <p:cNvSpPr/>
+          <p:nvPr/>
+        </p:nvSpPr>
+        <p:spPr>
+          <a:xfrm>
+            <a:off x="3959846" y="5935979"/>
+            <a:ext cx="64770" cy="60007"/>
+          </a:xfrm>
+          <a:prstGeom prst="ellipse">
+            <a:avLst/>
+          </a:prstGeom>
+          <a:noFill/>
+          <a:ln>
+            <a:solidFill>
+              <a:srgbClr val="C00000"/>
+            </a:solidFill>
+          </a:ln>
+        </p:spPr>
+        <p:style>
+          <a:lnRef idx="2">
+            <a:schemeClr val="accent1">
+              <a:shade val="15000"/>
+            </a:schemeClr>
+          </a:lnRef>
+          <a:fillRef idx="1">
+            <a:schemeClr val="accent1"/>
+          </a:fillRef>
+          <a:effectRef idx="0">
+            <a:schemeClr val="accent1"/>
+          </a:effectRef>
+          <a:fontRef idx="minor">
+            <a:schemeClr val="lt1"/>
+          </a:fontRef>
+        </p:style>
+        <p:txBody>
+          <a:bodyPr rtlCol="0" anchor="ctr"/>
+          <a:lstStyle/>
+          <a:p>
+            <a:pPr algn="ctr"/>
+            <a:endParaRPr lang="zh-CN" altLang="en-US">
+              <a:solidFill>
+                <a:srgbClr val="C00000"/>
+              </a:solidFill>
+            </a:endParaRPr>
+          </a:p>
+        </p:txBody>
+      </p:sp>
+      <p:sp>
+        <p:nvSpPr>
+          <p:cNvPr id="11" name="椭圆 10">
+            <a:extLst>
+              <a:ext uri="{FF2B5EF4-FFF2-40B4-BE49-F238E27FC236}">
+                <a16:creationId xmlns:a16="http://schemas.microsoft.com/office/drawing/2014/main" id="{247C279C-8F1A-D0C6-EB26-EDD9FC3AEFBD}"/>
+              </a:ext>
+            </a:extLst>
+          </p:cNvPr>
+          <p:cNvSpPr/>
+          <p:nvPr/>
+        </p:nvSpPr>
+        <p:spPr>
+          <a:xfrm>
+            <a:off x="4063904" y="6050756"/>
+            <a:ext cx="64770" cy="60007"/>
+          </a:xfrm>
+          <a:prstGeom prst="ellipse">
+            <a:avLst/>
+          </a:prstGeom>
+          <a:noFill/>
+          <a:ln>
+            <a:solidFill>
+              <a:srgbClr val="C00000"/>
+            </a:solidFill>
+          </a:ln>
+        </p:spPr>
+        <p:style>
+          <a:lnRef idx="2">
+            <a:schemeClr val="accent1">
+              <a:shade val="15000"/>
+            </a:schemeClr>
+          </a:lnRef>
+          <a:fillRef idx="1">
+            <a:schemeClr val="accent1"/>
+          </a:fillRef>
+          <a:effectRef idx="0">
+            <a:schemeClr val="accent1"/>
+          </a:effectRef>
+          <a:fontRef idx="minor">
+            <a:schemeClr val="lt1"/>
+          </a:fontRef>
+        </p:style>
+        <p:txBody>
+          <a:bodyPr rtlCol="0" anchor="ctr"/>
+          <a:lstStyle/>
+          <a:p>
+            <a:pPr algn="ctr"/>
+            <a:endParaRPr lang="zh-CN" altLang="en-US">
+              <a:solidFill>
+                <a:srgbClr val="C00000"/>
+              </a:solidFill>
+            </a:endParaRPr>
+          </a:p>
+        </p:txBody>
+      </p:sp>
+      <p:sp>
+        <p:nvSpPr>
+          <p:cNvPr id="12" name="椭圆 11">
+            <a:extLst>
+              <a:ext uri="{FF2B5EF4-FFF2-40B4-BE49-F238E27FC236}">
+                <a16:creationId xmlns:a16="http://schemas.microsoft.com/office/drawing/2014/main" id="{F4368F3B-B5B5-8308-C3C6-7D1F17AF45DD}"/>
+              </a:ext>
+            </a:extLst>
+          </p:cNvPr>
+          <p:cNvSpPr/>
+          <p:nvPr/>
+        </p:nvSpPr>
+        <p:spPr>
+          <a:xfrm>
+            <a:off x="4161776" y="6080759"/>
+            <a:ext cx="64770" cy="60007"/>
+          </a:xfrm>
+          <a:prstGeom prst="ellipse">
+            <a:avLst/>
+          </a:prstGeom>
+          <a:noFill/>
+          <a:ln>
+            <a:solidFill>
+              <a:srgbClr val="C00000"/>
+            </a:solidFill>
+          </a:ln>
+        </p:spPr>
+        <p:style>
+          <a:lnRef idx="2">
+            <a:schemeClr val="accent1">
+              <a:shade val="15000"/>
+            </a:schemeClr>
+          </a:lnRef>
+          <a:fillRef idx="1">
+            <a:schemeClr val="accent1"/>
+          </a:fillRef>
+          <a:effectRef idx="0">
+            <a:schemeClr val="accent1"/>
+          </a:effectRef>
+          <a:fontRef idx="minor">
+            <a:schemeClr val="lt1"/>
+          </a:fontRef>
+        </p:style>
+        <p:txBody>
+          <a:bodyPr rtlCol="0" anchor="ctr"/>
+          <a:lstStyle/>
+          <a:p>
+            <a:pPr algn="ctr"/>
+            <a:endParaRPr lang="zh-CN" altLang="en-US">
+              <a:solidFill>
+                <a:srgbClr val="C00000"/>
+              </a:solidFill>
+            </a:endParaRPr>
+          </a:p>
+        </p:txBody>
+      </p:sp>
+      <p:sp>
+        <p:nvSpPr>
+          <p:cNvPr id="13" name="椭圆 12">
+            <a:extLst>
+              <a:ext uri="{FF2B5EF4-FFF2-40B4-BE49-F238E27FC236}">
+                <a16:creationId xmlns:a16="http://schemas.microsoft.com/office/drawing/2014/main" id="{8159703C-0756-3DCF-9D12-A35A88ACD494}"/>
+              </a:ext>
+            </a:extLst>
+          </p:cNvPr>
+          <p:cNvSpPr/>
+          <p:nvPr/>
+        </p:nvSpPr>
+        <p:spPr>
+          <a:xfrm>
+            <a:off x="4259648" y="6054358"/>
+            <a:ext cx="64770" cy="60007"/>
+          </a:xfrm>
+          <a:prstGeom prst="ellipse">
+            <a:avLst/>
+          </a:prstGeom>
+          <a:noFill/>
+          <a:ln>
+            <a:solidFill>
+              <a:srgbClr val="C00000"/>
+            </a:solidFill>
+          </a:ln>
+        </p:spPr>
+        <p:style>
+          <a:lnRef idx="2">
+            <a:schemeClr val="accent1">
+              <a:shade val="15000"/>
+            </a:schemeClr>
+          </a:lnRef>
+          <a:fillRef idx="1">
+            <a:schemeClr val="accent1"/>
+          </a:fillRef>
+          <a:effectRef idx="0">
+            <a:schemeClr val="accent1"/>
+          </a:effectRef>
+          <a:fontRef idx="minor">
+            <a:schemeClr val="lt1"/>
+          </a:fontRef>
+        </p:style>
+        <p:txBody>
+          <a:bodyPr rtlCol="0" anchor="ctr"/>
+          <a:lstStyle/>
+          <a:p>
+            <a:pPr algn="ctr"/>
+            <a:endParaRPr lang="zh-CN" altLang="en-US">
+              <a:solidFill>
+                <a:srgbClr val="C00000"/>
+              </a:solidFill>
+            </a:endParaRPr>
+          </a:p>
+        </p:txBody>
+      </p:sp>
+      <p:sp>
+        <p:nvSpPr>
+          <p:cNvPr id="14" name="椭圆 13">
+            <a:extLst>
+              <a:ext uri="{FF2B5EF4-FFF2-40B4-BE49-F238E27FC236}">
+                <a16:creationId xmlns:a16="http://schemas.microsoft.com/office/drawing/2014/main" id="{1C242830-8EFB-E51A-F5C7-3D23683CAE6B}"/>
+              </a:ext>
+            </a:extLst>
+          </p:cNvPr>
+          <p:cNvSpPr/>
+          <p:nvPr/>
+        </p:nvSpPr>
+        <p:spPr>
+          <a:xfrm>
+            <a:off x="4357520" y="6080758"/>
+            <a:ext cx="64770" cy="60007"/>
+          </a:xfrm>
+          <a:prstGeom prst="ellipse">
+            <a:avLst/>
+          </a:prstGeom>
+          <a:noFill/>
+          <a:ln>
+            <a:solidFill>
+              <a:srgbClr val="C00000"/>
+            </a:solidFill>
+          </a:ln>
+        </p:spPr>
+        <p:style>
+          <a:lnRef idx="2">
+            <a:schemeClr val="accent1">
+              <a:shade val="15000"/>
+            </a:schemeClr>
+          </a:lnRef>
+          <a:fillRef idx="1">
+            <a:schemeClr val="accent1"/>
+          </a:fillRef>
+          <a:effectRef idx="0">
+            <a:schemeClr val="accent1"/>
+          </a:effectRef>
+          <a:fontRef idx="minor">
+            <a:schemeClr val="lt1"/>
+          </a:fontRef>
+        </p:style>
+        <p:txBody>
+          <a:bodyPr rtlCol="0" anchor="ctr"/>
+          <a:lstStyle/>
+          <a:p>
+            <a:pPr algn="ctr"/>
+            <a:endParaRPr lang="zh-CN" altLang="en-US">
+              <a:solidFill>
+                <a:srgbClr val="C00000"/>
+              </a:solidFill>
+            </a:endParaRPr>
+          </a:p>
+        </p:txBody>
+      </p:sp>
+      <p:sp>
+        <p:nvSpPr>
+          <p:cNvPr id="15" name="椭圆 14">
+            <a:extLst>
+              <a:ext uri="{FF2B5EF4-FFF2-40B4-BE49-F238E27FC236}">
+                <a16:creationId xmlns:a16="http://schemas.microsoft.com/office/drawing/2014/main" id="{45FCE239-04A8-BEF9-801B-1ECE93B34897}"/>
+              </a:ext>
+            </a:extLst>
+          </p:cNvPr>
+          <p:cNvSpPr/>
+          <p:nvPr/>
+        </p:nvSpPr>
+        <p:spPr>
+          <a:xfrm>
+            <a:off x="4455392" y="6137549"/>
+            <a:ext cx="64770" cy="60007"/>
+          </a:xfrm>
+          <a:prstGeom prst="ellipse">
+            <a:avLst/>
+          </a:prstGeom>
+          <a:noFill/>
+          <a:ln>
+            <a:solidFill>
+              <a:srgbClr val="C00000"/>
+            </a:solidFill>
+          </a:ln>
+        </p:spPr>
+        <p:style>
+          <a:lnRef idx="2">
+            <a:schemeClr val="accent1">
+              <a:shade val="15000"/>
+            </a:schemeClr>
+          </a:lnRef>
+          <a:fillRef idx="1">
+            <a:schemeClr val="accent1"/>
+          </a:fillRef>
+          <a:effectRef idx="0">
+            <a:schemeClr val="accent1"/>
+          </a:effectRef>
+          <a:fontRef idx="minor">
+            <a:schemeClr val="lt1"/>
+          </a:fontRef>
+        </p:style>
+        <p:txBody>
+          <a:bodyPr rtlCol="0" anchor="ctr"/>
+          <a:lstStyle/>
+          <a:p>
+            <a:pPr algn="ctr"/>
+            <a:endParaRPr lang="zh-CN" altLang="en-US">
+              <a:solidFill>
+                <a:srgbClr val="C00000"/>
+              </a:solidFill>
+            </a:endParaRPr>
+          </a:p>
+        </p:txBody>
+      </p:sp>
+      <p:sp>
+        <p:nvSpPr>
+          <p:cNvPr id="16" name="椭圆 15">
+            <a:extLst>
+              <a:ext uri="{FF2B5EF4-FFF2-40B4-BE49-F238E27FC236}">
+                <a16:creationId xmlns:a16="http://schemas.microsoft.com/office/drawing/2014/main" id="{BA0B0BBF-3ABD-6190-945A-E85BFFBCC66C}"/>
+              </a:ext>
+            </a:extLst>
+          </p:cNvPr>
+          <p:cNvSpPr/>
+          <p:nvPr/>
+        </p:nvSpPr>
+        <p:spPr>
+          <a:xfrm>
+            <a:off x="4535403" y="6050756"/>
+            <a:ext cx="64770" cy="60007"/>
+          </a:xfrm>
+          <a:prstGeom prst="ellipse">
+            <a:avLst/>
+          </a:prstGeom>
+          <a:noFill/>
+          <a:ln>
+            <a:solidFill>
+              <a:srgbClr val="C00000"/>
+            </a:solidFill>
+          </a:ln>
+        </p:spPr>
+        <p:style>
+          <a:lnRef idx="2">
+            <a:schemeClr val="accent1">
+              <a:shade val="15000"/>
+            </a:schemeClr>
+          </a:lnRef>
+          <a:fillRef idx="1">
+            <a:schemeClr val="accent1"/>
+          </a:fillRef>
+          <a:effectRef idx="0">
+            <a:schemeClr val="accent1"/>
+          </a:effectRef>
+          <a:fontRef idx="minor">
+            <a:schemeClr val="lt1"/>
+          </a:fontRef>
+        </p:style>
+        <p:txBody>
+          <a:bodyPr rtlCol="0" anchor="ctr"/>
+          <a:lstStyle/>
+          <a:p>
+            <a:pPr algn="ctr"/>
+            <a:endParaRPr lang="zh-CN" altLang="en-US">
+              <a:solidFill>
+                <a:srgbClr val="C00000"/>
+              </a:solidFill>
+            </a:endParaRPr>
+          </a:p>
+        </p:txBody>
+      </p:sp>
+      <p:sp>
+        <p:nvSpPr>
+          <p:cNvPr id="17" name="椭圆 16">
+            <a:extLst>
+              <a:ext uri="{FF2B5EF4-FFF2-40B4-BE49-F238E27FC236}">
+                <a16:creationId xmlns:a16="http://schemas.microsoft.com/office/drawing/2014/main" id="{9DB20952-52C8-C3A5-2149-55B7065B8F29}"/>
+              </a:ext>
+            </a:extLst>
+          </p:cNvPr>
+          <p:cNvSpPr/>
+          <p:nvPr/>
+        </p:nvSpPr>
+        <p:spPr>
+          <a:xfrm>
+            <a:off x="4646612" y="6050756"/>
+            <a:ext cx="64770" cy="60007"/>
+          </a:xfrm>
+          <a:prstGeom prst="ellipse">
+            <a:avLst/>
+          </a:prstGeom>
+          <a:noFill/>
+          <a:ln>
+            <a:solidFill>
+              <a:srgbClr val="C00000"/>
+            </a:solidFill>
+          </a:ln>
+        </p:spPr>
+        <p:style>
+          <a:lnRef idx="2">
+            <a:schemeClr val="accent1">
+              <a:shade val="15000"/>
+            </a:schemeClr>
+          </a:lnRef>
+          <a:fillRef idx="1">
+            <a:schemeClr val="accent1"/>
+          </a:fillRef>
+          <a:effectRef idx="0">
+            <a:schemeClr val="accent1"/>
+          </a:effectRef>
+          <a:fontRef idx="minor">
+            <a:schemeClr val="lt1"/>
+          </a:fontRef>
+        </p:style>
+        <p:txBody>
+          <a:bodyPr rtlCol="0" anchor="ctr"/>
+          <a:lstStyle/>
+          <a:p>
+            <a:pPr algn="ctr"/>
+            <a:endParaRPr lang="zh-CN" altLang="en-US">
+              <a:solidFill>
+                <a:srgbClr val="C00000"/>
+              </a:solidFill>
+            </a:endParaRPr>
+          </a:p>
+        </p:txBody>
+      </p:sp>
+      <p:sp>
+        <p:nvSpPr>
+          <p:cNvPr id="18" name="椭圆 17">
+            <a:extLst>
+              <a:ext uri="{FF2B5EF4-FFF2-40B4-BE49-F238E27FC236}">
+                <a16:creationId xmlns:a16="http://schemas.microsoft.com/office/drawing/2014/main" id="{29EB7BA3-50B8-8E8B-D605-D0695E236454}"/>
+              </a:ext>
+            </a:extLst>
+          </p:cNvPr>
+          <p:cNvSpPr/>
+          <p:nvPr/>
+        </p:nvSpPr>
+        <p:spPr>
+          <a:xfrm>
+            <a:off x="4746388" y="6110761"/>
+            <a:ext cx="64770" cy="60007"/>
+          </a:xfrm>
+          <a:prstGeom prst="ellipse">
+            <a:avLst/>
+          </a:prstGeom>
+          <a:noFill/>
+          <a:ln>
+            <a:solidFill>
+              <a:srgbClr val="C00000"/>
+            </a:solidFill>
+          </a:ln>
+        </p:spPr>
+        <p:style>
+          <a:lnRef idx="2">
+            <a:schemeClr val="accent1">
+              <a:shade val="15000"/>
+            </a:schemeClr>
+          </a:lnRef>
+          <a:fillRef idx="1">
+            <a:schemeClr val="accent1"/>
+          </a:fillRef>
+          <a:effectRef idx="0">
+            <a:schemeClr val="accent1"/>
+          </a:effectRef>
+          <a:fontRef idx="minor">
+            <a:schemeClr val="lt1"/>
+          </a:fontRef>
+        </p:style>
+        <p:txBody>
+          <a:bodyPr rtlCol="0" anchor="ctr"/>
+          <a:lstStyle/>
+          <a:p>
+            <a:pPr algn="ctr"/>
+            <a:endParaRPr lang="zh-CN" altLang="en-US">
+              <a:solidFill>
+                <a:srgbClr val="C00000"/>
+              </a:solidFill>
+            </a:endParaRPr>
+          </a:p>
+        </p:txBody>
+      </p:sp>
+      <p:sp>
+        <p:nvSpPr>
+          <p:cNvPr id="19" name="椭圆 18">
+            <a:extLst>
+              <a:ext uri="{FF2B5EF4-FFF2-40B4-BE49-F238E27FC236}">
+                <a16:creationId xmlns:a16="http://schemas.microsoft.com/office/drawing/2014/main" id="{699B6A37-7E72-673A-7B9F-DAA90137EA70}"/>
+              </a:ext>
+            </a:extLst>
+          </p:cNvPr>
+          <p:cNvSpPr/>
+          <p:nvPr/>
+        </p:nvSpPr>
+        <p:spPr>
+          <a:xfrm>
+            <a:off x="4844004" y="6065275"/>
+            <a:ext cx="64770" cy="60007"/>
+          </a:xfrm>
+          <a:prstGeom prst="ellipse">
+            <a:avLst/>
+          </a:prstGeom>
+          <a:noFill/>
+          <a:ln>
+            <a:solidFill>
+              <a:srgbClr val="C00000"/>
+            </a:solidFill>
+          </a:ln>
+        </p:spPr>
+        <p:style>
+          <a:lnRef idx="2">
+            <a:schemeClr val="accent1">
+              <a:shade val="15000"/>
+            </a:schemeClr>
+          </a:lnRef>
+          <a:fillRef idx="1">
+            <a:schemeClr val="accent1"/>
+          </a:fillRef>
+          <a:effectRef idx="0">
+            <a:schemeClr val="accent1"/>
+          </a:effectRef>
+          <a:fontRef idx="minor">
+            <a:schemeClr val="lt1"/>
+          </a:fontRef>
+        </p:style>
+        <p:txBody>
+          <a:bodyPr rtlCol="0" anchor="ctr"/>
+          <a:lstStyle/>
+          <a:p>
+            <a:pPr algn="ctr"/>
+            <a:endParaRPr lang="zh-CN" altLang="en-US">
+              <a:solidFill>
+                <a:srgbClr val="C00000"/>
+              </a:solidFill>
+            </a:endParaRPr>
+          </a:p>
+        </p:txBody>
+      </p:sp>
+      <p:sp>
+        <p:nvSpPr>
+          <p:cNvPr id="20" name="椭圆 19">
+            <a:extLst>
+              <a:ext uri="{FF2B5EF4-FFF2-40B4-BE49-F238E27FC236}">
+                <a16:creationId xmlns:a16="http://schemas.microsoft.com/office/drawing/2014/main" id="{94DB40BD-B989-F1CD-7857-C2119E8FFADF}"/>
+              </a:ext>
+            </a:extLst>
+          </p:cNvPr>
+          <p:cNvSpPr/>
+          <p:nvPr/>
+        </p:nvSpPr>
+        <p:spPr>
+          <a:xfrm>
+            <a:off x="4939254" y="6125282"/>
+            <a:ext cx="64770" cy="60007"/>
+          </a:xfrm>
+          <a:prstGeom prst="ellipse">
+            <a:avLst/>
+          </a:prstGeom>
+          <a:noFill/>
+          <a:ln>
+            <a:solidFill>
+              <a:srgbClr val="C00000"/>
+            </a:solidFill>
+          </a:ln>
+        </p:spPr>
+        <p:style>
+          <a:lnRef idx="2">
+            <a:schemeClr val="accent1">
+              <a:shade val="15000"/>
+            </a:schemeClr>
+          </a:lnRef>
+          <a:fillRef idx="1">
+            <a:schemeClr val="accent1"/>
+          </a:fillRef>
+          <a:effectRef idx="0">
+            <a:schemeClr val="accent1"/>
+          </a:effectRef>
+          <a:fontRef idx="minor">
+            <a:schemeClr val="lt1"/>
+          </a:fontRef>
+        </p:style>
+        <p:txBody>
+          <a:bodyPr rtlCol="0" anchor="ctr"/>
+          <a:lstStyle/>
+          <a:p>
+            <a:pPr algn="ctr"/>
+            <a:endParaRPr lang="zh-CN" altLang="en-US">
+              <a:solidFill>
+                <a:srgbClr val="C00000"/>
+              </a:solidFill>
+            </a:endParaRPr>
+          </a:p>
+        </p:txBody>
+      </p:sp>
+      <p:sp>
+        <p:nvSpPr>
+          <p:cNvPr id="21" name="椭圆 20">
+            <a:extLst>
+              <a:ext uri="{FF2B5EF4-FFF2-40B4-BE49-F238E27FC236}">
+                <a16:creationId xmlns:a16="http://schemas.microsoft.com/office/drawing/2014/main" id="{61CBA69E-B560-45AA-EC5E-C1380D001512}"/>
+              </a:ext>
+            </a:extLst>
+          </p:cNvPr>
+          <p:cNvSpPr/>
+          <p:nvPr/>
+        </p:nvSpPr>
+        <p:spPr>
+          <a:xfrm>
+            <a:off x="5023074" y="6197556"/>
+            <a:ext cx="64770" cy="60007"/>
+          </a:xfrm>
+          <a:prstGeom prst="ellipse">
+            <a:avLst/>
+          </a:prstGeom>
+          <a:noFill/>
+          <a:ln>
+            <a:solidFill>
+              <a:srgbClr val="C00000"/>
+            </a:solidFill>
+          </a:ln>
+        </p:spPr>
+        <p:style>
+          <a:lnRef idx="2">
+            <a:schemeClr val="accent1">
+              <a:shade val="15000"/>
+            </a:schemeClr>
+          </a:lnRef>
+          <a:fillRef idx="1">
+            <a:schemeClr val="accent1"/>
+          </a:fillRef>
+          <a:effectRef idx="0">
+            <a:schemeClr val="accent1"/>
+          </a:effectRef>
+          <a:fontRef idx="minor">
+            <a:schemeClr val="lt1"/>
+          </a:fontRef>
+        </p:style>
+        <p:txBody>
+          <a:bodyPr rtlCol="0" anchor="ctr"/>
+          <a:lstStyle/>
+          <a:p>
+            <a:pPr algn="ctr"/>
+            <a:endParaRPr lang="zh-CN" altLang="en-US">
+              <a:solidFill>
+                <a:srgbClr val="C00000"/>
+              </a:solidFill>
+            </a:endParaRPr>
+          </a:p>
+        </p:txBody>
+      </p:sp>
+      <p:sp>
+        <p:nvSpPr>
+          <p:cNvPr id="22" name="椭圆 21">
+            <a:extLst>
+              <a:ext uri="{FF2B5EF4-FFF2-40B4-BE49-F238E27FC236}">
+                <a16:creationId xmlns:a16="http://schemas.microsoft.com/office/drawing/2014/main" id="{0876E764-A4AF-F290-1836-523DB709437D}"/>
+              </a:ext>
+            </a:extLst>
+          </p:cNvPr>
+          <p:cNvSpPr/>
+          <p:nvPr/>
+        </p:nvSpPr>
+        <p:spPr>
+          <a:xfrm>
+            <a:off x="5140590" y="6227559"/>
+            <a:ext cx="64770" cy="60007"/>
+          </a:xfrm>
+          <a:prstGeom prst="ellipse">
+            <a:avLst/>
+          </a:prstGeom>
+          <a:noFill/>
+          <a:ln>
+            <a:solidFill>
+              <a:srgbClr val="C00000"/>
+            </a:solidFill>
+          </a:ln>
+        </p:spPr>
+        <p:style>
+          <a:lnRef idx="2">
+            <a:schemeClr val="accent1">
+              <a:shade val="15000"/>
+            </a:schemeClr>
+          </a:lnRef>
+          <a:fillRef idx="1">
+            <a:schemeClr val="accent1"/>
+          </a:fillRef>
+          <a:effectRef idx="0">
+            <a:schemeClr val="accent1"/>
+          </a:effectRef>
+          <a:fontRef idx="minor">
+            <a:schemeClr val="lt1"/>
+          </a:fontRef>
+        </p:style>
+        <p:txBody>
+          <a:bodyPr rtlCol="0" anchor="ctr"/>
+          <a:lstStyle/>
+          <a:p>
+            <a:pPr algn="ctr"/>
+            <a:endParaRPr lang="zh-CN" altLang="en-US">
+              <a:solidFill>
+                <a:srgbClr val="C00000"/>
+              </a:solidFill>
+            </a:endParaRPr>
+          </a:p>
+        </p:txBody>
+      </p:sp>
+      <p:sp>
+        <p:nvSpPr>
+          <p:cNvPr id="23" name="椭圆 22">
+            <a:extLst>
+              <a:ext uri="{FF2B5EF4-FFF2-40B4-BE49-F238E27FC236}">
+                <a16:creationId xmlns:a16="http://schemas.microsoft.com/office/drawing/2014/main" id="{37441839-F8FD-E6FE-656B-C28BB952340B}"/>
+              </a:ext>
+            </a:extLst>
+          </p:cNvPr>
+          <p:cNvSpPr/>
+          <p:nvPr/>
+        </p:nvSpPr>
+        <p:spPr>
+          <a:xfrm>
+            <a:off x="5223223" y="6321266"/>
+            <a:ext cx="64770" cy="60007"/>
+          </a:xfrm>
+          <a:prstGeom prst="ellipse">
+            <a:avLst/>
+          </a:prstGeom>
+          <a:noFill/>
+          <a:ln>
+            <a:solidFill>
+              <a:srgbClr val="C00000"/>
+            </a:solidFill>
+          </a:ln>
+        </p:spPr>
+        <p:style>
+          <a:lnRef idx="2">
+            <a:schemeClr val="accent1">
+              <a:shade val="15000"/>
+            </a:schemeClr>
+          </a:lnRef>
+          <a:fillRef idx="1">
+            <a:schemeClr val="accent1"/>
+          </a:fillRef>
+          <a:effectRef idx="0">
+            <a:schemeClr val="accent1"/>
+          </a:effectRef>
+          <a:fontRef idx="minor">
+            <a:schemeClr val="lt1"/>
+          </a:fontRef>
+        </p:style>
+        <p:txBody>
+          <a:bodyPr rtlCol="0" anchor="ctr"/>
+          <a:lstStyle/>
+          <a:p>
+            <a:pPr algn="ctr"/>
+            <a:endParaRPr lang="zh-CN" altLang="en-US">
+              <a:solidFill>
+                <a:srgbClr val="C00000"/>
+              </a:solidFill>
+            </a:endParaRPr>
+          </a:p>
+        </p:txBody>
+      </p:sp>
+      <p:sp>
+        <p:nvSpPr>
+          <p:cNvPr id="24" name="椭圆 23">
+            <a:extLst>
+              <a:ext uri="{FF2B5EF4-FFF2-40B4-BE49-F238E27FC236}">
+                <a16:creationId xmlns:a16="http://schemas.microsoft.com/office/drawing/2014/main" id="{CEA7FA3F-97EE-4D1A-2596-31C8BB1392C6}"/>
+              </a:ext>
+            </a:extLst>
+          </p:cNvPr>
+          <p:cNvSpPr/>
+          <p:nvPr/>
+        </p:nvSpPr>
+        <p:spPr>
+          <a:xfrm>
+            <a:off x="5330263" y="6357575"/>
+            <a:ext cx="64770" cy="60007"/>
+          </a:xfrm>
+          <a:prstGeom prst="ellipse">
+            <a:avLst/>
+          </a:prstGeom>
+          <a:noFill/>
+          <a:ln>
+            <a:solidFill>
+              <a:srgbClr val="C00000"/>
+            </a:solidFill>
+          </a:ln>
+        </p:spPr>
+        <p:style>
+          <a:lnRef idx="2">
+            <a:schemeClr val="accent1">
+              <a:shade val="15000"/>
+            </a:schemeClr>
+          </a:lnRef>
+          <a:fillRef idx="1">
+            <a:schemeClr val="accent1"/>
+          </a:fillRef>
+          <a:effectRef idx="0">
+            <a:schemeClr val="accent1"/>
+          </a:effectRef>
+          <a:fontRef idx="minor">
+            <a:schemeClr val="lt1"/>
+          </a:fontRef>
+        </p:style>
+        <p:txBody>
+          <a:bodyPr rtlCol="0" anchor="ctr"/>
+          <a:lstStyle/>
+          <a:p>
+            <a:pPr algn="ctr"/>
+            <a:endParaRPr lang="zh-CN" altLang="en-US">
+              <a:solidFill>
+                <a:srgbClr val="C00000"/>
+              </a:solidFill>
+            </a:endParaRPr>
+          </a:p>
+        </p:txBody>
+      </p:sp>
+      <p:sp>
+        <p:nvSpPr>
+          <p:cNvPr id="25" name="椭圆 24">
+            <a:extLst>
+              <a:ext uri="{FF2B5EF4-FFF2-40B4-BE49-F238E27FC236}">
+                <a16:creationId xmlns:a16="http://schemas.microsoft.com/office/drawing/2014/main" id="{8727C3A5-655C-F4E3-C4C8-45E9ACB4B67F}"/>
+              </a:ext>
+            </a:extLst>
+          </p:cNvPr>
+          <p:cNvSpPr/>
+          <p:nvPr/>
+        </p:nvSpPr>
+        <p:spPr>
+          <a:xfrm>
+            <a:off x="9104616" y="5797450"/>
+            <a:ext cx="64770" cy="60007"/>
+          </a:xfrm>
+          <a:prstGeom prst="ellipse">
+            <a:avLst/>
+          </a:prstGeom>
+          <a:noFill/>
+          <a:ln>
+            <a:solidFill>
+              <a:srgbClr val="C00000"/>
+            </a:solidFill>
+          </a:ln>
+        </p:spPr>
+        <p:style>
+          <a:lnRef idx="2">
+            <a:schemeClr val="accent1">
+              <a:shade val="15000"/>
+            </a:schemeClr>
+          </a:lnRef>
+          <a:fillRef idx="1">
+            <a:schemeClr val="accent1"/>
+          </a:fillRef>
+          <a:effectRef idx="0">
+            <a:schemeClr val="accent1"/>
+          </a:effectRef>
+          <a:fontRef idx="minor">
+            <a:schemeClr val="lt1"/>
+          </a:fontRef>
+        </p:style>
+        <p:txBody>
+          <a:bodyPr rtlCol="0" anchor="ctr"/>
+          <a:lstStyle/>
+          <a:p>
+            <a:pPr algn="ctr"/>
+            <a:endParaRPr lang="zh-CN" altLang="en-US">
+              <a:solidFill>
+                <a:srgbClr val="C00000"/>
+              </a:solidFill>
+            </a:endParaRPr>
+          </a:p>
+        </p:txBody>
+      </p:sp>
+      <p:sp>
+        <p:nvSpPr>
+          <p:cNvPr id="26" name="椭圆 25">
+            <a:extLst>
+              <a:ext uri="{FF2B5EF4-FFF2-40B4-BE49-F238E27FC236}">
+                <a16:creationId xmlns:a16="http://schemas.microsoft.com/office/drawing/2014/main" id="{66539372-0FB3-22EE-D641-7A55AAC9361C}"/>
+              </a:ext>
+            </a:extLst>
+          </p:cNvPr>
+          <p:cNvSpPr/>
+          <p:nvPr/>
+        </p:nvSpPr>
+        <p:spPr>
+          <a:xfrm>
+            <a:off x="9274003" y="5905976"/>
+            <a:ext cx="64770" cy="60007"/>
+          </a:xfrm>
+          <a:prstGeom prst="ellipse">
+            <a:avLst/>
+          </a:prstGeom>
+          <a:noFill/>
+          <a:ln>
+            <a:solidFill>
+              <a:srgbClr val="C00000"/>
+            </a:solidFill>
+          </a:ln>
+        </p:spPr>
+        <p:style>
+          <a:lnRef idx="2">
+            <a:schemeClr val="accent1">
+              <a:shade val="15000"/>
+            </a:schemeClr>
+          </a:lnRef>
+          <a:fillRef idx="1">
+            <a:schemeClr val="accent1"/>
+          </a:fillRef>
+          <a:effectRef idx="0">
+            <a:schemeClr val="accent1"/>
+          </a:effectRef>
+          <a:fontRef idx="minor">
+            <a:schemeClr val="lt1"/>
+          </a:fontRef>
+        </p:style>
+        <p:txBody>
+          <a:bodyPr rtlCol="0" anchor="ctr"/>
+          <a:lstStyle/>
+          <a:p>
+            <a:pPr algn="ctr"/>
+            <a:endParaRPr lang="zh-CN" altLang="en-US">
+              <a:solidFill>
+                <a:srgbClr val="C00000"/>
+              </a:solidFill>
+            </a:endParaRPr>
+          </a:p>
+        </p:txBody>
+      </p:sp>
+      <p:sp>
+        <p:nvSpPr>
+          <p:cNvPr id="27" name="椭圆 26">
+            <a:extLst>
+              <a:ext uri="{FF2B5EF4-FFF2-40B4-BE49-F238E27FC236}">
+                <a16:creationId xmlns:a16="http://schemas.microsoft.com/office/drawing/2014/main" id="{F5D0CC9F-1E74-4E89-3BD6-340E0C8717B4}"/>
+              </a:ext>
+            </a:extLst>
+          </p:cNvPr>
+          <p:cNvSpPr/>
+          <p:nvPr/>
+        </p:nvSpPr>
+        <p:spPr>
+          <a:xfrm>
+            <a:off x="9443389" y="5845969"/>
+            <a:ext cx="64770" cy="60007"/>
+          </a:xfrm>
+          <a:prstGeom prst="ellipse">
+            <a:avLst/>
+          </a:prstGeom>
+          <a:noFill/>
+          <a:ln>
+            <a:solidFill>
+              <a:srgbClr val="C00000"/>
+            </a:solidFill>
+          </a:ln>
+        </p:spPr>
+        <p:style>
+          <a:lnRef idx="2">
+            <a:schemeClr val="accent1">
+              <a:shade val="15000"/>
+            </a:schemeClr>
+          </a:lnRef>
+          <a:fillRef idx="1">
+            <a:schemeClr val="accent1"/>
+          </a:fillRef>
+          <a:effectRef idx="0">
+            <a:schemeClr val="accent1"/>
+          </a:effectRef>
+          <a:fontRef idx="minor">
+            <a:schemeClr val="lt1"/>
+          </a:fontRef>
+        </p:style>
+        <p:txBody>
+          <a:bodyPr rtlCol="0" anchor="ctr"/>
+          <a:lstStyle/>
+          <a:p>
+            <a:pPr algn="ctr"/>
+            <a:endParaRPr lang="zh-CN" altLang="en-US">
+              <a:solidFill>
+                <a:srgbClr val="C00000"/>
+              </a:solidFill>
+            </a:endParaRPr>
+          </a:p>
+        </p:txBody>
+      </p:sp>
+      <p:sp>
+        <p:nvSpPr>
+          <p:cNvPr id="28" name="椭圆 27">
+            <a:extLst>
+              <a:ext uri="{FF2B5EF4-FFF2-40B4-BE49-F238E27FC236}">
+                <a16:creationId xmlns:a16="http://schemas.microsoft.com/office/drawing/2014/main" id="{FF32EA80-ADEC-FE60-ED09-E06D54AE7B26}"/>
+              </a:ext>
+            </a:extLst>
+          </p:cNvPr>
+          <p:cNvSpPr/>
+          <p:nvPr/>
+        </p:nvSpPr>
+        <p:spPr>
+          <a:xfrm>
+            <a:off x="9607219" y="5905976"/>
+            <a:ext cx="64770" cy="60007"/>
+          </a:xfrm>
+          <a:prstGeom prst="ellipse">
+            <a:avLst/>
+          </a:prstGeom>
+          <a:noFill/>
+          <a:ln>
+            <a:solidFill>
+              <a:srgbClr val="C00000"/>
+            </a:solidFill>
+          </a:ln>
+        </p:spPr>
+        <p:style>
+          <a:lnRef idx="2">
+            <a:schemeClr val="accent1">
+              <a:shade val="15000"/>
+            </a:schemeClr>
+          </a:lnRef>
+          <a:fillRef idx="1">
+            <a:schemeClr val="accent1"/>
+          </a:fillRef>
+          <a:effectRef idx="0">
+            <a:schemeClr val="accent1"/>
+          </a:effectRef>
+          <a:fontRef idx="minor">
+            <a:schemeClr val="lt1"/>
+          </a:fontRef>
+        </p:style>
+        <p:txBody>
+          <a:bodyPr rtlCol="0" anchor="ctr"/>
+          <a:lstStyle/>
+          <a:p>
+            <a:pPr algn="ctr"/>
+            <a:endParaRPr lang="zh-CN" altLang="en-US">
+              <a:solidFill>
+                <a:srgbClr val="C00000"/>
+              </a:solidFill>
+            </a:endParaRPr>
+          </a:p>
+        </p:txBody>
+      </p:sp>
+      <p:sp>
+        <p:nvSpPr>
+          <p:cNvPr id="29" name="椭圆 28">
+            <a:extLst>
+              <a:ext uri="{FF2B5EF4-FFF2-40B4-BE49-F238E27FC236}">
+                <a16:creationId xmlns:a16="http://schemas.microsoft.com/office/drawing/2014/main" id="{A038CF73-1EDC-F0AB-7AB4-8CB37632D933}"/>
+              </a:ext>
+            </a:extLst>
+          </p:cNvPr>
+          <p:cNvSpPr/>
+          <p:nvPr/>
+        </p:nvSpPr>
+        <p:spPr>
+          <a:xfrm>
+            <a:off x="9755575" y="6027651"/>
+            <a:ext cx="64770" cy="60007"/>
+          </a:xfrm>
+          <a:prstGeom prst="ellipse">
+            <a:avLst/>
+          </a:prstGeom>
+          <a:noFill/>
+          <a:ln>
+            <a:solidFill>
+              <a:srgbClr val="C00000"/>
+            </a:solidFill>
+          </a:ln>
+        </p:spPr>
+        <p:style>
+          <a:lnRef idx="2">
+            <a:schemeClr val="accent1">
+              <a:shade val="15000"/>
+            </a:schemeClr>
+          </a:lnRef>
+          <a:fillRef idx="1">
+            <a:schemeClr val="accent1"/>
+          </a:fillRef>
+          <a:effectRef idx="0">
+            <a:schemeClr val="accent1"/>
+          </a:effectRef>
+          <a:fontRef idx="minor">
+            <a:schemeClr val="lt1"/>
+          </a:fontRef>
+        </p:style>
+        <p:txBody>
+          <a:bodyPr rtlCol="0" anchor="ctr"/>
+          <a:lstStyle/>
+          <a:p>
+            <a:pPr algn="ctr"/>
+            <a:endParaRPr lang="zh-CN" altLang="en-US">
+              <a:solidFill>
+                <a:srgbClr val="C00000"/>
+              </a:solidFill>
+            </a:endParaRPr>
+          </a:p>
+        </p:txBody>
+      </p:sp>
+      <p:sp>
+        <p:nvSpPr>
+          <p:cNvPr id="30" name="椭圆 29">
+            <a:extLst>
+              <a:ext uri="{FF2B5EF4-FFF2-40B4-BE49-F238E27FC236}">
+                <a16:creationId xmlns:a16="http://schemas.microsoft.com/office/drawing/2014/main" id="{70BEA5FD-F93A-E0A7-9525-23A0BC888EC8}"/>
+              </a:ext>
+            </a:extLst>
+          </p:cNvPr>
+          <p:cNvSpPr/>
+          <p:nvPr/>
+        </p:nvSpPr>
+        <p:spPr>
+          <a:xfrm>
+            <a:off x="10091336" y="6057654"/>
+            <a:ext cx="64770" cy="60007"/>
+          </a:xfrm>
+          <a:prstGeom prst="ellipse">
+            <a:avLst/>
+          </a:prstGeom>
+          <a:noFill/>
+          <a:ln>
+            <a:solidFill>
+              <a:srgbClr val="C00000"/>
+            </a:solidFill>
+          </a:ln>
+        </p:spPr>
+        <p:style>
+          <a:lnRef idx="2">
+            <a:schemeClr val="accent1">
+              <a:shade val="15000"/>
+            </a:schemeClr>
+          </a:lnRef>
+          <a:fillRef idx="1">
+            <a:schemeClr val="accent1"/>
+          </a:fillRef>
+          <a:effectRef idx="0">
+            <a:schemeClr val="accent1"/>
+          </a:effectRef>
+          <a:fontRef idx="minor">
+            <a:schemeClr val="lt1"/>
+          </a:fontRef>
+        </p:style>
+        <p:txBody>
+          <a:bodyPr rtlCol="0" anchor="ctr"/>
+          <a:lstStyle/>
+          <a:p>
+            <a:pPr algn="ctr"/>
+            <a:endParaRPr lang="zh-CN" altLang="en-US">
+              <a:solidFill>
+                <a:srgbClr val="C00000"/>
+              </a:solidFill>
+            </a:endParaRPr>
+          </a:p>
+        </p:txBody>
+      </p:sp>
+      <p:sp>
+        <p:nvSpPr>
+          <p:cNvPr id="31" name="椭圆 30">
+            <a:extLst>
+              <a:ext uri="{FF2B5EF4-FFF2-40B4-BE49-F238E27FC236}">
+                <a16:creationId xmlns:a16="http://schemas.microsoft.com/office/drawing/2014/main" id="{1CF9AF7C-14B8-9351-71D8-0D0651C6ABED}"/>
+              </a:ext>
+            </a:extLst>
+          </p:cNvPr>
+          <p:cNvSpPr/>
+          <p:nvPr/>
+        </p:nvSpPr>
+        <p:spPr>
+          <a:xfrm>
+            <a:off x="10269936" y="6142541"/>
+            <a:ext cx="64770" cy="60007"/>
+          </a:xfrm>
+          <a:prstGeom prst="ellipse">
+            <a:avLst/>
+          </a:prstGeom>
+          <a:noFill/>
+          <a:ln>
+            <a:solidFill>
+              <a:srgbClr val="C00000"/>
+            </a:solidFill>
+          </a:ln>
+        </p:spPr>
+        <p:style>
+          <a:lnRef idx="2">
+            <a:schemeClr val="accent1">
+              <a:shade val="15000"/>
+            </a:schemeClr>
+          </a:lnRef>
+          <a:fillRef idx="1">
+            <a:schemeClr val="accent1"/>
+          </a:fillRef>
+          <a:effectRef idx="0">
+            <a:schemeClr val="accent1"/>
+          </a:effectRef>
+          <a:fontRef idx="minor">
+            <a:schemeClr val="lt1"/>
+          </a:fontRef>
+        </p:style>
+        <p:txBody>
+          <a:bodyPr rtlCol="0" anchor="ctr"/>
+          <a:lstStyle/>
+          <a:p>
+            <a:pPr algn="ctr"/>
+            <a:endParaRPr lang="zh-CN" altLang="en-US">
+              <a:solidFill>
+                <a:srgbClr val="C00000"/>
+              </a:solidFill>
+            </a:endParaRPr>
+          </a:p>
+        </p:txBody>
+      </p:sp>
+      <p:sp>
+        <p:nvSpPr>
+          <p:cNvPr id="32" name="椭圆 31">
+            <a:extLst>
+              <a:ext uri="{FF2B5EF4-FFF2-40B4-BE49-F238E27FC236}">
+                <a16:creationId xmlns:a16="http://schemas.microsoft.com/office/drawing/2014/main" id="{9913BF16-D070-0689-8F7A-426FFFD736E7}"/>
+              </a:ext>
+            </a:extLst>
+          </p:cNvPr>
+          <p:cNvSpPr/>
+          <p:nvPr/>
+        </p:nvSpPr>
+        <p:spPr>
+          <a:xfrm>
+            <a:off x="10422559" y="6257562"/>
+            <a:ext cx="64770" cy="60007"/>
+          </a:xfrm>
+          <a:prstGeom prst="ellipse">
+            <a:avLst/>
+          </a:prstGeom>
+          <a:noFill/>
+          <a:ln>
+            <a:solidFill>
+              <a:srgbClr val="C00000"/>
+            </a:solidFill>
+          </a:ln>
+        </p:spPr>
+        <p:style>
+          <a:lnRef idx="2">
+            <a:schemeClr val="accent1">
+              <a:shade val="15000"/>
+            </a:schemeClr>
+          </a:lnRef>
+          <a:fillRef idx="1">
+            <a:schemeClr val="accent1"/>
+          </a:fillRef>
+          <a:effectRef idx="0">
+            <a:schemeClr val="accent1"/>
+          </a:effectRef>
+          <a:fontRef idx="minor">
+            <a:schemeClr val="lt1"/>
+          </a:fontRef>
+        </p:style>
+        <p:txBody>
+          <a:bodyPr rtlCol="0" anchor="ctr"/>
+          <a:lstStyle/>
+          <a:p>
+            <a:pPr algn="ctr"/>
+            <a:endParaRPr lang="zh-CN" altLang="en-US">
+              <a:solidFill>
+                <a:srgbClr val="C00000"/>
+              </a:solidFill>
+            </a:endParaRPr>
+          </a:p>
+        </p:txBody>
+      </p:sp>
+      <p:sp>
+        <p:nvSpPr>
+          <p:cNvPr id="33" name="椭圆 32">
+            <a:extLst>
+              <a:ext uri="{FF2B5EF4-FFF2-40B4-BE49-F238E27FC236}">
+                <a16:creationId xmlns:a16="http://schemas.microsoft.com/office/drawing/2014/main" id="{ACBC876A-2F00-FEB2-4987-E03AD5A8CCFA}"/>
+              </a:ext>
+            </a:extLst>
+          </p:cNvPr>
+          <p:cNvSpPr/>
+          <p:nvPr/>
+        </p:nvSpPr>
+        <p:spPr>
+          <a:xfrm>
+            <a:off x="10599368" y="6257562"/>
+            <a:ext cx="64770" cy="60007"/>
+          </a:xfrm>
+          <a:prstGeom prst="ellipse">
+            <a:avLst/>
+          </a:prstGeom>
+          <a:noFill/>
+          <a:ln>
+            <a:solidFill>
+              <a:srgbClr val="C00000"/>
+            </a:solidFill>
+          </a:ln>
+        </p:spPr>
+        <p:style>
+          <a:lnRef idx="2">
+            <a:schemeClr val="accent1">
+              <a:shade val="15000"/>
+            </a:schemeClr>
+          </a:lnRef>
+          <a:fillRef idx="1">
+            <a:schemeClr val="accent1"/>
+          </a:fillRef>
+          <a:effectRef idx="0">
+            <a:schemeClr val="accent1"/>
+          </a:effectRef>
+          <a:fontRef idx="minor">
+            <a:schemeClr val="lt1"/>
+          </a:fontRef>
+        </p:style>
+        <p:txBody>
+          <a:bodyPr rtlCol="0" anchor="ctr"/>
+          <a:lstStyle/>
+          <a:p>
+            <a:pPr algn="ctr"/>
+            <a:endParaRPr lang="zh-CN" altLang="en-US">
+              <a:solidFill>
+                <a:srgbClr val="C00000"/>
+              </a:solidFill>
+            </a:endParaRPr>
+          </a:p>
+        </p:txBody>
+      </p:sp>
+      <p:sp>
+        <p:nvSpPr>
+          <p:cNvPr id="34" name="椭圆 33">
+            <a:extLst>
+              <a:ext uri="{FF2B5EF4-FFF2-40B4-BE49-F238E27FC236}">
+                <a16:creationId xmlns:a16="http://schemas.microsoft.com/office/drawing/2014/main" id="{D4707087-F823-5840-3069-E513E58D74D8}"/>
+              </a:ext>
+            </a:extLst>
+          </p:cNvPr>
+          <p:cNvSpPr/>
+          <p:nvPr/>
+        </p:nvSpPr>
+        <p:spPr>
+          <a:xfrm>
+            <a:off x="10757739" y="6311968"/>
+            <a:ext cx="64770" cy="60007"/>
+          </a:xfrm>
+          <a:prstGeom prst="ellipse">
+            <a:avLst/>
+          </a:prstGeom>
+          <a:noFill/>
+          <a:ln>
+            <a:solidFill>
+              <a:srgbClr val="C00000"/>
+            </a:solidFill>
+          </a:ln>
+        </p:spPr>
+        <p:style>
+          <a:lnRef idx="2">
+            <a:schemeClr val="accent1">
+              <a:shade val="15000"/>
+            </a:schemeClr>
+          </a:lnRef>
+          <a:fillRef idx="1">
+            <a:schemeClr val="accent1"/>
+          </a:fillRef>
+          <a:effectRef idx="0">
+            <a:schemeClr val="accent1"/>
+          </a:effectRef>
+          <a:fontRef idx="minor">
+            <a:schemeClr val="lt1"/>
+          </a:fontRef>
+        </p:style>
+        <p:txBody>
+          <a:bodyPr rtlCol="0" anchor="ctr"/>
+          <a:lstStyle/>
+          <a:p>
+            <a:pPr algn="ctr"/>
+            <a:endParaRPr lang="zh-CN" altLang="en-US">
+              <a:solidFill>
+                <a:srgbClr val="C00000"/>
+              </a:solidFill>
+            </a:endParaRPr>
+          </a:p>
+        </p:txBody>
+      </p:sp>
+      <p:sp>
+        <p:nvSpPr>
+          <p:cNvPr id="35" name="椭圆 34">
+            <a:extLst>
+              <a:ext uri="{FF2B5EF4-FFF2-40B4-BE49-F238E27FC236}">
+                <a16:creationId xmlns:a16="http://schemas.microsoft.com/office/drawing/2014/main" id="{14E1A340-13C3-A61E-DEAA-77C52B08DF60}"/>
+              </a:ext>
+            </a:extLst>
+          </p:cNvPr>
+          <p:cNvSpPr/>
+          <p:nvPr/>
+        </p:nvSpPr>
+        <p:spPr>
+          <a:xfrm>
+            <a:off x="10929289" y="6387578"/>
+            <a:ext cx="64770" cy="60007"/>
+          </a:xfrm>
+          <a:prstGeom prst="ellipse">
+            <a:avLst/>
+          </a:prstGeom>
+          <a:noFill/>
+          <a:ln>
+            <a:solidFill>
+              <a:srgbClr val="C00000"/>
+            </a:solidFill>
+          </a:ln>
+        </p:spPr>
+        <p:style>
+          <a:lnRef idx="2">
+            <a:schemeClr val="accent1">
+              <a:shade val="15000"/>
+            </a:schemeClr>
+          </a:lnRef>
+          <a:fillRef idx="1">
+            <a:schemeClr val="accent1"/>
+          </a:fillRef>
+          <a:effectRef idx="0">
+            <a:schemeClr val="accent1"/>
+          </a:effectRef>
+          <a:fontRef idx="minor">
+            <a:schemeClr val="lt1"/>
+          </a:fontRef>
+        </p:style>
+        <p:txBody>
+          <a:bodyPr rtlCol="0" anchor="ctr"/>
+          <a:lstStyle/>
+          <a:p>
+            <a:pPr algn="ctr"/>
+            <a:endParaRPr lang="zh-CN" altLang="en-US">
+              <a:solidFill>
+                <a:srgbClr val="C00000"/>
+              </a:solidFill>
+            </a:endParaRPr>
+          </a:p>
+        </p:txBody>
+      </p:sp>
+      <p:sp>
+        <p:nvSpPr>
+          <p:cNvPr id="36" name="椭圆 35">
+            <a:extLst>
+              <a:ext uri="{FF2B5EF4-FFF2-40B4-BE49-F238E27FC236}">
+                <a16:creationId xmlns:a16="http://schemas.microsoft.com/office/drawing/2014/main" id="{D65E60C4-8F6C-C641-2CEA-9238FF88A700}"/>
+              </a:ext>
+            </a:extLst>
+          </p:cNvPr>
+          <p:cNvSpPr/>
+          <p:nvPr/>
+        </p:nvSpPr>
+        <p:spPr>
+          <a:xfrm>
+            <a:off x="9946555" y="6107545"/>
+            <a:ext cx="64770" cy="60007"/>
+          </a:xfrm>
+          <a:prstGeom prst="ellipse">
+            <a:avLst/>
+          </a:prstGeom>
+          <a:noFill/>
+          <a:ln>
+            <a:solidFill>
+              <a:srgbClr val="C00000"/>
+            </a:solidFill>
+          </a:ln>
+        </p:spPr>
+        <p:style>
+          <a:lnRef idx="2">
+            <a:schemeClr val="accent1">
+              <a:shade val="15000"/>
+            </a:schemeClr>
+          </a:lnRef>
+          <a:fillRef idx="1">
+            <a:schemeClr val="accent1"/>
+          </a:fillRef>
+          <a:effectRef idx="0">
+            <a:schemeClr val="accent1"/>
+          </a:effectRef>
+          <a:fontRef idx="minor">
+            <a:schemeClr val="lt1"/>
+          </a:fontRef>
+        </p:style>
+        <p:txBody>
+          <a:bodyPr rtlCol="0" anchor="ctr"/>
+          <a:lstStyle/>
+          <a:p>
+            <a:pPr algn="ctr"/>
+            <a:endParaRPr lang="zh-CN" altLang="en-US">
+              <a:solidFill>
+                <a:srgbClr val="C00000"/>
+              </a:solidFill>
+            </a:endParaRPr>
+          </a:p>
+        </p:txBody>
+      </p:sp>
     </p:spTree>
     <p:extLst>
       <p:ext uri="{BB962C8B-B14F-4D97-AF65-F5344CB8AC3E}">
@@ -9256,31 +11499,7 @@
             </a:r>
             <a:r>
               <a:rPr lang="en-US" altLang="zh-CN" sz="1400" dirty="0"/>
-              <a:t>Remove</a:t>
-            </a:r>
-            <a:r>
-              <a:rPr lang="zh-CN" altLang="en-US" sz="1400" dirty="0"/>
-              <a:t> </a:t>
-            </a:r>
-            <a:r>
-              <a:rPr lang="en-US" altLang="zh-CN" sz="1400" dirty="0"/>
-              <a:t>Normal</a:t>
-            </a:r>
-            <a:r>
-              <a:rPr lang="zh-CN" altLang="en-US" sz="1400" dirty="0"/>
-              <a:t> </a:t>
-            </a:r>
-            <a:r>
-              <a:rPr lang="en-US" altLang="zh-CN" sz="1400" dirty="0"/>
-              <a:t>Nosie</a:t>
-            </a:r>
-            <a:r>
-              <a:rPr lang="zh-CN" altLang="en-US" sz="1400" dirty="0"/>
-              <a:t> </a:t>
-            </a:r>
-            <a:r>
-              <a:rPr lang="en-US" altLang="zh-CN" sz="1400" dirty="0"/>
-              <a:t>and respiratory</a:t>
+              <a:t>Obtaining Template</a:t>
             </a:r>
           </a:p>
         </p:txBody>
@@ -9324,7 +11543,7 @@
           <a:p>
             <a:r>
               <a:rPr lang="en-US" altLang="zh-CN" dirty="0"/>
-              <a:t>I did a simple comparison of algorithms that can recover a single-cycle signal, evaluating their performance on both noise-free and slightly noisy data.</a:t>
+              <a:t>I did a simple comparison of algorithms that can recover a single-cycle signal, evaluating their performances on both noise-free and slightly noisy data.</a:t>
             </a:r>
           </a:p>
         </p:txBody>
@@ -9344,7 +11563,7 @@
           <p:nvPr>
             <p:extLst>
               <p:ext uri="{D42A27DB-BD31-4B8C-83A1-F6EECF244321}">
-                <p14:modId xmlns:p14="http://schemas.microsoft.com/office/powerpoint/2010/main" val="1288863973"/>
+                <p14:modId xmlns:p14="http://schemas.microsoft.com/office/powerpoint/2010/main" val="348079403"/>
               </p:ext>
             </p:extLst>
           </p:nvPr>
@@ -9563,7 +11782,7 @@
                       </a:pPr>
                       <a:r>
                         <a:rPr lang="en-US" altLang="zh-CN" dirty="0"/>
-                        <a:t>1.79 4.31</a:t>
+                        <a:t>1.79 / 4.31</a:t>
                       </a:r>
                       <a:endParaRPr lang="zh-CN" altLang="en-US" dirty="0"/>
                     </a:p>
@@ -9616,7 +11835,7 @@
                       </a:pPr>
                       <a:r>
                         <a:rPr lang="en-US" altLang="zh-CN" dirty="0"/>
-                        <a:t>1.42 1.45</a:t>
+                        <a:t>1.42 / 1.45</a:t>
                       </a:r>
                       <a:endParaRPr lang="zh-CN" altLang="en-US" dirty="0"/>
                     </a:p>
@@ -9647,7 +11866,7 @@
                       </a:pPr>
                       <a:r>
                         <a:rPr lang="en-US" altLang="zh-CN" dirty="0"/>
-                        <a:t>4.07 4.49</a:t>
+                        <a:t>4.07 / 4.49</a:t>
                       </a:r>
                       <a:endParaRPr lang="zh-CN" altLang="en-US" dirty="0"/>
                     </a:p>
@@ -9700,7 +11919,7 @@
                       </a:pPr>
                       <a:r>
                         <a:rPr lang="en-US" altLang="zh-CN" dirty="0"/>
-                        <a:t>1.35 1.38</a:t>
+                        <a:t>1.35 / 1.38</a:t>
                       </a:r>
                       <a:endParaRPr lang="zh-CN" altLang="en-US" dirty="0"/>
                     </a:p>
@@ -9731,7 +11950,7 @@
                       </a:pPr>
                       <a:r>
                         <a:rPr lang="en-US" altLang="zh-CN" dirty="0"/>
-                        <a:t>4.53 4.44</a:t>
+                        <a:t>4.53 / 4.44</a:t>
                       </a:r>
                       <a:endParaRPr lang="zh-CN" altLang="en-US" dirty="0"/>
                     </a:p>
@@ -9768,7 +11987,7 @@
                       <a:pPr algn="ctr"/>
                       <a:r>
                         <a:rPr lang="en-US" altLang="zh-CN" dirty="0"/>
-                        <a:t>2.20 2.74</a:t>
+                        <a:t>2.20 / 2.74</a:t>
                       </a:r>
                       <a:endParaRPr lang="zh-CN" altLang="en-US" dirty="0"/>
                     </a:p>
@@ -9783,7 +12002,7 @@
                       <a:pPr algn="ctr"/>
                       <a:r>
                         <a:rPr lang="en-US" altLang="zh-CN" dirty="0"/>
-                        <a:t>4.85 5.88</a:t>
+                        <a:t>4.85 / 5.88</a:t>
                       </a:r>
                       <a:endParaRPr lang="zh-CN" altLang="en-US" dirty="0"/>
                     </a:p>
@@ -9820,7 +12039,7 @@
                       <a:pPr algn="ctr"/>
                       <a:r>
                         <a:rPr lang="en-US" altLang="zh-CN" dirty="0"/>
-                        <a:t>--</a:t>
+                        <a:t>- / -</a:t>
                       </a:r>
                       <a:endParaRPr lang="zh-CN" altLang="en-US" dirty="0"/>
                     </a:p>
@@ -9835,7 +12054,7 @@
                       <a:pPr algn="ctr"/>
                       <a:r>
                         <a:rPr lang="en-US" altLang="zh-CN" dirty="0"/>
-                        <a:t>--</a:t>
+                        <a:t>- / -</a:t>
                       </a:r>
                       <a:endParaRPr lang="zh-CN" altLang="en-US" dirty="0"/>
                     </a:p>
@@ -9884,10 +12103,10 @@
       </p:grpSpPr>
       <p:sp>
         <p:nvSpPr>
-          <p:cNvPr id="55" name="文本框 54">
-            <a:extLst>
-              <a:ext uri="{FF2B5EF4-FFF2-40B4-BE49-F238E27FC236}">
-                <a16:creationId xmlns:a16="http://schemas.microsoft.com/office/drawing/2014/main" id="{32A2BE86-86A6-F1FC-83EE-91A826B532E5}"/>
+          <p:cNvPr id="6" name="文本框 5">
+            <a:extLst>
+              <a:ext uri="{FF2B5EF4-FFF2-40B4-BE49-F238E27FC236}">
+                <a16:creationId xmlns:a16="http://schemas.microsoft.com/office/drawing/2014/main" id="{CB57B3DA-EA77-30D0-42EE-7EE902C6E4E9}"/>
               </a:ext>
             </a:extLst>
           </p:cNvPr>
@@ -9896,8 +12115,8 @@
         </p:nvSpPr>
         <p:spPr>
           <a:xfrm>
-            <a:off x="609599" y="106251"/>
-            <a:ext cx="5382827" cy="461665"/>
+            <a:off x="1826807" y="1089520"/>
+            <a:ext cx="8810237" cy="1477328"/>
           </a:xfrm>
           <a:prstGeom prst="rect">
             <a:avLst/>
@@ -9908,123 +12127,18 @@
           <a:bodyPr wrap="square" rtlCol="0">
             <a:spAutoFit/>
           </a:bodyPr>
-          <a:lstStyle>
-            <a:defPPr>
-              <a:defRPr lang="zh-CN"/>
-            </a:defPPr>
-            <a:lvl1pPr>
-              <a:defRPr sz="2400">
-                <a:latin typeface="Consolas" panose="020B0609020204030204" pitchFamily="49" charset="0"/>
-                <a:cs typeface="Times New Roman" panose="02020603050405020304" pitchFamily="18" charset="0"/>
-              </a:defRPr>
-            </a:lvl1pPr>
-          </a:lstStyle>
+          <a:lstStyle/>
           <a:p>
             <a:r>
               <a:rPr lang="en-US" altLang="zh-CN" dirty="0"/>
-              <a:t>Work_3: </a:t>
-            </a:r>
-            <a:r>
-              <a:rPr lang="en-US" altLang="zh-CN" sz="1400" dirty="0"/>
-              <a:t>Remove</a:t>
-            </a:r>
-            <a:r>
-              <a:rPr lang="zh-CN" altLang="en-US" sz="1400" dirty="0"/>
-              <a:t> </a:t>
-            </a:r>
-            <a:r>
-              <a:rPr lang="en-US" altLang="zh-CN" sz="1400" dirty="0"/>
-              <a:t>Normal</a:t>
-            </a:r>
-            <a:r>
-              <a:rPr lang="zh-CN" altLang="en-US" sz="1400" dirty="0"/>
-              <a:t> </a:t>
-            </a:r>
-            <a:r>
-              <a:rPr lang="en-US" altLang="zh-CN" sz="1400" dirty="0"/>
-              <a:t>Nosie</a:t>
-            </a:r>
-            <a:r>
-              <a:rPr lang="zh-CN" altLang="en-US" sz="1400" dirty="0"/>
-              <a:t> </a:t>
-            </a:r>
-            <a:r>
-              <a:rPr lang="en-US" altLang="zh-CN" sz="1400" dirty="0"/>
-              <a:t>and respiratory</a:t>
-            </a:r>
-          </a:p>
-        </p:txBody>
-      </p:sp>
-      <p:sp>
-        <p:nvSpPr>
-          <p:cNvPr id="6" name="文本框 5">
-            <a:extLst>
-              <a:ext uri="{FF2B5EF4-FFF2-40B4-BE49-F238E27FC236}">
-                <a16:creationId xmlns:a16="http://schemas.microsoft.com/office/drawing/2014/main" id="{CB57B3DA-EA77-30D0-42EE-7EE902C6E4E9}"/>
-              </a:ext>
-            </a:extLst>
-          </p:cNvPr>
-          <p:cNvSpPr txBox="1"/>
-          <p:nvPr/>
-        </p:nvSpPr>
-        <p:spPr>
-          <a:xfrm>
-            <a:off x="2135574" y="480861"/>
-            <a:ext cx="7681913" cy="2031325"/>
-          </a:xfrm>
-          <a:prstGeom prst="rect">
-            <a:avLst/>
-          </a:prstGeom>
-          <a:noFill/>
-        </p:spPr>
-        <p:txBody>
-          <a:bodyPr wrap="square" rtlCol="0">
-            <a:spAutoFit/>
-          </a:bodyPr>
-          <a:lstStyle/>
-          <a:p>
-            <a:r>
-              <a:rPr lang="zh-CN" altLang="en-US" dirty="0"/>
-              <a:t>合适的方法，更加稳健，能够抵消一部分施加在峰上的噪声。（加了噪声后，直接计算的</a:t>
-            </a:r>
+              <a:t>The 'No Template' method is not very robust and is heavily affected by noise. </a:t>
+            </a:r>
+          </a:p>
+          <a:p>
             <a:r>
               <a:rPr lang="en-US" altLang="zh-CN" dirty="0"/>
-              <a:t>D</a:t>
-            </a:r>
-            <a:r>
-              <a:rPr lang="zh-CN" altLang="en-US" dirty="0"/>
-              <a:t>指标暴涨，而使用了</a:t>
-            </a:r>
-            <a:r>
-              <a:rPr lang="en-US" altLang="zh-CN" dirty="0"/>
-              <a:t>Template</a:t>
-            </a:r>
-            <a:r>
-              <a:rPr lang="zh-CN" altLang="en-US" dirty="0"/>
-              <a:t>的仅仅微微上涨，上涨的那一部分才是噪声的影响）</a:t>
-            </a:r>
-            <a:endParaRPr lang="en-US" altLang="zh-CN" dirty="0"/>
-          </a:p>
-          <a:p>
-            <a:endParaRPr lang="en-US" altLang="zh-CN" dirty="0"/>
-          </a:p>
-          <a:p>
-            <a:r>
-              <a:rPr lang="zh-CN" altLang="en-US" dirty="0"/>
-              <a:t>直接定位而不使用</a:t>
-            </a:r>
-            <a:r>
-              <a:rPr lang="en-US" altLang="zh-CN" dirty="0"/>
-              <a:t>xxx</a:t>
-            </a:r>
-            <a:r>
-              <a:rPr lang="zh-CN" altLang="en-US" dirty="0"/>
-              <a:t>的方法，并不稳健，随着噪声的轻微提升，准确率会大幅度下降</a:t>
-            </a:r>
-            <a:endParaRPr lang="en-US" altLang="zh-CN" dirty="0"/>
-          </a:p>
-          <a:p>
-            <a:endParaRPr lang="en-US" altLang="zh-CN" dirty="0"/>
+              <a:t>However, the ‘Get Template’ method, while not very accurate on clean signals(this part will be explained later), is less affected by noise.</a:t>
+            </a:r>
           </a:p>
         </p:txBody>
       </p:sp>
@@ -10043,13 +12157,13 @@
           <p:nvPr>
             <p:extLst>
               <p:ext uri="{D42A27DB-BD31-4B8C-83A1-F6EECF244321}">
-                <p14:modId xmlns:p14="http://schemas.microsoft.com/office/powerpoint/2010/main" val="4048597987"/>
+                <p14:modId xmlns:p14="http://schemas.microsoft.com/office/powerpoint/2010/main" val="3483903335"/>
               </p:ext>
             </p:extLst>
           </p:nvPr>
         </p:nvGraphicFramePr>
         <p:xfrm>
-          <a:off x="1826807" y="2811454"/>
+          <a:off x="1928426" y="3088452"/>
           <a:ext cx="8127999" cy="1854200"/>
         </p:xfrm>
         <a:graphic>
@@ -10262,7 +12376,7 @@
                       </a:pPr>
                       <a:r>
                         <a:rPr lang="en-US" altLang="zh-CN" dirty="0"/>
-                        <a:t>1.79 /4.31</a:t>
+                        <a:t>1.79 / 4.31</a:t>
                       </a:r>
                       <a:endParaRPr lang="zh-CN" altLang="en-US" dirty="0"/>
                     </a:p>
@@ -10345,7 +12459,7 @@
                       </a:pPr>
                       <a:r>
                         <a:rPr lang="en-US" altLang="zh-CN" dirty="0"/>
-                        <a:t>4.07 /4.49</a:t>
+                        <a:t>4.07 / 4.49</a:t>
                       </a:r>
                       <a:endParaRPr lang="zh-CN" altLang="en-US" dirty="0"/>
                     </a:p>
@@ -10429,7 +12543,7 @@
                       </a:pPr>
                       <a:r>
                         <a:rPr lang="en-US" altLang="zh-CN" dirty="0"/>
-                        <a:t>4.53 /4.44</a:t>
+                        <a:t>4.53 / 4.44</a:t>
                       </a:r>
                       <a:endParaRPr lang="zh-CN" altLang="en-US" dirty="0"/>
                     </a:p>
@@ -10448,10 +12562,10 @@
       </p:graphicFrame>
       <p:sp>
         <p:nvSpPr>
-          <p:cNvPr id="4" name="文本框 3">
-            <a:extLst>
-              <a:ext uri="{FF2B5EF4-FFF2-40B4-BE49-F238E27FC236}">
-                <a16:creationId xmlns:a16="http://schemas.microsoft.com/office/drawing/2014/main" id="{4FC52FFE-002C-B1B8-8CD5-A83E5767F67F}"/>
+          <p:cNvPr id="3" name="文本框 2">
+            <a:extLst>
+              <a:ext uri="{FF2B5EF4-FFF2-40B4-BE49-F238E27FC236}">
+                <a16:creationId xmlns:a16="http://schemas.microsoft.com/office/drawing/2014/main" id="{AED2396D-B8D5-E6F7-60A0-E25B721A6298}"/>
               </a:ext>
             </a:extLst>
           </p:cNvPr>
@@ -10460,8 +12574,8 @@
         </p:nvSpPr>
         <p:spPr>
           <a:xfrm>
-            <a:off x="2359412" y="5033811"/>
-            <a:ext cx="7681913" cy="369332"/>
+            <a:off x="609599" y="106251"/>
+            <a:ext cx="5382827" cy="461665"/>
           </a:xfrm>
           <a:prstGeom prst="rect">
             <a:avLst/>
@@ -10472,23 +12586,25 @@
           <a:bodyPr wrap="square" rtlCol="0">
             <a:spAutoFit/>
           </a:bodyPr>
-          <a:lstStyle/>
-          <a:p>
-            <a:r>
-              <a:rPr lang="zh-CN" altLang="en-US" dirty="0"/>
-              <a:t>当</a:t>
-            </a:r>
+          <a:lstStyle>
+            <a:defPPr>
+              <a:defRPr lang="zh-CN"/>
+            </a:defPPr>
+            <a:lvl1pPr>
+              <a:defRPr sz="2400">
+                <a:latin typeface="Consolas" panose="020B0609020204030204" pitchFamily="49" charset="0"/>
+                <a:cs typeface="Times New Roman" panose="02020603050405020304" pitchFamily="18" charset="0"/>
+              </a:defRPr>
+            </a:lvl1pPr>
+          </a:lstStyle>
+          <a:p>
             <a:r>
               <a:rPr lang="en-US" altLang="zh-CN" dirty="0"/>
-              <a:t>Noise level &gt; 0.1, </a:t>
-            </a:r>
-            <a:r>
-              <a:rPr lang="zh-CN" altLang="en-US" dirty="0"/>
-              <a:t>使用</a:t>
-            </a:r>
-            <a:r>
-              <a:rPr lang="en-US" altLang="zh-CN" dirty="0"/>
-              <a:t>Stack</a:t>
+              <a:t>Work_3: </a:t>
+            </a:r>
+            <a:r>
+              <a:rPr lang="en-US" altLang="zh-CN" sz="1400" dirty="0"/>
+              <a:t>Obtaining Template</a:t>
             </a:r>
           </a:p>
         </p:txBody>

--- a/Presentation_918_JiayuChen.pptx
+++ b/Presentation_918_JiayuChen.pptx
@@ -1757,7 +1757,7 @@
           <a:p>
             <a:r>
               <a:rPr lang="en-US" altLang="zh-CN" dirty="0"/>
-              <a:t>We can see that the noise in the echo is very high, making it nearly impossible for us to effectively identify the major peaks and perform meaningful segmentation.</a:t>
+              <a:t>We can see that the echo noise is very high, making it nearly impossible for us to effectively identify the large peaks and perform useful segmentation.</a:t>
             </a:r>
           </a:p>
           <a:p>
@@ -1766,11 +1766,11 @@
           <a:p>
             <a:r>
               <a:rPr lang="en-US" altLang="zh-CN" dirty="0"/>
-              <a:t>However, once we perform autoregression, we find that the peaks of  auto </a:t>
+              <a:t>However, once we perform autocorrelation, we find that peaks of  </a:t>
             </a:r>
             <a:r>
               <a:rPr lang="en-US" altLang="zh-CN" dirty="0" err="1"/>
-              <a:t>corrolation</a:t>
+              <a:t>autocorrolation</a:t>
             </a:r>
             <a:r>
               <a:rPr lang="en-US" altLang="zh-CN" dirty="0"/>
@@ -1783,7 +1783,7 @@
           <a:p>
             <a:r>
               <a:rPr lang="en-US" altLang="zh-CN" dirty="0"/>
-              <a:t>Then, we can get the envelope of Autocorrelation. Finally, peaks detection can help us find the location of large peaks.</a:t>
+              <a:t>Then, we can get the envelope of Autocorrelation. Finally, peaks detection can help us find the location of large peaks and we can perform segmentation.</a:t>
             </a:r>
           </a:p>
           <a:p>
@@ -5666,13 +5666,13 @@
               </a:ext>
             </a:extLst>
           </a:blip>
-          <a:srcRect l="8069" t="3365" r="9380"/>
+          <a:srcRect l="9388" t="3365" r="9380"/>
           <a:stretch/>
         </p:blipFill>
         <p:spPr>
           <a:xfrm>
-            <a:off x="0" y="3029180"/>
-            <a:ext cx="6236494" cy="3650226"/>
+            <a:off x="0" y="3101523"/>
+            <a:ext cx="6136888" cy="3650226"/>
           </a:xfrm>
           <a:prstGeom prst="rect">
             <a:avLst/>
@@ -5693,8 +5693,8 @@
         </p:nvSpPr>
         <p:spPr>
           <a:xfrm>
-            <a:off x="6172584" y="2610683"/>
-            <a:ext cx="6019416" cy="4247317"/>
+            <a:off x="6267450" y="2670133"/>
+            <a:ext cx="5991225" cy="3970318"/>
           </a:xfrm>
           <a:prstGeom prst="rect">
             <a:avLst/>
@@ -5724,7 +5724,7 @@
           <a:p>
             <a:r>
               <a:rPr lang="en-US" altLang="zh-CN" dirty="0"/>
-              <a:t>For S prediction:</a:t>
+              <a:t>For S Prediction:</a:t>
             </a:r>
           </a:p>
           <a:p>
@@ -5742,9 +5742,6 @@
             </a:r>
           </a:p>
           <a:p>
-            <a:endParaRPr lang="en-US" altLang="zh-CN" dirty="0"/>
-          </a:p>
-          <a:p>
             <a:r>
               <a:rPr lang="en-US" altLang="zh-CN" dirty="0"/>
               <a:t>e.g.</a:t>
@@ -5753,13 +5750,55 @@
           <a:p>
             <a:r>
               <a:rPr lang="en-US" altLang="zh-CN" dirty="0"/>
-              <a:t>No Template Method: dis12 = 12.5</a:t>
-            </a:r>
-          </a:p>
-          <a:p>
+              <a:t>No Template: d12 = 12.5 (can</a:t>
+            </a:r>
+            <a:r>
+              <a:rPr lang="en-US" altLang="zh-CN" b="0" i="0" dirty="0">
+                <a:solidFill>
+                  <a:srgbClr val="D1D5DB"/>
+                </a:solidFill>
+                <a:effectLst/>
+                <a:latin typeface="Söhne"/>
+              </a:rPr>
+              <a:t> </a:t>
+            </a:r>
             <a:r>
               <a:rPr lang="en-US" altLang="zh-CN" dirty="0"/>
-              <a:t>Template Method: dis12 = 12 / 13(less accurate)</a:t>
+              <a:t>be</a:t>
+            </a:r>
+            <a:r>
+              <a:rPr lang="en-US" altLang="zh-CN" b="0" i="0" dirty="0">
+                <a:solidFill>
+                  <a:srgbClr val="D1D5DB"/>
+                </a:solidFill>
+                <a:effectLst/>
+                <a:latin typeface="Söhne"/>
+              </a:rPr>
+              <a:t> </a:t>
+            </a:r>
+            <a:r>
+              <a:rPr lang="en-US" altLang="zh-CN" dirty="0"/>
+              <a:t>a</a:t>
+            </a:r>
+            <a:r>
+              <a:rPr lang="en-US" altLang="zh-CN" b="0" i="0" dirty="0">
+                <a:solidFill>
+                  <a:srgbClr val="D1D5DB"/>
+                </a:solidFill>
+                <a:effectLst/>
+                <a:latin typeface="Söhne"/>
+              </a:rPr>
+              <a:t> </a:t>
+            </a:r>
+            <a:r>
+              <a:rPr lang="en-US" altLang="zh-CN" dirty="0"/>
+              <a:t>decimal)</a:t>
+            </a:r>
+          </a:p>
+          <a:p>
+            <a:r>
+              <a:rPr lang="en-US" altLang="zh-CN" dirty="0"/>
+              <a:t>Get Template: d12 = 12/13 (can only be int)</a:t>
             </a:r>
           </a:p>
         </p:txBody>
@@ -5778,7 +5817,7 @@
         </p:nvSpPr>
         <p:spPr>
           <a:xfrm>
-            <a:off x="3464719" y="5472113"/>
+            <a:off x="3431141" y="5319713"/>
             <a:ext cx="1071562" cy="635793"/>
           </a:xfrm>
           <a:prstGeom prst="rect">
@@ -5830,8 +5869,8 @@
         </p:nvSpPr>
         <p:spPr>
           <a:xfrm>
-            <a:off x="7814603" y="829089"/>
-            <a:ext cx="4277791" cy="1477328"/>
+            <a:off x="7698753" y="567916"/>
+            <a:ext cx="4493247" cy="1938992"/>
           </a:xfrm>
           <a:prstGeom prst="rect">
             <a:avLst/>
@@ -5845,8 +5884,14 @@
           <a:lstStyle/>
           <a:p>
             <a:r>
-              <a:rPr lang="en-US" altLang="zh-CN" dirty="0"/>
-              <a:t>Why does common methods of obtaining the template result in poor performances for S and D prediction, even in noise-free signals?</a:t>
+              <a:rPr lang="en-US" altLang="zh-CN" sz="2000" b="1" dirty="0"/>
+              <a:t>Why does common methods of obtaining the template result in poor performances for both S and D prediction, even in noise-free signals?</a:t>
+            </a:r>
+          </a:p>
+          <a:p>
+            <a:r>
+              <a:rPr lang="en-US" altLang="zh-CN" sz="2000" b="1" dirty="0"/>
+              <a:t>I think I find the reason.</a:t>
             </a:r>
           </a:p>
         </p:txBody>
@@ -5897,6 +5942,43 @@
               <a:rPr lang="en-US" altLang="zh-CN" sz="1400" dirty="0"/>
               <a:t>Obtaining Template</a:t>
             </a:r>
+          </a:p>
+        </p:txBody>
+      </p:sp>
+      <p:sp>
+        <p:nvSpPr>
+          <p:cNvPr id="4" name="文本框 3">
+            <a:extLst>
+              <a:ext uri="{FF2B5EF4-FFF2-40B4-BE49-F238E27FC236}">
+                <a16:creationId xmlns:a16="http://schemas.microsoft.com/office/drawing/2014/main" id="{25597499-5A5B-3E83-A315-D3C67CA8A88A}"/>
+              </a:ext>
+            </a:extLst>
+          </p:cNvPr>
+          <p:cNvSpPr txBox="1"/>
+          <p:nvPr/>
+        </p:nvSpPr>
+        <p:spPr>
+          <a:xfrm>
+            <a:off x="1534124" y="2916857"/>
+            <a:ext cx="3533775" cy="369332"/>
+          </a:xfrm>
+          <a:prstGeom prst="rect">
+            <a:avLst/>
+          </a:prstGeom>
+          <a:noFill/>
+        </p:spPr>
+        <p:txBody>
+          <a:bodyPr wrap="square" rtlCol="0">
+            <a:spAutoFit/>
+          </a:bodyPr>
+          <a:lstStyle/>
+          <a:p>
+            <a:pPr algn="ctr"/>
+            <a:r>
+              <a:rPr lang="en-US" altLang="zh-CN" dirty="0"/>
+              <a:t>Example of Segmentation</a:t>
+            </a:r>
+            <a:endParaRPr lang="zh-CN" altLang="en-US" dirty="0"/>
           </a:p>
         </p:txBody>
       </p:sp>
@@ -6363,8 +6445,8 @@
         </p:nvSpPr>
         <p:spPr>
           <a:xfrm>
-            <a:off x="2305050" y="3429000"/>
-            <a:ext cx="7681913" cy="2308324"/>
+            <a:off x="1625392" y="3497367"/>
+            <a:ext cx="8941215" cy="2339102"/>
           </a:xfrm>
           <a:prstGeom prst="rect">
             <a:avLst/>
@@ -6378,7 +6460,7 @@
           <a:lstStyle/>
           <a:p>
             <a:r>
-              <a:rPr lang="en-US" altLang="zh-CN" dirty="0"/>
+              <a:rPr lang="en-US" altLang="zh-CN" sz="2000" b="1" dirty="0"/>
               <a:t>Why the performance of K-shape is not satisfactory? </a:t>
             </a:r>
           </a:p>
@@ -6397,7 +6479,15 @@
           <a:p>
             <a:r>
               <a:rPr lang="en-US" altLang="zh-CN" dirty="0"/>
-              <a:t>We should consider discarding clustering and focus on researching how to apply Time-Warping effectively.</a:t>
+              <a:t>We should discard clustering and focus on researching how to apply </a:t>
+            </a:r>
+            <a:r>
+              <a:rPr lang="en-US" altLang="zh-CN" b="1" dirty="0"/>
+              <a:t>Time-Warping</a:t>
+            </a:r>
+            <a:r>
+              <a:rPr lang="en-US" altLang="zh-CN" dirty="0"/>
+              <a:t> effectively.</a:t>
             </a:r>
           </a:p>
         </p:txBody>
@@ -6537,7 +6627,7 @@
             </a:r>
             <a:r>
               <a:rPr lang="en-US" altLang="zh-CN" dirty="0"/>
-              <a:t>: The distance between two peaks of the standard template should be the rounded average of distances between two peaks for all pieces.</a:t>
+              <a:t>: The distance between two peaks of the template should be the rounded average of distances between two peaks for all pieces.</a:t>
             </a:r>
           </a:p>
           <a:p>
@@ -7093,8 +7183,8 @@
         </p:nvSpPr>
         <p:spPr>
           <a:xfrm>
-            <a:off x="812007" y="607384"/>
-            <a:ext cx="11379993" cy="923330"/>
+            <a:off x="812007" y="562940"/>
+            <a:ext cx="11379993" cy="1200329"/>
           </a:xfrm>
           <a:prstGeom prst="rect">
             <a:avLst/>
@@ -7109,7 +7199,13 @@
           <a:p>
             <a:r>
               <a:rPr lang="en-US" altLang="zh-CN" dirty="0"/>
-              <a:t>This week, I read a statistical paper</a:t>
+              <a:t>I have tried one Time-Warping method this week.</a:t>
+            </a:r>
+          </a:p>
+          <a:p>
+            <a:r>
+              <a:rPr lang="en-US" altLang="zh-CN" dirty="0"/>
+              <a:t>I read a statistical paper</a:t>
             </a:r>
             <a:r>
               <a:rPr lang="en-US" altLang="zh-CN" baseline="30000" dirty="0"/>
@@ -7148,7 +7244,7 @@
         </p:nvSpPr>
         <p:spPr>
           <a:xfrm>
-            <a:off x="609600" y="2228789"/>
+            <a:off x="609600" y="2476572"/>
             <a:ext cx="4198372" cy="772581"/>
           </a:xfrm>
           <a:prstGeom prst="rect">
@@ -7204,7 +7300,7 @@
         </p:nvSpPr>
         <p:spPr>
           <a:xfrm>
-            <a:off x="609599" y="3383534"/>
+            <a:off x="609596" y="3605375"/>
             <a:ext cx="4198373" cy="850466"/>
           </a:xfrm>
           <a:prstGeom prst="rect">
@@ -7263,9 +7359,9 @@
           <p:nvPr/>
         </p:nvCxnSpPr>
         <p:spPr>
-          <a:xfrm>
-            <a:off x="2708786" y="3001370"/>
-            <a:ext cx="0" cy="382164"/>
+          <a:xfrm flipH="1">
+            <a:off x="2708783" y="3249153"/>
+            <a:ext cx="3" cy="356222"/>
           </a:xfrm>
           <a:prstGeom prst="straightConnector1">
             <a:avLst/>
@@ -7310,8 +7406,8 @@
         </p:nvCxnSpPr>
         <p:spPr>
           <a:xfrm>
-            <a:off x="2708785" y="1977702"/>
-            <a:ext cx="1" cy="251087"/>
+            <a:off x="2708782" y="2139093"/>
+            <a:ext cx="4" cy="337479"/>
           </a:xfrm>
           <a:prstGeom prst="straightConnector1">
             <a:avLst/>
@@ -7352,7 +7448,7 @@
         </p:nvSpPr>
         <p:spPr>
           <a:xfrm>
-            <a:off x="1413787" y="1577592"/>
+            <a:off x="1413784" y="1738983"/>
             <a:ext cx="2589995" cy="400110"/>
           </a:xfrm>
           <a:prstGeom prst="rect">
@@ -7398,7 +7494,7 @@
         </p:nvSpPr>
         <p:spPr>
           <a:xfrm>
-            <a:off x="609599" y="4616164"/>
+            <a:off x="609597" y="4793320"/>
             <a:ext cx="4198373" cy="1286800"/>
           </a:xfrm>
           <a:prstGeom prst="rect">
@@ -7458,8 +7554,8 @@
         </p:nvCxnSpPr>
         <p:spPr>
           <a:xfrm>
-            <a:off x="2708786" y="4234000"/>
-            <a:ext cx="0" cy="382164"/>
+            <a:off x="2708783" y="4455841"/>
+            <a:ext cx="1" cy="337479"/>
           </a:xfrm>
           <a:prstGeom prst="straightConnector1">
             <a:avLst/>
@@ -7606,7 +7702,7 @@
         </p:blipFill>
         <p:spPr>
           <a:xfrm>
-            <a:off x="6286727" y="4582310"/>
+            <a:off x="5909901" y="4462397"/>
             <a:ext cx="5276850" cy="2261087"/>
           </a:xfrm>
           <a:prstGeom prst="rect">
@@ -7846,6 +7942,136 @@
           </a:p>
         </p:txBody>
       </p:sp>
+      <p:cxnSp>
+        <p:nvCxnSpPr>
+          <p:cNvPr id="18" name="连接符: 肘形 17">
+            <a:extLst>
+              <a:ext uri="{FF2B5EF4-FFF2-40B4-BE49-F238E27FC236}">
+                <a16:creationId xmlns:a16="http://schemas.microsoft.com/office/drawing/2014/main" id="{7FEC9263-8388-9554-7648-1E36C3B8633E}"/>
+              </a:ext>
+            </a:extLst>
+          </p:cNvPr>
+          <p:cNvCxnSpPr>
+            <a:endCxn id="19" idx="0"/>
+          </p:cNvCxnSpPr>
+          <p:nvPr/>
+        </p:nvCxnSpPr>
+        <p:spPr>
+          <a:xfrm rot="16200000" flipH="1">
+            <a:off x="7961428" y="1163522"/>
+            <a:ext cx="935009" cy="627264"/>
+          </a:xfrm>
+          <a:prstGeom prst="bentConnector3">
+            <a:avLst>
+              <a:gd name="adj1" fmla="val -935"/>
+            </a:avLst>
+          </a:prstGeom>
+          <a:ln>
+            <a:solidFill>
+              <a:schemeClr val="tx1"/>
+            </a:solidFill>
+            <a:tailEnd type="triangle"/>
+          </a:ln>
+        </p:spPr>
+        <p:style>
+          <a:lnRef idx="1">
+            <a:schemeClr val="accent1"/>
+          </a:lnRef>
+          <a:fillRef idx="0">
+            <a:schemeClr val="accent1"/>
+          </a:fillRef>
+          <a:effectRef idx="0">
+            <a:schemeClr val="accent1"/>
+          </a:effectRef>
+          <a:fontRef idx="minor">
+            <a:schemeClr val="tx1"/>
+          </a:fontRef>
+        </p:style>
+      </p:cxnSp>
+      <p:sp>
+        <p:nvSpPr>
+          <p:cNvPr id="26" name="文本框 25">
+            <a:extLst>
+              <a:ext uri="{FF2B5EF4-FFF2-40B4-BE49-F238E27FC236}">
+                <a16:creationId xmlns:a16="http://schemas.microsoft.com/office/drawing/2014/main" id="{11C63D25-DB54-7A7E-33AA-EC37BB7A3B83}"/>
+              </a:ext>
+            </a:extLst>
+          </p:cNvPr>
+          <p:cNvSpPr txBox="1"/>
+          <p:nvPr/>
+        </p:nvSpPr>
+        <p:spPr>
+          <a:xfrm>
+            <a:off x="10717871" y="4721039"/>
+            <a:ext cx="1443113" cy="646331"/>
+          </a:xfrm>
+          <a:prstGeom prst="rect">
+            <a:avLst/>
+          </a:prstGeom>
+          <a:noFill/>
+        </p:spPr>
+        <p:txBody>
+          <a:bodyPr wrap="square" rtlCol="0">
+            <a:spAutoFit/>
+          </a:bodyPr>
+          <a:lstStyle/>
+          <a:p>
+            <a:r>
+              <a:rPr lang="en-US" altLang="zh-CN" dirty="0"/>
+              <a:t>Before </a:t>
+            </a:r>
+          </a:p>
+          <a:p>
+            <a:r>
+              <a:rPr lang="en-US" altLang="zh-CN" dirty="0"/>
+              <a:t>Algorithm</a:t>
+            </a:r>
+            <a:endParaRPr lang="zh-CN" altLang="en-US" dirty="0"/>
+          </a:p>
+        </p:txBody>
+      </p:sp>
+      <p:sp>
+        <p:nvSpPr>
+          <p:cNvPr id="27" name="文本框 26">
+            <a:extLst>
+              <a:ext uri="{FF2B5EF4-FFF2-40B4-BE49-F238E27FC236}">
+                <a16:creationId xmlns:a16="http://schemas.microsoft.com/office/drawing/2014/main" id="{32D0188D-10EB-9FFA-0D7A-A62199DE8EA1}"/>
+              </a:ext>
+            </a:extLst>
+          </p:cNvPr>
+          <p:cNvSpPr txBox="1"/>
+          <p:nvPr/>
+        </p:nvSpPr>
+        <p:spPr>
+          <a:xfrm>
+            <a:off x="10717870" y="5811707"/>
+            <a:ext cx="1443113" cy="646331"/>
+          </a:xfrm>
+          <a:prstGeom prst="rect">
+            <a:avLst/>
+          </a:prstGeom>
+          <a:noFill/>
+        </p:spPr>
+        <p:txBody>
+          <a:bodyPr wrap="square" rtlCol="0">
+            <a:spAutoFit/>
+          </a:bodyPr>
+          <a:lstStyle/>
+          <a:p>
+            <a:r>
+              <a:rPr lang="en-US" altLang="zh-CN" dirty="0"/>
+              <a:t>After </a:t>
+            </a:r>
+          </a:p>
+          <a:p>
+            <a:r>
+              <a:rPr lang="en-US" altLang="zh-CN" dirty="0"/>
+              <a:t>Algorithm</a:t>
+            </a:r>
+            <a:endParaRPr lang="zh-CN" altLang="en-US" dirty="0"/>
+          </a:p>
+        </p:txBody>
+      </p:sp>
     </p:spTree>
     <p:extLst>
       <p:ext uri="{BB962C8B-B14F-4D97-AF65-F5344CB8AC3E}">
@@ -7961,8 +8187,8 @@
         </p:nvSpPr>
         <p:spPr>
           <a:xfrm>
-            <a:off x="1540072" y="3798181"/>
-            <a:ext cx="9867901" cy="2862322"/>
+            <a:off x="1540072" y="3731822"/>
+            <a:ext cx="9867901" cy="3139321"/>
           </a:xfrm>
           <a:prstGeom prst="rect">
             <a:avLst/>
@@ -7983,7 +8209,7 @@
           <a:p>
             <a:r>
               <a:rPr lang="en-US" altLang="zh-CN" dirty="0"/>
-              <a:t>The method proposed in the paper based on derivations. However, ECG signals are relatively smooth, but simulated SCG signals are much sharper.</a:t>
+              <a:t>The method is based on derivations. However, ECG signals are relatively smooth, but simulated SCG signals are much sharper.</a:t>
             </a:r>
           </a:p>
           <a:p>
@@ -7998,7 +8224,7 @@
           <a:p>
             <a:r>
               <a:rPr lang="en-US" altLang="zh-CN" dirty="0"/>
-              <a:t>In the paper, after stretching the time axis, missing portions need to be interpolated. </a:t>
+              <a:t>In the paper, after stretching the time axis, missing parts need to be interpolated. </a:t>
             </a:r>
           </a:p>
           <a:p>
@@ -8024,7 +8250,7 @@
             </a:r>
             <a:r>
               <a:rPr lang="en-US" altLang="zh-CN" dirty="0"/>
-              <a:t>. The length of our templates is often in the range of 40-80. Interpolation will introduce significant errors.</a:t>
+              <a:t>. The length of our templates is often in the range of 40-80. Interpolation will introduce significant errors which result in distortion.</a:t>
             </a:r>
           </a:p>
         </p:txBody>
@@ -8236,8 +8462,8 @@
         </p:nvSpPr>
         <p:spPr>
           <a:xfrm>
-            <a:off x="1543700" y="1674674"/>
-            <a:ext cx="9772000" cy="1754326"/>
+            <a:off x="1371925" y="1674674"/>
+            <a:ext cx="9448150" cy="1754326"/>
           </a:xfrm>
           <a:prstGeom prst="rect">
             <a:avLst/>
@@ -8268,7 +8494,7 @@
           <a:p>
             <a:r>
               <a:rPr lang="en-US" altLang="zh-CN" dirty="0"/>
-              <a:t>The method I tried this week based on SRVFs is not successful. Next week, I will attempt the Discrete Time Warping (DTW) algorithm behind K-shape.</a:t>
+              <a:t>The method I tried this week based on SRVF is not successful. Next week, I will attempt the Discrete Time Warping (DTW) algorithm behind K-shape.</a:t>
             </a:r>
           </a:p>
         </p:txBody>
@@ -8394,7 +8620,7 @@
             </a:r>
             <a:r>
               <a:rPr lang="en-US" altLang="zh-CN" dirty="0"/>
-              <a:t>, what are our baseline experiments? Can you provide me with some papers on this topic? It seems that there are few papers in this category. Or are we comparing our algorithms to methods previously used for predicting S and D?</a:t>
+              <a:t>, what are our baseline experiments? Can you provide me with some papers on this topic? It seems that there are few papers in this category. Or are we comparing my ‘Get Template’ algorithm to methods previously used for predicting S and D?</a:t>
             </a:r>
           </a:p>
         </p:txBody>
@@ -8518,7 +8744,7 @@
         </p:nvSpPr>
         <p:spPr>
           <a:xfrm>
-            <a:off x="1725568" y="771425"/>
+            <a:off x="1574963" y="537330"/>
             <a:ext cx="9042074" cy="461665"/>
           </a:xfrm>
           <a:prstGeom prst="rect">
@@ -8557,7 +8783,7 @@
         </p:nvSpPr>
         <p:spPr>
           <a:xfrm>
-            <a:off x="1725568" y="1582340"/>
+            <a:off x="1280089" y="1315640"/>
             <a:ext cx="9933032" cy="4524315"/>
           </a:xfrm>
           <a:prstGeom prst="rect">
@@ -8643,7 +8869,7 @@
             <a:pPr lvl="1"/>
             <a:r>
               <a:rPr lang="en-US" altLang="zh-CN" dirty="0"/>
-              <a:t>In situations with heavy echoes, find an potential segmentation method.</a:t>
+              <a:t>In situations with heavy echoes, I find an potential segmentation method.</a:t>
             </a:r>
           </a:p>
           <a:p>
@@ -8802,7 +9028,7 @@
             </a:pPr>
             <a:r>
               <a:rPr lang="en-US" altLang="zh-CN" dirty="0"/>
-              <a:t>I refactored Generate Wave Module(7) and Filter Module(4), including interfaces, visualization, code comments and more.</a:t>
+              <a:t>I refactor Generate Wave Module(7) and Filter Module(4), including interfaces, visualization, code comments and more.</a:t>
             </a:r>
           </a:p>
           <a:p>
@@ -8899,7 +9125,7 @@
                   <a:srgbClr val="FFFF00"/>
                 </a:highlight>
               </a:rPr>
-              <a:t>Use 5 core commands to show you the demo.</a:t>
+              <a:t>Use 5 commands to show you the demo.</a:t>
             </a:r>
           </a:p>
         </p:txBody>
@@ -8998,7 +9224,7 @@
         <p:spPr>
           <a:xfrm>
             <a:off x="977634" y="927737"/>
-            <a:ext cx="10080892" cy="5940088"/>
+            <a:ext cx="10080892" cy="4247317"/>
           </a:xfrm>
           <a:prstGeom prst="rect">
             <a:avLst/>
@@ -9023,20 +9249,20 @@
             <a:pPr>
               <a:defRPr/>
             </a:pPr>
-            <a:endParaRPr lang="en-US" altLang="zh-CN" sz="2000" dirty="0"/>
+            <a:endParaRPr lang="en-US" altLang="zh-CN" dirty="0"/>
           </a:p>
           <a:p>
             <a:pPr>
               <a:defRPr/>
             </a:pPr>
-            <a:endParaRPr lang="en-US" altLang="zh-CN" sz="2000" dirty="0"/>
+            <a:endParaRPr lang="en-US" altLang="zh-CN" dirty="0"/>
           </a:p>
           <a:p>
             <a:pPr>
               <a:defRPr/>
             </a:pPr>
             <a:r>
-              <a:rPr lang="en-US" altLang="zh-CN" sz="2000" dirty="0"/>
+              <a:rPr lang="en-US" altLang="zh-CN" dirty="0"/>
               <a:t>Start studying and documenting theoretical aspects of the tutorial content (some parts may be included in the docstring of functions in the future). </a:t>
             </a:r>
           </a:p>
@@ -9044,7 +9270,13 @@
             <a:pPr>
               <a:defRPr/>
             </a:pPr>
-            <a:endParaRPr lang="en-US" altLang="zh-CN" sz="2000" dirty="0"/>
+            <a:endParaRPr lang="en-US" altLang="zh-CN" dirty="0"/>
+          </a:p>
+          <a:p>
+            <a:pPr>
+              <a:defRPr/>
+            </a:pPr>
+            <a:endParaRPr lang="en-US" altLang="zh-CN" dirty="0"/>
           </a:p>
           <a:p>
             <a:pPr marL="457200" indent="-457200">
@@ -9052,7 +9284,7 @@
               <a:defRPr/>
             </a:pPr>
             <a:r>
-              <a:rPr lang="en-US" altLang="zh-CN" sz="2000" dirty="0"/>
+              <a:rPr lang="en-US" altLang="zh-CN" dirty="0"/>
               <a:t>Unique properties and shapes of different wavelets</a:t>
             </a:r>
           </a:p>
@@ -9061,7 +9293,7 @@
               <a:buAutoNum type="arabicPeriod"/>
               <a:defRPr/>
             </a:pPr>
-            <a:endParaRPr lang="en-US" altLang="zh-CN" sz="2000" dirty="0"/>
+            <a:endParaRPr lang="en-US" altLang="zh-CN" dirty="0"/>
           </a:p>
           <a:p>
             <a:pPr marL="457200" indent="-457200">
@@ -9069,32 +9301,7 @@
               <a:defRPr/>
             </a:pPr>
             <a:r>
-              <a:rPr lang="en-US" altLang="zh-CN" sz="2000" dirty="0"/>
-              <a:t>The theoretical differences between Notched Filter and Butterworth </a:t>
-            </a:r>
-            <a:r>
-              <a:rPr lang="en-US" altLang="zh-CN" sz="2000" dirty="0" err="1"/>
-              <a:t>Bandstop</a:t>
-            </a:r>
-            <a:r>
-              <a:rPr lang="en-US" altLang="zh-CN" sz="2000" dirty="0"/>
-              <a:t> Filter, as well as their practical effects when applied to SCG signals.</a:t>
-            </a:r>
-          </a:p>
-          <a:p>
-            <a:pPr marL="457200" indent="-457200">
-              <a:buAutoNum type="arabicPeriod"/>
-              <a:defRPr/>
-            </a:pPr>
-            <a:endParaRPr lang="en-US" altLang="zh-CN" sz="2000" dirty="0"/>
-          </a:p>
-          <a:p>
-            <a:pPr marL="457200" indent="-457200">
-              <a:buAutoNum type="arabicPeriod"/>
-              <a:defRPr/>
-            </a:pPr>
-            <a:r>
-              <a:rPr lang="en-US" altLang="zh-CN" sz="2000" dirty="0"/>
+              <a:rPr lang="en-US" altLang="zh-CN" dirty="0"/>
               <a:t>I turned my attempts with certain algorithms into a playground, such as differences in SCG signals using different wavelets and distinctions between discrete wavelet transform(DWT) and empirical wavelet transform(EWT).</a:t>
             </a:r>
           </a:p>
@@ -9102,14 +9309,14 @@
             <a:pPr>
               <a:defRPr/>
             </a:pPr>
-            <a:endParaRPr lang="en-US" altLang="zh-CN" sz="2000" dirty="0"/>
+            <a:endParaRPr lang="en-US" altLang="zh-CN" dirty="0"/>
           </a:p>
           <a:p>
             <a:pPr>
               <a:defRPr/>
             </a:pPr>
             <a:r>
-              <a:rPr lang="en-US" altLang="zh-CN" sz="2000" b="1" dirty="0">
+              <a:rPr lang="en-US" altLang="zh-CN" b="1" dirty="0">
                 <a:highlight>
                   <a:srgbClr val="FFFF00"/>
                 </a:highlight>
@@ -9249,7 +9456,7 @@
           <a:p>
             <a:r>
               <a:rPr lang="en-US" altLang="zh-CN" dirty="0"/>
-              <a:t>Unlike last week's Wiener filter and </a:t>
+              <a:t>Unlike last week’s 2 filters(Wiener and </a:t>
             </a:r>
             <a:r>
               <a:rPr lang="en-US" altLang="zh-CN" dirty="0" err="1"/>
@@ -9257,7 +9464,7 @@
             </a:r>
             <a:r>
               <a:rPr lang="en-US" altLang="zh-CN" dirty="0"/>
-              <a:t> filter, they didn't produce unexpectedly good results. </a:t>
+              <a:t>), they didn't produce unexpectedly good results. </a:t>
             </a:r>
           </a:p>
           <a:p>
@@ -9364,8 +9571,8 @@
         </p:nvSpPr>
         <p:spPr>
           <a:xfrm>
-            <a:off x="964407" y="757236"/>
-            <a:ext cx="10622756" cy="3139321"/>
+            <a:off x="609599" y="926048"/>
+            <a:ext cx="11227593" cy="2862322"/>
           </a:xfrm>
           <a:prstGeom prst="rect">
             <a:avLst/>
@@ -9380,7 +9587,7 @@
           <a:p>
             <a:r>
               <a:rPr lang="en-US" altLang="zh-CN" dirty="0"/>
-              <a:t>I added 5 echoes to the clean signal, and attenuation coefficients for these echoes are [0.9, 0.7, 0.5, 0.4, 0.3], with delays of [5, 10, 15, 20, 25] time points, respectively.</a:t>
+              <a:t>I added 5 echoes to the clean signal, and attenuation coefficients for these echoes are [0.9, 0.7, 0.6, 0.5, 0.4], with delays of [5, 10, 15, 20, 25] time points, respectively.</a:t>
             </a:r>
           </a:p>
           <a:p>
@@ -9436,7 +9643,7 @@
           <a:p>
             <a:r>
               <a:rPr lang="en-US" altLang="zh-CN" dirty="0"/>
-              <a:t>At the same time, directly using Heart Rate as the cycle length for segmentation will result in a significant time shift (as shown in the figure below). </a:t>
+              <a:t>At the same time, directly using Heart Rate to calculate the cycle length for segmentation will result in a significant time shift (as shown in the figure below). </a:t>
             </a:r>
             <a:r>
               <a:rPr lang="en-US" altLang="zh-CN" dirty="0">
@@ -11519,7 +11726,7 @@
         <p:spPr>
           <a:xfrm>
             <a:off x="1800225" y="743671"/>
-            <a:ext cx="8591550" cy="1754326"/>
+            <a:ext cx="8591550" cy="2308324"/>
           </a:xfrm>
           <a:prstGeom prst="rect">
             <a:avLst/>
@@ -11546,6 +11753,15 @@
               <a:t>I did a simple comparison of algorithms that can recover a single-cycle signal, evaluating their performances on both noise-free and slightly noisy data.</a:t>
             </a:r>
           </a:p>
+          <a:p>
+            <a:endParaRPr lang="en-US" altLang="zh-CN" dirty="0"/>
+          </a:p>
+          <a:p>
+            <a:r>
+              <a:rPr lang="en-US" altLang="zh-CN" dirty="0"/>
+              <a:t>I will give analyses in detail. </a:t>
+            </a:r>
+          </a:p>
         </p:txBody>
       </p:sp>
       <p:graphicFrame>
@@ -11563,13 +11779,13 @@
           <p:nvPr>
             <p:extLst>
               <p:ext uri="{D42A27DB-BD31-4B8C-83A1-F6EECF244321}">
-                <p14:modId xmlns:p14="http://schemas.microsoft.com/office/powerpoint/2010/main" val="348079403"/>
+                <p14:modId xmlns:p14="http://schemas.microsoft.com/office/powerpoint/2010/main" val="1387020880"/>
               </p:ext>
             </p:extLst>
           </p:nvPr>
         </p:nvGraphicFramePr>
         <p:xfrm>
-          <a:off x="2032000" y="2846937"/>
+          <a:off x="1928426" y="3429000"/>
           <a:ext cx="8127999" cy="2595880"/>
         </p:xfrm>
         <a:graphic>
@@ -12115,8 +12331,8 @@
         </p:nvSpPr>
         <p:spPr>
           <a:xfrm>
-            <a:off x="1826807" y="1089520"/>
-            <a:ext cx="8810237" cy="1477328"/>
+            <a:off x="1690881" y="841683"/>
+            <a:ext cx="8967594" cy="2062103"/>
           </a:xfrm>
           <a:prstGeom prst="rect">
             <a:avLst/>
@@ -12130,14 +12346,26 @@
           <a:lstStyle/>
           <a:p>
             <a:r>
+              <a:rPr lang="en-US" altLang="zh-CN" sz="2000" b="1" dirty="0"/>
+              <a:t>Comparison of ‘No Template’ method and ‘Get Template’ method</a:t>
+            </a:r>
+          </a:p>
+          <a:p>
+            <a:endParaRPr lang="en-US" altLang="zh-CN" dirty="0"/>
+          </a:p>
+          <a:p>
+            <a:r>
               <a:rPr lang="en-US" altLang="zh-CN" dirty="0"/>
-              <a:t>The 'No Template' method is not very robust and is heavily affected by noise. </a:t>
-            </a:r>
+              <a:t>The ‘No Template’ method is not robust and is heavily affected by noise. </a:t>
+            </a:r>
+          </a:p>
+          <a:p>
+            <a:endParaRPr lang="en-US" altLang="zh-CN" dirty="0"/>
           </a:p>
           <a:p>
             <a:r>
               <a:rPr lang="en-US" altLang="zh-CN" dirty="0"/>
-              <a:t>However, the ‘Get Template’ method, while not very accurate on clean signals(this part will be explained later), is less affected by noise.</a:t>
+              <a:t>However, the ‘Get Template’ methods, while not very accurate on clean signals(this part will be explained later), are less affected by noise.</a:t>
             </a:r>
           </a:p>
         </p:txBody>
@@ -12157,13 +12385,13 @@
           <p:nvPr>
             <p:extLst>
               <p:ext uri="{D42A27DB-BD31-4B8C-83A1-F6EECF244321}">
-                <p14:modId xmlns:p14="http://schemas.microsoft.com/office/powerpoint/2010/main" val="3483903335"/>
+                <p14:modId xmlns:p14="http://schemas.microsoft.com/office/powerpoint/2010/main" val="303716509"/>
               </p:ext>
             </p:extLst>
           </p:nvPr>
         </p:nvGraphicFramePr>
         <p:xfrm>
-          <a:off x="1928426" y="3088452"/>
+          <a:off x="1928426" y="3454552"/>
           <a:ext cx="8127999" cy="1854200"/>
         </p:xfrm>
         <a:graphic>
@@ -12480,10 +12708,10 @@
                     <a:p>
                       <a:pPr algn="ctr"/>
                       <a:r>
-                        <a:rPr lang="en-US" altLang="zh-CN" dirty="0"/>
+                        <a:rPr lang="en-US" altLang="zh-CN" b="1" u="sng" dirty="0"/>
                         <a:t>Mean</a:t>
                       </a:r>
-                      <a:endParaRPr lang="zh-CN" altLang="en-US" dirty="0"/>
+                      <a:endParaRPr lang="zh-CN" altLang="en-US" b="1" u="sng" dirty="0"/>
                     </a:p>
                   </a:txBody>
                   <a:tcPr/>
@@ -12511,10 +12739,10 @@
                         <a:defRPr/>
                       </a:pPr>
                       <a:r>
-                        <a:rPr lang="en-US" altLang="zh-CN" dirty="0"/>
+                        <a:rPr lang="en-US" altLang="zh-CN" b="1" u="sng" dirty="0"/>
                         <a:t>1.35 / 1.38</a:t>
                       </a:r>
-                      <a:endParaRPr lang="zh-CN" altLang="en-US" dirty="0"/>
+                      <a:endParaRPr lang="zh-CN" altLang="en-US" b="1" u="sng" dirty="0"/>
                     </a:p>
                   </a:txBody>
                   <a:tcPr/>
@@ -12542,10 +12770,10 @@
                         <a:defRPr/>
                       </a:pPr>
                       <a:r>
-                        <a:rPr lang="en-US" altLang="zh-CN" dirty="0"/>
+                        <a:rPr lang="en-US" altLang="zh-CN" b="1" u="sng" dirty="0"/>
                         <a:t>4.53 / 4.44</a:t>
                       </a:r>
-                      <a:endParaRPr lang="zh-CN" altLang="en-US" dirty="0"/>
+                      <a:endParaRPr lang="zh-CN" altLang="en-US" b="1" u="sng" dirty="0"/>
                     </a:p>
                   </a:txBody>
                   <a:tcPr/>
@@ -12609,6 +12837,191 @@
           </a:p>
         </p:txBody>
       </p:sp>
+      <p:sp>
+        <p:nvSpPr>
+          <p:cNvPr id="4" name="文本框 3">
+            <a:extLst>
+              <a:ext uri="{FF2B5EF4-FFF2-40B4-BE49-F238E27FC236}">
+                <a16:creationId xmlns:a16="http://schemas.microsoft.com/office/drawing/2014/main" id="{CB72C898-50A7-AB6B-6EA5-3115D1591377}"/>
+              </a:ext>
+            </a:extLst>
+          </p:cNvPr>
+          <p:cNvSpPr txBox="1"/>
+          <p:nvPr/>
+        </p:nvSpPr>
+        <p:spPr>
+          <a:xfrm>
+            <a:off x="10056425" y="4196986"/>
+            <a:ext cx="2027328" cy="369332"/>
+          </a:xfrm>
+          <a:prstGeom prst="rect">
+            <a:avLst/>
+          </a:prstGeom>
+          <a:noFill/>
+        </p:spPr>
+        <p:txBody>
+          <a:bodyPr wrap="square" rtlCol="0">
+            <a:spAutoFit/>
+          </a:bodyPr>
+          <a:lstStyle/>
+          <a:p>
+            <a:r>
+              <a:rPr lang="en-US" altLang="zh-CN" dirty="0"/>
+              <a:t>Raise Rapidly</a:t>
+            </a:r>
+            <a:endParaRPr lang="zh-CN" altLang="en-US" dirty="0"/>
+          </a:p>
+        </p:txBody>
+      </p:sp>
+      <p:sp>
+        <p:nvSpPr>
+          <p:cNvPr id="5" name="文本框 4">
+            <a:extLst>
+              <a:ext uri="{FF2B5EF4-FFF2-40B4-BE49-F238E27FC236}">
+                <a16:creationId xmlns:a16="http://schemas.microsoft.com/office/drawing/2014/main" id="{2CD47907-CA6C-F5F7-82BA-FBF5C26188EF}"/>
+              </a:ext>
+            </a:extLst>
+          </p:cNvPr>
+          <p:cNvSpPr txBox="1"/>
+          <p:nvPr/>
+        </p:nvSpPr>
+        <p:spPr>
+          <a:xfrm>
+            <a:off x="10056425" y="4568203"/>
+            <a:ext cx="2027328" cy="369332"/>
+          </a:xfrm>
+          <a:prstGeom prst="rect">
+            <a:avLst/>
+          </a:prstGeom>
+          <a:noFill/>
+        </p:spPr>
+        <p:txBody>
+          <a:bodyPr wrap="square" rtlCol="0">
+            <a:spAutoFit/>
+          </a:bodyPr>
+          <a:lstStyle/>
+          <a:p>
+            <a:r>
+              <a:rPr lang="en-US" altLang="zh-CN" dirty="0"/>
+              <a:t>Raise Slightly</a:t>
+            </a:r>
+            <a:endParaRPr lang="zh-CN" altLang="en-US" dirty="0"/>
+          </a:p>
+        </p:txBody>
+      </p:sp>
+      <p:sp>
+        <p:nvSpPr>
+          <p:cNvPr id="7" name="文本框 6">
+            <a:extLst>
+              <a:ext uri="{FF2B5EF4-FFF2-40B4-BE49-F238E27FC236}">
+                <a16:creationId xmlns:a16="http://schemas.microsoft.com/office/drawing/2014/main" id="{74DADE95-D09A-7CA9-2A48-C44CB1AC496C}"/>
+              </a:ext>
+            </a:extLst>
+          </p:cNvPr>
+          <p:cNvSpPr txBox="1"/>
+          <p:nvPr/>
+        </p:nvSpPr>
+        <p:spPr>
+          <a:xfrm>
+            <a:off x="10056425" y="4937535"/>
+            <a:ext cx="2027328" cy="369332"/>
+          </a:xfrm>
+          <a:prstGeom prst="rect">
+            <a:avLst/>
+          </a:prstGeom>
+          <a:noFill/>
+        </p:spPr>
+        <p:txBody>
+          <a:bodyPr wrap="square" rtlCol="0">
+            <a:spAutoFit/>
+          </a:bodyPr>
+          <a:lstStyle/>
+          <a:p>
+            <a:r>
+              <a:rPr lang="en-US" altLang="zh-CN" dirty="0"/>
+              <a:t>Raise Slightly</a:t>
+            </a:r>
+            <a:endParaRPr lang="zh-CN" altLang="en-US" dirty="0"/>
+          </a:p>
+        </p:txBody>
+      </p:sp>
+      <p:sp>
+        <p:nvSpPr>
+          <p:cNvPr id="9" name="文本框 8">
+            <a:extLst>
+              <a:ext uri="{FF2B5EF4-FFF2-40B4-BE49-F238E27FC236}">
+                <a16:creationId xmlns:a16="http://schemas.microsoft.com/office/drawing/2014/main" id="{1BC03467-F7A7-B716-C72F-CB4F4DD8A11A}"/>
+              </a:ext>
+            </a:extLst>
+          </p:cNvPr>
+          <p:cNvSpPr txBox="1"/>
+          <p:nvPr/>
+        </p:nvSpPr>
+        <p:spPr>
+          <a:xfrm>
+            <a:off x="1690881" y="5693151"/>
+            <a:ext cx="8967594" cy="646331"/>
+          </a:xfrm>
+          <a:prstGeom prst="rect">
+            <a:avLst/>
+          </a:prstGeom>
+          <a:noFill/>
+        </p:spPr>
+        <p:txBody>
+          <a:bodyPr wrap="square">
+            <a:spAutoFit/>
+          </a:bodyPr>
+          <a:lstStyle/>
+          <a:p>
+            <a:r>
+              <a:rPr lang="en-US" altLang="zh-CN" dirty="0"/>
+              <a:t>From results of Mean Method, we could say recovering a single cycle signal can help us to achieve noise reduction.</a:t>
+            </a:r>
+          </a:p>
+        </p:txBody>
+      </p:sp>
+      <p:cxnSp>
+        <p:nvCxnSpPr>
+          <p:cNvPr id="11" name="直接箭头连接符 10">
+            <a:extLst>
+              <a:ext uri="{FF2B5EF4-FFF2-40B4-BE49-F238E27FC236}">
+                <a16:creationId xmlns:a16="http://schemas.microsoft.com/office/drawing/2014/main" id="{13A5A95D-A7BB-F202-23B9-CE05FA5E2E1A}"/>
+              </a:ext>
+            </a:extLst>
+          </p:cNvPr>
+          <p:cNvCxnSpPr/>
+          <p:nvPr/>
+        </p:nvCxnSpPr>
+        <p:spPr>
+          <a:xfrm>
+            <a:off x="3219450" y="5238750"/>
+            <a:ext cx="0" cy="454401"/>
+          </a:xfrm>
+          <a:prstGeom prst="straightConnector1">
+            <a:avLst/>
+          </a:prstGeom>
+          <a:ln>
+            <a:solidFill>
+              <a:schemeClr val="tx1"/>
+            </a:solidFill>
+            <a:tailEnd type="triangle"/>
+          </a:ln>
+        </p:spPr>
+        <p:style>
+          <a:lnRef idx="1">
+            <a:schemeClr val="accent1"/>
+          </a:lnRef>
+          <a:fillRef idx="0">
+            <a:schemeClr val="accent1"/>
+          </a:fillRef>
+          <a:effectRef idx="0">
+            <a:schemeClr val="accent1"/>
+          </a:effectRef>
+          <a:fontRef idx="minor">
+            <a:schemeClr val="tx1"/>
+          </a:fontRef>
+        </p:style>
+      </p:cxnSp>
     </p:spTree>
     <p:extLst>
       <p:ext uri="{BB962C8B-B14F-4D97-AF65-F5344CB8AC3E}">

--- a/Presentation_918_JiayuChen.pptx
+++ b/Presentation_918_JiayuChen.pptx
@@ -225,7 +225,7 @@
           <a:p>
             <a:fld id="{F724740E-8F52-4821-8A8D-03DDEC038A3B}" type="datetimeFigureOut">
               <a:rPr lang="zh-CN" altLang="en-US" smtClean="0"/>
-              <a:t>2023-09-18</a:t>
+              <a:t>2023-10-26</a:t>
             </a:fld>
             <a:endParaRPr lang="zh-CN" altLang="en-US"/>
           </a:p>
@@ -2145,7 +2145,7 @@
           <a:p>
             <a:fld id="{5647DC1B-4743-47FE-A400-A2B750CAD470}" type="datetimeFigureOut">
               <a:rPr lang="zh-CN" altLang="en-US" smtClean="0"/>
-              <a:t>2023-09-18</a:t>
+              <a:t>2023-10-26</a:t>
             </a:fld>
             <a:endParaRPr lang="zh-CN" altLang="en-US"/>
           </a:p>
@@ -2343,7 +2343,7 @@
           <a:p>
             <a:fld id="{5647DC1B-4743-47FE-A400-A2B750CAD470}" type="datetimeFigureOut">
               <a:rPr lang="zh-CN" altLang="en-US" smtClean="0"/>
-              <a:t>2023-09-18</a:t>
+              <a:t>2023-10-26</a:t>
             </a:fld>
             <a:endParaRPr lang="zh-CN" altLang="en-US"/>
           </a:p>
@@ -2551,7 +2551,7 @@
           <a:p>
             <a:fld id="{5647DC1B-4743-47FE-A400-A2B750CAD470}" type="datetimeFigureOut">
               <a:rPr lang="zh-CN" altLang="en-US" smtClean="0"/>
-              <a:t>2023-09-18</a:t>
+              <a:t>2023-10-26</a:t>
             </a:fld>
             <a:endParaRPr lang="zh-CN" altLang="en-US"/>
           </a:p>
@@ -2749,7 +2749,7 @@
           <a:p>
             <a:fld id="{5647DC1B-4743-47FE-A400-A2B750CAD470}" type="datetimeFigureOut">
               <a:rPr lang="zh-CN" altLang="en-US" smtClean="0"/>
-              <a:t>2023-09-18</a:t>
+              <a:t>2023-10-26</a:t>
             </a:fld>
             <a:endParaRPr lang="zh-CN" altLang="en-US"/>
           </a:p>
@@ -3024,7 +3024,7 @@
           <a:p>
             <a:fld id="{5647DC1B-4743-47FE-A400-A2B750CAD470}" type="datetimeFigureOut">
               <a:rPr lang="zh-CN" altLang="en-US" smtClean="0"/>
-              <a:t>2023-09-18</a:t>
+              <a:t>2023-10-26</a:t>
             </a:fld>
             <a:endParaRPr lang="zh-CN" altLang="en-US"/>
           </a:p>
@@ -3289,7 +3289,7 @@
           <a:p>
             <a:fld id="{5647DC1B-4743-47FE-A400-A2B750CAD470}" type="datetimeFigureOut">
               <a:rPr lang="zh-CN" altLang="en-US" smtClean="0"/>
-              <a:t>2023-09-18</a:t>
+              <a:t>2023-10-26</a:t>
             </a:fld>
             <a:endParaRPr lang="zh-CN" altLang="en-US"/>
           </a:p>
@@ -3701,7 +3701,7 @@
           <a:p>
             <a:fld id="{5647DC1B-4743-47FE-A400-A2B750CAD470}" type="datetimeFigureOut">
               <a:rPr lang="zh-CN" altLang="en-US" smtClean="0"/>
-              <a:t>2023-09-18</a:t>
+              <a:t>2023-10-26</a:t>
             </a:fld>
             <a:endParaRPr lang="zh-CN" altLang="en-US"/>
           </a:p>
@@ -3842,7 +3842,7 @@
           <a:p>
             <a:fld id="{5647DC1B-4743-47FE-A400-A2B750CAD470}" type="datetimeFigureOut">
               <a:rPr lang="zh-CN" altLang="en-US" smtClean="0"/>
-              <a:t>2023-09-18</a:t>
+              <a:t>2023-10-26</a:t>
             </a:fld>
             <a:endParaRPr lang="zh-CN" altLang="en-US"/>
           </a:p>
@@ -3955,7 +3955,7 @@
           <a:p>
             <a:fld id="{5647DC1B-4743-47FE-A400-A2B750CAD470}" type="datetimeFigureOut">
               <a:rPr lang="zh-CN" altLang="en-US" smtClean="0"/>
-              <a:t>2023-09-18</a:t>
+              <a:t>2023-10-26</a:t>
             </a:fld>
             <a:endParaRPr lang="zh-CN" altLang="en-US"/>
           </a:p>
@@ -4266,7 +4266,7 @@
           <a:p>
             <a:fld id="{5647DC1B-4743-47FE-A400-A2B750CAD470}" type="datetimeFigureOut">
               <a:rPr lang="zh-CN" altLang="en-US" smtClean="0"/>
-              <a:t>2023-09-18</a:t>
+              <a:t>2023-10-26</a:t>
             </a:fld>
             <a:endParaRPr lang="zh-CN" altLang="en-US"/>
           </a:p>
@@ -4554,7 +4554,7 @@
           <a:p>
             <a:fld id="{5647DC1B-4743-47FE-A400-A2B750CAD470}" type="datetimeFigureOut">
               <a:rPr lang="zh-CN" altLang="en-US" smtClean="0"/>
-              <a:t>2023-09-18</a:t>
+              <a:t>2023-10-26</a:t>
             </a:fld>
             <a:endParaRPr lang="zh-CN" altLang="en-US"/>
           </a:p>
@@ -4795,7 +4795,7 @@
           <a:p>
             <a:fld id="{5647DC1B-4743-47FE-A400-A2B750CAD470}" type="datetimeFigureOut">
               <a:rPr lang="zh-CN" altLang="en-US" smtClean="0"/>
-              <a:t>2023-09-18</a:t>
+              <a:t>2023-10-26</a:t>
             </a:fld>
             <a:endParaRPr lang="zh-CN" altLang="en-US"/>
           </a:p>
@@ -5693,7 +5693,7 @@
         </p:nvSpPr>
         <p:spPr>
           <a:xfrm>
-            <a:off x="6267450" y="2670133"/>
+            <a:off x="6200775" y="2670133"/>
             <a:ext cx="5991225" cy="3970318"/>
           </a:xfrm>
           <a:prstGeom prst="rect">
@@ -5885,7 +5885,7 @@
           <a:p>
             <a:r>
               <a:rPr lang="en-US" altLang="zh-CN" sz="2000" b="1" dirty="0"/>
-              <a:t>Why does common methods of obtaining the template result in poor performances for both S and D prediction, even in noise-free signals?</a:t>
+              <a:t>2 Why does methods of getting the template result in poor performances for both S and D prediction, even in noise-free signals?</a:t>
             </a:r>
           </a:p>
           <a:p>
@@ -6461,7 +6461,7 @@
           <a:p>
             <a:r>
               <a:rPr lang="en-US" altLang="zh-CN" sz="2000" b="1" dirty="0"/>
-              <a:t>Why the performance of K-shape is not satisfactory? </a:t>
+              <a:t>3 Why the performance of K-shape is not satisfactory? </a:t>
             </a:r>
           </a:p>
           <a:p>
@@ -8669,8 +8669,8 @@
         </p:nvSpPr>
         <p:spPr>
           <a:xfrm>
-            <a:off x="5219007" y="3105834"/>
-            <a:ext cx="1753985" cy="646331"/>
+            <a:off x="5114486" y="3105834"/>
+            <a:ext cx="1963028" cy="646331"/>
           </a:xfrm>
           <a:prstGeom prst="rect">
             <a:avLst/>
@@ -8839,7 +8839,7 @@
             </a:r>
             <a:r>
               <a:rPr lang="en-US" altLang="zh-CN" dirty="0" err="1"/>
-              <a:t>jupyter</a:t>
+              <a:t>Jupyter</a:t>
             </a:r>
             <a:r>
               <a:rPr lang="en-US" altLang="zh-CN" dirty="0"/>
@@ -8986,8 +8986,8 @@
         </p:nvSpPr>
         <p:spPr>
           <a:xfrm>
-            <a:off x="1816364" y="1513850"/>
-            <a:ext cx="9635068" cy="3508653"/>
+            <a:off x="1580144" y="1120676"/>
+            <a:ext cx="9635068" cy="4893647"/>
           </a:xfrm>
           <a:prstGeom prst="rect">
             <a:avLst/>
@@ -9127,6 +9127,45 @@
               </a:rPr>
               <a:t>Use 5 commands to show you the demo.</a:t>
             </a:r>
+          </a:p>
+          <a:p>
+            <a:pPr>
+              <a:defRPr/>
+            </a:pPr>
+            <a:endParaRPr lang="en-US" altLang="zh-CN" b="1" dirty="0">
+              <a:highlight>
+                <a:srgbClr val="FFFF00"/>
+              </a:highlight>
+            </a:endParaRPr>
+          </a:p>
+          <a:p>
+            <a:pPr>
+              <a:defRPr/>
+            </a:pPr>
+            <a:endParaRPr lang="en-US" altLang="zh-CN" sz="1800" b="1" dirty="0">
+              <a:highlight>
+                <a:srgbClr val="FFFF00"/>
+              </a:highlight>
+            </a:endParaRPr>
+          </a:p>
+          <a:p>
+            <a:pPr>
+              <a:defRPr/>
+            </a:pPr>
+            <a:r>
+              <a:rPr lang="en-US" altLang="zh-CN" b="1" dirty="0"/>
+              <a:t>Next week I will spend time improving the robustness of codes. </a:t>
+            </a:r>
+          </a:p>
+          <a:p>
+            <a:pPr>
+              <a:defRPr/>
+            </a:pPr>
+            <a:r>
+              <a:rPr lang="en-US" altLang="zh-CN" b="1" dirty="0"/>
+              <a:t>And you can reflect BUGs to me. Maybe I can create a google-doc. And you can post issues.</a:t>
+            </a:r>
+            <a:endParaRPr lang="en-US" altLang="zh-CN" sz="1800" b="1" dirty="0"/>
           </a:p>
         </p:txBody>
       </p:sp>
@@ -9224,7 +9263,7 @@
         <p:spPr>
           <a:xfrm>
             <a:off x="977634" y="927737"/>
-            <a:ext cx="10080892" cy="4247317"/>
+            <a:ext cx="10080892" cy="4555093"/>
           </a:xfrm>
           <a:prstGeom prst="rect">
             <a:avLst/>
@@ -9276,6 +9315,15 @@
             <a:pPr>
               <a:defRPr/>
             </a:pPr>
+            <a:r>
+              <a:rPr lang="en-US" altLang="zh-CN" dirty="0"/>
+              <a:t>This week I mainly focus on Wavelet denoising.</a:t>
+            </a:r>
+          </a:p>
+          <a:p>
+            <a:pPr>
+              <a:defRPr/>
+            </a:pPr>
             <a:endParaRPr lang="en-US" altLang="zh-CN" dirty="0"/>
           </a:p>
           <a:p>
@@ -9285,7 +9333,7 @@
             </a:pPr>
             <a:r>
               <a:rPr lang="en-US" altLang="zh-CN" dirty="0"/>
-              <a:t>Unique properties and shapes of different wavelets</a:t>
+              <a:t>Unique properties and shapes of different wavelets.</a:t>
             </a:r>
           </a:p>
           <a:p>
@@ -9321,7 +9369,7 @@
                   <a:srgbClr val="FFFF00"/>
                 </a:highlight>
               </a:rPr>
-              <a:t>Show the Notes.</a:t>
+              <a:t>Show notes easily.</a:t>
             </a:r>
           </a:p>
         </p:txBody>
@@ -9456,7 +9504,7 @@
           <a:p>
             <a:r>
               <a:rPr lang="en-US" altLang="zh-CN" dirty="0"/>
-              <a:t>Unlike last week’s 2 filters(Wiener and </a:t>
+              <a:t>Unlike last week’s 2 filters (Wiener and </a:t>
             </a:r>
             <a:r>
               <a:rPr lang="en-US" altLang="zh-CN" dirty="0" err="1"/>
@@ -9752,7 +9800,7 @@
           <a:p>
             <a:r>
               <a:rPr lang="en-US" altLang="zh-CN" dirty="0"/>
-              <a:t>Within a relatively short time, like 10 sec, patterns of echoes remain relatively consistent and don't exhibit significant variations.</a:t>
+              <a:t>I find, within a relatively short time, like 10 sec, patterns of echoes remain relatively consistent and don't exhibit significant variations.</a:t>
             </a:r>
           </a:p>
           <a:p>
@@ -11725,8 +11773,8 @@
         </p:nvSpPr>
         <p:spPr>
           <a:xfrm>
-            <a:off x="1800225" y="743671"/>
-            <a:ext cx="8591550" cy="2308324"/>
+            <a:off x="1633999" y="833120"/>
+            <a:ext cx="8924000" cy="2308324"/>
           </a:xfrm>
           <a:prstGeom prst="rect">
             <a:avLst/>
@@ -11750,7 +11798,7 @@
           <a:p>
             <a:r>
               <a:rPr lang="en-US" altLang="zh-CN" dirty="0"/>
-              <a:t>I did a simple comparison of algorithms that can recover a single-cycle signal, evaluating their performances on both noise-free and slightly noisy data.</a:t>
+              <a:t>Let’s begin with a comparison of algorithms that can recover a single-cycle signal, evaluating their performances on both noise-free and slightly noisy data.</a:t>
             </a:r>
           </a:p>
           <a:p>
@@ -11759,7 +11807,7 @@
           <a:p>
             <a:r>
               <a:rPr lang="en-US" altLang="zh-CN" dirty="0"/>
-              <a:t>I will give analyses in detail. </a:t>
+              <a:t>I will give analyses on this table in detail. </a:t>
             </a:r>
           </a:p>
         </p:txBody>
@@ -11779,13 +11827,13 @@
           <p:nvPr>
             <p:extLst>
               <p:ext uri="{D42A27DB-BD31-4B8C-83A1-F6EECF244321}">
-                <p14:modId xmlns:p14="http://schemas.microsoft.com/office/powerpoint/2010/main" val="1387020880"/>
+                <p14:modId xmlns:p14="http://schemas.microsoft.com/office/powerpoint/2010/main" val="4051909468"/>
               </p:ext>
             </p:extLst>
           </p:nvPr>
         </p:nvGraphicFramePr>
         <p:xfrm>
-          <a:off x="1928426" y="3429000"/>
+          <a:off x="2032000" y="3429000"/>
           <a:ext cx="8127999" cy="2595880"/>
         </p:xfrm>
         <a:graphic>
@@ -12347,7 +12395,7 @@
           <a:p>
             <a:r>
               <a:rPr lang="en-US" altLang="zh-CN" sz="2000" b="1" dirty="0"/>
-              <a:t>Comparison of ‘No Template’ method and ‘Get Template’ method</a:t>
+              <a:t>1 Comparison of ‘No Template’ method and ‘Get Template’ method</a:t>
             </a:r>
           </a:p>
           <a:p>
